--- a/documentation/wwsPresentation.pptx
+++ b/documentation/wwsPresentation.pptx
@@ -10,6 +10,10 @@
     <p:sldId id="258" r:id="rId4"/>
     <p:sldId id="259" r:id="rId5"/>
     <p:sldId id="260" r:id="rId6"/>
+    <p:sldId id="261" r:id="rId7"/>
+    <p:sldId id="262" r:id="rId8"/>
+    <p:sldId id="263" r:id="rId9"/>
+    <p:sldId id="264" r:id="rId10"/>
   </p:sldIdLst>
   <p:sldSz cx="9144000" cy="6858000" type="screen4x3"/>
   <p:notesSz cx="6858000" cy="9144000"/>
@@ -342,7 +346,7 @@
           <a:p>
             <a:fld id="{1778F24D-EB19-4AE0-B015-2BEA6D5224F2}" type="datetimeFigureOut">
               <a:rPr lang="en-US" smtClean="0"/>
-              <a:t>4/13/16</a:t>
+              <a:t>4/14/16</a:t>
             </a:fld>
             <a:endParaRPr lang="en-US"/>
           </a:p>
@@ -655,7 +659,7 @@
           <a:p>
             <a:fld id="{1778F24D-EB19-4AE0-B015-2BEA6D5224F2}" type="datetimeFigureOut">
               <a:rPr lang="en-US" smtClean="0"/>
-              <a:t>4/13/16</a:t>
+              <a:t>4/14/16</a:t>
             </a:fld>
             <a:endParaRPr lang="en-US"/>
           </a:p>
@@ -862,7 +866,7 @@
           <a:p>
             <a:fld id="{1778F24D-EB19-4AE0-B015-2BEA6D5224F2}" type="datetimeFigureOut">
               <a:rPr lang="en-US" smtClean="0"/>
-              <a:t>4/13/16</a:t>
+              <a:t>4/14/16</a:t>
             </a:fld>
             <a:endParaRPr lang="en-US"/>
           </a:p>
@@ -1067,7 +1071,7 @@
           <a:p>
             <a:fld id="{1778F24D-EB19-4AE0-B015-2BEA6D5224F2}" type="datetimeFigureOut">
               <a:rPr lang="en-US" smtClean="0"/>
-              <a:t>4/13/16</a:t>
+              <a:t>4/14/16</a:t>
             </a:fld>
             <a:endParaRPr lang="en-US"/>
           </a:p>
@@ -1262,7 +1266,7 @@
           <a:p>
             <a:fld id="{1778F24D-EB19-4AE0-B015-2BEA6D5224F2}" type="datetimeFigureOut">
               <a:rPr lang="en-US" smtClean="0"/>
-              <a:t>4/13/16</a:t>
+              <a:t>4/14/16</a:t>
             </a:fld>
             <a:endParaRPr lang="en-US"/>
           </a:p>
@@ -1532,7 +1536,7 @@
           <a:p>
             <a:fld id="{1778F24D-EB19-4AE0-B015-2BEA6D5224F2}" type="datetimeFigureOut">
               <a:rPr lang="en-US" smtClean="0"/>
-              <a:t>4/13/16</a:t>
+              <a:t>4/14/16</a:t>
             </a:fld>
             <a:endParaRPr lang="en-US"/>
           </a:p>
@@ -1843,7 +1847,7 @@
           <a:p>
             <a:fld id="{1778F24D-EB19-4AE0-B015-2BEA6D5224F2}" type="datetimeFigureOut">
               <a:rPr lang="en-US" smtClean="0"/>
-              <a:t>4/13/16</a:t>
+              <a:t>4/14/16</a:t>
             </a:fld>
             <a:endParaRPr lang="en-US"/>
           </a:p>
@@ -2304,7 +2308,7 @@
           <a:p>
             <a:fld id="{1778F24D-EB19-4AE0-B015-2BEA6D5224F2}" type="datetimeFigureOut">
               <a:rPr lang="en-US" smtClean="0"/>
-              <a:t>4/13/16</a:t>
+              <a:t>4/14/16</a:t>
             </a:fld>
             <a:endParaRPr lang="en-US"/>
           </a:p>
@@ -2443,7 +2447,7 @@
           <a:p>
             <a:fld id="{1778F24D-EB19-4AE0-B015-2BEA6D5224F2}" type="datetimeFigureOut">
               <a:rPr lang="en-US" smtClean="0"/>
-              <a:t>4/13/16</a:t>
+              <a:t>4/14/16</a:t>
             </a:fld>
             <a:endParaRPr lang="en-US"/>
           </a:p>
@@ -2559,7 +2563,7 @@
           <a:p>
             <a:fld id="{1778F24D-EB19-4AE0-B015-2BEA6D5224F2}" type="datetimeFigureOut">
               <a:rPr lang="en-US" smtClean="0"/>
-              <a:t>4/13/16</a:t>
+              <a:t>4/14/16</a:t>
             </a:fld>
             <a:endParaRPr lang="en-US"/>
           </a:p>
@@ -2845,7 +2849,7 @@
           <a:p>
             <a:fld id="{1778F24D-EB19-4AE0-B015-2BEA6D5224F2}" type="datetimeFigureOut">
               <a:rPr lang="en-US" smtClean="0"/>
-              <a:t>4/13/16</a:t>
+              <a:t>4/14/16</a:t>
             </a:fld>
             <a:endParaRPr lang="en-US"/>
           </a:p>
@@ -3183,7 +3187,7 @@
           <a:p>
             <a:fld id="{1778F24D-EB19-4AE0-B015-2BEA6D5224F2}" type="datetimeFigureOut">
               <a:rPr lang="en-US" smtClean="0"/>
-              <a:t>4/13/16</a:t>
+              <a:t>4/14/16</a:t>
             </a:fld>
             <a:endParaRPr lang="en-US"/>
           </a:p>
@@ -3459,7 +3463,7 @@
           <a:p>
             <a:fld id="{1778F24D-EB19-4AE0-B015-2BEA6D5224F2}" type="datetimeFigureOut">
               <a:rPr lang="en-US" smtClean="0"/>
-              <a:t>4/13/16</a:t>
+              <a:t>4/14/16</a:t>
             </a:fld>
             <a:endParaRPr lang="en-US"/>
           </a:p>
@@ -4077,15 +4081,7 @@
           <a:p>
             <a:r>
               <a:rPr lang="en-US" dirty="0" smtClean="0"/>
-              <a:t>Request the full data set from </a:t>
-            </a:r>
-            <a:r>
-              <a:rPr lang="en-US" dirty="0" err="1" smtClean="0"/>
-              <a:t>DarkSky</a:t>
-            </a:r>
-            <a:r>
-              <a:rPr lang="en-US" dirty="0" smtClean="0"/>
-              <a:t> API</a:t>
+              <a:t>Request the full data set from DarkSky API</a:t>
             </a:r>
           </a:p>
           <a:p>
@@ -4185,30 +4181,17 @@
           <a:p>
             <a:r>
               <a:rPr lang="en-US" dirty="0" smtClean="0"/>
-              <a:t>Push to </a:t>
-            </a:r>
-            <a:r>
-              <a:rPr lang="en-US" dirty="0" err="1" smtClean="0"/>
-              <a:t>OpenShift</a:t>
-            </a:r>
-            <a:endParaRPr lang="en-US" dirty="0" smtClean="0"/>
+              <a:t>Push to OpenShift</a:t>
+            </a:r>
           </a:p>
           <a:p>
             <a:r>
               <a:rPr lang="en-US" dirty="0" smtClean="0"/>
-              <a:t>Documentation: </a:t>
-            </a:r>
-            <a:r>
-              <a:rPr lang="en-US" dirty="0" err="1" smtClean="0"/>
-              <a:t>JavaDocs</a:t>
+              <a:t>Documentation: JavaDocs &amp; </a:t>
             </a:r>
             <a:r>
               <a:rPr lang="en-US" dirty="0" smtClean="0"/>
-              <a:t> &amp; </a:t>
-            </a:r>
-            <a:r>
-              <a:rPr lang="en-US" dirty="0" err="1" smtClean="0"/>
-              <a:t>Userguide</a:t>
+              <a:t>User guide</a:t>
             </a:r>
             <a:endParaRPr lang="en-US" dirty="0"/>
           </a:p>
@@ -4290,15 +4273,7 @@
           <a:p>
             <a:r>
               <a:rPr lang="en-US" dirty="0" smtClean="0"/>
-              <a:t>GSON – Google </a:t>
-            </a:r>
-            <a:r>
-              <a:rPr lang="en-US" dirty="0" err="1" smtClean="0"/>
-              <a:t>Json</a:t>
-            </a:r>
-            <a:r>
-              <a:rPr lang="en-US" dirty="0" smtClean="0"/>
-              <a:t> tools</a:t>
+              <a:t>GSON – Google Json tools</a:t>
             </a:r>
           </a:p>
           <a:p>
@@ -4310,7 +4285,7 @@
           <a:p>
             <a:r>
               <a:rPr lang="en-US" dirty="0" smtClean="0"/>
-              <a:t>Creating a request to an API</a:t>
+              <a:t>Postman</a:t>
             </a:r>
             <a:endParaRPr lang="en-US" dirty="0"/>
           </a:p>
@@ -4320,6 +4295,442 @@
     <p:extLst>
       <p:ext uri="{BB962C8B-B14F-4D97-AF65-F5344CB8AC3E}">
         <p14:creationId xmlns:p14="http://schemas.microsoft.com/office/powerpoint/2010/main" val="1157545112"/>
+      </p:ext>
+    </p:extLst>
+  </p:cSld>
+  <p:clrMapOvr>
+    <a:masterClrMapping/>
+  </p:clrMapOvr>
+</p:sld>
+</file>
+
+<file path=ppt/slides/slide6.xml><?xml version="1.0" encoding="utf-8"?>
+<p:sld xmlns:a="http://schemas.openxmlformats.org/drawingml/2006/main" xmlns:r="http://schemas.openxmlformats.org/officeDocument/2006/relationships" xmlns:p="http://schemas.openxmlformats.org/presentationml/2006/main">
+  <p:cSld>
+    <p:spTree>
+      <p:nvGrpSpPr>
+        <p:cNvPr id="1" name=""/>
+        <p:cNvGrpSpPr/>
+        <p:nvPr/>
+      </p:nvGrpSpPr>
+      <p:grpSpPr>
+        <a:xfrm>
+          <a:off x="0" y="0"/>
+          <a:ext cx="0" cy="0"/>
+          <a:chOff x="0" y="0"/>
+          <a:chExt cx="0" cy="0"/>
+        </a:xfrm>
+      </p:grpSpPr>
+      <p:sp>
+        <p:nvSpPr>
+          <p:cNvPr id="2" name="Title 1"/>
+          <p:cNvSpPr>
+            <a:spLocks noGrp="1"/>
+          </p:cNvSpPr>
+          <p:nvPr>
+            <p:ph type="title"/>
+          </p:nvPr>
+        </p:nvSpPr>
+        <p:spPr/>
+        <p:txBody>
+          <a:bodyPr/>
+          <a:lstStyle/>
+          <a:p>
+            <a:r>
+              <a:rPr lang="en-US" dirty="0" smtClean="0"/>
+              <a:t>JSON Website</a:t>
+            </a:r>
+            <a:endParaRPr lang="en-US" dirty="0"/>
+          </a:p>
+        </p:txBody>
+      </p:sp>
+      <p:sp>
+        <p:nvSpPr>
+          <p:cNvPr id="3" name="Content Placeholder 2"/>
+          <p:cNvSpPr>
+            <a:spLocks noGrp="1"/>
+          </p:cNvSpPr>
+          <p:nvPr>
+            <p:ph idx="1"/>
+          </p:nvPr>
+        </p:nvSpPr>
+        <p:spPr/>
+        <p:txBody>
+          <a:bodyPr/>
+          <a:lstStyle/>
+          <a:p>
+            <a:r>
+              <a:rPr lang="en-US" dirty="0" smtClean="0"/>
+              <a:t>Shows JSON data in an easy to use format</a:t>
+            </a:r>
+          </a:p>
+          <a:p>
+            <a:r>
+              <a:rPr lang="en-US" dirty="0" smtClean="0"/>
+              <a:t>Helps understand the structure of the JSON</a:t>
+            </a:r>
+          </a:p>
+          <a:p>
+            <a:r>
+              <a:rPr lang="en-US" dirty="0" smtClean="0"/>
+              <a:t>Collapsing menu system</a:t>
+            </a:r>
+          </a:p>
+          <a:p>
+            <a:r>
+              <a:rPr lang="en-US" dirty="0" smtClean="0"/>
+              <a:t>JSON syntax validation</a:t>
+            </a:r>
+            <a:endParaRPr lang="en-US" dirty="0"/>
+          </a:p>
+        </p:txBody>
+      </p:sp>
+    </p:spTree>
+    <p:extLst>
+      <p:ext uri="{BB962C8B-B14F-4D97-AF65-F5344CB8AC3E}">
+        <p14:creationId xmlns:p14="http://schemas.microsoft.com/office/powerpoint/2010/main" val="2285981061"/>
+      </p:ext>
+    </p:extLst>
+  </p:cSld>
+  <p:clrMapOvr>
+    <a:masterClrMapping/>
+  </p:clrMapOvr>
+</p:sld>
+</file>
+
+<file path=ppt/slides/slide7.xml><?xml version="1.0" encoding="utf-8"?>
+<p:sld xmlns:a="http://schemas.openxmlformats.org/drawingml/2006/main" xmlns:r="http://schemas.openxmlformats.org/officeDocument/2006/relationships" xmlns:p="http://schemas.openxmlformats.org/presentationml/2006/main">
+  <p:cSld>
+    <p:spTree>
+      <p:nvGrpSpPr>
+        <p:cNvPr id="1" name=""/>
+        <p:cNvGrpSpPr/>
+        <p:nvPr/>
+      </p:nvGrpSpPr>
+      <p:grpSpPr>
+        <a:xfrm>
+          <a:off x="0" y="0"/>
+          <a:ext cx="0" cy="0"/>
+          <a:chOff x="0" y="0"/>
+          <a:chExt cx="0" cy="0"/>
+        </a:xfrm>
+      </p:grpSpPr>
+      <p:sp>
+        <p:nvSpPr>
+          <p:cNvPr id="2" name="Title 1"/>
+          <p:cNvSpPr>
+            <a:spLocks noGrp="1"/>
+          </p:cNvSpPr>
+          <p:nvPr>
+            <p:ph type="title"/>
+          </p:nvPr>
+        </p:nvSpPr>
+        <p:spPr/>
+        <p:txBody>
+          <a:bodyPr/>
+          <a:lstStyle/>
+          <a:p>
+            <a:r>
+              <a:rPr lang="en-US" dirty="0" smtClean="0"/>
+              <a:t>GSON</a:t>
+            </a:r>
+            <a:endParaRPr lang="en-US" dirty="0"/>
+          </a:p>
+        </p:txBody>
+      </p:sp>
+      <p:sp>
+        <p:nvSpPr>
+          <p:cNvPr id="3" name="Content Placeholder 2"/>
+          <p:cNvSpPr>
+            <a:spLocks noGrp="1"/>
+          </p:cNvSpPr>
+          <p:nvPr>
+            <p:ph idx="1"/>
+          </p:nvPr>
+        </p:nvSpPr>
+        <p:spPr/>
+        <p:txBody>
+          <a:bodyPr/>
+          <a:lstStyle/>
+          <a:p>
+            <a:r>
+              <a:rPr lang="en-US" dirty="0" smtClean="0"/>
+              <a:t>Google tool for manipulating JSON</a:t>
+            </a:r>
+          </a:p>
+          <a:p>
+            <a:r>
+              <a:rPr lang="en-US" dirty="0" smtClean="0"/>
+              <a:t>Build JSON objects from POJOs</a:t>
+            </a:r>
+          </a:p>
+          <a:p>
+            <a:r>
+              <a:rPr lang="en-US" dirty="0" smtClean="0"/>
+              <a:t>Fill POJO properties from JSON</a:t>
+            </a:r>
+          </a:p>
+          <a:p>
+            <a:pPr lvl="1"/>
+            <a:r>
+              <a:rPr lang="en-US" dirty="0" smtClean="0"/>
+              <a:t>Smart enough to only populate relevant fields</a:t>
+            </a:r>
+          </a:p>
+          <a:p>
+            <a:r>
+              <a:rPr lang="en-US" dirty="0" smtClean="0"/>
+              <a:t>Nested JSON objects</a:t>
+            </a:r>
+          </a:p>
+          <a:p>
+            <a:endParaRPr lang="en-US" dirty="0"/>
+          </a:p>
+        </p:txBody>
+      </p:sp>
+    </p:spTree>
+    <p:extLst>
+      <p:ext uri="{BB962C8B-B14F-4D97-AF65-F5344CB8AC3E}">
+        <p14:creationId xmlns:p14="http://schemas.microsoft.com/office/powerpoint/2010/main" val="3896915156"/>
+      </p:ext>
+    </p:extLst>
+  </p:cSld>
+  <p:clrMapOvr>
+    <a:masterClrMapping/>
+  </p:clrMapOvr>
+</p:sld>
+</file>
+
+<file path=ppt/slides/slide8.xml><?xml version="1.0" encoding="utf-8"?>
+<p:sld xmlns:a="http://schemas.openxmlformats.org/drawingml/2006/main" xmlns:r="http://schemas.openxmlformats.org/officeDocument/2006/relationships" xmlns:p="http://schemas.openxmlformats.org/presentationml/2006/main">
+  <p:cSld>
+    <p:spTree>
+      <p:nvGrpSpPr>
+        <p:cNvPr id="1" name=""/>
+        <p:cNvGrpSpPr/>
+        <p:nvPr/>
+      </p:nvGrpSpPr>
+      <p:grpSpPr>
+        <a:xfrm>
+          <a:off x="0" y="0"/>
+          <a:ext cx="0" cy="0"/>
+          <a:chOff x="0" y="0"/>
+          <a:chExt cx="0" cy="0"/>
+        </a:xfrm>
+      </p:grpSpPr>
+      <p:sp>
+        <p:nvSpPr>
+          <p:cNvPr id="2" name="Title 1"/>
+          <p:cNvSpPr>
+            <a:spLocks noGrp="1"/>
+          </p:cNvSpPr>
+          <p:nvPr>
+            <p:ph type="title"/>
+          </p:nvPr>
+        </p:nvSpPr>
+        <p:spPr/>
+        <p:txBody>
+          <a:bodyPr/>
+          <a:lstStyle/>
+          <a:p>
+            <a:r>
+              <a:rPr lang="en-US" dirty="0" smtClean="0"/>
+              <a:t>Parameter Annotations</a:t>
+            </a:r>
+            <a:endParaRPr lang="en-US" dirty="0"/>
+          </a:p>
+        </p:txBody>
+      </p:sp>
+      <p:sp>
+        <p:nvSpPr>
+          <p:cNvPr id="3" name="Content Placeholder 2"/>
+          <p:cNvSpPr>
+            <a:spLocks noGrp="1"/>
+          </p:cNvSpPr>
+          <p:nvPr>
+            <p:ph idx="1"/>
+          </p:nvPr>
+        </p:nvSpPr>
+        <p:spPr/>
+        <p:txBody>
+          <a:bodyPr/>
+          <a:lstStyle/>
+          <a:p>
+            <a:r>
+              <a:rPr lang="en-US" dirty="0" smtClean="0"/>
+              <a:t>GET parameters </a:t>
+            </a:r>
+            <a:r>
+              <a:rPr lang="en-US" dirty="0"/>
+              <a:t>@</a:t>
+            </a:r>
+            <a:r>
+              <a:rPr lang="en-US" dirty="0" err="1"/>
+              <a:t>QueryParam</a:t>
+            </a:r>
+            <a:r>
+              <a:rPr lang="en-US" dirty="0" smtClean="0"/>
+              <a:t>(”</a:t>
+            </a:r>
+            <a:r>
+              <a:rPr lang="en-US" dirty="0" err="1" smtClean="0"/>
+              <a:t>var</a:t>
+            </a:r>
+            <a:r>
+              <a:rPr lang="en-US" dirty="0" smtClean="0"/>
+              <a:t>"</a:t>
+            </a:r>
+            <a:r>
+              <a:rPr lang="en-US" dirty="0"/>
+              <a:t>) String </a:t>
+            </a:r>
+            <a:r>
+              <a:rPr lang="en-US" dirty="0" err="1" smtClean="0"/>
+              <a:t>var</a:t>
+            </a:r>
+            <a:endParaRPr lang="en-US" dirty="0" smtClean="0"/>
+          </a:p>
+          <a:p>
+            <a:r>
+              <a:rPr lang="en-US" dirty="0" smtClean="0"/>
+              <a:t>@</a:t>
+            </a:r>
+            <a:r>
+              <a:rPr lang="en-US" dirty="0" err="1" smtClean="0"/>
+              <a:t>QueryParam</a:t>
+            </a:r>
+            <a:r>
+              <a:rPr lang="en-US" dirty="0" smtClean="0"/>
+              <a:t>(“</a:t>
+            </a:r>
+            <a:r>
+              <a:rPr lang="en-US" dirty="0" err="1" smtClean="0"/>
+              <a:t>var</a:t>
+            </a:r>
+            <a:r>
+              <a:rPr lang="en-US" dirty="0" smtClean="0"/>
+              <a:t>”) - key from GET </a:t>
+            </a:r>
+            <a:r>
+              <a:rPr lang="en-US" dirty="0" err="1" smtClean="0"/>
+              <a:t>url</a:t>
+            </a:r>
+            <a:endParaRPr lang="en-US" dirty="0"/>
+          </a:p>
+          <a:p>
+            <a:r>
+              <a:rPr lang="en-US" dirty="0" smtClean="0"/>
+              <a:t>String </a:t>
+            </a:r>
+            <a:r>
+              <a:rPr lang="en-US" dirty="0" err="1" smtClean="0"/>
+              <a:t>var</a:t>
+            </a:r>
+            <a:r>
+              <a:rPr lang="en-US" dirty="0" smtClean="0"/>
+              <a:t> – typical Java parameter for local use</a:t>
+            </a:r>
+            <a:endParaRPr lang="en-US" dirty="0"/>
+          </a:p>
+        </p:txBody>
+      </p:sp>
+    </p:spTree>
+    <p:extLst>
+      <p:ext uri="{BB962C8B-B14F-4D97-AF65-F5344CB8AC3E}">
+        <p14:creationId xmlns:p14="http://schemas.microsoft.com/office/powerpoint/2010/main" val="3002708244"/>
+      </p:ext>
+    </p:extLst>
+  </p:cSld>
+  <p:clrMapOvr>
+    <a:masterClrMapping/>
+  </p:clrMapOvr>
+</p:sld>
+</file>
+
+<file path=ppt/slides/slide9.xml><?xml version="1.0" encoding="utf-8"?>
+<p:sld xmlns:a="http://schemas.openxmlformats.org/drawingml/2006/main" xmlns:r="http://schemas.openxmlformats.org/officeDocument/2006/relationships" xmlns:p="http://schemas.openxmlformats.org/presentationml/2006/main">
+  <p:cSld>
+    <p:spTree>
+      <p:nvGrpSpPr>
+        <p:cNvPr id="1" name=""/>
+        <p:cNvGrpSpPr/>
+        <p:nvPr/>
+      </p:nvGrpSpPr>
+      <p:grpSpPr>
+        <a:xfrm>
+          <a:off x="0" y="0"/>
+          <a:ext cx="0" cy="0"/>
+          <a:chOff x="0" y="0"/>
+          <a:chExt cx="0" cy="0"/>
+        </a:xfrm>
+      </p:grpSpPr>
+      <p:sp>
+        <p:nvSpPr>
+          <p:cNvPr id="2" name="Title 1"/>
+          <p:cNvSpPr>
+            <a:spLocks noGrp="1"/>
+          </p:cNvSpPr>
+          <p:nvPr>
+            <p:ph type="title"/>
+          </p:nvPr>
+        </p:nvSpPr>
+        <p:spPr/>
+        <p:txBody>
+          <a:bodyPr/>
+          <a:lstStyle/>
+          <a:p>
+            <a:r>
+              <a:rPr lang="en-US" smtClean="0"/>
+              <a:t>Google Postman</a:t>
+            </a:r>
+            <a:endParaRPr lang="en-US" dirty="0"/>
+          </a:p>
+        </p:txBody>
+      </p:sp>
+      <p:sp>
+        <p:nvSpPr>
+          <p:cNvPr id="3" name="Content Placeholder 2"/>
+          <p:cNvSpPr>
+            <a:spLocks noGrp="1"/>
+          </p:cNvSpPr>
+          <p:nvPr>
+            <p:ph idx="1"/>
+          </p:nvPr>
+        </p:nvSpPr>
+        <p:spPr/>
+        <p:txBody>
+          <a:bodyPr/>
+          <a:lstStyle/>
+          <a:p>
+            <a:r>
+              <a:rPr lang="en-US" dirty="0" smtClean="0"/>
+              <a:t>Postman – Chrome plugin / standalone app</a:t>
+            </a:r>
+          </a:p>
+          <a:p>
+            <a:r>
+              <a:rPr lang="en-US" dirty="0" smtClean="0"/>
+              <a:t>Creates requests that you can save in groups</a:t>
+            </a:r>
+          </a:p>
+          <a:p>
+            <a:r>
+              <a:rPr lang="en-US" dirty="0" smtClean="0"/>
+              <a:t>Easy to save and collaborate</a:t>
+            </a:r>
+          </a:p>
+          <a:p>
+            <a:r>
+              <a:rPr lang="en-US" dirty="0" smtClean="0"/>
+              <a:t>Color coded response information</a:t>
+            </a:r>
+          </a:p>
+        </p:txBody>
+      </p:sp>
+    </p:spTree>
+    <p:extLst>
+      <p:ext uri="{BB962C8B-B14F-4D97-AF65-F5344CB8AC3E}">
+        <p14:creationId xmlns:p14="http://schemas.microsoft.com/office/powerpoint/2010/main" val="2836827736"/>
       </p:ext>
     </p:extLst>
   </p:cSld>

--- a/documentation/wwsPresentation.pptx
+++ b/documentation/wwsPresentation.pptx
@@ -2,24 +2,25 @@
 <file path=ppt/presentation.xml><?xml version="1.0" encoding="utf-8"?>
 <p:presentation xmlns:a="http://schemas.openxmlformats.org/drawingml/2006/main" xmlns:r="http://schemas.openxmlformats.org/officeDocument/2006/relationships" xmlns:p="http://schemas.openxmlformats.org/presentationml/2006/main">
   <p:sldMasterIdLst>
-    <p:sldMasterId id="2147483648" r:id="rId5"/>
+    <p:sldMasterId id="2147483648" r:id="rId1"/>
   </p:sldMasterIdLst>
   <p:notesMasterIdLst>
-    <p:notesMasterId r:id="rId7"/>
+    <p:notesMasterId r:id="rId13"/>
   </p:notesMasterIdLst>
   <p:sldIdLst>
-    <p:sldId id="256" r:id="rId8"/>
-    <p:sldId id="257" r:id="rId9"/>
-    <p:sldId id="258" r:id="rId10"/>
-    <p:sldId id="259" r:id="rId11"/>
-    <p:sldId id="260" r:id="rId12"/>
-    <p:sldId id="261" r:id="rId13"/>
-    <p:sldId id="262" r:id="rId14"/>
-    <p:sldId id="263" r:id="rId15"/>
-    <p:sldId id="264" r:id="rId16"/>
-    <p:sldId id="265" r:id="rId17"/>
+    <p:sldId id="256" r:id="rId2"/>
+    <p:sldId id="258" r:id="rId3"/>
+    <p:sldId id="259" r:id="rId4"/>
+    <p:sldId id="260" r:id="rId5"/>
+    <p:sldId id="261" r:id="rId6"/>
+    <p:sldId id="262" r:id="rId7"/>
+    <p:sldId id="263" r:id="rId8"/>
+    <p:sldId id="264" r:id="rId9"/>
+    <p:sldId id="265" r:id="rId10"/>
+    <p:sldId id="257" r:id="rId11"/>
+    <p:sldId id="266" r:id="rId12"/>
   </p:sldIdLst>
-  <p:sldSz cx="9144000" cy="6858000"/>
+  <p:sldSz cx="9144000" cy="6858000" type="screen4x3"/>
   <p:notesSz cx="6858000" cy="9144000"/>
   <p:defaultTextStyle>
     <a:defPPr marL="0" marR="0" indent="0" algn="l" defTabSz="914400" rtl="0" fontAlgn="auto" latinLnBrk="1" hangingPunct="0">
@@ -37,7 +38,7 @@
       <a:buFontTx/>
       <a:buNone/>
       <a:tabLst/>
-      <a:defRPr b="0" baseline="0" cap="none" i="0" spc="0" strike="noStrike" sz="1800" u="none" kumimoji="0" normalizeH="0">
+      <a:defRPr kumimoji="0" sz="1800" b="0" i="0" u="none" strike="noStrike" cap="none" spc="0" normalizeH="0" baseline="0">
         <a:ln>
           <a:noFill/>
         </a:ln>
@@ -63,7 +64,7 @@
       <a:buFontTx/>
       <a:buNone/>
       <a:tabLst/>
-      <a:defRPr b="0" baseline="0" cap="none" i="0" spc="0" strike="noStrike" sz="1800" u="none" kumimoji="0" normalizeH="0">
+      <a:defRPr kumimoji="0" sz="1800" b="0" i="0" u="none" strike="noStrike" cap="none" spc="0" normalizeH="0" baseline="0">
         <a:ln>
           <a:noFill/>
         </a:ln>
@@ -93,7 +94,7 @@
       <a:buFontTx/>
       <a:buNone/>
       <a:tabLst/>
-      <a:defRPr b="0" baseline="0" cap="none" i="0" spc="0" strike="noStrike" sz="1800" u="none" kumimoji="0" normalizeH="0">
+      <a:defRPr kumimoji="0" sz="1800" b="0" i="0" u="none" strike="noStrike" cap="none" spc="0" normalizeH="0" baseline="0">
         <a:ln>
           <a:noFill/>
         </a:ln>
@@ -123,7 +124,7 @@
       <a:buFontTx/>
       <a:buNone/>
       <a:tabLst/>
-      <a:defRPr b="0" baseline="0" cap="none" i="0" spc="0" strike="noStrike" sz="1800" u="none" kumimoji="0" normalizeH="0">
+      <a:defRPr kumimoji="0" sz="1800" b="0" i="0" u="none" strike="noStrike" cap="none" spc="0" normalizeH="0" baseline="0">
         <a:ln>
           <a:noFill/>
         </a:ln>
@@ -153,7 +154,7 @@
       <a:buFontTx/>
       <a:buNone/>
       <a:tabLst/>
-      <a:defRPr b="0" baseline="0" cap="none" i="0" spc="0" strike="noStrike" sz="1800" u="none" kumimoji="0" normalizeH="0">
+      <a:defRPr kumimoji="0" sz="1800" b="0" i="0" u="none" strike="noStrike" cap="none" spc="0" normalizeH="0" baseline="0">
         <a:ln>
           <a:noFill/>
         </a:ln>
@@ -183,7 +184,7 @@
       <a:buFontTx/>
       <a:buNone/>
       <a:tabLst/>
-      <a:defRPr b="0" baseline="0" cap="none" i="0" spc="0" strike="noStrike" sz="1800" u="none" kumimoji="0" normalizeH="0">
+      <a:defRPr kumimoji="0" sz="1800" b="0" i="0" u="none" strike="noStrike" cap="none" spc="0" normalizeH="0" baseline="0">
         <a:ln>
           <a:noFill/>
         </a:ln>
@@ -213,7 +214,7 @@
       <a:buFontTx/>
       <a:buNone/>
       <a:tabLst/>
-      <a:defRPr b="0" baseline="0" cap="none" i="0" spc="0" strike="noStrike" sz="1800" u="none" kumimoji="0" normalizeH="0">
+      <a:defRPr kumimoji="0" sz="1800" b="0" i="0" u="none" strike="noStrike" cap="none" spc="0" normalizeH="0" baseline="0">
         <a:ln>
           <a:noFill/>
         </a:ln>
@@ -243,7 +244,7 @@
       <a:buFontTx/>
       <a:buNone/>
       <a:tabLst/>
-      <a:defRPr b="0" baseline="0" cap="none" i="0" spc="0" strike="noStrike" sz="1800" u="none" kumimoji="0" normalizeH="0">
+      <a:defRPr kumimoji="0" sz="1800" b="0" i="0" u="none" strike="noStrike" cap="none" spc="0" normalizeH="0" baseline="0">
         <a:ln>
           <a:noFill/>
         </a:ln>
@@ -273,7 +274,7 @@
       <a:buFontTx/>
       <a:buNone/>
       <a:tabLst/>
-      <a:defRPr b="0" baseline="0" cap="none" i="0" spc="0" strike="noStrike" sz="1800" u="none" kumimoji="0" normalizeH="0">
+      <a:defRPr kumimoji="0" sz="1800" b="0" i="0" u="none" strike="noStrike" cap="none" spc="0" normalizeH="0" baseline="0">
         <a:ln>
           <a:noFill/>
         </a:ln>
@@ -303,7 +304,7 @@
       <a:buFontTx/>
       <a:buNone/>
       <a:tabLst/>
-      <a:defRPr b="0" baseline="0" cap="none" i="0" spc="0" strike="noStrike" sz="1800" u="none" kumimoji="0" normalizeH="0">
+      <a:defRPr kumimoji="0" sz="1800" b="0" i="0" u="none" strike="noStrike" cap="none" spc="0" normalizeH="0" baseline="0">
         <a:ln>
           <a:noFill/>
         </a:ln>
@@ -322,13 +323,14 @@
 </p:presentation>
 </file>
 
-<file path=ppt/commentAuthors.xml><?xml version="1.0" encoding="utf-8"?>
-<p:cmAuthorLst xmlns:a="http://schemas.openxmlformats.org/drawingml/2006/main" xmlns:r="http://schemas.openxmlformats.org/officeDocument/2006/relationships" xmlns:p="http://schemas.openxmlformats.org/presentationml/2006/main"/>
-</file>
-
 <file path=ppt/notesMasters/notesMaster1.xml><?xml version="1.0" encoding="utf-8"?>
 <p:notesMaster xmlns:a="http://schemas.openxmlformats.org/drawingml/2006/main" xmlns:r="http://schemas.openxmlformats.org/officeDocument/2006/relationships" xmlns:p="http://schemas.openxmlformats.org/presentationml/2006/main">
   <p:cSld>
+    <p:bg>
+      <p:bgRef idx="1001">
+        <a:schemeClr val="bg1"/>
+      </p:bgRef>
+    </p:bg>
     <p:spTree>
       <p:nvGrpSpPr>
         <p:cNvPr id="1" name=""/>
@@ -346,7 +348,9 @@
       <p:sp>
         <p:nvSpPr>
           <p:cNvPr id="126" name="Shape 126"/>
-          <p:cNvSpPr/>
+          <p:cNvSpPr>
+            <a:spLocks noGrp="1" noRot="1" noChangeAspect="1"/>
+          </p:cNvSpPr>
           <p:nvPr>
             <p:ph type="sldImg"/>
           </p:nvPr>
@@ -364,14 +368,16 @@
           <a:bodyPr/>
           <a:lstStyle/>
           <a:p>
-            <a:pPr/>
+            <a:endParaRPr/>
           </a:p>
         </p:txBody>
       </p:sp>
       <p:sp>
         <p:nvSpPr>
           <p:cNvPr id="127" name="Shape 127"/>
-          <p:cNvSpPr/>
+          <p:cNvSpPr>
+            <a:spLocks noGrp="1"/>
+          </p:cNvSpPr>
           <p:nvPr>
             <p:ph type="body" sz="quarter" idx="1"/>
           </p:nvPr>
@@ -389,11 +395,16 @@
           <a:bodyPr/>
           <a:lstStyle/>
           <a:p>
-            <a:pPr/>
+            <a:endParaRPr/>
           </a:p>
         </p:txBody>
       </p:sp>
     </p:spTree>
+    <p:extLst>
+      <p:ext uri="{BB962C8B-B14F-4D97-AF65-F5344CB8AC3E}">
+        <p14:creationId xmlns:p14="http://schemas.microsoft.com/office/powerpoint/2010/main" val="243589920"/>
+      </p:ext>
+    </p:extLst>
   </p:cSld>
   <p:clrMap bg1="lt1" tx1="dk1" bg2="lt2" tx2="dk2" accent1="accent1" accent2="accent2" accent3="accent3" accent4="accent4" accent5="accent5" accent6="accent6" hlink="hlink" folHlink="folHlink"/>
   <p:notesStyle>
@@ -474,17 +485,18 @@
 </file>
 
 <file path=ppt/slideLayouts/slideLayout1.xml><?xml version="1.0" encoding="utf-8"?>
-<p:sldLayout xmlns:a="http://schemas.openxmlformats.org/drawingml/2006/main" xmlns:r="http://schemas.openxmlformats.org/officeDocument/2006/relationships" xmlns:p="http://schemas.openxmlformats.org/presentationml/2006/main" type="title" showMasterSp="0" showMasterPhAnim="1">
+<p:sldLayout xmlns:a="http://schemas.openxmlformats.org/drawingml/2006/main" xmlns:r="http://schemas.openxmlformats.org/officeDocument/2006/relationships" xmlns:p="http://schemas.openxmlformats.org/presentationml/2006/main" showMasterSp="0" type="title">
   <p:cSld name="Title Slide">
     <p:bg>
       <p:bgPr>
         <a:blipFill rotWithShape="1">
           <a:blip r:embed="rId2"/>
-          <a:srcRect l="0" t="0" r="0" b="0"/>
+          <a:srcRect/>
           <a:stretch>
             <a:fillRect/>
           </a:stretch>
         </a:blipFill>
+        <a:effectLst/>
       </p:bgPr>
     </p:bg>
     <p:spTree>
@@ -504,7 +516,9 @@
       <p:sp>
         <p:nvSpPr>
           <p:cNvPr id="12" name="Shape 12"/>
-          <p:cNvSpPr/>
+          <p:cNvSpPr>
+            <a:spLocks noGrp="1"/>
+          </p:cNvSpPr>
           <p:nvPr>
             <p:ph type="title"/>
           </p:nvPr>
@@ -527,7 +541,7 @@
                   <a:srgbClr val="C5C5B9"/>
                 </a:solidFill>
                 <a:effectLst>
-                  <a:outerShdw sx="100000" sy="100000" kx="0" ky="0" algn="b" rotWithShape="0" blurRad="50800" dist="25400" dir="5400000">
+                  <a:outerShdw blurRad="50800" dist="25400" dir="5400000" rotWithShape="0">
                     <a:srgbClr val="000000">
                       <a:alpha val="40000"/>
                     </a:srgbClr>
@@ -537,7 +551,6 @@
             </a:lvl1pPr>
           </a:lstStyle>
           <a:p>
-            <a:pPr/>
             <a:r>
               <a:t>Click to edit Master title style</a:t>
             </a:r>
@@ -547,7 +560,9 @@
       <p:sp>
         <p:nvSpPr>
           <p:cNvPr id="13" name="Shape 13"/>
-          <p:cNvSpPr/>
+          <p:cNvSpPr>
+            <a:spLocks noGrp="1"/>
+          </p:cNvSpPr>
           <p:nvPr>
             <p:ph type="body" sz="half" idx="1"/>
           </p:nvPr>
@@ -582,7 +597,7 @@
                   <a:srgbClr val="C5C5B9"/>
                 </a:solidFill>
                 <a:effectLst>
-                  <a:outerShdw sx="100000" sy="100000" kx="0" ky="0" algn="b" rotWithShape="0" blurRad="50800" dist="38100" dir="5400000">
+                  <a:outerShdw blurRad="50800" dist="38100" dir="5400000" rotWithShape="0">
                     <a:srgbClr val="000000">
                       <a:alpha val="40000"/>
                     </a:srgbClr>
@@ -592,7 +607,6 @@
             </a:lvl1pPr>
           </a:lstStyle>
           <a:p>
-            <a:pPr/>
             <a:r>
               <a:t>Click to edit Master subtitle style</a:t>
             </a:r>
@@ -631,7 +645,9 @@
       <p:sp>
         <p:nvSpPr>
           <p:cNvPr id="15" name="Shape 15"/>
-          <p:cNvSpPr/>
+          <p:cNvSpPr>
+            <a:spLocks noGrp="1"/>
+          </p:cNvSpPr>
           <p:nvPr>
             <p:ph type="sldNum" sz="quarter" idx="2"/>
           </p:nvPr>
@@ -649,8 +665,10 @@
           <a:bodyPr/>
           <a:lstStyle/>
           <a:p>
-            <a:pPr/>
-            <a:fld id="{86CB4B4D-7CA3-9044-876B-883B54F8677D}" type="slidenum"/>
+            <a:fld id="{86CB4B4D-7CA3-9044-876B-883B54F8677D}" type="slidenum">
+              <a:t>‹#›</a:t>
+            </a:fld>
+            <a:endParaRPr/>
           </a:p>
         </p:txBody>
       </p:sp>
@@ -659,12 +677,12 @@
   <p:clrMapOvr>
     <a:masterClrMapping/>
   </p:clrMapOvr>
-  <p:transition xmlns:p14="http://schemas.microsoft.com/office/powerpoint/2010/main" spd="med" advClick="1"/>
+  <p:transition xmlns:p14="http://schemas.microsoft.com/office/powerpoint/2010/main" spd="med"/>
 </p:sldLayout>
 </file>
 
 <file path=ppt/slideLayouts/slideLayout10.xml><?xml version="1.0" encoding="utf-8"?>
-<p:sldLayout xmlns:a="http://schemas.openxmlformats.org/drawingml/2006/main" xmlns:r="http://schemas.openxmlformats.org/officeDocument/2006/relationships" xmlns:p="http://schemas.openxmlformats.org/presentationml/2006/main" type="tx" showMasterSp="0" showMasterPhAnim="1">
+<p:sldLayout xmlns:a="http://schemas.openxmlformats.org/drawingml/2006/main" xmlns:r="http://schemas.openxmlformats.org/officeDocument/2006/relationships" xmlns:p="http://schemas.openxmlformats.org/presentationml/2006/main" showMasterSp="0" type="tx">
   <p:cSld name="Picture above Caption">
     <p:spTree>
       <p:nvGrpSpPr>
@@ -683,7 +701,9 @@
       <p:sp>
         <p:nvSpPr>
           <p:cNvPr id="97" name="Shape 97"/>
-          <p:cNvSpPr/>
+          <p:cNvSpPr>
+            <a:spLocks noGrp="1"/>
+          </p:cNvSpPr>
           <p:nvPr>
             <p:ph type="title"/>
           </p:nvPr>
@@ -705,7 +725,6 @@
             </a:lvl1pPr>
           </a:lstStyle>
           <a:p>
-            <a:pPr/>
             <a:r>
               <a:t>Click to edit Master title style</a:t>
             </a:r>
@@ -715,7 +734,9 @@
       <p:sp>
         <p:nvSpPr>
           <p:cNvPr id="98" name="Shape 98"/>
-          <p:cNvSpPr/>
+          <p:cNvSpPr>
+            <a:spLocks noGrp="1"/>
+          </p:cNvSpPr>
           <p:nvPr>
             <p:ph type="pic" sz="half" idx="13"/>
           </p:nvPr>
@@ -735,7 +756,7 @@
             <a:miter lim="800000"/>
           </a:ln>
           <a:effectLst>
-            <a:outerShdw sx="100000" sy="100000" kx="0" ky="0" algn="b" rotWithShape="0" blurRad="50800" dist="38100" dir="2700000">
+            <a:outerShdw blurRad="50800" dist="38100" dir="2700000" rotWithShape="0">
               <a:srgbClr val="000000">
                 <a:alpha val="40000"/>
               </a:srgbClr>
@@ -748,14 +769,16 @@
           </a:bodyPr>
           <a:lstStyle/>
           <a:p>
-            <a:pPr/>
+            <a:endParaRPr/>
           </a:p>
         </p:txBody>
       </p:sp>
       <p:sp>
         <p:nvSpPr>
           <p:cNvPr id="99" name="Shape 99"/>
-          <p:cNvSpPr/>
+          <p:cNvSpPr>
+            <a:spLocks noGrp="1"/>
+          </p:cNvSpPr>
           <p:nvPr>
             <p:ph type="body" sz="quarter" idx="1"/>
           </p:nvPr>
@@ -789,7 +812,6 @@
             </a:lvl1pPr>
           </a:lstStyle>
           <a:p>
-            <a:pPr/>
             <a:r>
               <a:t>Click to edit Master text styles</a:t>
             </a:r>
@@ -828,7 +850,9 @@
       <p:sp>
         <p:nvSpPr>
           <p:cNvPr id="101" name="Shape 101"/>
-          <p:cNvSpPr/>
+          <p:cNvSpPr>
+            <a:spLocks noGrp="1"/>
+          </p:cNvSpPr>
           <p:nvPr>
             <p:ph type="sldNum" sz="quarter" idx="2"/>
           </p:nvPr>
@@ -842,8 +866,10 @@
           <a:bodyPr/>
           <a:lstStyle/>
           <a:p>
-            <a:pPr/>
-            <a:fld id="{86CB4B4D-7CA3-9044-876B-883B54F8677D}" type="slidenum"/>
+            <a:fld id="{86CB4B4D-7CA3-9044-876B-883B54F8677D}" type="slidenum">
+              <a:t>‹#›</a:t>
+            </a:fld>
+            <a:endParaRPr/>
           </a:p>
         </p:txBody>
       </p:sp>
@@ -852,12 +878,12 @@
   <p:clrMapOvr>
     <a:masterClrMapping/>
   </p:clrMapOvr>
-  <p:transition xmlns:p14="http://schemas.microsoft.com/office/powerpoint/2010/main" spd="med" advClick="1"/>
+  <p:transition xmlns:p14="http://schemas.microsoft.com/office/powerpoint/2010/main" spd="med"/>
 </p:sldLayout>
 </file>
 
 <file path=ppt/slideLayouts/slideLayout11.xml><?xml version="1.0" encoding="utf-8"?>
-<p:sldLayout xmlns:a="http://schemas.openxmlformats.org/drawingml/2006/main" xmlns:r="http://schemas.openxmlformats.org/officeDocument/2006/relationships" xmlns:p="http://schemas.openxmlformats.org/presentationml/2006/main" type="tx" showMasterSp="1" showMasterPhAnim="1">
+<p:sldLayout xmlns:a="http://schemas.openxmlformats.org/drawingml/2006/main" xmlns:r="http://schemas.openxmlformats.org/officeDocument/2006/relationships" xmlns:p="http://schemas.openxmlformats.org/presentationml/2006/main" type="tx">
   <p:cSld name="Title and Vertical Text">
     <p:spTree>
       <p:nvGrpSpPr>
@@ -876,7 +902,9 @@
       <p:sp>
         <p:nvSpPr>
           <p:cNvPr id="108" name="Shape 108"/>
-          <p:cNvSpPr/>
+          <p:cNvSpPr>
+            <a:spLocks noGrp="1"/>
+          </p:cNvSpPr>
           <p:nvPr>
             <p:ph type="title"/>
           </p:nvPr>
@@ -890,7 +918,6 @@
           <a:bodyPr/>
           <a:lstStyle/>
           <a:p>
-            <a:pPr/>
             <a:r>
               <a:t>Click to edit Master title style</a:t>
             </a:r>
@@ -900,7 +927,9 @@
       <p:sp>
         <p:nvSpPr>
           <p:cNvPr id="109" name="Shape 109"/>
-          <p:cNvSpPr/>
+          <p:cNvSpPr>
+            <a:spLocks noGrp="1"/>
+          </p:cNvSpPr>
           <p:nvPr>
             <p:ph type="body" idx="1"/>
           </p:nvPr>
@@ -923,7 +952,6 @@
           <a:bodyPr/>
           <a:lstStyle/>
           <a:p>
-            <a:pPr/>
             <a:r>
               <a:t>Click to edit Master text styles</a:t>
             </a:r>
@@ -957,7 +985,9 @@
       <p:sp>
         <p:nvSpPr>
           <p:cNvPr id="110" name="Shape 110"/>
-          <p:cNvSpPr/>
+          <p:cNvSpPr>
+            <a:spLocks noGrp="1"/>
+          </p:cNvSpPr>
           <p:nvPr>
             <p:ph type="sldNum" sz="quarter" idx="2"/>
           </p:nvPr>
@@ -971,8 +1001,10 @@
           <a:bodyPr/>
           <a:lstStyle/>
           <a:p>
-            <a:pPr/>
-            <a:fld id="{86CB4B4D-7CA3-9044-876B-883B54F8677D}" type="slidenum"/>
+            <a:fld id="{86CB4B4D-7CA3-9044-876B-883B54F8677D}" type="slidenum">
+              <a:t>‹#›</a:t>
+            </a:fld>
+            <a:endParaRPr/>
           </a:p>
         </p:txBody>
       </p:sp>
@@ -981,12 +1013,12 @@
   <p:clrMapOvr>
     <a:masterClrMapping/>
   </p:clrMapOvr>
-  <p:transition xmlns:p14="http://schemas.microsoft.com/office/powerpoint/2010/main" spd="med" advClick="1"/>
+  <p:transition xmlns:p14="http://schemas.microsoft.com/office/powerpoint/2010/main" spd="med"/>
 </p:sldLayout>
 </file>
 
 <file path=ppt/slideLayouts/slideLayout12.xml><?xml version="1.0" encoding="utf-8"?>
-<p:sldLayout xmlns:a="http://schemas.openxmlformats.org/drawingml/2006/main" xmlns:r="http://schemas.openxmlformats.org/officeDocument/2006/relationships" xmlns:p="http://schemas.openxmlformats.org/presentationml/2006/main" type="tx" showMasterSp="0" showMasterPhAnim="1">
+<p:sldLayout xmlns:a="http://schemas.openxmlformats.org/drawingml/2006/main" xmlns:r="http://schemas.openxmlformats.org/officeDocument/2006/relationships" xmlns:p="http://schemas.openxmlformats.org/presentationml/2006/main" showMasterSp="0" type="tx">
   <p:cSld name="Vertical Title and Text">
     <p:spTree>
       <p:nvGrpSpPr>
@@ -1005,7 +1037,9 @@
       <p:sp>
         <p:nvSpPr>
           <p:cNvPr id="117" name="Shape 117"/>
-          <p:cNvSpPr/>
+          <p:cNvSpPr>
+            <a:spLocks noGrp="1"/>
+          </p:cNvSpPr>
           <p:nvPr>
             <p:ph type="title"/>
           </p:nvPr>
@@ -1023,7 +1057,6 @@
           <a:bodyPr/>
           <a:lstStyle/>
           <a:p>
-            <a:pPr/>
             <a:r>
               <a:t>Click to edit Master title style</a:t>
             </a:r>
@@ -1033,7 +1066,9 @@
       <p:sp>
         <p:nvSpPr>
           <p:cNvPr id="118" name="Shape 118"/>
-          <p:cNvSpPr/>
+          <p:cNvSpPr>
+            <a:spLocks noGrp="1"/>
+          </p:cNvSpPr>
           <p:nvPr>
             <p:ph type="body" idx="1"/>
           </p:nvPr>
@@ -1056,7 +1091,6 @@
           <a:bodyPr/>
           <a:lstStyle/>
           <a:p>
-            <a:pPr/>
             <a:r>
               <a:t>Click to edit Master text styles</a:t>
             </a:r>
@@ -1119,7 +1153,9 @@
       <p:sp>
         <p:nvSpPr>
           <p:cNvPr id="120" name="Shape 120"/>
-          <p:cNvSpPr/>
+          <p:cNvSpPr>
+            <a:spLocks noGrp="1"/>
+          </p:cNvSpPr>
           <p:nvPr>
             <p:ph type="sldNum" sz="quarter" idx="2"/>
           </p:nvPr>
@@ -1133,8 +1169,10 @@
           <a:bodyPr/>
           <a:lstStyle/>
           <a:p>
-            <a:pPr/>
-            <a:fld id="{86CB4B4D-7CA3-9044-876B-883B54F8677D}" type="slidenum"/>
+            <a:fld id="{86CB4B4D-7CA3-9044-876B-883B54F8677D}" type="slidenum">
+              <a:t>‹#›</a:t>
+            </a:fld>
+            <a:endParaRPr/>
           </a:p>
         </p:txBody>
       </p:sp>
@@ -1143,12 +1181,12 @@
   <p:clrMapOvr>
     <a:masterClrMapping/>
   </p:clrMapOvr>
-  <p:transition xmlns:p14="http://schemas.microsoft.com/office/powerpoint/2010/main" spd="med" advClick="1"/>
+  <p:transition xmlns:p14="http://schemas.microsoft.com/office/powerpoint/2010/main" spd="med"/>
 </p:sldLayout>
 </file>
 
 <file path=ppt/slideLayouts/slideLayout2.xml><?xml version="1.0" encoding="utf-8"?>
-<p:sldLayout xmlns:a="http://schemas.openxmlformats.org/drawingml/2006/main" xmlns:r="http://schemas.openxmlformats.org/officeDocument/2006/relationships" xmlns:p="http://schemas.openxmlformats.org/presentationml/2006/main" type="tx" showMasterSp="1" showMasterPhAnim="1">
+<p:sldLayout xmlns:a="http://schemas.openxmlformats.org/drawingml/2006/main" xmlns:r="http://schemas.openxmlformats.org/officeDocument/2006/relationships" xmlns:p="http://schemas.openxmlformats.org/presentationml/2006/main" type="tx">
   <p:cSld name="Title and Content">
     <p:spTree>
       <p:nvGrpSpPr>
@@ -1167,7 +1205,9 @@
       <p:sp>
         <p:nvSpPr>
           <p:cNvPr id="22" name="Shape 22"/>
-          <p:cNvSpPr/>
+          <p:cNvSpPr>
+            <a:spLocks noGrp="1"/>
+          </p:cNvSpPr>
           <p:nvPr>
             <p:ph type="title"/>
           </p:nvPr>
@@ -1181,7 +1221,6 @@
           <a:bodyPr/>
           <a:lstStyle/>
           <a:p>
-            <a:pPr/>
             <a:r>
               <a:t>Click to edit Master title style</a:t>
             </a:r>
@@ -1191,7 +1230,9 @@
       <p:sp>
         <p:nvSpPr>
           <p:cNvPr id="23" name="Shape 23"/>
-          <p:cNvSpPr/>
+          <p:cNvSpPr>
+            <a:spLocks noGrp="1"/>
+          </p:cNvSpPr>
           <p:nvPr>
             <p:ph type="body" idx="1"/>
           </p:nvPr>
@@ -1214,7 +1255,6 @@
           <a:bodyPr/>
           <a:lstStyle/>
           <a:p>
-            <a:pPr/>
             <a:r>
               <a:t>Click to edit Master text styles</a:t>
             </a:r>
@@ -1248,7 +1288,9 @@
       <p:sp>
         <p:nvSpPr>
           <p:cNvPr id="24" name="Shape 24"/>
-          <p:cNvSpPr/>
+          <p:cNvSpPr>
+            <a:spLocks noGrp="1"/>
+          </p:cNvSpPr>
           <p:nvPr>
             <p:ph type="sldNum" sz="quarter" idx="2"/>
           </p:nvPr>
@@ -1262,8 +1304,10 @@
           <a:bodyPr/>
           <a:lstStyle/>
           <a:p>
-            <a:pPr/>
-            <a:fld id="{86CB4B4D-7CA3-9044-876B-883B54F8677D}" type="slidenum"/>
+            <a:fld id="{86CB4B4D-7CA3-9044-876B-883B54F8677D}" type="slidenum">
+              <a:t>‹#›</a:t>
+            </a:fld>
+            <a:endParaRPr/>
           </a:p>
         </p:txBody>
       </p:sp>
@@ -1272,12 +1316,12 @@
   <p:clrMapOvr>
     <a:masterClrMapping/>
   </p:clrMapOvr>
-  <p:transition xmlns:p14="http://schemas.microsoft.com/office/powerpoint/2010/main" spd="med" advClick="1"/>
+  <p:transition xmlns:p14="http://schemas.microsoft.com/office/powerpoint/2010/main" spd="med"/>
 </p:sldLayout>
 </file>
 
 <file path=ppt/slideLayouts/slideLayout3.xml><?xml version="1.0" encoding="utf-8"?>
-<p:sldLayout xmlns:a="http://schemas.openxmlformats.org/drawingml/2006/main" xmlns:r="http://schemas.openxmlformats.org/officeDocument/2006/relationships" xmlns:p="http://schemas.openxmlformats.org/presentationml/2006/main" type="tx" showMasterSp="0" showMasterPhAnim="1">
+<p:sldLayout xmlns:a="http://schemas.openxmlformats.org/drawingml/2006/main" xmlns:r="http://schemas.openxmlformats.org/officeDocument/2006/relationships" xmlns:p="http://schemas.openxmlformats.org/presentationml/2006/main" showMasterSp="0" type="tx">
   <p:cSld name="Section Header">
     <p:spTree>
       <p:nvGrpSpPr>
@@ -1296,7 +1340,9 @@
       <p:sp>
         <p:nvSpPr>
           <p:cNvPr id="31" name="Shape 31"/>
-          <p:cNvSpPr/>
+          <p:cNvSpPr>
+            <a:spLocks noGrp="1"/>
+          </p:cNvSpPr>
           <p:nvPr>
             <p:ph type="title"/>
           </p:nvPr>
@@ -1318,7 +1364,6 @@
             </a:lvl1pPr>
           </a:lstStyle>
           <a:p>
-            <a:pPr/>
             <a:r>
               <a:t>Click to edit Master title style</a:t>
             </a:r>
@@ -1328,7 +1373,9 @@
       <p:sp>
         <p:nvSpPr>
           <p:cNvPr id="32" name="Shape 32"/>
-          <p:cNvSpPr/>
+          <p:cNvSpPr>
+            <a:spLocks noGrp="1"/>
+          </p:cNvSpPr>
           <p:nvPr>
             <p:ph type="body" sz="half" idx="1"/>
           </p:nvPr>
@@ -1362,7 +1409,6 @@
             </a:lvl1pPr>
           </a:lstStyle>
           <a:p>
-            <a:pPr/>
             <a:r>
               <a:t>Click to edit Master text styles</a:t>
             </a:r>
@@ -1401,7 +1447,9 @@
       <p:sp>
         <p:nvSpPr>
           <p:cNvPr id="34" name="Shape 34"/>
-          <p:cNvSpPr/>
+          <p:cNvSpPr>
+            <a:spLocks noGrp="1"/>
+          </p:cNvSpPr>
           <p:nvPr>
             <p:ph type="sldNum" sz="quarter" idx="2"/>
           </p:nvPr>
@@ -1415,8 +1463,10 @@
           <a:bodyPr/>
           <a:lstStyle/>
           <a:p>
-            <a:pPr/>
-            <a:fld id="{86CB4B4D-7CA3-9044-876B-883B54F8677D}" type="slidenum"/>
+            <a:fld id="{86CB4B4D-7CA3-9044-876B-883B54F8677D}" type="slidenum">
+              <a:t>‹#›</a:t>
+            </a:fld>
+            <a:endParaRPr/>
           </a:p>
         </p:txBody>
       </p:sp>
@@ -1425,12 +1475,12 @@
   <p:clrMapOvr>
     <a:masterClrMapping/>
   </p:clrMapOvr>
-  <p:transition xmlns:p14="http://schemas.microsoft.com/office/powerpoint/2010/main" spd="med" advClick="1"/>
+  <p:transition xmlns:p14="http://schemas.microsoft.com/office/powerpoint/2010/main" spd="med"/>
 </p:sldLayout>
 </file>
 
 <file path=ppt/slideLayouts/slideLayout4.xml><?xml version="1.0" encoding="utf-8"?>
-<p:sldLayout xmlns:a="http://schemas.openxmlformats.org/drawingml/2006/main" xmlns:r="http://schemas.openxmlformats.org/officeDocument/2006/relationships" xmlns:p="http://schemas.openxmlformats.org/presentationml/2006/main" type="tx" showMasterSp="1" showMasterPhAnim="1">
+<p:sldLayout xmlns:a="http://schemas.openxmlformats.org/drawingml/2006/main" xmlns:r="http://schemas.openxmlformats.org/officeDocument/2006/relationships" xmlns:p="http://schemas.openxmlformats.org/presentationml/2006/main" type="tx">
   <p:cSld name="Two Content">
     <p:spTree>
       <p:nvGrpSpPr>
@@ -1449,7 +1499,9 @@
       <p:sp>
         <p:nvSpPr>
           <p:cNvPr id="41" name="Shape 41"/>
-          <p:cNvSpPr/>
+          <p:cNvSpPr>
+            <a:spLocks noGrp="1"/>
+          </p:cNvSpPr>
           <p:nvPr>
             <p:ph type="title"/>
           </p:nvPr>
@@ -1463,7 +1515,6 @@
           <a:bodyPr/>
           <a:lstStyle/>
           <a:p>
-            <a:pPr/>
             <a:r>
               <a:t>Click to edit Master title style</a:t>
             </a:r>
@@ -1473,7 +1524,9 @@
       <p:sp>
         <p:nvSpPr>
           <p:cNvPr id="42" name="Shape 42"/>
-          <p:cNvSpPr/>
+          <p:cNvSpPr>
+            <a:spLocks noGrp="1"/>
+          </p:cNvSpPr>
           <p:nvPr>
             <p:ph type="body" sz="half" idx="1"/>
           </p:nvPr>
@@ -1512,7 +1565,6 @@
             </a:lvl5pPr>
           </a:lstStyle>
           <a:p>
-            <a:pPr/>
             <a:r>
               <a:t>Click to edit Master text styles</a:t>
             </a:r>
@@ -1546,7 +1598,9 @@
       <p:sp>
         <p:nvSpPr>
           <p:cNvPr id="43" name="Shape 43"/>
-          <p:cNvSpPr/>
+          <p:cNvSpPr>
+            <a:spLocks noGrp="1"/>
+          </p:cNvSpPr>
           <p:nvPr>
             <p:ph type="sldNum" sz="quarter" idx="2"/>
           </p:nvPr>
@@ -1560,8 +1614,10 @@
           <a:bodyPr/>
           <a:lstStyle/>
           <a:p>
-            <a:pPr/>
-            <a:fld id="{86CB4B4D-7CA3-9044-876B-883B54F8677D}" type="slidenum"/>
+            <a:fld id="{86CB4B4D-7CA3-9044-876B-883B54F8677D}" type="slidenum">
+              <a:t>‹#›</a:t>
+            </a:fld>
+            <a:endParaRPr/>
           </a:p>
         </p:txBody>
       </p:sp>
@@ -1570,12 +1626,12 @@
   <p:clrMapOvr>
     <a:masterClrMapping/>
   </p:clrMapOvr>
-  <p:transition xmlns:p14="http://schemas.microsoft.com/office/powerpoint/2010/main" spd="med" advClick="1"/>
+  <p:transition xmlns:p14="http://schemas.microsoft.com/office/powerpoint/2010/main" spd="med"/>
 </p:sldLayout>
 </file>
 
 <file path=ppt/slideLayouts/slideLayout5.xml><?xml version="1.0" encoding="utf-8"?>
-<p:sldLayout xmlns:a="http://schemas.openxmlformats.org/drawingml/2006/main" xmlns:r="http://schemas.openxmlformats.org/officeDocument/2006/relationships" xmlns:p="http://schemas.openxmlformats.org/presentationml/2006/main" type="tx" showMasterSp="1" showMasterPhAnim="1">
+<p:sldLayout xmlns:a="http://schemas.openxmlformats.org/drawingml/2006/main" xmlns:r="http://schemas.openxmlformats.org/officeDocument/2006/relationships" xmlns:p="http://schemas.openxmlformats.org/presentationml/2006/main" type="tx">
   <p:cSld name="Comparison">
     <p:spTree>
       <p:nvGrpSpPr>
@@ -1594,7 +1650,9 @@
       <p:sp>
         <p:nvSpPr>
           <p:cNvPr id="50" name="Shape 50"/>
-          <p:cNvSpPr/>
+          <p:cNvSpPr>
+            <a:spLocks noGrp="1"/>
+          </p:cNvSpPr>
           <p:nvPr>
             <p:ph type="title"/>
           </p:nvPr>
@@ -1608,7 +1666,6 @@
           <a:bodyPr/>
           <a:lstStyle/>
           <a:p>
-            <a:pPr/>
             <a:r>
               <a:t>Click to edit Master title style</a:t>
             </a:r>
@@ -1618,7 +1675,9 @@
       <p:sp>
         <p:nvSpPr>
           <p:cNvPr id="51" name="Shape 51"/>
-          <p:cNvSpPr/>
+          <p:cNvSpPr>
+            <a:spLocks noGrp="1"/>
+          </p:cNvSpPr>
           <p:nvPr>
             <p:ph type="body" sz="quarter" idx="1"/>
           </p:nvPr>
@@ -1652,7 +1711,6 @@
             </a:lvl1pPr>
           </a:lstStyle>
           <a:p>
-            <a:pPr/>
             <a:r>
               <a:t>Click to edit Master text styles</a:t>
             </a:r>
@@ -1662,7 +1720,9 @@
       <p:sp>
         <p:nvSpPr>
           <p:cNvPr id="52" name="Shape 52"/>
-          <p:cNvSpPr/>
+          <p:cNvSpPr>
+            <a:spLocks noGrp="1"/>
+          </p:cNvSpPr>
           <p:nvPr>
             <p:ph type="body" sz="quarter" idx="13"/>
           </p:nvPr>
@@ -1690,13 +1750,16 @@
               <a:buNone/>
               <a:defRPr b="1"/>
             </a:pPr>
+            <a:endParaRPr/>
           </a:p>
         </p:txBody>
       </p:sp>
       <p:sp>
         <p:nvSpPr>
           <p:cNvPr id="53" name="Shape 53"/>
-          <p:cNvSpPr/>
+          <p:cNvSpPr>
+            <a:spLocks noGrp="1"/>
+          </p:cNvSpPr>
           <p:nvPr>
             <p:ph type="sldNum" sz="quarter" idx="2"/>
           </p:nvPr>
@@ -1710,8 +1773,10 @@
           <a:bodyPr/>
           <a:lstStyle/>
           <a:p>
-            <a:pPr/>
-            <a:fld id="{86CB4B4D-7CA3-9044-876B-883B54F8677D}" type="slidenum"/>
+            <a:fld id="{86CB4B4D-7CA3-9044-876B-883B54F8677D}" type="slidenum">
+              <a:t>‹#›</a:t>
+            </a:fld>
+            <a:endParaRPr/>
           </a:p>
         </p:txBody>
       </p:sp>
@@ -1720,12 +1785,12 @@
   <p:clrMapOvr>
     <a:masterClrMapping/>
   </p:clrMapOvr>
-  <p:transition xmlns:p14="http://schemas.microsoft.com/office/powerpoint/2010/main" spd="med" advClick="1"/>
+  <p:transition xmlns:p14="http://schemas.microsoft.com/office/powerpoint/2010/main" spd="med"/>
 </p:sldLayout>
 </file>
 
 <file path=ppt/slideLayouts/slideLayout6.xml><?xml version="1.0" encoding="utf-8"?>
-<p:sldLayout xmlns:a="http://schemas.openxmlformats.org/drawingml/2006/main" xmlns:r="http://schemas.openxmlformats.org/officeDocument/2006/relationships" xmlns:p="http://schemas.openxmlformats.org/presentationml/2006/main" type="tx" showMasterSp="1" showMasterPhAnim="1">
+<p:sldLayout xmlns:a="http://schemas.openxmlformats.org/drawingml/2006/main" xmlns:r="http://schemas.openxmlformats.org/officeDocument/2006/relationships" xmlns:p="http://schemas.openxmlformats.org/presentationml/2006/main" type="tx">
   <p:cSld name="Title Only">
     <p:spTree>
       <p:nvGrpSpPr>
@@ -1744,7 +1809,9 @@
       <p:sp>
         <p:nvSpPr>
           <p:cNvPr id="60" name="Shape 60"/>
-          <p:cNvSpPr/>
+          <p:cNvSpPr>
+            <a:spLocks noGrp="1"/>
+          </p:cNvSpPr>
           <p:nvPr>
             <p:ph type="title"/>
           </p:nvPr>
@@ -1758,7 +1825,6 @@
           <a:bodyPr/>
           <a:lstStyle/>
           <a:p>
-            <a:pPr/>
             <a:r>
               <a:t>Click to edit Master title style</a:t>
             </a:r>
@@ -1768,7 +1834,9 @@
       <p:sp>
         <p:nvSpPr>
           <p:cNvPr id="61" name="Shape 61"/>
-          <p:cNvSpPr/>
+          <p:cNvSpPr>
+            <a:spLocks noGrp="1"/>
+          </p:cNvSpPr>
           <p:nvPr>
             <p:ph type="sldNum" sz="quarter" idx="2"/>
           </p:nvPr>
@@ -1782,8 +1850,10 @@
           <a:bodyPr/>
           <a:lstStyle/>
           <a:p>
-            <a:pPr/>
-            <a:fld id="{86CB4B4D-7CA3-9044-876B-883B54F8677D}" type="slidenum"/>
+            <a:fld id="{86CB4B4D-7CA3-9044-876B-883B54F8677D}" type="slidenum">
+              <a:t>‹#›</a:t>
+            </a:fld>
+            <a:endParaRPr/>
           </a:p>
         </p:txBody>
       </p:sp>
@@ -1792,12 +1862,12 @@
   <p:clrMapOvr>
     <a:masterClrMapping/>
   </p:clrMapOvr>
-  <p:transition xmlns:p14="http://schemas.microsoft.com/office/powerpoint/2010/main" spd="med" advClick="1"/>
+  <p:transition xmlns:p14="http://schemas.microsoft.com/office/powerpoint/2010/main" spd="med"/>
 </p:sldLayout>
 </file>
 
 <file path=ppt/slideLayouts/slideLayout7.xml><?xml version="1.0" encoding="utf-8"?>
-<p:sldLayout xmlns:a="http://schemas.openxmlformats.org/drawingml/2006/main" xmlns:r="http://schemas.openxmlformats.org/officeDocument/2006/relationships" xmlns:p="http://schemas.openxmlformats.org/presentationml/2006/main" type="tx" showMasterSp="0" showMasterPhAnim="1">
+<p:sldLayout xmlns:a="http://schemas.openxmlformats.org/drawingml/2006/main" xmlns:r="http://schemas.openxmlformats.org/officeDocument/2006/relationships" xmlns:p="http://schemas.openxmlformats.org/presentationml/2006/main" showMasterSp="0" type="tx">
   <p:cSld name="Blank">
     <p:spTree>
       <p:nvGrpSpPr>
@@ -1816,7 +1886,9 @@
       <p:sp>
         <p:nvSpPr>
           <p:cNvPr id="68" name="Shape 68"/>
-          <p:cNvSpPr/>
+          <p:cNvSpPr>
+            <a:spLocks noGrp="1"/>
+          </p:cNvSpPr>
           <p:nvPr>
             <p:ph type="sldNum" sz="quarter" idx="2"/>
           </p:nvPr>
@@ -1830,8 +1902,10 @@
           <a:bodyPr/>
           <a:lstStyle/>
           <a:p>
-            <a:pPr/>
-            <a:fld id="{86CB4B4D-7CA3-9044-876B-883B54F8677D}" type="slidenum"/>
+            <a:fld id="{86CB4B4D-7CA3-9044-876B-883B54F8677D}" type="slidenum">
+              <a:t>‹#›</a:t>
+            </a:fld>
+            <a:endParaRPr/>
           </a:p>
         </p:txBody>
       </p:sp>
@@ -1840,12 +1914,12 @@
   <p:clrMapOvr>
     <a:masterClrMapping/>
   </p:clrMapOvr>
-  <p:transition xmlns:p14="http://schemas.microsoft.com/office/powerpoint/2010/main" spd="med" advClick="1"/>
+  <p:transition xmlns:p14="http://schemas.microsoft.com/office/powerpoint/2010/main" spd="med"/>
 </p:sldLayout>
 </file>
 
 <file path=ppt/slideLayouts/slideLayout8.xml><?xml version="1.0" encoding="utf-8"?>
-<p:sldLayout xmlns:a="http://schemas.openxmlformats.org/drawingml/2006/main" xmlns:r="http://schemas.openxmlformats.org/officeDocument/2006/relationships" xmlns:p="http://schemas.openxmlformats.org/presentationml/2006/main" type="tx" showMasterSp="0" showMasterPhAnim="1">
+<p:sldLayout xmlns:a="http://schemas.openxmlformats.org/drawingml/2006/main" xmlns:r="http://schemas.openxmlformats.org/officeDocument/2006/relationships" xmlns:p="http://schemas.openxmlformats.org/presentationml/2006/main" showMasterSp="0" type="tx">
   <p:cSld name="Content with Caption">
     <p:spTree>
       <p:nvGrpSpPr>
@@ -1864,7 +1938,9 @@
       <p:sp>
         <p:nvSpPr>
           <p:cNvPr id="75" name="Shape 75"/>
-          <p:cNvSpPr/>
+          <p:cNvSpPr>
+            <a:spLocks noGrp="1"/>
+          </p:cNvSpPr>
           <p:nvPr>
             <p:ph type="title"/>
           </p:nvPr>
@@ -1886,7 +1962,6 @@
             </a:lvl1pPr>
           </a:lstStyle>
           <a:p>
-            <a:pPr/>
             <a:r>
               <a:t>Click to edit Master title style</a:t>
             </a:r>
@@ -1896,7 +1971,9 @@
       <p:sp>
         <p:nvSpPr>
           <p:cNvPr id="76" name="Shape 76"/>
-          <p:cNvSpPr/>
+          <p:cNvSpPr>
+            <a:spLocks noGrp="1"/>
+          </p:cNvSpPr>
           <p:nvPr>
             <p:ph type="body" sz="half" idx="1"/>
           </p:nvPr>
@@ -1919,7 +1996,6 @@
           <a:bodyPr/>
           <a:lstStyle/>
           <a:p>
-            <a:pPr/>
             <a:r>
               <a:t>Click to edit Master text styles</a:t>
             </a:r>
@@ -1953,7 +2029,9 @@
       <p:sp>
         <p:nvSpPr>
           <p:cNvPr id="77" name="Shape 77"/>
-          <p:cNvSpPr/>
+          <p:cNvSpPr>
+            <a:spLocks noGrp="1"/>
+          </p:cNvSpPr>
           <p:nvPr>
             <p:ph type="body" sz="quarter" idx="13"/>
           </p:nvPr>
@@ -1984,6 +2062,7 @@
               <a:buNone/>
               <a:defRPr sz="1800"/>
             </a:pPr>
+            <a:endParaRPr/>
           </a:p>
         </p:txBody>
       </p:sp>
@@ -2019,7 +2098,9 @@
       <p:sp>
         <p:nvSpPr>
           <p:cNvPr id="79" name="Shape 79"/>
-          <p:cNvSpPr/>
+          <p:cNvSpPr>
+            <a:spLocks noGrp="1"/>
+          </p:cNvSpPr>
           <p:nvPr>
             <p:ph type="sldNum" sz="quarter" idx="2"/>
           </p:nvPr>
@@ -2033,8 +2114,10 @@
           <a:bodyPr/>
           <a:lstStyle/>
           <a:p>
-            <a:pPr/>
-            <a:fld id="{86CB4B4D-7CA3-9044-876B-883B54F8677D}" type="slidenum"/>
+            <a:fld id="{86CB4B4D-7CA3-9044-876B-883B54F8677D}" type="slidenum">
+              <a:t>‹#›</a:t>
+            </a:fld>
+            <a:endParaRPr/>
           </a:p>
         </p:txBody>
       </p:sp>
@@ -2043,12 +2126,12 @@
   <p:clrMapOvr>
     <a:masterClrMapping/>
   </p:clrMapOvr>
-  <p:transition xmlns:p14="http://schemas.microsoft.com/office/powerpoint/2010/main" spd="med" advClick="1"/>
+  <p:transition xmlns:p14="http://schemas.microsoft.com/office/powerpoint/2010/main" spd="med"/>
 </p:sldLayout>
 </file>
 
 <file path=ppt/slideLayouts/slideLayout9.xml><?xml version="1.0" encoding="utf-8"?>
-<p:sldLayout xmlns:a="http://schemas.openxmlformats.org/drawingml/2006/main" xmlns:r="http://schemas.openxmlformats.org/officeDocument/2006/relationships" xmlns:p="http://schemas.openxmlformats.org/presentationml/2006/main" type="tx" showMasterSp="0" showMasterPhAnim="1">
+<p:sldLayout xmlns:a="http://schemas.openxmlformats.org/drawingml/2006/main" xmlns:r="http://schemas.openxmlformats.org/officeDocument/2006/relationships" xmlns:p="http://schemas.openxmlformats.org/presentationml/2006/main" showMasterSp="0" type="tx">
   <p:cSld name="Picture with Caption">
     <p:spTree>
       <p:nvGrpSpPr>
@@ -2067,7 +2150,9 @@
       <p:sp>
         <p:nvSpPr>
           <p:cNvPr id="86" name="Shape 86"/>
-          <p:cNvSpPr/>
+          <p:cNvSpPr>
+            <a:spLocks noGrp="1"/>
+          </p:cNvSpPr>
           <p:nvPr>
             <p:ph type="title"/>
           </p:nvPr>
@@ -2089,7 +2174,6 @@
             </a:lvl1pPr>
           </a:lstStyle>
           <a:p>
-            <a:pPr/>
             <a:r>
               <a:t>Click to edit Master title style</a:t>
             </a:r>
@@ -2099,7 +2183,9 @@
       <p:sp>
         <p:nvSpPr>
           <p:cNvPr id="87" name="Shape 87"/>
-          <p:cNvSpPr/>
+          <p:cNvSpPr>
+            <a:spLocks noGrp="1"/>
+          </p:cNvSpPr>
           <p:nvPr>
             <p:ph type="pic" sz="half" idx="13"/>
           </p:nvPr>
@@ -2119,7 +2205,7 @@
             <a:miter lim="800000"/>
           </a:ln>
           <a:effectLst>
-            <a:outerShdw sx="100000" sy="100000" kx="0" ky="0" algn="b" rotWithShape="0" blurRad="50800" dist="38100" dir="2700000">
+            <a:outerShdw blurRad="50800" dist="38100" dir="2700000" rotWithShape="0">
               <a:srgbClr val="000000">
                 <a:alpha val="40000"/>
               </a:srgbClr>
@@ -2132,14 +2218,16 @@
           </a:bodyPr>
           <a:lstStyle/>
           <a:p>
-            <a:pPr/>
+            <a:endParaRPr/>
           </a:p>
         </p:txBody>
       </p:sp>
       <p:sp>
         <p:nvSpPr>
           <p:cNvPr id="88" name="Shape 88"/>
-          <p:cNvSpPr/>
+          <p:cNvSpPr>
+            <a:spLocks noGrp="1"/>
+          </p:cNvSpPr>
           <p:nvPr>
             <p:ph type="body" sz="quarter" idx="1"/>
           </p:nvPr>
@@ -2173,7 +2261,6 @@
             </a:lvl1pPr>
           </a:lstStyle>
           <a:p>
-            <a:pPr/>
             <a:r>
               <a:t>Click to edit Master text styles</a:t>
             </a:r>
@@ -2212,7 +2299,9 @@
       <p:sp>
         <p:nvSpPr>
           <p:cNvPr id="90" name="Shape 90"/>
-          <p:cNvSpPr/>
+          <p:cNvSpPr>
+            <a:spLocks noGrp="1"/>
+          </p:cNvSpPr>
           <p:nvPr>
             <p:ph type="sldNum" sz="quarter" idx="2"/>
           </p:nvPr>
@@ -2226,8 +2315,10 @@
           <a:bodyPr/>
           <a:lstStyle/>
           <a:p>
-            <a:pPr/>
-            <a:fld id="{86CB4B4D-7CA3-9044-876B-883B54F8677D}" type="slidenum"/>
+            <a:fld id="{86CB4B4D-7CA3-9044-876B-883B54F8677D}" type="slidenum">
+              <a:t>‹#›</a:t>
+            </a:fld>
+            <a:endParaRPr/>
           </a:p>
         </p:txBody>
       </p:sp>
@@ -2236,7 +2327,7 @@
   <p:clrMapOvr>
     <a:masterClrMapping/>
   </p:clrMapOvr>
-  <p:transition xmlns:p14="http://schemas.microsoft.com/office/powerpoint/2010/main" spd="med" advClick="1"/>
+  <p:transition xmlns:p14="http://schemas.microsoft.com/office/powerpoint/2010/main" spd="med"/>
 </p:sldLayout>
 </file>
 
@@ -2246,12 +2337,13 @@
     <p:bg>
       <p:bgPr>
         <a:blipFill rotWithShape="1">
-          <a:blip r:embed="rId2"/>
-          <a:srcRect l="0" t="0" r="0" b="0"/>
+          <a:blip r:embed="rId14"/>
+          <a:srcRect/>
           <a:stretch>
             <a:fillRect/>
           </a:stretch>
         </a:blipFill>
+        <a:effectLst/>
       </p:bgPr>
     </p:bg>
     <p:spTree>
@@ -2271,7 +2363,9 @@
       <p:sp>
         <p:nvSpPr>
           <p:cNvPr id="2" name="Shape 2"/>
-          <p:cNvSpPr/>
+          <p:cNvSpPr>
+            <a:spLocks noGrp="1"/>
+          </p:cNvSpPr>
           <p:nvPr>
             <p:ph type="title"/>
           </p:nvPr>
@@ -2295,11 +2389,10 @@
         </p:spPr>
         <p:txBody>
           <a:bodyPr lIns="45719" rIns="45719" anchor="ctr">
-            <a:normAutofit fontScale="100000" lnSpcReduction="0"/>
+            <a:normAutofit/>
           </a:bodyPr>
           <a:lstStyle/>
           <a:p>
-            <a:pPr/>
             <a:r>
               <a:t>Click to edit Master title style</a:t>
             </a:r>
@@ -2315,7 +2408,7 @@
           <p:nvPr/>
         </p:nvPicPr>
         <p:blipFill>
-          <a:blip r:embed="rId3">
+          <a:blip r:embed="rId15">
             <a:extLst/>
           </a:blip>
           <a:stretch>
@@ -2338,7 +2431,9 @@
       <p:sp>
         <p:nvSpPr>
           <p:cNvPr id="4" name="Shape 4"/>
-          <p:cNvSpPr/>
+          <p:cNvSpPr>
+            <a:spLocks noGrp="1"/>
+          </p:cNvSpPr>
           <p:nvPr>
             <p:ph type="body" idx="1"/>
           </p:nvPr>
@@ -2357,18 +2452,20 @@
         </p:spPr>
         <p:txBody>
           <a:bodyPr lIns="45719" rIns="45719">
-            <a:normAutofit fontScale="100000" lnSpcReduction="0"/>
+            <a:normAutofit/>
           </a:bodyPr>
           <a:lstStyle/>
           <a:p>
-            <a:pPr/>
+            <a:endParaRPr/>
           </a:p>
         </p:txBody>
       </p:sp>
       <p:sp>
         <p:nvSpPr>
           <p:cNvPr id="5" name="Shape 5"/>
-          <p:cNvSpPr/>
+          <p:cNvSpPr>
+            <a:spLocks noGrp="1"/>
+          </p:cNvSpPr>
           <p:nvPr>
             <p:ph type="sldNum" sz="quarter" idx="2"/>
           </p:nvPr>
@@ -2399,8 +2496,10 @@
             </a:lvl1pPr>
           </a:lstStyle>
           <a:p>
-            <a:pPr/>
-            <a:fld id="{86CB4B4D-7CA3-9044-876B-883B54F8677D}" type="slidenum"/>
+            <a:fld id="{86CB4B4D-7CA3-9044-876B-883B54F8677D}" type="slidenum">
+              <a:t>‹#›</a:t>
+            </a:fld>
+            <a:endParaRPr/>
           </a:p>
         </p:txBody>
       </p:sp>
@@ -2408,20 +2507,20 @@
   </p:cSld>
   <p:clrMap bg1="lt1" tx1="dk1" bg2="lt2" tx2="dk2" accent1="accent1" accent2="accent2" accent3="accent3" accent4="accent4" accent5="accent5" accent6="accent6" hlink="hlink" folHlink="folHlink"/>
   <p:sldLayoutIdLst>
-    <p:sldLayoutId id="2147483649" r:id="rId4"/>
-    <p:sldLayoutId id="2147483650" r:id="rId5"/>
-    <p:sldLayoutId id="2147483651" r:id="rId6"/>
-    <p:sldLayoutId id="2147483652" r:id="rId7"/>
-    <p:sldLayoutId id="2147483653" r:id="rId8"/>
-    <p:sldLayoutId id="2147483654" r:id="rId9"/>
-    <p:sldLayoutId id="2147483655" r:id="rId10"/>
-    <p:sldLayoutId id="2147483656" r:id="rId11"/>
-    <p:sldLayoutId id="2147483657" r:id="rId12"/>
-    <p:sldLayoutId id="2147483658" r:id="rId13"/>
-    <p:sldLayoutId id="2147483659" r:id="rId14"/>
-    <p:sldLayoutId id="2147483660" r:id="rId15"/>
+    <p:sldLayoutId id="2147483649" r:id="rId1"/>
+    <p:sldLayoutId id="2147483650" r:id="rId2"/>
+    <p:sldLayoutId id="2147483651" r:id="rId3"/>
+    <p:sldLayoutId id="2147483652" r:id="rId4"/>
+    <p:sldLayoutId id="2147483653" r:id="rId5"/>
+    <p:sldLayoutId id="2147483654" r:id="rId6"/>
+    <p:sldLayoutId id="2147483655" r:id="rId7"/>
+    <p:sldLayoutId id="2147483656" r:id="rId8"/>
+    <p:sldLayoutId id="2147483657" r:id="rId9"/>
+    <p:sldLayoutId id="2147483658" r:id="rId10"/>
+    <p:sldLayoutId id="2147483659" r:id="rId11"/>
+    <p:sldLayoutId id="2147483660" r:id="rId12"/>
   </p:sldLayoutIdLst>
-  <p:transition xmlns:p14="http://schemas.microsoft.com/office/powerpoint/2010/main" spd="med" advClick="1"/>
+  <p:transition xmlns:p14="http://schemas.microsoft.com/office/powerpoint/2010/main" spd="med"/>
   <p:txStyles>
     <p:titleStyle>
       <a:lvl1pPr marL="0" marR="0" indent="0" algn="ctr" defTabSz="914400" rtl="0" latinLnBrk="0">
@@ -2439,7 +2538,7 @@
         <a:buFontTx/>
         <a:buNone/>
         <a:tabLst/>
-        <a:defRPr b="0" baseline="0" cap="none" i="0" spc="0" strike="noStrike" sz="5000" u="none">
+        <a:defRPr sz="5000" b="0" i="0" u="none" strike="noStrike" cap="none" spc="0" baseline="0">
           <a:ln>
             <a:noFill/>
           </a:ln>
@@ -2447,7 +2546,7 @@
             <a:srgbClr val="2D2F2B"/>
           </a:solidFill>
           <a:effectLst>
-            <a:outerShdw sx="100000" sy="100000" kx="0" ky="0" algn="b" rotWithShape="0" blurRad="38100" dist="12700" dir="0">
+            <a:outerShdw blurRad="38100" dist="12700" rotWithShape="0">
               <a:srgbClr val="000000">
                 <a:alpha val="40000"/>
               </a:srgbClr>
@@ -2475,7 +2574,7 @@
         <a:buFontTx/>
         <a:buNone/>
         <a:tabLst/>
-        <a:defRPr b="0" baseline="0" cap="none" i="0" spc="0" strike="noStrike" sz="5000" u="none">
+        <a:defRPr sz="5000" b="0" i="0" u="none" strike="noStrike" cap="none" spc="0" baseline="0">
           <a:ln>
             <a:noFill/>
           </a:ln>
@@ -2483,7 +2582,7 @@
             <a:srgbClr val="2D2F2B"/>
           </a:solidFill>
           <a:effectLst>
-            <a:outerShdw sx="100000" sy="100000" kx="0" ky="0" algn="b" rotWithShape="0" blurRad="38100" dist="12700" dir="0">
+            <a:outerShdw blurRad="38100" dist="12700" rotWithShape="0">
               <a:srgbClr val="000000">
                 <a:alpha val="40000"/>
               </a:srgbClr>
@@ -2511,7 +2610,7 @@
         <a:buFontTx/>
         <a:buNone/>
         <a:tabLst/>
-        <a:defRPr b="0" baseline="0" cap="none" i="0" spc="0" strike="noStrike" sz="5000" u="none">
+        <a:defRPr sz="5000" b="0" i="0" u="none" strike="noStrike" cap="none" spc="0" baseline="0">
           <a:ln>
             <a:noFill/>
           </a:ln>
@@ -2519,7 +2618,7 @@
             <a:srgbClr val="2D2F2B"/>
           </a:solidFill>
           <a:effectLst>
-            <a:outerShdw sx="100000" sy="100000" kx="0" ky="0" algn="b" rotWithShape="0" blurRad="38100" dist="12700" dir="0">
+            <a:outerShdw blurRad="38100" dist="12700" rotWithShape="0">
               <a:srgbClr val="000000">
                 <a:alpha val="40000"/>
               </a:srgbClr>
@@ -2547,7 +2646,7 @@
         <a:buFontTx/>
         <a:buNone/>
         <a:tabLst/>
-        <a:defRPr b="0" baseline="0" cap="none" i="0" spc="0" strike="noStrike" sz="5000" u="none">
+        <a:defRPr sz="5000" b="0" i="0" u="none" strike="noStrike" cap="none" spc="0" baseline="0">
           <a:ln>
             <a:noFill/>
           </a:ln>
@@ -2555,7 +2654,7 @@
             <a:srgbClr val="2D2F2B"/>
           </a:solidFill>
           <a:effectLst>
-            <a:outerShdw sx="100000" sy="100000" kx="0" ky="0" algn="b" rotWithShape="0" blurRad="38100" dist="12700" dir="0">
+            <a:outerShdw blurRad="38100" dist="12700" rotWithShape="0">
               <a:srgbClr val="000000">
                 <a:alpha val="40000"/>
               </a:srgbClr>
@@ -2583,7 +2682,7 @@
         <a:buFontTx/>
         <a:buNone/>
         <a:tabLst/>
-        <a:defRPr b="0" baseline="0" cap="none" i="0" spc="0" strike="noStrike" sz="5000" u="none">
+        <a:defRPr sz="5000" b="0" i="0" u="none" strike="noStrike" cap="none" spc="0" baseline="0">
           <a:ln>
             <a:noFill/>
           </a:ln>
@@ -2591,7 +2690,7 @@
             <a:srgbClr val="2D2F2B"/>
           </a:solidFill>
           <a:effectLst>
-            <a:outerShdw sx="100000" sy="100000" kx="0" ky="0" algn="b" rotWithShape="0" blurRad="38100" dist="12700" dir="0">
+            <a:outerShdw blurRad="38100" dist="12700" rotWithShape="0">
               <a:srgbClr val="000000">
                 <a:alpha val="40000"/>
               </a:srgbClr>
@@ -2619,7 +2718,7 @@
         <a:buFontTx/>
         <a:buNone/>
         <a:tabLst/>
-        <a:defRPr b="0" baseline="0" cap="none" i="0" spc="0" strike="noStrike" sz="5000" u="none">
+        <a:defRPr sz="5000" b="0" i="0" u="none" strike="noStrike" cap="none" spc="0" baseline="0">
           <a:ln>
             <a:noFill/>
           </a:ln>
@@ -2627,7 +2726,7 @@
             <a:srgbClr val="2D2F2B"/>
           </a:solidFill>
           <a:effectLst>
-            <a:outerShdw sx="100000" sy="100000" kx="0" ky="0" algn="b" rotWithShape="0" blurRad="38100" dist="12700" dir="0">
+            <a:outerShdw blurRad="38100" dist="12700" rotWithShape="0">
               <a:srgbClr val="000000">
                 <a:alpha val="40000"/>
               </a:srgbClr>
@@ -2655,7 +2754,7 @@
         <a:buFontTx/>
         <a:buNone/>
         <a:tabLst/>
-        <a:defRPr b="0" baseline="0" cap="none" i="0" spc="0" strike="noStrike" sz="5000" u="none">
+        <a:defRPr sz="5000" b="0" i="0" u="none" strike="noStrike" cap="none" spc="0" baseline="0">
           <a:ln>
             <a:noFill/>
           </a:ln>
@@ -2663,7 +2762,7 @@
             <a:srgbClr val="2D2F2B"/>
           </a:solidFill>
           <a:effectLst>
-            <a:outerShdw sx="100000" sy="100000" kx="0" ky="0" algn="b" rotWithShape="0" blurRad="38100" dist="12700" dir="0">
+            <a:outerShdw blurRad="38100" dist="12700" rotWithShape="0">
               <a:srgbClr val="000000">
                 <a:alpha val="40000"/>
               </a:srgbClr>
@@ -2691,7 +2790,7 @@
         <a:buFontTx/>
         <a:buNone/>
         <a:tabLst/>
-        <a:defRPr b="0" baseline="0" cap="none" i="0" spc="0" strike="noStrike" sz="5000" u="none">
+        <a:defRPr sz="5000" b="0" i="0" u="none" strike="noStrike" cap="none" spc="0" baseline="0">
           <a:ln>
             <a:noFill/>
           </a:ln>
@@ -2699,7 +2798,7 @@
             <a:srgbClr val="2D2F2B"/>
           </a:solidFill>
           <a:effectLst>
-            <a:outerShdw sx="100000" sy="100000" kx="0" ky="0" algn="b" rotWithShape="0" blurRad="38100" dist="12700" dir="0">
+            <a:outerShdw blurRad="38100" dist="12700" rotWithShape="0">
               <a:srgbClr val="000000">
                 <a:alpha val="40000"/>
               </a:srgbClr>
@@ -2727,7 +2826,7 @@
         <a:buFontTx/>
         <a:buNone/>
         <a:tabLst/>
-        <a:defRPr b="0" baseline="0" cap="none" i="0" spc="0" strike="noStrike" sz="5000" u="none">
+        <a:defRPr sz="5000" b="0" i="0" u="none" strike="noStrike" cap="none" spc="0" baseline="0">
           <a:ln>
             <a:noFill/>
           </a:ln>
@@ -2735,7 +2834,7 @@
             <a:srgbClr val="2D2F2B"/>
           </a:solidFill>
           <a:effectLst>
-            <a:outerShdw sx="100000" sy="100000" kx="0" ky="0" algn="b" rotWithShape="0" blurRad="38100" dist="12700" dir="0">
+            <a:outerShdw blurRad="38100" dist="12700" rotWithShape="0">
               <a:srgbClr val="000000">
                 <a:alpha val="40000"/>
               </a:srgbClr>
@@ -2767,7 +2866,7 @@
         <a:buFont typeface="Wingdings"/>
         <a:buChar char=""/>
         <a:tabLst/>
-        <a:defRPr b="0" baseline="0" cap="none" i="0" spc="0" strike="noStrike" sz="2400" u="none">
+        <a:defRPr sz="2400" b="0" i="0" u="none" strike="noStrike" cap="none" spc="0" baseline="0">
           <a:ln>
             <a:noFill/>
           </a:ln>
@@ -2798,7 +2897,7 @@
         <a:buFont typeface="Wingdings"/>
         <a:buChar char=""/>
         <a:tabLst/>
-        <a:defRPr b="0" baseline="0" cap="none" i="0" spc="0" strike="noStrike" sz="2400" u="none">
+        <a:defRPr sz="2400" b="0" i="0" u="none" strike="noStrike" cap="none" spc="0" baseline="0">
           <a:ln>
             <a:noFill/>
           </a:ln>
@@ -2829,7 +2928,7 @@
         <a:buFont typeface="Wingdings"/>
         <a:buChar char=""/>
         <a:tabLst/>
-        <a:defRPr b="0" baseline="0" cap="none" i="0" spc="0" strike="noStrike" sz="2400" u="none">
+        <a:defRPr sz="2400" b="0" i="0" u="none" strike="noStrike" cap="none" spc="0" baseline="0">
           <a:ln>
             <a:noFill/>
           </a:ln>
@@ -2860,7 +2959,7 @@
         <a:buFont typeface="Wingdings"/>
         <a:buChar char=""/>
         <a:tabLst/>
-        <a:defRPr b="0" baseline="0" cap="none" i="0" spc="0" strike="noStrike" sz="2400" u="none">
+        <a:defRPr sz="2400" b="0" i="0" u="none" strike="noStrike" cap="none" spc="0" baseline="0">
           <a:ln>
             <a:noFill/>
           </a:ln>
@@ -2891,7 +2990,7 @@
         <a:buFont typeface="Wingdings"/>
         <a:buChar char=""/>
         <a:tabLst/>
-        <a:defRPr b="0" baseline="0" cap="none" i="0" spc="0" strike="noStrike" sz="2400" u="none">
+        <a:defRPr sz="2400" b="0" i="0" u="none" strike="noStrike" cap="none" spc="0" baseline="0">
           <a:ln>
             <a:noFill/>
           </a:ln>
@@ -2922,7 +3021,7 @@
         <a:buFont typeface="Wingdings"/>
         <a:buChar char=""/>
         <a:tabLst/>
-        <a:defRPr b="0" baseline="0" cap="none" i="0" spc="0" strike="noStrike" sz="2400" u="none">
+        <a:defRPr sz="2400" b="0" i="0" u="none" strike="noStrike" cap="none" spc="0" baseline="0">
           <a:ln>
             <a:noFill/>
           </a:ln>
@@ -2953,7 +3052,7 @@
         <a:buFont typeface="Wingdings"/>
         <a:buChar char=""/>
         <a:tabLst/>
-        <a:defRPr b="0" baseline="0" cap="none" i="0" spc="0" strike="noStrike" sz="2400" u="none">
+        <a:defRPr sz="2400" b="0" i="0" u="none" strike="noStrike" cap="none" spc="0" baseline="0">
           <a:ln>
             <a:noFill/>
           </a:ln>
@@ -2984,7 +3083,7 @@
         <a:buFont typeface="Wingdings"/>
         <a:buChar char=""/>
         <a:tabLst/>
-        <a:defRPr b="0" baseline="0" cap="none" i="0" spc="0" strike="noStrike" sz="2400" u="none">
+        <a:defRPr sz="2400" b="0" i="0" u="none" strike="noStrike" cap="none" spc="0" baseline="0">
           <a:ln>
             <a:noFill/>
           </a:ln>
@@ -3015,7 +3114,7 @@
         <a:buFont typeface="Wingdings"/>
         <a:buChar char=""/>
         <a:tabLst/>
-        <a:defRPr b="0" baseline="0" cap="none" i="0" spc="0" strike="noStrike" sz="2400" u="none">
+        <a:defRPr sz="2400" b="0" i="0" u="none" strike="noStrike" cap="none" spc="0" baseline="0">
           <a:ln>
             <a:noFill/>
           </a:ln>
@@ -3046,7 +3145,7 @@
         <a:buFontTx/>
         <a:buNone/>
         <a:tabLst/>
-        <a:defRPr b="0" baseline="0" cap="none" i="0" spc="0" strike="noStrike" sz="1200" u="none">
+        <a:defRPr sz="1200" b="0" i="0" u="none" strike="noStrike" cap="none" spc="0" baseline="0">
           <a:ln>
             <a:noFill/>
           </a:ln>
@@ -3075,7 +3174,7 @@
         <a:buFontTx/>
         <a:buNone/>
         <a:tabLst/>
-        <a:defRPr b="0" baseline="0" cap="none" i="0" spc="0" strike="noStrike" sz="1200" u="none">
+        <a:defRPr sz="1200" b="0" i="0" u="none" strike="noStrike" cap="none" spc="0" baseline="0">
           <a:ln>
             <a:noFill/>
           </a:ln>
@@ -3104,7 +3203,7 @@
         <a:buFontTx/>
         <a:buNone/>
         <a:tabLst/>
-        <a:defRPr b="0" baseline="0" cap="none" i="0" spc="0" strike="noStrike" sz="1200" u="none">
+        <a:defRPr sz="1200" b="0" i="0" u="none" strike="noStrike" cap="none" spc="0" baseline="0">
           <a:ln>
             <a:noFill/>
           </a:ln>
@@ -3133,7 +3232,7 @@
         <a:buFontTx/>
         <a:buNone/>
         <a:tabLst/>
-        <a:defRPr b="0" baseline="0" cap="none" i="0" spc="0" strike="noStrike" sz="1200" u="none">
+        <a:defRPr sz="1200" b="0" i="0" u="none" strike="noStrike" cap="none" spc="0" baseline="0">
           <a:ln>
             <a:noFill/>
           </a:ln>
@@ -3162,7 +3261,7 @@
         <a:buFontTx/>
         <a:buNone/>
         <a:tabLst/>
-        <a:defRPr b="0" baseline="0" cap="none" i="0" spc="0" strike="noStrike" sz="1200" u="none">
+        <a:defRPr sz="1200" b="0" i="0" u="none" strike="noStrike" cap="none" spc="0" baseline="0">
           <a:ln>
             <a:noFill/>
           </a:ln>
@@ -3191,7 +3290,7 @@
         <a:buFontTx/>
         <a:buNone/>
         <a:tabLst/>
-        <a:defRPr b="0" baseline="0" cap="none" i="0" spc="0" strike="noStrike" sz="1200" u="none">
+        <a:defRPr sz="1200" b="0" i="0" u="none" strike="noStrike" cap="none" spc="0" baseline="0">
           <a:ln>
             <a:noFill/>
           </a:ln>
@@ -3220,7 +3319,7 @@
         <a:buFontTx/>
         <a:buNone/>
         <a:tabLst/>
-        <a:defRPr b="0" baseline="0" cap="none" i="0" spc="0" strike="noStrike" sz="1200" u="none">
+        <a:defRPr sz="1200" b="0" i="0" u="none" strike="noStrike" cap="none" spc="0" baseline="0">
           <a:ln>
             <a:noFill/>
           </a:ln>
@@ -3249,7 +3348,7 @@
         <a:buFontTx/>
         <a:buNone/>
         <a:tabLst/>
-        <a:defRPr b="0" baseline="0" cap="none" i="0" spc="0" strike="noStrike" sz="1200" u="none">
+        <a:defRPr sz="1200" b="0" i="0" u="none" strike="noStrike" cap="none" spc="0" baseline="0">
           <a:ln>
             <a:noFill/>
           </a:ln>
@@ -3278,7 +3377,7 @@
         <a:buFontTx/>
         <a:buNone/>
         <a:tabLst/>
-        <a:defRPr b="0" baseline="0" cap="none" i="0" spc="0" strike="noStrike" sz="1200" u="none">
+        <a:defRPr sz="1200" b="0" i="0" u="none" strike="noStrike" cap="none" spc="0" baseline="0">
           <a:ln>
             <a:noFill/>
           </a:ln>
@@ -3298,7 +3397,7 @@
 </file>
 
 <file path=ppt/slides/slide1.xml><?xml version="1.0" encoding="utf-8"?>
-<p:sld xmlns:a="http://schemas.openxmlformats.org/drawingml/2006/main" xmlns:r="http://schemas.openxmlformats.org/officeDocument/2006/relationships" xmlns:p="http://schemas.openxmlformats.org/presentationml/2006/main" showMasterSp="1" showMasterPhAnim="1">
+<p:sld xmlns:a="http://schemas.openxmlformats.org/drawingml/2006/main" xmlns:r="http://schemas.openxmlformats.org/officeDocument/2006/relationships" xmlns:p="http://schemas.openxmlformats.org/presentationml/2006/main">
   <p:cSld>
     <p:spTree>
       <p:nvGrpSpPr>
@@ -3317,7 +3416,9 @@
       <p:sp>
         <p:nvSpPr>
           <p:cNvPr id="129" name="Shape 129"/>
-          <p:cNvSpPr/>
+          <p:cNvSpPr>
+            <a:spLocks noGrp="1"/>
+          </p:cNvSpPr>
           <p:nvPr>
             <p:ph type="ctrTitle"/>
           </p:nvPr>
@@ -3331,7 +3432,6 @@
           <a:bodyPr/>
           <a:lstStyle/>
           <a:p>
-            <a:pPr/>
             <a:r>
               <a:t>Weather Web Service</a:t>
             </a:r>
@@ -3341,7 +3441,9 @@
       <p:sp>
         <p:nvSpPr>
           <p:cNvPr id="130" name="Shape 130"/>
-          <p:cNvSpPr/>
+          <p:cNvSpPr>
+            <a:spLocks noGrp="1"/>
+          </p:cNvSpPr>
           <p:nvPr>
             <p:ph type="subTitle" sz="half" idx="1"/>
           </p:nvPr>
@@ -3359,13 +3461,11 @@
           <a:bodyPr/>
           <a:lstStyle/>
           <a:p>
-            <a:pPr/>
             <a:r>
               <a:t>JDK Allstars:</a:t>
             </a:r>
           </a:p>
           <a:p>
-            <a:pPr/>
             <a:r>
               <a:t>Naivi, Jason &amp; Brian</a:t>
             </a:r>
@@ -3377,12 +3477,865 @@
   <p:clrMapOvr>
     <a:masterClrMapping/>
   </p:clrMapOvr>
-  <p:transition xmlns:p14="http://schemas.microsoft.com/office/powerpoint/2010/main" spd="med" advClick="1"/>
+  <p:transition xmlns:p14="http://schemas.microsoft.com/office/powerpoint/2010/main" spd="med"/>
 </p:sld>
 </file>
 
 <file path=ppt/slides/slide10.xml><?xml version="1.0" encoding="utf-8"?>
-<p:sld xmlns:a="http://schemas.openxmlformats.org/drawingml/2006/main" xmlns:r="http://schemas.openxmlformats.org/officeDocument/2006/relationships" xmlns:p="http://schemas.openxmlformats.org/presentationml/2006/main" showMasterSp="1" showMasterPhAnim="1">
+<p:sld xmlns:a="http://schemas.openxmlformats.org/drawingml/2006/main" xmlns:r="http://schemas.openxmlformats.org/officeDocument/2006/relationships" xmlns:p="http://schemas.openxmlformats.org/presentationml/2006/main">
+  <p:cSld>
+    <p:spTree>
+      <p:nvGrpSpPr>
+        <p:cNvPr id="1" name=""/>
+        <p:cNvGrpSpPr/>
+        <p:nvPr/>
+      </p:nvGrpSpPr>
+      <p:grpSpPr>
+        <a:xfrm>
+          <a:off x="0" y="0"/>
+          <a:ext cx="0" cy="0"/>
+          <a:chOff x="0" y="0"/>
+          <a:chExt cx="0" cy="0"/>
+        </a:xfrm>
+      </p:grpSpPr>
+      <p:sp>
+        <p:nvSpPr>
+          <p:cNvPr id="132" name="Shape 132"/>
+          <p:cNvSpPr>
+            <a:spLocks noGrp="1"/>
+          </p:cNvSpPr>
+          <p:nvPr>
+            <p:ph type="title"/>
+          </p:nvPr>
+        </p:nvSpPr>
+        <p:spPr>
+          <a:prstGeom prst="rect">
+            <a:avLst/>
+          </a:prstGeom>
+        </p:spPr>
+        <p:txBody>
+          <a:bodyPr/>
+          <a:lstStyle/>
+          <a:p>
+            <a:r>
+              <a:t>Review</a:t>
+            </a:r>
+          </a:p>
+        </p:txBody>
+      </p:sp>
+      <p:sp>
+        <p:nvSpPr>
+          <p:cNvPr id="133" name="Shape 133"/>
+          <p:cNvSpPr>
+            <a:spLocks noGrp="1"/>
+          </p:cNvSpPr>
+          <p:nvPr>
+            <p:ph type="body" idx="1"/>
+          </p:nvPr>
+        </p:nvSpPr>
+        <p:spPr>
+          <a:prstGeom prst="rect">
+            <a:avLst/>
+          </a:prstGeom>
+        </p:spPr>
+        <p:txBody>
+          <a:bodyPr/>
+          <a:lstStyle/>
+          <a:p>
+            <a:r>
+              <a:t>Deploying to OpenShift</a:t>
+            </a:r>
+          </a:p>
+          <a:p>
+            <a:r>
+              <a:t>Testing</a:t>
+            </a:r>
+          </a:p>
+          <a:p>
+            <a:r>
+              <a:t>Properties file </a:t>
+            </a:r>
+          </a:p>
+        </p:txBody>
+      </p:sp>
+    </p:spTree>
+  </p:cSld>
+  <p:clrMapOvr>
+    <a:masterClrMapping/>
+  </p:clrMapOvr>
+  <p:transition xmlns:p14="http://schemas.microsoft.com/office/powerpoint/2010/main" spd="slow"/>
+</p:sld>
+</file>
+
+<file path=ppt/slides/slide11.xml><?xml version="1.0" encoding="utf-8"?>
+<p:sld xmlns:a="http://schemas.openxmlformats.org/drawingml/2006/main" xmlns:r="http://schemas.openxmlformats.org/officeDocument/2006/relationships" xmlns:p="http://schemas.openxmlformats.org/presentationml/2006/main">
+  <p:cSld>
+    <p:spTree>
+      <p:nvGrpSpPr>
+        <p:cNvPr id="1" name=""/>
+        <p:cNvGrpSpPr/>
+        <p:nvPr/>
+      </p:nvGrpSpPr>
+      <p:grpSpPr>
+        <a:xfrm>
+          <a:off x="0" y="0"/>
+          <a:ext cx="0" cy="0"/>
+          <a:chOff x="0" y="0"/>
+          <a:chExt cx="0" cy="0"/>
+        </a:xfrm>
+      </p:grpSpPr>
+      <p:sp>
+        <p:nvSpPr>
+          <p:cNvPr id="2" name="Title 1"/>
+          <p:cNvSpPr>
+            <a:spLocks noGrp="1"/>
+          </p:cNvSpPr>
+          <p:nvPr>
+            <p:ph type="title"/>
+          </p:nvPr>
+        </p:nvSpPr>
+        <p:spPr/>
+        <p:txBody>
+          <a:bodyPr/>
+          <a:lstStyle/>
+          <a:p>
+            <a:endParaRPr lang="en-US"/>
+          </a:p>
+        </p:txBody>
+      </p:sp>
+      <p:sp>
+        <p:nvSpPr>
+          <p:cNvPr id="3" name="Text Placeholder 2"/>
+          <p:cNvSpPr>
+            <a:spLocks noGrp="1"/>
+          </p:cNvSpPr>
+          <p:nvPr>
+            <p:ph type="body" idx="1"/>
+          </p:nvPr>
+        </p:nvSpPr>
+        <p:spPr/>
+        <p:txBody>
+          <a:bodyPr/>
+          <a:lstStyle/>
+          <a:p>
+            <a:endParaRPr lang="en-US"/>
+          </a:p>
+        </p:txBody>
+      </p:sp>
+    </p:spTree>
+    <p:extLst>
+      <p:ext uri="{BB962C8B-B14F-4D97-AF65-F5344CB8AC3E}">
+        <p14:creationId xmlns:p14="http://schemas.microsoft.com/office/powerpoint/2010/main" val="234277841"/>
+      </p:ext>
+    </p:extLst>
+  </p:cSld>
+  <p:clrMapOvr>
+    <a:masterClrMapping/>
+  </p:clrMapOvr>
+  <p:transition xmlns:p14="http://schemas.microsoft.com/office/powerpoint/2010/main" spd="med"/>
+</p:sld>
+</file>
+
+<file path=ppt/slides/slide2.xml><?xml version="1.0" encoding="utf-8"?>
+<p:sld xmlns:a="http://schemas.openxmlformats.org/drawingml/2006/main" xmlns:r="http://schemas.openxmlformats.org/officeDocument/2006/relationships" xmlns:p="http://schemas.openxmlformats.org/presentationml/2006/main">
+  <p:cSld>
+    <p:spTree>
+      <p:nvGrpSpPr>
+        <p:cNvPr id="1" name=""/>
+        <p:cNvGrpSpPr/>
+        <p:nvPr/>
+      </p:nvGrpSpPr>
+      <p:grpSpPr>
+        <a:xfrm>
+          <a:off x="0" y="0"/>
+          <a:ext cx="0" cy="0"/>
+          <a:chOff x="0" y="0"/>
+          <a:chExt cx="0" cy="0"/>
+        </a:xfrm>
+      </p:grpSpPr>
+      <p:sp>
+        <p:nvSpPr>
+          <p:cNvPr id="135" name="Shape 135"/>
+          <p:cNvSpPr>
+            <a:spLocks noGrp="1"/>
+          </p:cNvSpPr>
+          <p:nvPr>
+            <p:ph type="title"/>
+          </p:nvPr>
+        </p:nvSpPr>
+        <p:spPr>
+          <a:xfrm>
+            <a:off x="685799" y="67236"/>
+            <a:ext cx="7770815" cy="1371601"/>
+          </a:xfrm>
+          <a:prstGeom prst="rect">
+            <a:avLst/>
+          </a:prstGeom>
+        </p:spPr>
+        <p:txBody>
+          <a:bodyPr/>
+          <a:lstStyle/>
+          <a:p>
+            <a:r>
+              <a:t>Problem</a:t>
+            </a:r>
+          </a:p>
+        </p:txBody>
+      </p:sp>
+      <p:sp>
+        <p:nvSpPr>
+          <p:cNvPr id="136" name="Shape 136"/>
+          <p:cNvSpPr>
+            <a:spLocks noGrp="1"/>
+          </p:cNvSpPr>
+          <p:nvPr>
+            <p:ph type="body" idx="1"/>
+          </p:nvPr>
+        </p:nvSpPr>
+        <p:spPr>
+          <a:xfrm>
+            <a:off x="685799" y="2209800"/>
+            <a:ext cx="7770815" cy="3657600"/>
+          </a:xfrm>
+          <a:prstGeom prst="rect">
+            <a:avLst/>
+          </a:prstGeom>
+        </p:spPr>
+        <p:txBody>
+          <a:bodyPr/>
+          <a:lstStyle/>
+          <a:p>
+            <a:r>
+              <a:t>Many weather web services have so much data that it’s very difficult to organize it in bite sized pieces.  An abbreviated version of a larger, more complex API would cut down on the amount of data that ends up being confusing for the end user.</a:t>
+            </a:r>
+          </a:p>
+        </p:txBody>
+      </p:sp>
+    </p:spTree>
+  </p:cSld>
+  <p:clrMapOvr>
+    <a:masterClrMapping/>
+  </p:clrMapOvr>
+  <p:transition xmlns:p14="http://schemas.microsoft.com/office/powerpoint/2010/main" spd="slow"/>
+</p:sld>
+</file>
+
+<file path=ppt/slides/slide3.xml><?xml version="1.0" encoding="utf-8"?>
+<p:sld xmlns:a="http://schemas.openxmlformats.org/drawingml/2006/main" xmlns:r="http://schemas.openxmlformats.org/officeDocument/2006/relationships" xmlns:p="http://schemas.openxmlformats.org/presentationml/2006/main">
+  <p:cSld>
+    <p:spTree>
+      <p:nvGrpSpPr>
+        <p:cNvPr id="1" name=""/>
+        <p:cNvGrpSpPr/>
+        <p:nvPr/>
+      </p:nvGrpSpPr>
+      <p:grpSpPr>
+        <a:xfrm>
+          <a:off x="0" y="0"/>
+          <a:ext cx="0" cy="0"/>
+          <a:chOff x="0" y="0"/>
+          <a:chExt cx="0" cy="0"/>
+        </a:xfrm>
+      </p:grpSpPr>
+      <p:sp>
+        <p:nvSpPr>
+          <p:cNvPr id="138" name="Shape 138"/>
+          <p:cNvSpPr>
+            <a:spLocks noGrp="1"/>
+          </p:cNvSpPr>
+          <p:nvPr>
+            <p:ph type="title"/>
+          </p:nvPr>
+        </p:nvSpPr>
+        <p:spPr>
+          <a:xfrm>
+            <a:off x="685799" y="67236"/>
+            <a:ext cx="7770815" cy="1371601"/>
+          </a:xfrm>
+          <a:prstGeom prst="rect">
+            <a:avLst/>
+          </a:prstGeom>
+        </p:spPr>
+        <p:txBody>
+          <a:bodyPr/>
+          <a:lstStyle/>
+          <a:p>
+            <a:r>
+              <a:t>Solution</a:t>
+            </a:r>
+          </a:p>
+        </p:txBody>
+      </p:sp>
+      <p:sp>
+        <p:nvSpPr>
+          <p:cNvPr id="139" name="Shape 139"/>
+          <p:cNvSpPr>
+            <a:spLocks noGrp="1"/>
+          </p:cNvSpPr>
+          <p:nvPr>
+            <p:ph type="body" idx="1"/>
+          </p:nvPr>
+        </p:nvSpPr>
+        <p:spPr>
+          <a:xfrm>
+            <a:off x="685799" y="2209800"/>
+            <a:ext cx="7770815" cy="3657600"/>
+          </a:xfrm>
+          <a:prstGeom prst="rect">
+            <a:avLst/>
+          </a:prstGeom>
+        </p:spPr>
+        <p:txBody>
+          <a:bodyPr/>
+          <a:lstStyle/>
+          <a:p>
+            <a:r>
+              <a:t>Deconstruct a web service that returns a large amount of data, collect it and reformat it in an easy to use way.</a:t>
+            </a:r>
+          </a:p>
+          <a:p>
+            <a:r>
+              <a:t>Receive GET request with coordinates for location</a:t>
+            </a:r>
+          </a:p>
+          <a:p>
+            <a:r>
+              <a:t>Request the full data set from DarkSky API</a:t>
+            </a:r>
+          </a:p>
+          <a:p>
+            <a:r>
+              <a:t>Return condensed JSON data to the end user</a:t>
+            </a:r>
+          </a:p>
+        </p:txBody>
+      </p:sp>
+    </p:spTree>
+  </p:cSld>
+  <p:clrMapOvr>
+    <a:masterClrMapping/>
+  </p:clrMapOvr>
+  <p:transition xmlns:p14="http://schemas.microsoft.com/office/powerpoint/2010/main" spd="slow"/>
+</p:sld>
+</file>
+
+<file path=ppt/slides/slide4.xml><?xml version="1.0" encoding="utf-8"?>
+<p:sld xmlns:a="http://schemas.openxmlformats.org/drawingml/2006/main" xmlns:r="http://schemas.openxmlformats.org/officeDocument/2006/relationships" xmlns:p="http://schemas.openxmlformats.org/presentationml/2006/main">
+  <p:cSld>
+    <p:spTree>
+      <p:nvGrpSpPr>
+        <p:cNvPr id="1" name=""/>
+        <p:cNvGrpSpPr/>
+        <p:nvPr/>
+      </p:nvGrpSpPr>
+      <p:grpSpPr>
+        <a:xfrm>
+          <a:off x="0" y="0"/>
+          <a:ext cx="0" cy="0"/>
+          <a:chOff x="0" y="0"/>
+          <a:chExt cx="0" cy="0"/>
+        </a:xfrm>
+      </p:grpSpPr>
+      <p:sp>
+        <p:nvSpPr>
+          <p:cNvPr id="141" name="Shape 141"/>
+          <p:cNvSpPr>
+            <a:spLocks noGrp="1"/>
+          </p:cNvSpPr>
+          <p:nvPr>
+            <p:ph type="title"/>
+          </p:nvPr>
+        </p:nvSpPr>
+        <p:spPr>
+          <a:xfrm>
+            <a:off x="685799" y="67236"/>
+            <a:ext cx="7770815" cy="1371601"/>
+          </a:xfrm>
+          <a:prstGeom prst="rect">
+            <a:avLst/>
+          </a:prstGeom>
+        </p:spPr>
+        <p:txBody>
+          <a:bodyPr/>
+          <a:lstStyle/>
+          <a:p>
+            <a:r>
+              <a:t>Plan</a:t>
+            </a:r>
+          </a:p>
+        </p:txBody>
+      </p:sp>
+      <p:sp>
+        <p:nvSpPr>
+          <p:cNvPr id="142" name="Shape 142"/>
+          <p:cNvSpPr>
+            <a:spLocks noGrp="1"/>
+          </p:cNvSpPr>
+          <p:nvPr>
+            <p:ph type="body" idx="1"/>
+          </p:nvPr>
+        </p:nvSpPr>
+        <p:spPr>
+          <a:xfrm>
+            <a:off x="685799" y="2209800"/>
+            <a:ext cx="7770815" cy="3657600"/>
+          </a:xfrm>
+          <a:prstGeom prst="rect">
+            <a:avLst/>
+          </a:prstGeom>
+        </p:spPr>
+        <p:txBody>
+          <a:bodyPr/>
+          <a:lstStyle/>
+          <a:p>
+            <a:r>
+              <a:t>Set up project structure and POJOs</a:t>
+            </a:r>
+          </a:p>
+          <a:p>
+            <a:r>
+              <a:t>Create unit testing as the classes are built</a:t>
+            </a:r>
+          </a:p>
+          <a:p>
+            <a:r>
+              <a:t>Debug</a:t>
+            </a:r>
+          </a:p>
+          <a:p>
+            <a:r>
+              <a:t>Push to OpenShift</a:t>
+            </a:r>
+          </a:p>
+          <a:p>
+            <a:r>
+              <a:t>Documentation: JavaDocs &amp; User guide</a:t>
+            </a:r>
+          </a:p>
+        </p:txBody>
+      </p:sp>
+    </p:spTree>
+  </p:cSld>
+  <p:clrMapOvr>
+    <a:masterClrMapping/>
+  </p:clrMapOvr>
+  <p:transition xmlns:p14="http://schemas.microsoft.com/office/powerpoint/2010/main" spd="slow"/>
+</p:sld>
+</file>
+
+<file path=ppt/slides/slide5.xml><?xml version="1.0" encoding="utf-8"?>
+<p:sld xmlns:a="http://schemas.openxmlformats.org/drawingml/2006/main" xmlns:r="http://schemas.openxmlformats.org/officeDocument/2006/relationships" xmlns:p="http://schemas.openxmlformats.org/presentationml/2006/main">
+  <p:cSld>
+    <p:spTree>
+      <p:nvGrpSpPr>
+        <p:cNvPr id="1" name=""/>
+        <p:cNvGrpSpPr/>
+        <p:nvPr/>
+      </p:nvGrpSpPr>
+      <p:grpSpPr>
+        <a:xfrm>
+          <a:off x="0" y="0"/>
+          <a:ext cx="0" cy="0"/>
+          <a:chOff x="0" y="0"/>
+          <a:chExt cx="0" cy="0"/>
+        </a:xfrm>
+      </p:grpSpPr>
+      <p:sp>
+        <p:nvSpPr>
+          <p:cNvPr id="144" name="Shape 144"/>
+          <p:cNvSpPr>
+            <a:spLocks noGrp="1"/>
+          </p:cNvSpPr>
+          <p:nvPr>
+            <p:ph type="title"/>
+          </p:nvPr>
+        </p:nvSpPr>
+        <p:spPr>
+          <a:xfrm>
+            <a:off x="685799" y="67236"/>
+            <a:ext cx="7770815" cy="1371601"/>
+          </a:xfrm>
+          <a:prstGeom prst="rect">
+            <a:avLst/>
+          </a:prstGeom>
+        </p:spPr>
+        <p:txBody>
+          <a:bodyPr/>
+          <a:lstStyle/>
+          <a:p>
+            <a:r>
+              <a:rPr/>
+              <a:t>Learning </a:t>
+            </a:r>
+            <a:r>
+              <a:rPr smtClean="0"/>
+              <a:t>Points</a:t>
+            </a:r>
+            <a:endParaRPr dirty="0"/>
+          </a:p>
+        </p:txBody>
+      </p:sp>
+      <p:sp>
+        <p:nvSpPr>
+          <p:cNvPr id="145" name="Shape 145"/>
+          <p:cNvSpPr>
+            <a:spLocks noGrp="1"/>
+          </p:cNvSpPr>
+          <p:nvPr>
+            <p:ph type="body" idx="1"/>
+          </p:nvPr>
+        </p:nvSpPr>
+        <p:spPr>
+          <a:xfrm>
+            <a:off x="685799" y="2209800"/>
+            <a:ext cx="7770815" cy="3657600"/>
+          </a:xfrm>
+          <a:prstGeom prst="rect">
+            <a:avLst/>
+          </a:prstGeom>
+        </p:spPr>
+        <p:txBody>
+          <a:bodyPr/>
+          <a:lstStyle/>
+          <a:p>
+            <a:r>
+              <a:t>JSON website</a:t>
+            </a:r>
+          </a:p>
+          <a:p>
+            <a:r>
+              <a:t>GSON – Google Json tools</a:t>
+            </a:r>
+          </a:p>
+          <a:p>
+            <a:r>
+              <a:t>GET parameter annotations</a:t>
+            </a:r>
+          </a:p>
+          <a:p>
+            <a:r>
+              <a:t>Postman</a:t>
+            </a:r>
+          </a:p>
+        </p:txBody>
+      </p:sp>
+    </p:spTree>
+  </p:cSld>
+  <p:clrMapOvr>
+    <a:masterClrMapping/>
+  </p:clrMapOvr>
+  <p:transition xmlns:p14="http://schemas.microsoft.com/office/powerpoint/2010/main" spd="slow"/>
+</p:sld>
+</file>
+
+<file path=ppt/slides/slide6.xml><?xml version="1.0" encoding="utf-8"?>
+<p:sld xmlns:a="http://schemas.openxmlformats.org/drawingml/2006/main" xmlns:r="http://schemas.openxmlformats.org/officeDocument/2006/relationships" xmlns:p="http://schemas.openxmlformats.org/presentationml/2006/main">
+  <p:cSld>
+    <p:spTree>
+      <p:nvGrpSpPr>
+        <p:cNvPr id="1" name=""/>
+        <p:cNvGrpSpPr/>
+        <p:nvPr/>
+      </p:nvGrpSpPr>
+      <p:grpSpPr>
+        <a:xfrm>
+          <a:off x="0" y="0"/>
+          <a:ext cx="0" cy="0"/>
+          <a:chOff x="0" y="0"/>
+          <a:chExt cx="0" cy="0"/>
+        </a:xfrm>
+      </p:grpSpPr>
+      <p:sp>
+        <p:nvSpPr>
+          <p:cNvPr id="147" name="Shape 147"/>
+          <p:cNvSpPr>
+            <a:spLocks noGrp="1"/>
+          </p:cNvSpPr>
+          <p:nvPr>
+            <p:ph type="title"/>
+          </p:nvPr>
+        </p:nvSpPr>
+        <p:spPr>
+          <a:xfrm>
+            <a:off x="685799" y="67236"/>
+            <a:ext cx="7770815" cy="1371601"/>
+          </a:xfrm>
+          <a:prstGeom prst="rect">
+            <a:avLst/>
+          </a:prstGeom>
+        </p:spPr>
+        <p:txBody>
+          <a:bodyPr/>
+          <a:lstStyle/>
+          <a:p>
+            <a:r>
+              <a:t>JSON Website</a:t>
+            </a:r>
+          </a:p>
+        </p:txBody>
+      </p:sp>
+      <p:sp>
+        <p:nvSpPr>
+          <p:cNvPr id="148" name="Shape 148"/>
+          <p:cNvSpPr>
+            <a:spLocks noGrp="1"/>
+          </p:cNvSpPr>
+          <p:nvPr>
+            <p:ph type="body" idx="1"/>
+          </p:nvPr>
+        </p:nvSpPr>
+        <p:spPr>
+          <a:xfrm>
+            <a:off x="685799" y="2209800"/>
+            <a:ext cx="7770815" cy="3657600"/>
+          </a:xfrm>
+          <a:prstGeom prst="rect">
+            <a:avLst/>
+          </a:prstGeom>
+        </p:spPr>
+        <p:txBody>
+          <a:bodyPr/>
+          <a:lstStyle/>
+          <a:p>
+            <a:r>
+              <a:t>Shows JSON data in an easy to use format</a:t>
+            </a:r>
+          </a:p>
+          <a:p>
+            <a:r>
+              <a:t>Helps understand the structure of the JSON</a:t>
+            </a:r>
+          </a:p>
+          <a:p>
+            <a:r>
+              <a:t>Collapsing menu system</a:t>
+            </a:r>
+          </a:p>
+          <a:p>
+            <a:r>
+              <a:t>JSON syntax validation</a:t>
+            </a:r>
+          </a:p>
+        </p:txBody>
+      </p:sp>
+    </p:spTree>
+  </p:cSld>
+  <p:clrMapOvr>
+    <a:masterClrMapping/>
+  </p:clrMapOvr>
+  <p:transition xmlns:p14="http://schemas.microsoft.com/office/powerpoint/2010/main" spd="slow"/>
+</p:sld>
+</file>
+
+<file path=ppt/slides/slide7.xml><?xml version="1.0" encoding="utf-8"?>
+<p:sld xmlns:a="http://schemas.openxmlformats.org/drawingml/2006/main" xmlns:r="http://schemas.openxmlformats.org/officeDocument/2006/relationships" xmlns:p="http://schemas.openxmlformats.org/presentationml/2006/main">
+  <p:cSld>
+    <p:spTree>
+      <p:nvGrpSpPr>
+        <p:cNvPr id="1" name=""/>
+        <p:cNvGrpSpPr/>
+        <p:nvPr/>
+      </p:nvGrpSpPr>
+      <p:grpSpPr>
+        <a:xfrm>
+          <a:off x="0" y="0"/>
+          <a:ext cx="0" cy="0"/>
+          <a:chOff x="0" y="0"/>
+          <a:chExt cx="0" cy="0"/>
+        </a:xfrm>
+      </p:grpSpPr>
+      <p:sp>
+        <p:nvSpPr>
+          <p:cNvPr id="150" name="Shape 150"/>
+          <p:cNvSpPr>
+            <a:spLocks noGrp="1"/>
+          </p:cNvSpPr>
+          <p:nvPr>
+            <p:ph type="title"/>
+          </p:nvPr>
+        </p:nvSpPr>
+        <p:spPr>
+          <a:xfrm>
+            <a:off x="685799" y="67236"/>
+            <a:ext cx="7770815" cy="1371601"/>
+          </a:xfrm>
+          <a:prstGeom prst="rect">
+            <a:avLst/>
+          </a:prstGeom>
+        </p:spPr>
+        <p:txBody>
+          <a:bodyPr/>
+          <a:lstStyle/>
+          <a:p>
+            <a:r>
+              <a:t>GSON</a:t>
+            </a:r>
+          </a:p>
+        </p:txBody>
+      </p:sp>
+      <p:sp>
+        <p:nvSpPr>
+          <p:cNvPr id="151" name="Shape 151"/>
+          <p:cNvSpPr>
+            <a:spLocks noGrp="1"/>
+          </p:cNvSpPr>
+          <p:nvPr>
+            <p:ph type="body" idx="1"/>
+          </p:nvPr>
+        </p:nvSpPr>
+        <p:spPr>
+          <a:xfrm>
+            <a:off x="685799" y="2209800"/>
+            <a:ext cx="7770815" cy="3657600"/>
+          </a:xfrm>
+          <a:prstGeom prst="rect">
+            <a:avLst/>
+          </a:prstGeom>
+        </p:spPr>
+        <p:txBody>
+          <a:bodyPr/>
+          <a:lstStyle/>
+          <a:p>
+            <a:r>
+              <a:t>Google tool for manipulating JSON</a:t>
+            </a:r>
+          </a:p>
+          <a:p>
+            <a:r>
+              <a:t>Build JSON objects from POJOs</a:t>
+            </a:r>
+          </a:p>
+          <a:p>
+            <a:r>
+              <a:t>Fill POJO properties from JSON</a:t>
+            </a:r>
+          </a:p>
+          <a:p>
+            <a:pPr marL="914400" lvl="1" indent="-457200">
+              <a:spcBef>
+                <a:spcPts val="600"/>
+              </a:spcBef>
+              <a:buClr>
+                <a:srgbClr val="47443E"/>
+              </a:buClr>
+              <a:defRPr sz="2200"/>
+            </a:pPr>
+            <a:r>
+              <a:t>Smart enough to only populate relevant fields</a:t>
+            </a:r>
+          </a:p>
+          <a:p>
+            <a:r>
+              <a:t>Nested JSON objects</a:t>
+            </a:r>
+          </a:p>
+        </p:txBody>
+      </p:sp>
+    </p:spTree>
+  </p:cSld>
+  <p:clrMapOvr>
+    <a:masterClrMapping/>
+  </p:clrMapOvr>
+  <p:transition xmlns:p14="http://schemas.microsoft.com/office/powerpoint/2010/main" spd="slow"/>
+</p:sld>
+</file>
+
+<file path=ppt/slides/slide8.xml><?xml version="1.0" encoding="utf-8"?>
+<p:sld xmlns:a="http://schemas.openxmlformats.org/drawingml/2006/main" xmlns:r="http://schemas.openxmlformats.org/officeDocument/2006/relationships" xmlns:p="http://schemas.openxmlformats.org/presentationml/2006/main">
+  <p:cSld>
+    <p:spTree>
+      <p:nvGrpSpPr>
+        <p:cNvPr id="1" name=""/>
+        <p:cNvGrpSpPr/>
+        <p:nvPr/>
+      </p:nvGrpSpPr>
+      <p:grpSpPr>
+        <a:xfrm>
+          <a:off x="0" y="0"/>
+          <a:ext cx="0" cy="0"/>
+          <a:chOff x="0" y="0"/>
+          <a:chExt cx="0" cy="0"/>
+        </a:xfrm>
+      </p:grpSpPr>
+      <p:sp>
+        <p:nvSpPr>
+          <p:cNvPr id="153" name="Shape 153"/>
+          <p:cNvSpPr>
+            <a:spLocks noGrp="1"/>
+          </p:cNvSpPr>
+          <p:nvPr>
+            <p:ph type="title"/>
+          </p:nvPr>
+        </p:nvSpPr>
+        <p:spPr>
+          <a:xfrm>
+            <a:off x="685799" y="67236"/>
+            <a:ext cx="7770815" cy="1371601"/>
+          </a:xfrm>
+          <a:prstGeom prst="rect">
+            <a:avLst/>
+          </a:prstGeom>
+        </p:spPr>
+        <p:txBody>
+          <a:bodyPr/>
+          <a:lstStyle/>
+          <a:p>
+            <a:r>
+              <a:t>Parameter Annotations</a:t>
+            </a:r>
+          </a:p>
+        </p:txBody>
+      </p:sp>
+      <p:sp>
+        <p:nvSpPr>
+          <p:cNvPr id="154" name="Shape 154"/>
+          <p:cNvSpPr>
+            <a:spLocks noGrp="1"/>
+          </p:cNvSpPr>
+          <p:nvPr>
+            <p:ph type="body" idx="1"/>
+          </p:nvPr>
+        </p:nvSpPr>
+        <p:spPr>
+          <a:xfrm>
+            <a:off x="685799" y="2209800"/>
+            <a:ext cx="7770815" cy="3657600"/>
+          </a:xfrm>
+          <a:prstGeom prst="rect">
+            <a:avLst/>
+          </a:prstGeom>
+        </p:spPr>
+        <p:txBody>
+          <a:bodyPr/>
+          <a:lstStyle/>
+          <a:p>
+            <a:r>
+              <a:t>GET parameters @QueryParam(”var") String var</a:t>
+            </a:r>
+          </a:p>
+          <a:p>
+            <a:r>
+              <a:t>@QueryParam(“var”) - key from GET url</a:t>
+            </a:r>
+          </a:p>
+          <a:p>
+            <a:r>
+              <a:t>String var – typical Java parameter for local use</a:t>
+            </a:r>
+          </a:p>
+        </p:txBody>
+      </p:sp>
+    </p:spTree>
+  </p:cSld>
+  <p:clrMapOvr>
+    <a:masterClrMapping/>
+  </p:clrMapOvr>
+  <p:transition xmlns:p14="http://schemas.microsoft.com/office/powerpoint/2010/main" spd="slow"/>
+</p:sld>
+</file>
+
+<file path=ppt/slides/slide9.xml><?xml version="1.0" encoding="utf-8"?>
+<p:sld xmlns:a="http://schemas.openxmlformats.org/drawingml/2006/main" xmlns:r="http://schemas.openxmlformats.org/officeDocument/2006/relationships" xmlns:p="http://schemas.openxmlformats.org/presentationml/2006/main">
   <p:cSld>
     <p:spTree>
       <p:nvGrpSpPr>
@@ -3401,7 +4354,9 @@
       <p:sp>
         <p:nvSpPr>
           <p:cNvPr id="156" name="Shape 156"/>
-          <p:cNvSpPr/>
+          <p:cNvSpPr>
+            <a:spLocks noGrp="1"/>
+          </p:cNvSpPr>
           <p:nvPr>
             <p:ph type="title"/>
           </p:nvPr>
@@ -3419,7 +4374,6 @@
           <a:bodyPr/>
           <a:lstStyle/>
           <a:p>
-            <a:pPr/>
             <a:r>
               <a:t>Google Postman</a:t>
             </a:r>
@@ -3429,7 +4383,9 @@
       <p:sp>
         <p:nvSpPr>
           <p:cNvPr id="157" name="Shape 157"/>
-          <p:cNvSpPr/>
+          <p:cNvSpPr>
+            <a:spLocks noGrp="1"/>
+          </p:cNvSpPr>
           <p:nvPr>
             <p:ph type="body" idx="1"/>
           </p:nvPr>
@@ -3447,25 +4403,21 @@
           <a:bodyPr/>
           <a:lstStyle/>
           <a:p>
-            <a:pPr/>
             <a:r>
               <a:t>Postman – Chrome plugin / standalone app</a:t>
             </a:r>
           </a:p>
           <a:p>
-            <a:pPr/>
             <a:r>
               <a:t>Creates requests that you can save in groups</a:t>
             </a:r>
           </a:p>
           <a:p>
-            <a:pPr/>
             <a:r>
               <a:t>Easy to save and collaborate</a:t>
             </a:r>
           </a:p>
           <a:p>
-            <a:pPr/>
             <a:r>
               <a:t>Color coded response information</a:t>
             </a:r>
@@ -3477,794 +4429,12 @@
   <p:clrMapOvr>
     <a:masterClrMapping/>
   </p:clrMapOvr>
-  <p:transition xmlns:p14="http://schemas.microsoft.com/office/powerpoint/2010/main" spd="med" advClick="1" p14:dur="1000"/>
-</p:sld>
-</file>
-
-<file path=ppt/slides/slide2.xml><?xml version="1.0" encoding="utf-8"?>
-<p:sld xmlns:a="http://schemas.openxmlformats.org/drawingml/2006/main" xmlns:r="http://schemas.openxmlformats.org/officeDocument/2006/relationships" xmlns:p="http://schemas.openxmlformats.org/presentationml/2006/main" showMasterSp="1" showMasterPhAnim="1">
-  <p:cSld>
-    <p:spTree>
-      <p:nvGrpSpPr>
-        <p:cNvPr id="1" name=""/>
-        <p:cNvGrpSpPr/>
-        <p:nvPr/>
-      </p:nvGrpSpPr>
-      <p:grpSpPr>
-        <a:xfrm>
-          <a:off x="0" y="0"/>
-          <a:ext cx="0" cy="0"/>
-          <a:chOff x="0" y="0"/>
-          <a:chExt cx="0" cy="0"/>
-        </a:xfrm>
-      </p:grpSpPr>
-      <p:sp>
-        <p:nvSpPr>
-          <p:cNvPr id="132" name="Shape 132"/>
-          <p:cNvSpPr/>
-          <p:nvPr>
-            <p:ph type="title"/>
-          </p:nvPr>
-        </p:nvSpPr>
-        <p:spPr>
-          <a:prstGeom prst="rect">
-            <a:avLst/>
-          </a:prstGeom>
-        </p:spPr>
-        <p:txBody>
-          <a:bodyPr/>
-          <a:lstStyle/>
-          <a:p>
-            <a:pPr/>
-            <a:r>
-              <a:t>Review</a:t>
-            </a:r>
-          </a:p>
-        </p:txBody>
-      </p:sp>
-      <p:sp>
-        <p:nvSpPr>
-          <p:cNvPr id="133" name="Shape 133"/>
-          <p:cNvSpPr/>
-          <p:nvPr>
-            <p:ph type="body" idx="1"/>
-          </p:nvPr>
-        </p:nvSpPr>
-        <p:spPr>
-          <a:prstGeom prst="rect">
-            <a:avLst/>
-          </a:prstGeom>
-        </p:spPr>
-        <p:txBody>
-          <a:bodyPr/>
-          <a:lstStyle/>
-          <a:p>
-            <a:pPr/>
-            <a:r>
-              <a:t>Deploying to OpenShift</a:t>
-            </a:r>
-          </a:p>
-          <a:p>
-            <a:pPr/>
-            <a:r>
-              <a:t>Testing</a:t>
-            </a:r>
-          </a:p>
-          <a:p>
-            <a:pPr/>
-            <a:r>
-              <a:t>Properties file </a:t>
-            </a:r>
-          </a:p>
-        </p:txBody>
-      </p:sp>
-    </p:spTree>
-  </p:cSld>
-  <p:clrMapOvr>
-    <a:masterClrMapping/>
-  </p:clrMapOvr>
-  <p:transition xmlns:p14="http://schemas.microsoft.com/office/powerpoint/2010/main" spd="med" advClick="1" p14:dur="1000"/>
-</p:sld>
-</file>
-
-<file path=ppt/slides/slide3.xml><?xml version="1.0" encoding="utf-8"?>
-<p:sld xmlns:a="http://schemas.openxmlformats.org/drawingml/2006/main" xmlns:r="http://schemas.openxmlformats.org/officeDocument/2006/relationships" xmlns:p="http://schemas.openxmlformats.org/presentationml/2006/main" showMasterSp="1" showMasterPhAnim="1">
-  <p:cSld>
-    <p:spTree>
-      <p:nvGrpSpPr>
-        <p:cNvPr id="1" name=""/>
-        <p:cNvGrpSpPr/>
-        <p:nvPr/>
-      </p:nvGrpSpPr>
-      <p:grpSpPr>
-        <a:xfrm>
-          <a:off x="0" y="0"/>
-          <a:ext cx="0" cy="0"/>
-          <a:chOff x="0" y="0"/>
-          <a:chExt cx="0" cy="0"/>
-        </a:xfrm>
-      </p:grpSpPr>
-      <p:sp>
-        <p:nvSpPr>
-          <p:cNvPr id="135" name="Shape 135"/>
-          <p:cNvSpPr/>
-          <p:nvPr>
-            <p:ph type="title"/>
-          </p:nvPr>
-        </p:nvSpPr>
-        <p:spPr>
-          <a:xfrm>
-            <a:off x="685799" y="67236"/>
-            <a:ext cx="7770815" cy="1371601"/>
-          </a:xfrm>
-          <a:prstGeom prst="rect">
-            <a:avLst/>
-          </a:prstGeom>
-        </p:spPr>
-        <p:txBody>
-          <a:bodyPr/>
-          <a:lstStyle/>
-          <a:p>
-            <a:pPr/>
-            <a:r>
-              <a:t>Problem</a:t>
-            </a:r>
-          </a:p>
-        </p:txBody>
-      </p:sp>
-      <p:sp>
-        <p:nvSpPr>
-          <p:cNvPr id="136" name="Shape 136"/>
-          <p:cNvSpPr/>
-          <p:nvPr>
-            <p:ph type="body" idx="1"/>
-          </p:nvPr>
-        </p:nvSpPr>
-        <p:spPr>
-          <a:xfrm>
-            <a:off x="685799" y="2209800"/>
-            <a:ext cx="7770815" cy="3657600"/>
-          </a:xfrm>
-          <a:prstGeom prst="rect">
-            <a:avLst/>
-          </a:prstGeom>
-        </p:spPr>
-        <p:txBody>
-          <a:bodyPr/>
-          <a:lstStyle/>
-          <a:p>
-            <a:pPr/>
-            <a:r>
-              <a:t>Many weather web services have so much data that it’s very difficult to organize it in bite sized pieces.  An abbreviated version of a larger, more complex API would cut down on the amount of data that ends up being confusing for the end user.</a:t>
-            </a:r>
-          </a:p>
-        </p:txBody>
-      </p:sp>
-    </p:spTree>
-  </p:cSld>
-  <p:clrMapOvr>
-    <a:masterClrMapping/>
-  </p:clrMapOvr>
-  <p:transition xmlns:p14="http://schemas.microsoft.com/office/powerpoint/2010/main" spd="med" advClick="1" p14:dur="1000"/>
-</p:sld>
-</file>
-
-<file path=ppt/slides/slide4.xml><?xml version="1.0" encoding="utf-8"?>
-<p:sld xmlns:a="http://schemas.openxmlformats.org/drawingml/2006/main" xmlns:r="http://schemas.openxmlformats.org/officeDocument/2006/relationships" xmlns:p="http://schemas.openxmlformats.org/presentationml/2006/main" showMasterSp="1" showMasterPhAnim="1">
-  <p:cSld>
-    <p:spTree>
-      <p:nvGrpSpPr>
-        <p:cNvPr id="1" name=""/>
-        <p:cNvGrpSpPr/>
-        <p:nvPr/>
-      </p:nvGrpSpPr>
-      <p:grpSpPr>
-        <a:xfrm>
-          <a:off x="0" y="0"/>
-          <a:ext cx="0" cy="0"/>
-          <a:chOff x="0" y="0"/>
-          <a:chExt cx="0" cy="0"/>
-        </a:xfrm>
-      </p:grpSpPr>
-      <p:sp>
-        <p:nvSpPr>
-          <p:cNvPr id="138" name="Shape 138"/>
-          <p:cNvSpPr/>
-          <p:nvPr>
-            <p:ph type="title"/>
-          </p:nvPr>
-        </p:nvSpPr>
-        <p:spPr>
-          <a:xfrm>
-            <a:off x="685799" y="67236"/>
-            <a:ext cx="7770815" cy="1371601"/>
-          </a:xfrm>
-          <a:prstGeom prst="rect">
-            <a:avLst/>
-          </a:prstGeom>
-        </p:spPr>
-        <p:txBody>
-          <a:bodyPr/>
-          <a:lstStyle/>
-          <a:p>
-            <a:pPr/>
-            <a:r>
-              <a:t>Solution</a:t>
-            </a:r>
-          </a:p>
-        </p:txBody>
-      </p:sp>
-      <p:sp>
-        <p:nvSpPr>
-          <p:cNvPr id="139" name="Shape 139"/>
-          <p:cNvSpPr/>
-          <p:nvPr>
-            <p:ph type="body" idx="1"/>
-          </p:nvPr>
-        </p:nvSpPr>
-        <p:spPr>
-          <a:xfrm>
-            <a:off x="685799" y="2209800"/>
-            <a:ext cx="7770815" cy="3657600"/>
-          </a:xfrm>
-          <a:prstGeom prst="rect">
-            <a:avLst/>
-          </a:prstGeom>
-        </p:spPr>
-        <p:txBody>
-          <a:bodyPr/>
-          <a:lstStyle/>
-          <a:p>
-            <a:pPr/>
-            <a:r>
-              <a:t>Deconstruct a web service that returns a large amount of data, collect it and reformat it in an easy to use way.</a:t>
-            </a:r>
-          </a:p>
-          <a:p>
-            <a:pPr/>
-            <a:r>
-              <a:t>Receive GET request with coordinates for location</a:t>
-            </a:r>
-          </a:p>
-          <a:p>
-            <a:pPr/>
-            <a:r>
-              <a:t>Request the full data set from DarkSky API</a:t>
-            </a:r>
-          </a:p>
-          <a:p>
-            <a:pPr/>
-            <a:r>
-              <a:t>Return condensed JSON data to the end user</a:t>
-            </a:r>
-          </a:p>
-        </p:txBody>
-      </p:sp>
-    </p:spTree>
-  </p:cSld>
-  <p:clrMapOvr>
-    <a:masterClrMapping/>
-  </p:clrMapOvr>
-  <p:transition xmlns:p14="http://schemas.microsoft.com/office/powerpoint/2010/main" spd="med" advClick="1" p14:dur="1000"/>
-</p:sld>
-</file>
-
-<file path=ppt/slides/slide5.xml><?xml version="1.0" encoding="utf-8"?>
-<p:sld xmlns:a="http://schemas.openxmlformats.org/drawingml/2006/main" xmlns:r="http://schemas.openxmlformats.org/officeDocument/2006/relationships" xmlns:p="http://schemas.openxmlformats.org/presentationml/2006/main" showMasterSp="1" showMasterPhAnim="1">
-  <p:cSld>
-    <p:spTree>
-      <p:nvGrpSpPr>
-        <p:cNvPr id="1" name=""/>
-        <p:cNvGrpSpPr/>
-        <p:nvPr/>
-      </p:nvGrpSpPr>
-      <p:grpSpPr>
-        <a:xfrm>
-          <a:off x="0" y="0"/>
-          <a:ext cx="0" cy="0"/>
-          <a:chOff x="0" y="0"/>
-          <a:chExt cx="0" cy="0"/>
-        </a:xfrm>
-      </p:grpSpPr>
-      <p:sp>
-        <p:nvSpPr>
-          <p:cNvPr id="141" name="Shape 141"/>
-          <p:cNvSpPr/>
-          <p:nvPr>
-            <p:ph type="title"/>
-          </p:nvPr>
-        </p:nvSpPr>
-        <p:spPr>
-          <a:xfrm>
-            <a:off x="685799" y="67236"/>
-            <a:ext cx="7770815" cy="1371601"/>
-          </a:xfrm>
-          <a:prstGeom prst="rect">
-            <a:avLst/>
-          </a:prstGeom>
-        </p:spPr>
-        <p:txBody>
-          <a:bodyPr/>
-          <a:lstStyle/>
-          <a:p>
-            <a:pPr/>
-            <a:r>
-              <a:t>Plan</a:t>
-            </a:r>
-          </a:p>
-        </p:txBody>
-      </p:sp>
-      <p:sp>
-        <p:nvSpPr>
-          <p:cNvPr id="142" name="Shape 142"/>
-          <p:cNvSpPr/>
-          <p:nvPr>
-            <p:ph type="body" idx="1"/>
-          </p:nvPr>
-        </p:nvSpPr>
-        <p:spPr>
-          <a:xfrm>
-            <a:off x="685799" y="2209800"/>
-            <a:ext cx="7770815" cy="3657600"/>
-          </a:xfrm>
-          <a:prstGeom prst="rect">
-            <a:avLst/>
-          </a:prstGeom>
-        </p:spPr>
-        <p:txBody>
-          <a:bodyPr/>
-          <a:lstStyle/>
-          <a:p>
-            <a:pPr/>
-            <a:r>
-              <a:t>Set up project structure and POJOs</a:t>
-            </a:r>
-          </a:p>
-          <a:p>
-            <a:pPr/>
-            <a:r>
-              <a:t>Create unit testing as the classes are built</a:t>
-            </a:r>
-          </a:p>
-          <a:p>
-            <a:pPr/>
-            <a:r>
-              <a:t>Debug</a:t>
-            </a:r>
-          </a:p>
-          <a:p>
-            <a:pPr/>
-            <a:r>
-              <a:t>Push to OpenShift</a:t>
-            </a:r>
-          </a:p>
-          <a:p>
-            <a:pPr/>
-            <a:r>
-              <a:t>Documentation: JavaDocs &amp; User guide</a:t>
-            </a:r>
-          </a:p>
-        </p:txBody>
-      </p:sp>
-    </p:spTree>
-  </p:cSld>
-  <p:clrMapOvr>
-    <a:masterClrMapping/>
-  </p:clrMapOvr>
-  <p:transition xmlns:p14="http://schemas.microsoft.com/office/powerpoint/2010/main" spd="med" advClick="1" p14:dur="1000"/>
-</p:sld>
-</file>
-
-<file path=ppt/slides/slide6.xml><?xml version="1.0" encoding="utf-8"?>
-<p:sld xmlns:a="http://schemas.openxmlformats.org/drawingml/2006/main" xmlns:r="http://schemas.openxmlformats.org/officeDocument/2006/relationships" xmlns:p="http://schemas.openxmlformats.org/presentationml/2006/main" showMasterSp="1" showMasterPhAnim="1">
-  <p:cSld>
-    <p:spTree>
-      <p:nvGrpSpPr>
-        <p:cNvPr id="1" name=""/>
-        <p:cNvGrpSpPr/>
-        <p:nvPr/>
-      </p:nvGrpSpPr>
-      <p:grpSpPr>
-        <a:xfrm>
-          <a:off x="0" y="0"/>
-          <a:ext cx="0" cy="0"/>
-          <a:chOff x="0" y="0"/>
-          <a:chExt cx="0" cy="0"/>
-        </a:xfrm>
-      </p:grpSpPr>
-      <p:sp>
-        <p:nvSpPr>
-          <p:cNvPr id="144" name="Shape 144"/>
-          <p:cNvSpPr/>
-          <p:nvPr>
-            <p:ph type="title"/>
-          </p:nvPr>
-        </p:nvSpPr>
-        <p:spPr>
-          <a:xfrm>
-            <a:off x="685799" y="67236"/>
-            <a:ext cx="7770815" cy="1371601"/>
-          </a:xfrm>
-          <a:prstGeom prst="rect">
-            <a:avLst/>
-          </a:prstGeom>
-        </p:spPr>
-        <p:txBody>
-          <a:bodyPr/>
-          <a:lstStyle/>
-          <a:p>
-            <a:pPr/>
-            <a:r>
-              <a:t>Learning Points - Brian</a:t>
-            </a:r>
-          </a:p>
-        </p:txBody>
-      </p:sp>
-      <p:sp>
-        <p:nvSpPr>
-          <p:cNvPr id="145" name="Shape 145"/>
-          <p:cNvSpPr/>
-          <p:nvPr>
-            <p:ph type="body" idx="1"/>
-          </p:nvPr>
-        </p:nvSpPr>
-        <p:spPr>
-          <a:xfrm>
-            <a:off x="685799" y="2209800"/>
-            <a:ext cx="7770815" cy="3657600"/>
-          </a:xfrm>
-          <a:prstGeom prst="rect">
-            <a:avLst/>
-          </a:prstGeom>
-        </p:spPr>
-        <p:txBody>
-          <a:bodyPr/>
-          <a:lstStyle/>
-          <a:p>
-            <a:pPr/>
-            <a:r>
-              <a:t>JSON website</a:t>
-            </a:r>
-          </a:p>
-          <a:p>
-            <a:pPr/>
-            <a:r>
-              <a:t>GSON – Google Json tools</a:t>
-            </a:r>
-          </a:p>
-          <a:p>
-            <a:pPr/>
-            <a:r>
-              <a:t>GET parameter annotations</a:t>
-            </a:r>
-          </a:p>
-          <a:p>
-            <a:pPr/>
-            <a:r>
-              <a:t>Postman</a:t>
-            </a:r>
-          </a:p>
-        </p:txBody>
-      </p:sp>
-    </p:spTree>
-  </p:cSld>
-  <p:clrMapOvr>
-    <a:masterClrMapping/>
-  </p:clrMapOvr>
-  <p:transition xmlns:p14="http://schemas.microsoft.com/office/powerpoint/2010/main" spd="med" advClick="1" p14:dur="1000"/>
-</p:sld>
-</file>
-
-<file path=ppt/slides/slide7.xml><?xml version="1.0" encoding="utf-8"?>
-<p:sld xmlns:a="http://schemas.openxmlformats.org/drawingml/2006/main" xmlns:r="http://schemas.openxmlformats.org/officeDocument/2006/relationships" xmlns:p="http://schemas.openxmlformats.org/presentationml/2006/main" showMasterSp="1" showMasterPhAnim="1">
-  <p:cSld>
-    <p:spTree>
-      <p:nvGrpSpPr>
-        <p:cNvPr id="1" name=""/>
-        <p:cNvGrpSpPr/>
-        <p:nvPr/>
-      </p:nvGrpSpPr>
-      <p:grpSpPr>
-        <a:xfrm>
-          <a:off x="0" y="0"/>
-          <a:ext cx="0" cy="0"/>
-          <a:chOff x="0" y="0"/>
-          <a:chExt cx="0" cy="0"/>
-        </a:xfrm>
-      </p:grpSpPr>
-      <p:sp>
-        <p:nvSpPr>
-          <p:cNvPr id="147" name="Shape 147"/>
-          <p:cNvSpPr/>
-          <p:nvPr>
-            <p:ph type="title"/>
-          </p:nvPr>
-        </p:nvSpPr>
-        <p:spPr>
-          <a:xfrm>
-            <a:off x="685799" y="67236"/>
-            <a:ext cx="7770815" cy="1371601"/>
-          </a:xfrm>
-          <a:prstGeom prst="rect">
-            <a:avLst/>
-          </a:prstGeom>
-        </p:spPr>
-        <p:txBody>
-          <a:bodyPr/>
-          <a:lstStyle/>
-          <a:p>
-            <a:pPr/>
-            <a:r>
-              <a:t>JSON Website</a:t>
-            </a:r>
-          </a:p>
-        </p:txBody>
-      </p:sp>
-      <p:sp>
-        <p:nvSpPr>
-          <p:cNvPr id="148" name="Shape 148"/>
-          <p:cNvSpPr/>
-          <p:nvPr>
-            <p:ph type="body" idx="1"/>
-          </p:nvPr>
-        </p:nvSpPr>
-        <p:spPr>
-          <a:xfrm>
-            <a:off x="685799" y="2209800"/>
-            <a:ext cx="7770815" cy="3657600"/>
-          </a:xfrm>
-          <a:prstGeom prst="rect">
-            <a:avLst/>
-          </a:prstGeom>
-        </p:spPr>
-        <p:txBody>
-          <a:bodyPr/>
-          <a:lstStyle/>
-          <a:p>
-            <a:pPr/>
-            <a:r>
-              <a:t>Shows JSON data in an easy to use format</a:t>
-            </a:r>
-          </a:p>
-          <a:p>
-            <a:pPr/>
-            <a:r>
-              <a:t>Helps understand the structure of the JSON</a:t>
-            </a:r>
-          </a:p>
-          <a:p>
-            <a:pPr/>
-            <a:r>
-              <a:t>Collapsing menu system</a:t>
-            </a:r>
-          </a:p>
-          <a:p>
-            <a:pPr/>
-            <a:r>
-              <a:t>JSON syntax validation</a:t>
-            </a:r>
-          </a:p>
-        </p:txBody>
-      </p:sp>
-    </p:spTree>
-  </p:cSld>
-  <p:clrMapOvr>
-    <a:masterClrMapping/>
-  </p:clrMapOvr>
-  <p:transition xmlns:p14="http://schemas.microsoft.com/office/powerpoint/2010/main" spd="med" advClick="1" p14:dur="1000"/>
-</p:sld>
-</file>
-
-<file path=ppt/slides/slide8.xml><?xml version="1.0" encoding="utf-8"?>
-<p:sld xmlns:a="http://schemas.openxmlformats.org/drawingml/2006/main" xmlns:r="http://schemas.openxmlformats.org/officeDocument/2006/relationships" xmlns:p="http://schemas.openxmlformats.org/presentationml/2006/main" showMasterSp="1" showMasterPhAnim="1">
-  <p:cSld>
-    <p:spTree>
-      <p:nvGrpSpPr>
-        <p:cNvPr id="1" name=""/>
-        <p:cNvGrpSpPr/>
-        <p:nvPr/>
-      </p:nvGrpSpPr>
-      <p:grpSpPr>
-        <a:xfrm>
-          <a:off x="0" y="0"/>
-          <a:ext cx="0" cy="0"/>
-          <a:chOff x="0" y="0"/>
-          <a:chExt cx="0" cy="0"/>
-        </a:xfrm>
-      </p:grpSpPr>
-      <p:sp>
-        <p:nvSpPr>
-          <p:cNvPr id="150" name="Shape 150"/>
-          <p:cNvSpPr/>
-          <p:nvPr>
-            <p:ph type="title"/>
-          </p:nvPr>
-        </p:nvSpPr>
-        <p:spPr>
-          <a:xfrm>
-            <a:off x="685799" y="67236"/>
-            <a:ext cx="7770815" cy="1371601"/>
-          </a:xfrm>
-          <a:prstGeom prst="rect">
-            <a:avLst/>
-          </a:prstGeom>
-        </p:spPr>
-        <p:txBody>
-          <a:bodyPr/>
-          <a:lstStyle/>
-          <a:p>
-            <a:pPr/>
-            <a:r>
-              <a:t>GSON</a:t>
-            </a:r>
-          </a:p>
-        </p:txBody>
-      </p:sp>
-      <p:sp>
-        <p:nvSpPr>
-          <p:cNvPr id="151" name="Shape 151"/>
-          <p:cNvSpPr/>
-          <p:nvPr>
-            <p:ph type="body" idx="1"/>
-          </p:nvPr>
-        </p:nvSpPr>
-        <p:spPr>
-          <a:xfrm>
-            <a:off x="685799" y="2209800"/>
-            <a:ext cx="7770815" cy="3657600"/>
-          </a:xfrm>
-          <a:prstGeom prst="rect">
-            <a:avLst/>
-          </a:prstGeom>
-        </p:spPr>
-        <p:txBody>
-          <a:bodyPr/>
-          <a:lstStyle/>
-          <a:p>
-            <a:pPr/>
-            <a:r>
-              <a:t>Google tool for manipulating JSON</a:t>
-            </a:r>
-          </a:p>
-          <a:p>
-            <a:pPr/>
-            <a:r>
-              <a:t>Build JSON objects from POJOs</a:t>
-            </a:r>
-          </a:p>
-          <a:p>
-            <a:pPr/>
-            <a:r>
-              <a:t>Fill POJO properties from JSON</a:t>
-            </a:r>
-          </a:p>
-          <a:p>
-            <a:pPr lvl="1" marL="914400" indent="-457200">
-              <a:spcBef>
-                <a:spcPts val="600"/>
-              </a:spcBef>
-              <a:buClr>
-                <a:srgbClr val="47443E"/>
-              </a:buClr>
-              <a:defRPr sz="2200"/>
-            </a:pPr>
-            <a:r>
-              <a:t>Smart enough to only populate relevant fields</a:t>
-            </a:r>
-          </a:p>
-          <a:p>
-            <a:pPr/>
-            <a:r>
-              <a:t>Nested JSON objects</a:t>
-            </a:r>
-          </a:p>
-        </p:txBody>
-      </p:sp>
-    </p:spTree>
-  </p:cSld>
-  <p:clrMapOvr>
-    <a:masterClrMapping/>
-  </p:clrMapOvr>
-  <p:transition xmlns:p14="http://schemas.microsoft.com/office/powerpoint/2010/main" spd="med" advClick="1" p14:dur="1000"/>
-</p:sld>
-</file>
-
-<file path=ppt/slides/slide9.xml><?xml version="1.0" encoding="utf-8"?>
-<p:sld xmlns:a="http://schemas.openxmlformats.org/drawingml/2006/main" xmlns:r="http://schemas.openxmlformats.org/officeDocument/2006/relationships" xmlns:p="http://schemas.openxmlformats.org/presentationml/2006/main" showMasterSp="1" showMasterPhAnim="1">
-  <p:cSld>
-    <p:spTree>
-      <p:nvGrpSpPr>
-        <p:cNvPr id="1" name=""/>
-        <p:cNvGrpSpPr/>
-        <p:nvPr/>
-      </p:nvGrpSpPr>
-      <p:grpSpPr>
-        <a:xfrm>
-          <a:off x="0" y="0"/>
-          <a:ext cx="0" cy="0"/>
-          <a:chOff x="0" y="0"/>
-          <a:chExt cx="0" cy="0"/>
-        </a:xfrm>
-      </p:grpSpPr>
-      <p:sp>
-        <p:nvSpPr>
-          <p:cNvPr id="153" name="Shape 153"/>
-          <p:cNvSpPr/>
-          <p:nvPr>
-            <p:ph type="title"/>
-          </p:nvPr>
-        </p:nvSpPr>
-        <p:spPr>
-          <a:xfrm>
-            <a:off x="685799" y="67236"/>
-            <a:ext cx="7770815" cy="1371601"/>
-          </a:xfrm>
-          <a:prstGeom prst="rect">
-            <a:avLst/>
-          </a:prstGeom>
-        </p:spPr>
-        <p:txBody>
-          <a:bodyPr/>
-          <a:lstStyle/>
-          <a:p>
-            <a:pPr/>
-            <a:r>
-              <a:t>Parameter Annotations</a:t>
-            </a:r>
-          </a:p>
-        </p:txBody>
-      </p:sp>
-      <p:sp>
-        <p:nvSpPr>
-          <p:cNvPr id="154" name="Shape 154"/>
-          <p:cNvSpPr/>
-          <p:nvPr>
-            <p:ph type="body" idx="1"/>
-          </p:nvPr>
-        </p:nvSpPr>
-        <p:spPr>
-          <a:xfrm>
-            <a:off x="685799" y="2209800"/>
-            <a:ext cx="7770815" cy="3657600"/>
-          </a:xfrm>
-          <a:prstGeom prst="rect">
-            <a:avLst/>
-          </a:prstGeom>
-        </p:spPr>
-        <p:txBody>
-          <a:bodyPr/>
-          <a:lstStyle/>
-          <a:p>
-            <a:pPr/>
-            <a:r>
-              <a:t>GET parameters @QueryParam(”var") String var</a:t>
-            </a:r>
-          </a:p>
-          <a:p>
-            <a:pPr/>
-            <a:r>
-              <a:t>@QueryParam(“var”) - key from GET url</a:t>
-            </a:r>
-          </a:p>
-          <a:p>
-            <a:pPr/>
-            <a:r>
-              <a:t>String var – typical Java parameter for local use</a:t>
-            </a:r>
-          </a:p>
-        </p:txBody>
-      </p:sp>
-    </p:spTree>
-  </p:cSld>
-  <p:clrMapOvr>
-    <a:masterClrMapping/>
-  </p:clrMapOvr>
-  <p:transition xmlns:p14="http://schemas.microsoft.com/office/powerpoint/2010/main" spd="med" advClick="1" p14:dur="1000"/>
+  <p:transition xmlns:p14="http://schemas.microsoft.com/office/powerpoint/2010/main" spd="slow"/>
 </p:sld>
 </file>
 
 <file path=ppt/theme/theme1.xml><?xml version="1.0" encoding="utf-8"?>
-<a:theme xmlns:a="http://schemas.openxmlformats.org/drawingml/2006/main" xmlns:r="http://schemas.openxmlformats.org/officeDocument/2006/relationships" name="Folio">
+<a:theme xmlns:a="http://schemas.openxmlformats.org/drawingml/2006/main" name="Folio">
   <a:themeElements>
     <a:clrScheme name="Folio">
       <a:dk1>
@@ -4390,7 +4560,7 @@
       <a:effectStyleLst>
         <a:effectStyle>
           <a:effectLst>
-            <a:outerShdw sx="100000" sy="100000" kx="0" ky="0" algn="b" rotWithShape="0" blurRad="38100" dist="25400" dir="5400000">
+            <a:outerShdw blurRad="38100" dist="25400" dir="5400000" rotWithShape="0">
               <a:srgbClr val="000000">
                 <a:alpha val="50000"/>
               </a:srgbClr>
@@ -4399,7 +4569,7 @@
         </a:effectStyle>
         <a:effectStyle>
           <a:effectLst>
-            <a:outerShdw sx="100000" sy="100000" kx="0" ky="0" algn="b" rotWithShape="0" blurRad="38100" dist="25400" dir="5400000">
+            <a:outerShdw blurRad="38100" dist="25400" dir="5400000" rotWithShape="0">
               <a:srgbClr val="000000">
                 <a:alpha val="50000"/>
               </a:srgbClr>
@@ -4408,7 +4578,7 @@
         </a:effectStyle>
         <a:effectStyle>
           <a:effectLst>
-            <a:outerShdw sx="100000" sy="100000" kx="0" ky="0" algn="b" rotWithShape="0" blurRad="38100" dist="20000" dir="5400000">
+            <a:outerShdw blurRad="38100" dist="20000" dir="5400000" rotWithShape="0">
               <a:srgbClr val="000000">
                 <a:alpha val="38000"/>
               </a:srgbClr>
@@ -4482,7 +4652,7 @@
           <a:round/>
         </a:ln>
         <a:effectLst>
-          <a:outerShdw sx="100000" sy="100000" kx="0" ky="0" algn="b" rotWithShape="0" blurRad="38100" dist="25400" dir="5400000">
+          <a:outerShdw blurRad="38100" dist="25400" dir="5400000" rotWithShape="0">
             <a:srgbClr val="000000">
               <a:alpha val="50000"/>
             </a:srgbClr>
@@ -4490,7 +4660,7 @@
         </a:effectLst>
         <a:sp3d/>
       </a:spPr>
-      <a:bodyPr rot="0" spcFirstLastPara="1" vertOverflow="overflow" horzOverflow="overflow" vert="horz" wrap="square" lIns="45719" tIns="45719" rIns="45719" bIns="45719" numCol="1" spcCol="38100" rtlCol="0" anchor="ctr" upright="0">
+      <a:bodyPr rot="0" spcFirstLastPara="1" vertOverflow="overflow" horzOverflow="overflow" vert="horz" wrap="square" lIns="45719" tIns="45719" rIns="45719" bIns="45719" numCol="1" spcCol="38100" rtlCol="0" anchor="ctr">
         <a:spAutoFit/>
       </a:bodyPr>
       <a:lstStyle>
@@ -4509,7 +4679,7 @@
           <a:buFontTx/>
           <a:buNone/>
           <a:tabLst/>
-          <a:defRPr b="0" baseline="0" cap="none" i="0" spc="0" strike="noStrike" sz="1800" u="none" kumimoji="0" normalizeH="0">
+          <a:defRPr kumimoji="0" sz="1800" b="0" i="0" u="none" strike="noStrike" cap="none" spc="0" normalizeH="0" baseline="0">
             <a:ln>
               <a:noFill/>
             </a:ln>
@@ -4539,7 +4709,7 @@
           <a:buFontTx/>
           <a:buNone/>
           <a:tabLst/>
-          <a:defRPr b="0" baseline="0" cap="none" i="0" spc="0" strike="noStrike" sz="1800" u="none" kumimoji="0" normalizeH="0">
+          <a:defRPr kumimoji="0" sz="1800" b="0" i="0" u="none" strike="noStrike" cap="none" spc="0" normalizeH="0" baseline="0">
             <a:ln>
               <a:noFill/>
             </a:ln>
@@ -4565,7 +4735,7 @@
           <a:buFontTx/>
           <a:buNone/>
           <a:tabLst/>
-          <a:defRPr b="0" baseline="0" cap="none" i="0" spc="0" strike="noStrike" sz="1800" u="none" kumimoji="0" normalizeH="0">
+          <a:defRPr kumimoji="0" sz="1800" b="0" i="0" u="none" strike="noStrike" cap="none" spc="0" normalizeH="0" baseline="0">
             <a:ln>
               <a:noFill/>
             </a:ln>
@@ -4591,7 +4761,7 @@
           <a:buFontTx/>
           <a:buNone/>
           <a:tabLst/>
-          <a:defRPr b="0" baseline="0" cap="none" i="0" spc="0" strike="noStrike" sz="1800" u="none" kumimoji="0" normalizeH="0">
+          <a:defRPr kumimoji="0" sz="1800" b="0" i="0" u="none" strike="noStrike" cap="none" spc="0" normalizeH="0" baseline="0">
             <a:ln>
               <a:noFill/>
             </a:ln>
@@ -4617,7 +4787,7 @@
           <a:buFontTx/>
           <a:buNone/>
           <a:tabLst/>
-          <a:defRPr b="0" baseline="0" cap="none" i="0" spc="0" strike="noStrike" sz="1800" u="none" kumimoji="0" normalizeH="0">
+          <a:defRPr kumimoji="0" sz="1800" b="0" i="0" u="none" strike="noStrike" cap="none" spc="0" normalizeH="0" baseline="0">
             <a:ln>
               <a:noFill/>
             </a:ln>
@@ -4643,7 +4813,7 @@
           <a:buFontTx/>
           <a:buNone/>
           <a:tabLst/>
-          <a:defRPr b="0" baseline="0" cap="none" i="0" spc="0" strike="noStrike" sz="1800" u="none" kumimoji="0" normalizeH="0">
+          <a:defRPr kumimoji="0" sz="1800" b="0" i="0" u="none" strike="noStrike" cap="none" spc="0" normalizeH="0" baseline="0">
             <a:ln>
               <a:noFill/>
             </a:ln>
@@ -4669,7 +4839,7 @@
           <a:buFontTx/>
           <a:buNone/>
           <a:tabLst/>
-          <a:defRPr b="0" baseline="0" cap="none" i="0" spc="0" strike="noStrike" sz="1800" u="none" kumimoji="0" normalizeH="0">
+          <a:defRPr kumimoji="0" sz="1800" b="0" i="0" u="none" strike="noStrike" cap="none" spc="0" normalizeH="0" baseline="0">
             <a:ln>
               <a:noFill/>
             </a:ln>
@@ -4695,7 +4865,7 @@
           <a:buFontTx/>
           <a:buNone/>
           <a:tabLst/>
-          <a:defRPr b="0" baseline="0" cap="none" i="0" spc="0" strike="noStrike" sz="1800" u="none" kumimoji="0" normalizeH="0">
+          <a:defRPr kumimoji="0" sz="1800" b="0" i="0" u="none" strike="noStrike" cap="none" spc="0" normalizeH="0" baseline="0">
             <a:ln>
               <a:noFill/>
             </a:ln>
@@ -4721,7 +4891,7 @@
           <a:buFontTx/>
           <a:buNone/>
           <a:tabLst/>
-          <a:defRPr b="0" baseline="0" cap="none" i="0" spc="0" strike="noStrike" sz="1800" u="none" kumimoji="0" normalizeH="0">
+          <a:defRPr kumimoji="0" sz="1800" b="0" i="0" u="none" strike="noStrike" cap="none" spc="0" normalizeH="0" baseline="0">
             <a:ln>
               <a:noFill/>
             </a:ln>
@@ -4747,7 +4917,7 @@
           <a:buFontTx/>
           <a:buNone/>
           <a:tabLst/>
-          <a:defRPr b="0" baseline="0" cap="none" i="0" spc="0" strike="noStrike" sz="1800" u="none" kumimoji="0" normalizeH="0">
+          <a:defRPr kumimoji="0" sz="1800" b="0" i="0" u="none" strike="noStrike" cap="none" spc="0" normalizeH="0" baseline="0">
             <a:ln>
               <a:noFill/>
             </a:ln>
@@ -4760,9 +4930,15 @@
         </a:lvl9pPr>
       </a:lstStyle>
       <a:style>
-        <a:lnRef idx="0"/>
-        <a:fillRef idx="0"/>
-        <a:effectRef idx="0"/>
+        <a:lnRef idx="0">
+          <a:scrgbClr r="0" g="0" b="0"/>
+        </a:lnRef>
+        <a:fillRef idx="0">
+          <a:scrgbClr r="0" g="0" b="0"/>
+        </a:fillRef>
+        <a:effectRef idx="0">
+          <a:scrgbClr r="0" g="0" b="0"/>
+        </a:effectRef>
         <a:fontRef idx="none"/>
       </a:style>
     </a:spDef>
@@ -4777,7 +4953,7 @@
           <a:round/>
         </a:ln>
         <a:effectLst>
-          <a:outerShdw sx="100000" sy="100000" kx="0" ky="0" algn="b" rotWithShape="0" blurRad="38100" dist="20000" dir="5400000">
+          <a:outerShdw blurRad="38100" dist="20000" dir="5400000" rotWithShape="0">
             <a:srgbClr val="000000">
               <a:alpha val="38000"/>
             </a:srgbClr>
@@ -4785,7 +4961,7 @@
         </a:effectLst>
         <a:sp3d/>
       </a:spPr>
-      <a:bodyPr rot="0" spcFirstLastPara="1" vertOverflow="overflow" horzOverflow="overflow" vert="horz" wrap="square" lIns="91439" tIns="45719" rIns="91439" bIns="45719" numCol="1" spcCol="38100" rtlCol="0" anchor="t" upright="0">
+      <a:bodyPr rot="0" spcFirstLastPara="1" vertOverflow="overflow" horzOverflow="overflow" vert="horz" wrap="square" lIns="91439" tIns="45719" rIns="91439" bIns="45719" numCol="1" spcCol="38100" rtlCol="0" anchor="t">
         <a:noAutofit/>
       </a:bodyPr>
       <a:lstStyle>
@@ -4804,7 +4980,7 @@
           <a:buFontTx/>
           <a:buNone/>
           <a:tabLst/>
-          <a:defRPr b="0" baseline="0" cap="none" i="0" spc="0" strike="noStrike" sz="1800" u="none" kumimoji="0" normalizeH="0">
+          <a:defRPr kumimoji="0" sz="1800" b="0" i="0" u="none" strike="noStrike" cap="none" spc="0" normalizeH="0" baseline="0">
             <a:ln>
               <a:noFill/>
             </a:ln>
@@ -4830,7 +5006,7 @@
           <a:buFontTx/>
           <a:buNone/>
           <a:tabLst/>
-          <a:defRPr b="0" baseline="0" cap="none" i="0" spc="0" strike="noStrike" sz="1800" u="none" kumimoji="0" normalizeH="0">
+          <a:defRPr kumimoji="0" sz="1800" b="0" i="0" u="none" strike="noStrike" cap="none" spc="0" normalizeH="0" baseline="0">
             <a:ln>
               <a:noFill/>
             </a:ln>
@@ -4856,7 +5032,7 @@
           <a:buFontTx/>
           <a:buNone/>
           <a:tabLst/>
-          <a:defRPr b="0" baseline="0" cap="none" i="0" spc="0" strike="noStrike" sz="1800" u="none" kumimoji="0" normalizeH="0">
+          <a:defRPr kumimoji="0" sz="1800" b="0" i="0" u="none" strike="noStrike" cap="none" spc="0" normalizeH="0" baseline="0">
             <a:ln>
               <a:noFill/>
             </a:ln>
@@ -4882,7 +5058,7 @@
           <a:buFontTx/>
           <a:buNone/>
           <a:tabLst/>
-          <a:defRPr b="0" baseline="0" cap="none" i="0" spc="0" strike="noStrike" sz="1800" u="none" kumimoji="0" normalizeH="0">
+          <a:defRPr kumimoji="0" sz="1800" b="0" i="0" u="none" strike="noStrike" cap="none" spc="0" normalizeH="0" baseline="0">
             <a:ln>
               <a:noFill/>
             </a:ln>
@@ -4908,7 +5084,7 @@
           <a:buFontTx/>
           <a:buNone/>
           <a:tabLst/>
-          <a:defRPr b="0" baseline="0" cap="none" i="0" spc="0" strike="noStrike" sz="1800" u="none" kumimoji="0" normalizeH="0">
+          <a:defRPr kumimoji="0" sz="1800" b="0" i="0" u="none" strike="noStrike" cap="none" spc="0" normalizeH="0" baseline="0">
             <a:ln>
               <a:noFill/>
             </a:ln>
@@ -4934,7 +5110,7 @@
           <a:buFontTx/>
           <a:buNone/>
           <a:tabLst/>
-          <a:defRPr b="0" baseline="0" cap="none" i="0" spc="0" strike="noStrike" sz="1800" u="none" kumimoji="0" normalizeH="0">
+          <a:defRPr kumimoji="0" sz="1800" b="0" i="0" u="none" strike="noStrike" cap="none" spc="0" normalizeH="0" baseline="0">
             <a:ln>
               <a:noFill/>
             </a:ln>
@@ -4960,7 +5136,7 @@
           <a:buFontTx/>
           <a:buNone/>
           <a:tabLst/>
-          <a:defRPr b="0" baseline="0" cap="none" i="0" spc="0" strike="noStrike" sz="1800" u="none" kumimoji="0" normalizeH="0">
+          <a:defRPr kumimoji="0" sz="1800" b="0" i="0" u="none" strike="noStrike" cap="none" spc="0" normalizeH="0" baseline="0">
             <a:ln>
               <a:noFill/>
             </a:ln>
@@ -4986,7 +5162,7 @@
           <a:buFontTx/>
           <a:buNone/>
           <a:tabLst/>
-          <a:defRPr b="0" baseline="0" cap="none" i="0" spc="0" strike="noStrike" sz="1800" u="none" kumimoji="0" normalizeH="0">
+          <a:defRPr kumimoji="0" sz="1800" b="0" i="0" u="none" strike="noStrike" cap="none" spc="0" normalizeH="0" baseline="0">
             <a:ln>
               <a:noFill/>
             </a:ln>
@@ -5012,7 +5188,7 @@
           <a:buFontTx/>
           <a:buNone/>
           <a:tabLst/>
-          <a:defRPr b="0" baseline="0" cap="none" i="0" spc="0" strike="noStrike" sz="1800" u="none" kumimoji="0" normalizeH="0">
+          <a:defRPr kumimoji="0" sz="1800" b="0" i="0" u="none" strike="noStrike" cap="none" spc="0" normalizeH="0" baseline="0">
             <a:ln>
               <a:noFill/>
             </a:ln>
@@ -5038,7 +5214,7 @@
           <a:buFontTx/>
           <a:buNone/>
           <a:tabLst/>
-          <a:defRPr b="0" baseline="0" cap="none" i="0" spc="0" strike="noStrike" sz="1800" u="none" kumimoji="0" normalizeH="0">
+          <a:defRPr kumimoji="0" sz="1800" b="0" i="0" u="none" strike="noStrike" cap="none" spc="0" normalizeH="0" baseline="0">
             <a:ln>
               <a:noFill/>
             </a:ln>
@@ -5051,9 +5227,15 @@
         </a:lvl9pPr>
       </a:lstStyle>
       <a:style>
-        <a:lnRef idx="0"/>
-        <a:fillRef idx="0"/>
-        <a:effectRef idx="0"/>
+        <a:lnRef idx="0">
+          <a:scrgbClr r="0" g="0" b="0"/>
+        </a:lnRef>
+        <a:fillRef idx="0">
+          <a:scrgbClr r="0" g="0" b="0"/>
+        </a:fillRef>
+        <a:effectRef idx="0">
+          <a:scrgbClr r="0" g="0" b="0"/>
+        </a:effectRef>
         <a:fontRef idx="none"/>
       </a:style>
     </a:lnDef>
@@ -5067,7 +5249,7 @@
         <a:effectLst/>
         <a:sp3d/>
       </a:spPr>
-      <a:bodyPr rot="0" spcFirstLastPara="1" vertOverflow="overflow" horzOverflow="overflow" vert="horz" wrap="square" lIns="45719" tIns="45719" rIns="45719" bIns="45719" numCol="1" spcCol="38100" rtlCol="0" anchor="t" upright="0">
+      <a:bodyPr rot="0" spcFirstLastPara="1" vertOverflow="overflow" horzOverflow="overflow" vert="horz" wrap="square" lIns="45719" tIns="45719" rIns="45719" bIns="45719" numCol="1" spcCol="38100" rtlCol="0" anchor="t">
         <a:spAutoFit/>
       </a:bodyPr>
       <a:lstStyle>
@@ -5086,7 +5268,7 @@
           <a:buFontTx/>
           <a:buNone/>
           <a:tabLst/>
-          <a:defRPr b="0" baseline="0" cap="none" i="0" spc="0" strike="noStrike" sz="1800" u="none" kumimoji="0" normalizeH="0">
+          <a:defRPr kumimoji="0" sz="1800" b="0" i="0" u="none" strike="noStrike" cap="none" spc="0" normalizeH="0" baseline="0">
             <a:ln>
               <a:noFill/>
             </a:ln>
@@ -5116,7 +5298,7 @@
           <a:buFontTx/>
           <a:buNone/>
           <a:tabLst/>
-          <a:defRPr b="0" baseline="0" cap="none" i="0" spc="0" strike="noStrike" sz="1800" u="none" kumimoji="0" normalizeH="0">
+          <a:defRPr kumimoji="0" sz="1800" b="0" i="0" u="none" strike="noStrike" cap="none" spc="0" normalizeH="0" baseline="0">
             <a:ln>
               <a:noFill/>
             </a:ln>
@@ -5142,7 +5324,7 @@
           <a:buFontTx/>
           <a:buNone/>
           <a:tabLst/>
-          <a:defRPr b="0" baseline="0" cap="none" i="0" spc="0" strike="noStrike" sz="1800" u="none" kumimoji="0" normalizeH="0">
+          <a:defRPr kumimoji="0" sz="1800" b="0" i="0" u="none" strike="noStrike" cap="none" spc="0" normalizeH="0" baseline="0">
             <a:ln>
               <a:noFill/>
             </a:ln>
@@ -5168,7 +5350,7 @@
           <a:buFontTx/>
           <a:buNone/>
           <a:tabLst/>
-          <a:defRPr b="0" baseline="0" cap="none" i="0" spc="0" strike="noStrike" sz="1800" u="none" kumimoji="0" normalizeH="0">
+          <a:defRPr kumimoji="0" sz="1800" b="0" i="0" u="none" strike="noStrike" cap="none" spc="0" normalizeH="0" baseline="0">
             <a:ln>
               <a:noFill/>
             </a:ln>
@@ -5194,7 +5376,7 @@
           <a:buFontTx/>
           <a:buNone/>
           <a:tabLst/>
-          <a:defRPr b="0" baseline="0" cap="none" i="0" spc="0" strike="noStrike" sz="1800" u="none" kumimoji="0" normalizeH="0">
+          <a:defRPr kumimoji="0" sz="1800" b="0" i="0" u="none" strike="noStrike" cap="none" spc="0" normalizeH="0" baseline="0">
             <a:ln>
               <a:noFill/>
             </a:ln>
@@ -5220,7 +5402,7 @@
           <a:buFontTx/>
           <a:buNone/>
           <a:tabLst/>
-          <a:defRPr b="0" baseline="0" cap="none" i="0" spc="0" strike="noStrike" sz="1800" u="none" kumimoji="0" normalizeH="0">
+          <a:defRPr kumimoji="0" sz="1800" b="0" i="0" u="none" strike="noStrike" cap="none" spc="0" normalizeH="0" baseline="0">
             <a:ln>
               <a:noFill/>
             </a:ln>
@@ -5246,7 +5428,7 @@
           <a:buFontTx/>
           <a:buNone/>
           <a:tabLst/>
-          <a:defRPr b="0" baseline="0" cap="none" i="0" spc="0" strike="noStrike" sz="1800" u="none" kumimoji="0" normalizeH="0">
+          <a:defRPr kumimoji="0" sz="1800" b="0" i="0" u="none" strike="noStrike" cap="none" spc="0" normalizeH="0" baseline="0">
             <a:ln>
               <a:noFill/>
             </a:ln>
@@ -5272,7 +5454,7 @@
           <a:buFontTx/>
           <a:buNone/>
           <a:tabLst/>
-          <a:defRPr b="0" baseline="0" cap="none" i="0" spc="0" strike="noStrike" sz="1800" u="none" kumimoji="0" normalizeH="0">
+          <a:defRPr kumimoji="0" sz="1800" b="0" i="0" u="none" strike="noStrike" cap="none" spc="0" normalizeH="0" baseline="0">
             <a:ln>
               <a:noFill/>
             </a:ln>
@@ -5298,7 +5480,7 @@
           <a:buFontTx/>
           <a:buNone/>
           <a:tabLst/>
-          <a:defRPr b="0" baseline="0" cap="none" i="0" spc="0" strike="noStrike" sz="1800" u="none" kumimoji="0" normalizeH="0">
+          <a:defRPr kumimoji="0" sz="1800" b="0" i="0" u="none" strike="noStrike" cap="none" spc="0" normalizeH="0" baseline="0">
             <a:ln>
               <a:noFill/>
             </a:ln>
@@ -5324,7 +5506,7 @@
           <a:buFontTx/>
           <a:buNone/>
           <a:tabLst/>
-          <a:defRPr b="0" baseline="0" cap="none" i="0" spc="0" strike="noStrike" sz="1800" u="none" kumimoji="0" normalizeH="0">
+          <a:defRPr kumimoji="0" sz="1800" b="0" i="0" u="none" strike="noStrike" cap="none" spc="0" normalizeH="0" baseline="0">
             <a:ln>
               <a:noFill/>
             </a:ln>
@@ -5337,18 +5519,25 @@
         </a:lvl9pPr>
       </a:lstStyle>
       <a:style>
-        <a:lnRef idx="0"/>
-        <a:fillRef idx="0"/>
-        <a:effectRef idx="0"/>
+        <a:lnRef idx="0">
+          <a:scrgbClr r="0" g="0" b="0"/>
+        </a:lnRef>
+        <a:fillRef idx="0">
+          <a:scrgbClr r="0" g="0" b="0"/>
+        </a:fillRef>
+        <a:effectRef idx="0">
+          <a:scrgbClr r="0" g="0" b="0"/>
+        </a:effectRef>
         <a:fontRef idx="none"/>
       </a:style>
     </a:txDef>
   </a:objectDefaults>
+  <a:extraClrSchemeLst/>
 </a:theme>
 </file>
 
 <file path=ppt/theme/theme2.xml><?xml version="1.0" encoding="utf-8"?>
-<a:theme xmlns:a="http://schemas.openxmlformats.org/drawingml/2006/main" xmlns:r="http://schemas.openxmlformats.org/officeDocument/2006/relationships" name="Folio">
+<a:theme xmlns:a="http://schemas.openxmlformats.org/drawingml/2006/main" name="Folio">
   <a:themeElements>
     <a:clrScheme name="Folio">
       <a:dk1>
@@ -5474,7 +5663,7 @@
       <a:effectStyleLst>
         <a:effectStyle>
           <a:effectLst>
-            <a:outerShdw sx="100000" sy="100000" kx="0" ky="0" algn="b" rotWithShape="0" blurRad="38100" dist="25400" dir="5400000">
+            <a:outerShdw blurRad="38100" dist="25400" dir="5400000" rotWithShape="0">
               <a:srgbClr val="000000">
                 <a:alpha val="50000"/>
               </a:srgbClr>
@@ -5483,7 +5672,7 @@
         </a:effectStyle>
         <a:effectStyle>
           <a:effectLst>
-            <a:outerShdw sx="100000" sy="100000" kx="0" ky="0" algn="b" rotWithShape="0" blurRad="38100" dist="25400" dir="5400000">
+            <a:outerShdw blurRad="38100" dist="25400" dir="5400000" rotWithShape="0">
               <a:srgbClr val="000000">
                 <a:alpha val="50000"/>
               </a:srgbClr>
@@ -5492,7 +5681,7 @@
         </a:effectStyle>
         <a:effectStyle>
           <a:effectLst>
-            <a:outerShdw sx="100000" sy="100000" kx="0" ky="0" algn="b" rotWithShape="0" blurRad="38100" dist="20000" dir="5400000">
+            <a:outerShdw blurRad="38100" dist="20000" dir="5400000" rotWithShape="0">
               <a:srgbClr val="000000">
                 <a:alpha val="38000"/>
               </a:srgbClr>
@@ -5566,7 +5755,7 @@
           <a:round/>
         </a:ln>
         <a:effectLst>
-          <a:outerShdw sx="100000" sy="100000" kx="0" ky="0" algn="b" rotWithShape="0" blurRad="38100" dist="25400" dir="5400000">
+          <a:outerShdw blurRad="38100" dist="25400" dir="5400000" rotWithShape="0">
             <a:srgbClr val="000000">
               <a:alpha val="50000"/>
             </a:srgbClr>
@@ -5574,7 +5763,7 @@
         </a:effectLst>
         <a:sp3d/>
       </a:spPr>
-      <a:bodyPr rot="0" spcFirstLastPara="1" vertOverflow="overflow" horzOverflow="overflow" vert="horz" wrap="square" lIns="45719" tIns="45719" rIns="45719" bIns="45719" numCol="1" spcCol="38100" rtlCol="0" anchor="ctr" upright="0">
+      <a:bodyPr rot="0" spcFirstLastPara="1" vertOverflow="overflow" horzOverflow="overflow" vert="horz" wrap="square" lIns="45719" tIns="45719" rIns="45719" bIns="45719" numCol="1" spcCol="38100" rtlCol="0" anchor="ctr">
         <a:spAutoFit/>
       </a:bodyPr>
       <a:lstStyle>
@@ -5593,7 +5782,7 @@
           <a:buFontTx/>
           <a:buNone/>
           <a:tabLst/>
-          <a:defRPr b="0" baseline="0" cap="none" i="0" spc="0" strike="noStrike" sz="1800" u="none" kumimoji="0" normalizeH="0">
+          <a:defRPr kumimoji="0" sz="1800" b="0" i="0" u="none" strike="noStrike" cap="none" spc="0" normalizeH="0" baseline="0">
             <a:ln>
               <a:noFill/>
             </a:ln>
@@ -5623,7 +5812,7 @@
           <a:buFontTx/>
           <a:buNone/>
           <a:tabLst/>
-          <a:defRPr b="0" baseline="0" cap="none" i="0" spc="0" strike="noStrike" sz="1800" u="none" kumimoji="0" normalizeH="0">
+          <a:defRPr kumimoji="0" sz="1800" b="0" i="0" u="none" strike="noStrike" cap="none" spc="0" normalizeH="0" baseline="0">
             <a:ln>
               <a:noFill/>
             </a:ln>
@@ -5649,7 +5838,7 @@
           <a:buFontTx/>
           <a:buNone/>
           <a:tabLst/>
-          <a:defRPr b="0" baseline="0" cap="none" i="0" spc="0" strike="noStrike" sz="1800" u="none" kumimoji="0" normalizeH="0">
+          <a:defRPr kumimoji="0" sz="1800" b="0" i="0" u="none" strike="noStrike" cap="none" spc="0" normalizeH="0" baseline="0">
             <a:ln>
               <a:noFill/>
             </a:ln>
@@ -5675,7 +5864,7 @@
           <a:buFontTx/>
           <a:buNone/>
           <a:tabLst/>
-          <a:defRPr b="0" baseline="0" cap="none" i="0" spc="0" strike="noStrike" sz="1800" u="none" kumimoji="0" normalizeH="0">
+          <a:defRPr kumimoji="0" sz="1800" b="0" i="0" u="none" strike="noStrike" cap="none" spc="0" normalizeH="0" baseline="0">
             <a:ln>
               <a:noFill/>
             </a:ln>
@@ -5701,7 +5890,7 @@
           <a:buFontTx/>
           <a:buNone/>
           <a:tabLst/>
-          <a:defRPr b="0" baseline="0" cap="none" i="0" spc="0" strike="noStrike" sz="1800" u="none" kumimoji="0" normalizeH="0">
+          <a:defRPr kumimoji="0" sz="1800" b="0" i="0" u="none" strike="noStrike" cap="none" spc="0" normalizeH="0" baseline="0">
             <a:ln>
               <a:noFill/>
             </a:ln>
@@ -5727,7 +5916,7 @@
           <a:buFontTx/>
           <a:buNone/>
           <a:tabLst/>
-          <a:defRPr b="0" baseline="0" cap="none" i="0" spc="0" strike="noStrike" sz="1800" u="none" kumimoji="0" normalizeH="0">
+          <a:defRPr kumimoji="0" sz="1800" b="0" i="0" u="none" strike="noStrike" cap="none" spc="0" normalizeH="0" baseline="0">
             <a:ln>
               <a:noFill/>
             </a:ln>
@@ -5753,7 +5942,7 @@
           <a:buFontTx/>
           <a:buNone/>
           <a:tabLst/>
-          <a:defRPr b="0" baseline="0" cap="none" i="0" spc="0" strike="noStrike" sz="1800" u="none" kumimoji="0" normalizeH="0">
+          <a:defRPr kumimoji="0" sz="1800" b="0" i="0" u="none" strike="noStrike" cap="none" spc="0" normalizeH="0" baseline="0">
             <a:ln>
               <a:noFill/>
             </a:ln>
@@ -5779,7 +5968,7 @@
           <a:buFontTx/>
           <a:buNone/>
           <a:tabLst/>
-          <a:defRPr b="0" baseline="0" cap="none" i="0" spc="0" strike="noStrike" sz="1800" u="none" kumimoji="0" normalizeH="0">
+          <a:defRPr kumimoji="0" sz="1800" b="0" i="0" u="none" strike="noStrike" cap="none" spc="0" normalizeH="0" baseline="0">
             <a:ln>
               <a:noFill/>
             </a:ln>
@@ -5805,7 +5994,7 @@
           <a:buFontTx/>
           <a:buNone/>
           <a:tabLst/>
-          <a:defRPr b="0" baseline="0" cap="none" i="0" spc="0" strike="noStrike" sz="1800" u="none" kumimoji="0" normalizeH="0">
+          <a:defRPr kumimoji="0" sz="1800" b="0" i="0" u="none" strike="noStrike" cap="none" spc="0" normalizeH="0" baseline="0">
             <a:ln>
               <a:noFill/>
             </a:ln>
@@ -5831,7 +6020,7 @@
           <a:buFontTx/>
           <a:buNone/>
           <a:tabLst/>
-          <a:defRPr b="0" baseline="0" cap="none" i="0" spc="0" strike="noStrike" sz="1800" u="none" kumimoji="0" normalizeH="0">
+          <a:defRPr kumimoji="0" sz="1800" b="0" i="0" u="none" strike="noStrike" cap="none" spc="0" normalizeH="0" baseline="0">
             <a:ln>
               <a:noFill/>
             </a:ln>
@@ -5844,9 +6033,15 @@
         </a:lvl9pPr>
       </a:lstStyle>
       <a:style>
-        <a:lnRef idx="0"/>
-        <a:fillRef idx="0"/>
-        <a:effectRef idx="0"/>
+        <a:lnRef idx="0">
+          <a:scrgbClr r="0" g="0" b="0"/>
+        </a:lnRef>
+        <a:fillRef idx="0">
+          <a:scrgbClr r="0" g="0" b="0"/>
+        </a:fillRef>
+        <a:effectRef idx="0">
+          <a:scrgbClr r="0" g="0" b="0"/>
+        </a:effectRef>
         <a:fontRef idx="none"/>
       </a:style>
     </a:spDef>
@@ -5861,7 +6056,7 @@
           <a:round/>
         </a:ln>
         <a:effectLst>
-          <a:outerShdw sx="100000" sy="100000" kx="0" ky="0" algn="b" rotWithShape="0" blurRad="38100" dist="20000" dir="5400000">
+          <a:outerShdw blurRad="38100" dist="20000" dir="5400000" rotWithShape="0">
             <a:srgbClr val="000000">
               <a:alpha val="38000"/>
             </a:srgbClr>
@@ -5869,7 +6064,7 @@
         </a:effectLst>
         <a:sp3d/>
       </a:spPr>
-      <a:bodyPr rot="0" spcFirstLastPara="1" vertOverflow="overflow" horzOverflow="overflow" vert="horz" wrap="square" lIns="91439" tIns="45719" rIns="91439" bIns="45719" numCol="1" spcCol="38100" rtlCol="0" anchor="t" upright="0">
+      <a:bodyPr rot="0" spcFirstLastPara="1" vertOverflow="overflow" horzOverflow="overflow" vert="horz" wrap="square" lIns="91439" tIns="45719" rIns="91439" bIns="45719" numCol="1" spcCol="38100" rtlCol="0" anchor="t">
         <a:noAutofit/>
       </a:bodyPr>
       <a:lstStyle>
@@ -5888,7 +6083,7 @@
           <a:buFontTx/>
           <a:buNone/>
           <a:tabLst/>
-          <a:defRPr b="0" baseline="0" cap="none" i="0" spc="0" strike="noStrike" sz="1800" u="none" kumimoji="0" normalizeH="0">
+          <a:defRPr kumimoji="0" sz="1800" b="0" i="0" u="none" strike="noStrike" cap="none" spc="0" normalizeH="0" baseline="0">
             <a:ln>
               <a:noFill/>
             </a:ln>
@@ -5914,7 +6109,7 @@
           <a:buFontTx/>
           <a:buNone/>
           <a:tabLst/>
-          <a:defRPr b="0" baseline="0" cap="none" i="0" spc="0" strike="noStrike" sz="1800" u="none" kumimoji="0" normalizeH="0">
+          <a:defRPr kumimoji="0" sz="1800" b="0" i="0" u="none" strike="noStrike" cap="none" spc="0" normalizeH="0" baseline="0">
             <a:ln>
               <a:noFill/>
             </a:ln>
@@ -5940,7 +6135,7 @@
           <a:buFontTx/>
           <a:buNone/>
           <a:tabLst/>
-          <a:defRPr b="0" baseline="0" cap="none" i="0" spc="0" strike="noStrike" sz="1800" u="none" kumimoji="0" normalizeH="0">
+          <a:defRPr kumimoji="0" sz="1800" b="0" i="0" u="none" strike="noStrike" cap="none" spc="0" normalizeH="0" baseline="0">
             <a:ln>
               <a:noFill/>
             </a:ln>
@@ -5966,7 +6161,7 @@
           <a:buFontTx/>
           <a:buNone/>
           <a:tabLst/>
-          <a:defRPr b="0" baseline="0" cap="none" i="0" spc="0" strike="noStrike" sz="1800" u="none" kumimoji="0" normalizeH="0">
+          <a:defRPr kumimoji="0" sz="1800" b="0" i="0" u="none" strike="noStrike" cap="none" spc="0" normalizeH="0" baseline="0">
             <a:ln>
               <a:noFill/>
             </a:ln>
@@ -5992,7 +6187,7 @@
           <a:buFontTx/>
           <a:buNone/>
           <a:tabLst/>
-          <a:defRPr b="0" baseline="0" cap="none" i="0" spc="0" strike="noStrike" sz="1800" u="none" kumimoji="0" normalizeH="0">
+          <a:defRPr kumimoji="0" sz="1800" b="0" i="0" u="none" strike="noStrike" cap="none" spc="0" normalizeH="0" baseline="0">
             <a:ln>
               <a:noFill/>
             </a:ln>
@@ -6018,7 +6213,7 @@
           <a:buFontTx/>
           <a:buNone/>
           <a:tabLst/>
-          <a:defRPr b="0" baseline="0" cap="none" i="0" spc="0" strike="noStrike" sz="1800" u="none" kumimoji="0" normalizeH="0">
+          <a:defRPr kumimoji="0" sz="1800" b="0" i="0" u="none" strike="noStrike" cap="none" spc="0" normalizeH="0" baseline="0">
             <a:ln>
               <a:noFill/>
             </a:ln>
@@ -6044,7 +6239,7 @@
           <a:buFontTx/>
           <a:buNone/>
           <a:tabLst/>
-          <a:defRPr b="0" baseline="0" cap="none" i="0" spc="0" strike="noStrike" sz="1800" u="none" kumimoji="0" normalizeH="0">
+          <a:defRPr kumimoji="0" sz="1800" b="0" i="0" u="none" strike="noStrike" cap="none" spc="0" normalizeH="0" baseline="0">
             <a:ln>
               <a:noFill/>
             </a:ln>
@@ -6070,7 +6265,7 @@
           <a:buFontTx/>
           <a:buNone/>
           <a:tabLst/>
-          <a:defRPr b="0" baseline="0" cap="none" i="0" spc="0" strike="noStrike" sz="1800" u="none" kumimoji="0" normalizeH="0">
+          <a:defRPr kumimoji="0" sz="1800" b="0" i="0" u="none" strike="noStrike" cap="none" spc="0" normalizeH="0" baseline="0">
             <a:ln>
               <a:noFill/>
             </a:ln>
@@ -6096,7 +6291,7 @@
           <a:buFontTx/>
           <a:buNone/>
           <a:tabLst/>
-          <a:defRPr b="0" baseline="0" cap="none" i="0" spc="0" strike="noStrike" sz="1800" u="none" kumimoji="0" normalizeH="0">
+          <a:defRPr kumimoji="0" sz="1800" b="0" i="0" u="none" strike="noStrike" cap="none" spc="0" normalizeH="0" baseline="0">
             <a:ln>
               <a:noFill/>
             </a:ln>
@@ -6122,7 +6317,7 @@
           <a:buFontTx/>
           <a:buNone/>
           <a:tabLst/>
-          <a:defRPr b="0" baseline="0" cap="none" i="0" spc="0" strike="noStrike" sz="1800" u="none" kumimoji="0" normalizeH="0">
+          <a:defRPr kumimoji="0" sz="1800" b="0" i="0" u="none" strike="noStrike" cap="none" spc="0" normalizeH="0" baseline="0">
             <a:ln>
               <a:noFill/>
             </a:ln>
@@ -6135,9 +6330,15 @@
         </a:lvl9pPr>
       </a:lstStyle>
       <a:style>
-        <a:lnRef idx="0"/>
-        <a:fillRef idx="0"/>
-        <a:effectRef idx="0"/>
+        <a:lnRef idx="0">
+          <a:scrgbClr r="0" g="0" b="0"/>
+        </a:lnRef>
+        <a:fillRef idx="0">
+          <a:scrgbClr r="0" g="0" b="0"/>
+        </a:fillRef>
+        <a:effectRef idx="0">
+          <a:scrgbClr r="0" g="0" b="0"/>
+        </a:effectRef>
         <a:fontRef idx="none"/>
       </a:style>
     </a:lnDef>
@@ -6151,7 +6352,7 @@
         <a:effectLst/>
         <a:sp3d/>
       </a:spPr>
-      <a:bodyPr rot="0" spcFirstLastPara="1" vertOverflow="overflow" horzOverflow="overflow" vert="horz" wrap="square" lIns="45719" tIns="45719" rIns="45719" bIns="45719" numCol="1" spcCol="38100" rtlCol="0" anchor="t" upright="0">
+      <a:bodyPr rot="0" spcFirstLastPara="1" vertOverflow="overflow" horzOverflow="overflow" vert="horz" wrap="square" lIns="45719" tIns="45719" rIns="45719" bIns="45719" numCol="1" spcCol="38100" rtlCol="0" anchor="t">
         <a:spAutoFit/>
       </a:bodyPr>
       <a:lstStyle>
@@ -6170,7 +6371,7 @@
           <a:buFontTx/>
           <a:buNone/>
           <a:tabLst/>
-          <a:defRPr b="0" baseline="0" cap="none" i="0" spc="0" strike="noStrike" sz="1800" u="none" kumimoji="0" normalizeH="0">
+          <a:defRPr kumimoji="0" sz="1800" b="0" i="0" u="none" strike="noStrike" cap="none" spc="0" normalizeH="0" baseline="0">
             <a:ln>
               <a:noFill/>
             </a:ln>
@@ -6200,7 +6401,7 @@
           <a:buFontTx/>
           <a:buNone/>
           <a:tabLst/>
-          <a:defRPr b="0" baseline="0" cap="none" i="0" spc="0" strike="noStrike" sz="1800" u="none" kumimoji="0" normalizeH="0">
+          <a:defRPr kumimoji="0" sz="1800" b="0" i="0" u="none" strike="noStrike" cap="none" spc="0" normalizeH="0" baseline="0">
             <a:ln>
               <a:noFill/>
             </a:ln>
@@ -6226,7 +6427,7 @@
           <a:buFontTx/>
           <a:buNone/>
           <a:tabLst/>
-          <a:defRPr b="0" baseline="0" cap="none" i="0" spc="0" strike="noStrike" sz="1800" u="none" kumimoji="0" normalizeH="0">
+          <a:defRPr kumimoji="0" sz="1800" b="0" i="0" u="none" strike="noStrike" cap="none" spc="0" normalizeH="0" baseline="0">
             <a:ln>
               <a:noFill/>
             </a:ln>
@@ -6252,7 +6453,7 @@
           <a:buFontTx/>
           <a:buNone/>
           <a:tabLst/>
-          <a:defRPr b="0" baseline="0" cap="none" i="0" spc="0" strike="noStrike" sz="1800" u="none" kumimoji="0" normalizeH="0">
+          <a:defRPr kumimoji="0" sz="1800" b="0" i="0" u="none" strike="noStrike" cap="none" spc="0" normalizeH="0" baseline="0">
             <a:ln>
               <a:noFill/>
             </a:ln>
@@ -6278,7 +6479,7 @@
           <a:buFontTx/>
           <a:buNone/>
           <a:tabLst/>
-          <a:defRPr b="0" baseline="0" cap="none" i="0" spc="0" strike="noStrike" sz="1800" u="none" kumimoji="0" normalizeH="0">
+          <a:defRPr kumimoji="0" sz="1800" b="0" i="0" u="none" strike="noStrike" cap="none" spc="0" normalizeH="0" baseline="0">
             <a:ln>
               <a:noFill/>
             </a:ln>
@@ -6304,7 +6505,7 @@
           <a:buFontTx/>
           <a:buNone/>
           <a:tabLst/>
-          <a:defRPr b="0" baseline="0" cap="none" i="0" spc="0" strike="noStrike" sz="1800" u="none" kumimoji="0" normalizeH="0">
+          <a:defRPr kumimoji="0" sz="1800" b="0" i="0" u="none" strike="noStrike" cap="none" spc="0" normalizeH="0" baseline="0">
             <a:ln>
               <a:noFill/>
             </a:ln>
@@ -6330,7 +6531,7 @@
           <a:buFontTx/>
           <a:buNone/>
           <a:tabLst/>
-          <a:defRPr b="0" baseline="0" cap="none" i="0" spc="0" strike="noStrike" sz="1800" u="none" kumimoji="0" normalizeH="0">
+          <a:defRPr kumimoji="0" sz="1800" b="0" i="0" u="none" strike="noStrike" cap="none" spc="0" normalizeH="0" baseline="0">
             <a:ln>
               <a:noFill/>
             </a:ln>
@@ -6356,7 +6557,7 @@
           <a:buFontTx/>
           <a:buNone/>
           <a:tabLst/>
-          <a:defRPr b="0" baseline="0" cap="none" i="0" spc="0" strike="noStrike" sz="1800" u="none" kumimoji="0" normalizeH="0">
+          <a:defRPr kumimoji="0" sz="1800" b="0" i="0" u="none" strike="noStrike" cap="none" spc="0" normalizeH="0" baseline="0">
             <a:ln>
               <a:noFill/>
             </a:ln>
@@ -6382,7 +6583,7 @@
           <a:buFontTx/>
           <a:buNone/>
           <a:tabLst/>
-          <a:defRPr b="0" baseline="0" cap="none" i="0" spc="0" strike="noStrike" sz="1800" u="none" kumimoji="0" normalizeH="0">
+          <a:defRPr kumimoji="0" sz="1800" b="0" i="0" u="none" strike="noStrike" cap="none" spc="0" normalizeH="0" baseline="0">
             <a:ln>
               <a:noFill/>
             </a:ln>
@@ -6408,7 +6609,7 @@
           <a:buFontTx/>
           <a:buNone/>
           <a:tabLst/>
-          <a:defRPr b="0" baseline="0" cap="none" i="0" spc="0" strike="noStrike" sz="1800" u="none" kumimoji="0" normalizeH="0">
+          <a:defRPr kumimoji="0" sz="1800" b="0" i="0" u="none" strike="noStrike" cap="none" spc="0" normalizeH="0" baseline="0">
             <a:ln>
               <a:noFill/>
             </a:ln>
@@ -6421,12 +6622,19 @@
         </a:lvl9pPr>
       </a:lstStyle>
       <a:style>
-        <a:lnRef idx="0"/>
-        <a:fillRef idx="0"/>
-        <a:effectRef idx="0"/>
+        <a:lnRef idx="0">
+          <a:scrgbClr r="0" g="0" b="0"/>
+        </a:lnRef>
+        <a:fillRef idx="0">
+          <a:scrgbClr r="0" g="0" b="0"/>
+        </a:fillRef>
+        <a:effectRef idx="0">
+          <a:scrgbClr r="0" g="0" b="0"/>
+        </a:effectRef>
         <a:fontRef idx="none"/>
       </a:style>
     </a:txDef>
   </a:objectDefaults>
+  <a:extraClrSchemeLst/>
 </a:theme>
 </file>
--- a/documentation/wwsPresentation.pptx
+++ b/documentation/wwsPresentation.pptx
@@ -2,10 +2,10 @@
 <file path=ppt/presentation.xml><?xml version="1.0" encoding="utf-8"?>
 <p:presentation xmlns:a="http://schemas.openxmlformats.org/drawingml/2006/main" xmlns:r="http://schemas.openxmlformats.org/officeDocument/2006/relationships" xmlns:p="http://schemas.openxmlformats.org/presentationml/2006/main">
   <p:sldMasterIdLst>
-    <p:sldMasterId id="2147483648" r:id="rId1"/>
+    <p:sldMasterId id="2147483828" r:id="rId1"/>
   </p:sldMasterIdLst>
   <p:notesMasterIdLst>
-    <p:notesMasterId r:id="rId13"/>
+    <p:notesMasterId r:id="rId14"/>
   </p:notesMasterIdLst>
   <p:sldIdLst>
     <p:sldId id="256" r:id="rId2"/>
@@ -17,8 +17,9 @@
     <p:sldId id="263" r:id="rId8"/>
     <p:sldId id="264" r:id="rId9"/>
     <p:sldId id="265" r:id="rId10"/>
-    <p:sldId id="257" r:id="rId11"/>
-    <p:sldId id="266" r:id="rId12"/>
+    <p:sldId id="266" r:id="rId11"/>
+    <p:sldId id="267" r:id="rId12"/>
+    <p:sldId id="257" r:id="rId13"/>
   </p:sldIdLst>
   <p:sldSz cx="9144000" cy="6858000" type="screen4x3"/>
   <p:notesSz cx="6858000" cy="9144000"/>
@@ -485,19 +486,12 @@
 </file>
 
 <file path=ppt/slideLayouts/slideLayout1.xml><?xml version="1.0" encoding="utf-8"?>
-<p:sldLayout xmlns:a="http://schemas.openxmlformats.org/drawingml/2006/main" xmlns:r="http://schemas.openxmlformats.org/officeDocument/2006/relationships" xmlns:p="http://schemas.openxmlformats.org/presentationml/2006/main" showMasterSp="0" type="title">
+<p:sldLayout xmlns:a="http://schemas.openxmlformats.org/drawingml/2006/main" xmlns:r="http://schemas.openxmlformats.org/officeDocument/2006/relationships" xmlns:p="http://schemas.openxmlformats.org/presentationml/2006/main" showMasterSp="0" type="title" preserve="1">
   <p:cSld name="Title Slide">
     <p:bg>
-      <p:bgPr>
-        <a:blipFill rotWithShape="1">
-          <a:blip r:embed="rId2"/>
-          <a:srcRect/>
-          <a:stretch>
-            <a:fillRect/>
-          </a:stretch>
-        </a:blipFill>
-        <a:effectLst/>
-      </p:bgPr>
+      <p:bgRef idx="1002">
+        <a:schemeClr val="bg2"/>
+      </p:bgRef>
     </p:bg>
     <p:spTree>
       <p:nvGrpSpPr>
@@ -515,36 +509,271 @@
       </p:grpSpPr>
       <p:sp>
         <p:nvSpPr>
-          <p:cNvPr id="12" name="Shape 12"/>
-          <p:cNvSpPr>
-            <a:spLocks noGrp="1"/>
-          </p:cNvSpPr>
-          <p:nvPr>
-            <p:ph type="title"/>
+          <p:cNvPr id="7" name="Freeform 6"/>
+          <p:cNvSpPr>
+            <a:spLocks/>
+          </p:cNvSpPr>
+          <p:nvPr/>
+        </p:nvSpPr>
+        <p:spPr bwMode="auto">
+          <a:xfrm>
+            <a:off x="0" y="4752126"/>
+            <a:ext cx="9144000" cy="2112962"/>
+          </a:xfrm>
+          <a:custGeom>
+            <a:avLst>
+              <a:gd name="A1" fmla="val 0"/>
+              <a:gd name="A2" fmla="val 0"/>
+              <a:gd name="A3" fmla="val 0"/>
+              <a:gd name="A4" fmla="val 0"/>
+              <a:gd name="A5" fmla="val 0"/>
+              <a:gd name="A6" fmla="val 0"/>
+              <a:gd name="A7" fmla="val 0"/>
+              <a:gd name="A8" fmla="val 0"/>
+            </a:avLst>
+            <a:gdLst/>
+            <a:ahLst/>
+            <a:cxnLst>
+              <a:cxn ang="0">
+                <a:pos x="0" y="1066"/>
+              </a:cxn>
+              <a:cxn ang="0">
+                <a:pos x="0" y="1331"/>
+              </a:cxn>
+              <a:cxn ang="0">
+                <a:pos x="5760" y="1331"/>
+              </a:cxn>
+              <a:cxn ang="0">
+                <a:pos x="5760" y="0"/>
+              </a:cxn>
+              <a:cxn ang="0">
+                <a:pos x="0" y="1066"/>
+              </a:cxn>
+            </a:cxnLst>
+            <a:rect l="0" t="0" r="0" b="0"/>
+            <a:pathLst>
+              <a:path w="5760" h="1331">
+                <a:moveTo>
+                  <a:pt x="0" y="1066"/>
+                </a:moveTo>
+                <a:lnTo>
+                  <a:pt x="0" y="1331"/>
+                </a:lnTo>
+                <a:lnTo>
+                  <a:pt x="5760" y="1331"/>
+                </a:lnTo>
+                <a:lnTo>
+                  <a:pt x="5760" y="0"/>
+                </a:lnTo>
+                <a:cubicBezTo>
+                  <a:pt x="3220" y="1206"/>
+                  <a:pt x="2250" y="1146"/>
+                  <a:pt x="0" y="1066"/>
+                </a:cubicBezTo>
+                <a:close/>
+              </a:path>
+            </a:pathLst>
+          </a:custGeom>
+          <a:solidFill>
+            <a:schemeClr val="bg1">
+              <a:tint val="80000"/>
+              <a:satMod val="200000"/>
+              <a:alpha val="45000"/>
+            </a:schemeClr>
+          </a:solidFill>
+          <a:ln w="9525" cap="flat" cmpd="sng" algn="ctr">
+            <a:noFill/>
+            <a:prstDash val="solid"/>
+            <a:round/>
+            <a:headEnd type="none" w="med" len="med"/>
+            <a:tailEnd type="none" w="med" len="med"/>
+          </a:ln>
+          <a:effectLst>
+            <a:outerShdw blurRad="50800" dist="44450" dir="16200000" algn="ctr" rotWithShape="0">
+              <a:prstClr val="black">
+                <a:alpha val="35000"/>
+              </a:prstClr>
+            </a:outerShdw>
+          </a:effectLst>
+        </p:spPr>
+        <p:txBody>
+          <a:bodyPr vert="horz" wrap="square" lIns="91440" tIns="45720" rIns="91440" bIns="45720" anchor="t" compatLnSpc="1"/>
+          <a:lstStyle/>
+          <a:p>
+            <a:endParaRPr kumimoji="0" lang="en-US"/>
+          </a:p>
+        </p:txBody>
+      </p:sp>
+      <p:sp>
+        <p:nvSpPr>
+          <p:cNvPr id="8" name="Freeform 7"/>
+          <p:cNvSpPr>
+            <a:spLocks/>
+          </p:cNvSpPr>
+          <p:nvPr/>
+        </p:nvSpPr>
+        <p:spPr bwMode="auto">
+          <a:xfrm>
+            <a:off x="6105525" y="0"/>
+            <a:ext cx="3038475" cy="6858000"/>
+          </a:xfrm>
+          <a:custGeom>
+            <a:avLst/>
+            <a:gdLst>
+              <a:gd name="connsiteX0" fmla="*/ 1914 w 1914"/>
+              <a:gd name="connsiteY0" fmla="*/ 9 h 4329"/>
+              <a:gd name="connsiteX1" fmla="*/ 1914 w 1914"/>
+              <a:gd name="connsiteY1" fmla="*/ 4329 h 4329"/>
+              <a:gd name="connsiteX2" fmla="*/ 204 w 1914"/>
+              <a:gd name="connsiteY2" fmla="*/ 4327 h 4329"/>
+              <a:gd name="connsiteX3" fmla="*/ 0 w 1914"/>
+              <a:gd name="connsiteY3" fmla="*/ 0 h 4329"/>
+              <a:gd name="connsiteX4" fmla="*/ 1914 w 1914"/>
+              <a:gd name="connsiteY4" fmla="*/ 9 h 4329"/>
+            </a:gdLst>
+            <a:ahLst/>
+            <a:cxnLst>
+              <a:cxn ang="0">
+                <a:pos x="connsiteX0" y="connsiteY0"/>
+              </a:cxn>
+              <a:cxn ang="0">
+                <a:pos x="connsiteX1" y="connsiteY1"/>
+              </a:cxn>
+              <a:cxn ang="0">
+                <a:pos x="connsiteX2" y="connsiteY2"/>
+              </a:cxn>
+              <a:cxn ang="0">
+                <a:pos x="connsiteX3" y="connsiteY3"/>
+              </a:cxn>
+              <a:cxn ang="0">
+                <a:pos x="connsiteX4" y="connsiteY4"/>
+              </a:cxn>
+            </a:cxnLst>
+            <a:rect l="l" t="t" r="r" b="b"/>
+            <a:pathLst>
+              <a:path w="1914" h="4329">
+                <a:moveTo>
+                  <a:pt x="1914" y="9"/>
+                </a:moveTo>
+                <a:lnTo>
+                  <a:pt x="1914" y="4329"/>
+                </a:lnTo>
+                <a:lnTo>
+                  <a:pt x="204" y="4327"/>
+                </a:lnTo>
+                <a:cubicBezTo>
+                  <a:pt x="1288" y="3574"/>
+                  <a:pt x="1608" y="1590"/>
+                  <a:pt x="0" y="0"/>
+                </a:cubicBezTo>
+                <a:lnTo>
+                  <a:pt x="1914" y="9"/>
+                </a:lnTo>
+                <a:close/>
+              </a:path>
+            </a:pathLst>
+          </a:custGeom>
+          <a:solidFill>
+            <a:schemeClr val="bg1">
+              <a:tint val="90000"/>
+              <a:satMod val="350000"/>
+              <a:alpha val="40000"/>
+            </a:schemeClr>
+          </a:solidFill>
+          <a:ln w="9525" cap="flat" cmpd="sng" algn="ctr">
+            <a:noFill/>
+            <a:prstDash val="solid"/>
+            <a:round/>
+            <a:headEnd type="none" w="med" len="med"/>
+            <a:tailEnd type="none" w="med" len="med"/>
+          </a:ln>
+          <a:effectLst>
+            <a:outerShdw blurRad="50800" dist="50800" dir="10800000" algn="ctr" rotWithShape="0">
+              <a:prstClr val="black">
+                <a:alpha val="45000"/>
+              </a:prstClr>
+            </a:outerShdw>
+          </a:effectLst>
+        </p:spPr>
+        <p:txBody>
+          <a:bodyPr vert="horz" wrap="square" lIns="91440" tIns="45720" rIns="91440" bIns="45720" anchor="t" compatLnSpc="1"/>
+          <a:lstStyle/>
+          <a:p>
+            <a:endParaRPr kumimoji="0" lang="en-US"/>
+          </a:p>
+        </p:txBody>
+      </p:sp>
+      <p:sp>
+        <p:nvSpPr>
+          <p:cNvPr id="9" name="Title 8"/>
+          <p:cNvSpPr>
+            <a:spLocks noGrp="1"/>
+          </p:cNvSpPr>
+          <p:nvPr>
+            <p:ph type="ctrTitle"/>
           </p:nvPr>
         </p:nvSpPr>
         <p:spPr>
           <a:xfrm>
-            <a:off x="685800" y="1627094"/>
-            <a:ext cx="7772400" cy="1470026"/>
+            <a:off x="429064" y="3337560"/>
+            <a:ext cx="6480048" cy="2301240"/>
           </a:xfrm>
-          <a:prstGeom prst="rect">
-            <a:avLst/>
-          </a:prstGeom>
         </p:spPr>
         <p:txBody>
-          <a:bodyPr anchor="b"/>
+          <a:bodyPr rIns="45720" anchor="t"/>
           <a:lstStyle>
-            <a:lvl1pPr>
-              <a:defRPr sz="5400">
-                <a:solidFill>
-                  <a:srgbClr val="C5C5B9"/>
-                </a:solidFill>
+            <a:lvl1pPr algn="r">
+              <a:defRPr lang="en-US" b="1" cap="all" baseline="0" dirty="0">
+                <a:ln w="5000" cmpd="sng">
+                  <a:solidFill>
+                    <a:schemeClr val="accent1">
+                      <a:tint val="80000"/>
+                      <a:shade val="99000"/>
+                      <a:satMod val="500000"/>
+                    </a:schemeClr>
+                  </a:solidFill>
+                  <a:prstDash val="solid"/>
+                </a:ln>
+                <a:gradFill>
+                  <a:gsLst>
+                    <a:gs pos="0">
+                      <a:schemeClr val="accent1">
+                        <a:tint val="63000"/>
+                        <a:satMod val="255000"/>
+                      </a:schemeClr>
+                    </a:gs>
+                    <a:gs pos="9000">
+                      <a:schemeClr val="accent1">
+                        <a:tint val="63000"/>
+                        <a:satMod val="255000"/>
+                      </a:schemeClr>
+                    </a:gs>
+                    <a:gs pos="53000">
+                      <a:schemeClr val="accent1">
+                        <a:shade val="60000"/>
+                        <a:satMod val="100000"/>
+                      </a:schemeClr>
+                    </a:gs>
+                    <a:gs pos="90000">
+                      <a:schemeClr val="accent1">
+                        <a:tint val="63000"/>
+                        <a:satMod val="255000"/>
+                      </a:schemeClr>
+                    </a:gs>
+                    <a:gs pos="100000">
+                      <a:schemeClr val="accent1">
+                        <a:tint val="63000"/>
+                        <a:satMod val="255000"/>
+                      </a:schemeClr>
+                    </a:gs>
+                  </a:gsLst>
+                  <a:lin ang="5400000"/>
+                </a:gradFill>
                 <a:effectLst>
-                  <a:outerShdw blurRad="50800" dist="25400" dir="5400000" rotWithShape="0">
-                    <a:srgbClr val="000000">
-                      <a:alpha val="40000"/>
-                    </a:srgbClr>
+                  <a:outerShdw blurRad="50800" dist="38100" dir="5400000" algn="t" rotWithShape="0">
+                    <a:prstClr val="black">
+                      <a:alpha val="50000"/>
+                    </a:prstClr>
                   </a:outerShdw>
                 </a:effectLst>
               </a:defRPr>
@@ -552,338 +781,155 @@
           </a:lstStyle>
           <a:p>
             <a:r>
+              <a:rPr kumimoji="0" lang="en-US" smtClean="0"/>
               <a:t>Click to edit Master title style</a:t>
             </a:r>
-          </a:p>
-        </p:txBody>
-      </p:sp>
-      <p:sp>
-        <p:nvSpPr>
-          <p:cNvPr id="13" name="Shape 13"/>
-          <p:cNvSpPr>
-            <a:spLocks noGrp="1"/>
-          </p:cNvSpPr>
-          <p:nvPr>
-            <p:ph type="body" sz="half" idx="1"/>
+            <a:endParaRPr kumimoji="0" lang="en-US"/>
+          </a:p>
+        </p:txBody>
+      </p:sp>
+      <p:sp>
+        <p:nvSpPr>
+          <p:cNvPr id="17" name="Subtitle 16"/>
+          <p:cNvSpPr>
+            <a:spLocks noGrp="1"/>
+          </p:cNvSpPr>
+          <p:nvPr>
+            <p:ph type="subTitle" idx="1"/>
           </p:nvPr>
         </p:nvSpPr>
         <p:spPr>
           <a:xfrm>
-            <a:off x="685801" y="3810000"/>
-            <a:ext cx="7770812" cy="1752600"/>
+            <a:off x="433050" y="1544812"/>
+            <a:ext cx="6480048" cy="1752600"/>
           </a:xfrm>
-          <a:prstGeom prst="rect">
-            <a:avLst/>
-          </a:prstGeom>
-          <a:extLst>
-            <a:ext uri="{C572A759-6A51-4108-AA02-DFA0A04FC94B}">
-              <ma14:wrappingTextBoxFlag xmlns:ma14="http://schemas.microsoft.com/office/mac/drawingml/2011/main" val="1"/>
-            </a:ext>
-          </a:extLst>
         </p:spPr>
         <p:txBody>
-          <a:bodyPr/>
+          <a:bodyPr tIns="0" rIns="45720" bIns="0" anchor="b">
+            <a:normAutofit/>
+          </a:bodyPr>
           <a:lstStyle>
-            <a:lvl1pPr marL="0" indent="0" algn="ctr">
-              <a:spcBef>
-                <a:spcPts val="300"/>
-              </a:spcBef>
-              <a:buClrTx/>
-              <a:buSzTx/>
-              <a:buFontTx/>
+            <a:lvl1pPr marL="0" indent="0" algn="r">
               <a:buNone/>
-              <a:defRPr sz="1600">
+              <a:defRPr sz="2000">
                 <a:solidFill>
-                  <a:srgbClr val="C5C5B9"/>
+                  <a:schemeClr val="tx1"/>
                 </a:solidFill>
-                <a:effectLst>
-                  <a:outerShdw blurRad="50800" dist="38100" dir="5400000" rotWithShape="0">
-                    <a:srgbClr val="000000">
-                      <a:alpha val="40000"/>
-                    </a:srgbClr>
-                  </a:outerShdw>
-                </a:effectLst>
+                <a:effectLst/>
               </a:defRPr>
             </a:lvl1pPr>
+            <a:lvl2pPr marL="457200" indent="0" algn="ctr">
+              <a:buNone/>
+            </a:lvl2pPr>
+            <a:lvl3pPr marL="914400" indent="0" algn="ctr">
+              <a:buNone/>
+            </a:lvl3pPr>
+            <a:lvl4pPr marL="1371600" indent="0" algn="ctr">
+              <a:buNone/>
+            </a:lvl4pPr>
+            <a:lvl5pPr marL="1828800" indent="0" algn="ctr">
+              <a:buNone/>
+            </a:lvl5pPr>
+            <a:lvl6pPr marL="2286000" indent="0" algn="ctr">
+              <a:buNone/>
+            </a:lvl6pPr>
+            <a:lvl7pPr marL="2743200" indent="0" algn="ctr">
+              <a:buNone/>
+            </a:lvl7pPr>
+            <a:lvl8pPr marL="3200400" indent="0" algn="ctr">
+              <a:buNone/>
+            </a:lvl8pPr>
+            <a:lvl9pPr marL="3657600" indent="0" algn="ctr">
+              <a:buNone/>
+            </a:lvl9pPr>
           </a:lstStyle>
           <a:p>
             <a:r>
+              <a:rPr kumimoji="0" lang="en-US" smtClean="0"/>
               <a:t>Click to edit Master subtitle style</a:t>
             </a:r>
-          </a:p>
-        </p:txBody>
-      </p:sp>
-      <p:pic>
-        <p:nvPicPr>
-          <p:cNvPr id="14" name="image6.png" descr="CoverGlyph.png"/>
-          <p:cNvPicPr>
-            <a:picLocks noChangeAspect="1"/>
-          </p:cNvPicPr>
-          <p:nvPr/>
-        </p:nvPicPr>
-        <p:blipFill>
-          <a:blip r:embed="rId3">
-            <a:extLst/>
-          </a:blip>
-          <a:stretch>
-            <a:fillRect/>
-          </a:stretch>
-        </p:blipFill>
-        <p:spPr>
-          <a:xfrm>
-            <a:off x="4010025" y="3048000"/>
-            <a:ext cx="1123950" cy="771525"/>
-          </a:xfrm>
-          <a:prstGeom prst="rect">
-            <a:avLst/>
-          </a:prstGeom>
-          <a:ln w="12700">
-            <a:miter lim="400000"/>
-          </a:ln>
-        </p:spPr>
-      </p:pic>
-      <p:sp>
-        <p:nvSpPr>
-          <p:cNvPr id="15" name="Shape 15"/>
-          <p:cNvSpPr>
-            <a:spLocks noGrp="1"/>
-          </p:cNvSpPr>
-          <p:nvPr>
-            <p:ph type="sldNum" sz="quarter" idx="2"/>
-          </p:nvPr>
-        </p:nvSpPr>
-        <p:spPr>
-          <a:xfrm>
-            <a:off x="5486400" y="6172200"/>
-            <a:ext cx="2133600" cy="368301"/>
-          </a:xfrm>
-          <a:prstGeom prst="rect">
-            <a:avLst/>
-          </a:prstGeom>
-        </p:spPr>
+            <a:endParaRPr kumimoji="0" lang="en-US"/>
+          </a:p>
+        </p:txBody>
+      </p:sp>
+      <p:sp>
+        <p:nvSpPr>
+          <p:cNvPr id="30" name="Date Placeholder 29"/>
+          <p:cNvSpPr>
+            <a:spLocks noGrp="1"/>
+          </p:cNvSpPr>
+          <p:nvPr>
+            <p:ph type="dt" sz="half" idx="10"/>
+          </p:nvPr>
+        </p:nvSpPr>
+        <p:spPr/>
         <p:txBody>
           <a:bodyPr/>
           <a:lstStyle/>
           <a:p>
-            <a:fld id="{86CB4B4D-7CA3-9044-876B-883B54F8677D}" type="slidenum">
+            <a:pPr eaLnBrk="1" latinLnBrk="0" hangingPunct="1"/>
+            <a:fld id="{E637BB6B-EE1B-48FB-8575-0D55C373DE88}" type="datetimeFigureOut">
+              <a:rPr lang="en-US" smtClean="0"/>
+              <a:pPr eaLnBrk="1" latinLnBrk="0" hangingPunct="1"/>
+              <a:t>4/14/16</a:t>
+            </a:fld>
+            <a:endParaRPr lang="en-US"/>
+          </a:p>
+        </p:txBody>
+      </p:sp>
+      <p:sp>
+        <p:nvSpPr>
+          <p:cNvPr id="19" name="Footer Placeholder 18"/>
+          <p:cNvSpPr>
+            <a:spLocks noGrp="1"/>
+          </p:cNvSpPr>
+          <p:nvPr>
+            <p:ph type="ftr" sz="quarter" idx="11"/>
+          </p:nvPr>
+        </p:nvSpPr>
+        <p:spPr/>
+        <p:txBody>
+          <a:bodyPr/>
+          <a:lstStyle/>
+          <a:p>
+            <a:endParaRPr kumimoji="0" lang="en-US"/>
+          </a:p>
+        </p:txBody>
+      </p:sp>
+      <p:sp>
+        <p:nvSpPr>
+          <p:cNvPr id="27" name="Slide Number Placeholder 26"/>
+          <p:cNvSpPr>
+            <a:spLocks noGrp="1"/>
+          </p:cNvSpPr>
+          <p:nvPr>
+            <p:ph type="sldNum" sz="quarter" idx="12"/>
+          </p:nvPr>
+        </p:nvSpPr>
+        <p:spPr/>
+        <p:txBody>
+          <a:bodyPr/>
+          <a:lstStyle/>
+          <a:p>
+            <a:fld id="{2AA957AF-53C0-420B-9C2D-77DB1416566C}" type="slidenum">
+              <a:rPr kumimoji="0" lang="en-US" smtClean="0"/>
+              <a:pPr eaLnBrk="1" latinLnBrk="0" hangingPunct="1"/>
               <a:t>‹#›</a:t>
             </a:fld>
-            <a:endParaRPr/>
+            <a:endParaRPr kumimoji="0" lang="en-US"/>
           </a:p>
         </p:txBody>
       </p:sp>
     </p:spTree>
   </p:cSld>
   <p:clrMapOvr>
-    <a:masterClrMapping/>
+    <a:overrideClrMapping bg1="dk1" tx1="lt1" bg2="dk2" tx2="lt2" accent1="accent1" accent2="accent2" accent3="accent3" accent4="accent4" accent5="accent5" accent6="accent6" hlink="hlink" folHlink="folHlink"/>
   </p:clrMapOvr>
-  <p:transition xmlns:p14="http://schemas.microsoft.com/office/powerpoint/2010/main" spd="med"/>
 </p:sldLayout>
 </file>
 
 <file path=ppt/slideLayouts/slideLayout10.xml><?xml version="1.0" encoding="utf-8"?>
-<p:sldLayout xmlns:a="http://schemas.openxmlformats.org/drawingml/2006/main" xmlns:r="http://schemas.openxmlformats.org/officeDocument/2006/relationships" xmlns:p="http://schemas.openxmlformats.org/presentationml/2006/main" showMasterSp="0" type="tx">
-  <p:cSld name="Picture above Caption">
-    <p:spTree>
-      <p:nvGrpSpPr>
-        <p:cNvPr id="1" name=""/>
-        <p:cNvGrpSpPr/>
-        <p:nvPr/>
-      </p:nvGrpSpPr>
-      <p:grpSpPr>
-        <a:xfrm>
-          <a:off x="0" y="0"/>
-          <a:ext cx="0" cy="0"/>
-          <a:chOff x="0" y="0"/>
-          <a:chExt cx="0" cy="0"/>
-        </a:xfrm>
-      </p:grpSpPr>
-      <p:sp>
-        <p:nvSpPr>
-          <p:cNvPr id="97" name="Shape 97"/>
-          <p:cNvSpPr>
-            <a:spLocks noGrp="1"/>
-          </p:cNvSpPr>
-          <p:nvPr>
-            <p:ph type="title"/>
-          </p:nvPr>
-        </p:nvSpPr>
-        <p:spPr>
-          <a:xfrm>
-            <a:off x="685800" y="3738281"/>
-            <a:ext cx="7770814" cy="1048871"/>
-          </a:xfrm>
-          <a:prstGeom prst="rect">
-            <a:avLst/>
-          </a:prstGeom>
-        </p:spPr>
-        <p:txBody>
-          <a:bodyPr anchor="b"/>
-          <a:lstStyle>
-            <a:lvl1pPr>
-              <a:defRPr sz="3800"/>
-            </a:lvl1pPr>
-          </a:lstStyle>
-          <a:p>
-            <a:r>
-              <a:t>Click to edit Master title style</a:t>
-            </a:r>
-          </a:p>
-        </p:txBody>
-      </p:sp>
-      <p:sp>
-        <p:nvSpPr>
-          <p:cNvPr id="98" name="Shape 98"/>
-          <p:cNvSpPr>
-            <a:spLocks noGrp="1"/>
-          </p:cNvSpPr>
-          <p:nvPr>
-            <p:ph type="pic" sz="half" idx="13"/>
-          </p:nvPr>
-        </p:nvSpPr>
-        <p:spPr>
-          <a:xfrm>
-            <a:off x="2286000" y="457200"/>
-            <a:ext cx="4572000" cy="3173506"/>
-          </a:xfrm>
-          <a:prstGeom prst="rect">
-            <a:avLst/>
-          </a:prstGeom>
-          <a:ln w="101600">
-            <a:solidFill>
-              <a:srgbClr val="000000"/>
-            </a:solidFill>
-            <a:miter lim="800000"/>
-          </a:ln>
-          <a:effectLst>
-            <a:outerShdw blurRad="50800" dist="38100" dir="2700000" rotWithShape="0">
-              <a:srgbClr val="000000">
-                <a:alpha val="40000"/>
-              </a:srgbClr>
-            </a:outerShdw>
-          </a:effectLst>
-        </p:spPr>
-        <p:txBody>
-          <a:bodyPr lIns="91439" rIns="91439">
-            <a:noAutofit/>
-          </a:bodyPr>
-          <a:lstStyle/>
-          <a:p>
-            <a:endParaRPr/>
-          </a:p>
-        </p:txBody>
-      </p:sp>
-      <p:sp>
-        <p:nvSpPr>
-          <p:cNvPr id="99" name="Shape 99"/>
-          <p:cNvSpPr>
-            <a:spLocks noGrp="1"/>
-          </p:cNvSpPr>
-          <p:nvPr>
-            <p:ph type="body" sz="quarter" idx="1"/>
-          </p:nvPr>
-        </p:nvSpPr>
-        <p:spPr>
-          <a:xfrm>
-            <a:off x="685800" y="5181600"/>
-            <a:ext cx="7770814" cy="685800"/>
-          </a:xfrm>
-          <a:prstGeom prst="rect">
-            <a:avLst/>
-          </a:prstGeom>
-          <a:extLst>
-            <a:ext uri="{C572A759-6A51-4108-AA02-DFA0A04FC94B}">
-              <ma14:wrappingTextBoxFlag xmlns:ma14="http://schemas.microsoft.com/office/mac/drawingml/2011/main" val="1"/>
-            </a:ext>
-          </a:extLst>
-        </p:spPr>
-        <p:txBody>
-          <a:bodyPr/>
-          <a:lstStyle>
-            <a:lvl1pPr marL="0" indent="0" algn="ctr">
-              <a:lnSpc>
-                <a:spcPct val="110000"/>
-              </a:lnSpc>
-              <a:buClrTx/>
-              <a:buSzTx/>
-              <a:buFontTx/>
-              <a:buNone/>
-              <a:defRPr sz="1800"/>
-            </a:lvl1pPr>
-          </a:lstStyle>
-          <a:p>
-            <a:r>
-              <a:t>Click to edit Master text styles</a:t>
-            </a:r>
-          </a:p>
-        </p:txBody>
-      </p:sp>
-      <p:pic>
-        <p:nvPicPr>
-          <p:cNvPr id="100" name="image7.png" descr="HR-Glyph-R3.png"/>
-          <p:cNvPicPr>
-            <a:picLocks noChangeAspect="1"/>
-          </p:cNvPicPr>
-          <p:nvPr/>
-        </p:nvPicPr>
-        <p:blipFill>
-          <a:blip r:embed="rId2">
-            <a:extLst/>
-          </a:blip>
-          <a:stretch>
-            <a:fillRect/>
-          </a:stretch>
-        </p:blipFill>
-        <p:spPr>
-          <a:xfrm>
-            <a:off x="3749040" y="4890246"/>
-            <a:ext cx="1645921" cy="170412"/>
-          </a:xfrm>
-          <a:prstGeom prst="rect">
-            <a:avLst/>
-          </a:prstGeom>
-          <a:ln w="12700">
-            <a:miter lim="400000"/>
-          </a:ln>
-        </p:spPr>
-      </p:pic>
-      <p:sp>
-        <p:nvSpPr>
-          <p:cNvPr id="101" name="Shape 101"/>
-          <p:cNvSpPr>
-            <a:spLocks noGrp="1"/>
-          </p:cNvSpPr>
-          <p:nvPr>
-            <p:ph type="sldNum" sz="quarter" idx="2"/>
-          </p:nvPr>
-        </p:nvSpPr>
-        <p:spPr>
-          <a:prstGeom prst="rect">
-            <a:avLst/>
-          </a:prstGeom>
-        </p:spPr>
-        <p:txBody>
-          <a:bodyPr/>
-          <a:lstStyle/>
-          <a:p>
-            <a:fld id="{86CB4B4D-7CA3-9044-876B-883B54F8677D}" type="slidenum">
-              <a:t>‹#›</a:t>
-            </a:fld>
-            <a:endParaRPr/>
-          </a:p>
-        </p:txBody>
-      </p:sp>
-    </p:spTree>
-  </p:cSld>
-  <p:clrMapOvr>
-    <a:masterClrMapping/>
-  </p:clrMapOvr>
-  <p:transition xmlns:p14="http://schemas.microsoft.com/office/powerpoint/2010/main" spd="med"/>
-</p:sldLayout>
-</file>
-
-<file path=ppt/slideLayouts/slideLayout11.xml><?xml version="1.0" encoding="utf-8"?>
-<p:sldLayout xmlns:a="http://schemas.openxmlformats.org/drawingml/2006/main" xmlns:r="http://schemas.openxmlformats.org/officeDocument/2006/relationships" xmlns:p="http://schemas.openxmlformats.org/presentationml/2006/main" type="tx">
+<p:sldLayout xmlns:a="http://schemas.openxmlformats.org/drawingml/2006/main" xmlns:r="http://schemas.openxmlformats.org/officeDocument/2006/relationships" xmlns:p="http://schemas.openxmlformats.org/presentationml/2006/main" type="vertTx" preserve="1">
   <p:cSld name="Title and Vertical Text">
     <p:spTree>
       <p:nvGrpSpPr>
@@ -901,7 +947,7 @@
       </p:grpSpPr>
       <p:sp>
         <p:nvSpPr>
-          <p:cNvPr id="108" name="Shape 108"/>
+          <p:cNvPr id="2" name="Title 1"/>
           <p:cNvSpPr>
             <a:spLocks noGrp="1"/>
           </p:cNvSpPr>
@@ -909,102 +955,133 @@
             <p:ph type="title"/>
           </p:nvPr>
         </p:nvSpPr>
-        <p:spPr>
-          <a:prstGeom prst="rect">
-            <a:avLst/>
-          </a:prstGeom>
-        </p:spPr>
+        <p:spPr/>
         <p:txBody>
           <a:bodyPr/>
           <a:lstStyle/>
           <a:p>
             <a:r>
+              <a:rPr kumimoji="0" lang="en-US" smtClean="0"/>
               <a:t>Click to edit Master title style</a:t>
             </a:r>
-          </a:p>
-        </p:txBody>
-      </p:sp>
-      <p:sp>
-        <p:nvSpPr>
-          <p:cNvPr id="109" name="Shape 109"/>
-          <p:cNvSpPr>
-            <a:spLocks noGrp="1"/>
-          </p:cNvSpPr>
-          <p:nvPr>
-            <p:ph type="body" idx="1"/>
-          </p:nvPr>
-        </p:nvSpPr>
-        <p:spPr>
-          <a:xfrm>
-            <a:off x="685800" y="2209800"/>
-            <a:ext cx="7770814" cy="3657600"/>
-          </a:xfrm>
-          <a:prstGeom prst="rect">
-            <a:avLst/>
-          </a:prstGeom>
-          <a:extLst>
-            <a:ext uri="{C572A759-6A51-4108-AA02-DFA0A04FC94B}">
-              <ma14:wrappingTextBoxFlag xmlns:ma14="http://schemas.microsoft.com/office/mac/drawingml/2011/main" val="1"/>
-            </a:ext>
-          </a:extLst>
-        </p:spPr>
+            <a:endParaRPr kumimoji="0" lang="en-US"/>
+          </a:p>
+        </p:txBody>
+      </p:sp>
+      <p:sp>
+        <p:nvSpPr>
+          <p:cNvPr id="3" name="Vertical Text Placeholder 2"/>
+          <p:cNvSpPr>
+            <a:spLocks noGrp="1"/>
+          </p:cNvSpPr>
+          <p:nvPr>
+            <p:ph type="body" orient="vert" idx="1"/>
+          </p:nvPr>
+        </p:nvSpPr>
+        <p:spPr/>
+        <p:txBody>
+          <a:bodyPr vert="eaVert"/>
+          <a:lstStyle/>
+          <a:p>
+            <a:pPr lvl="0" eaLnBrk="1" latinLnBrk="0" hangingPunct="1"/>
+            <a:r>
+              <a:rPr lang="en-US" smtClean="0"/>
+              <a:t>Click to edit Master text styles</a:t>
+            </a:r>
+          </a:p>
+          <a:p>
+            <a:pPr lvl="1" eaLnBrk="1" latinLnBrk="0" hangingPunct="1"/>
+            <a:r>
+              <a:rPr lang="en-US" smtClean="0"/>
+              <a:t>Second level</a:t>
+            </a:r>
+          </a:p>
+          <a:p>
+            <a:pPr lvl="2" eaLnBrk="1" latinLnBrk="0" hangingPunct="1"/>
+            <a:r>
+              <a:rPr lang="en-US" smtClean="0"/>
+              <a:t>Third level</a:t>
+            </a:r>
+          </a:p>
+          <a:p>
+            <a:pPr lvl="3" eaLnBrk="1" latinLnBrk="0" hangingPunct="1"/>
+            <a:r>
+              <a:rPr lang="en-US" smtClean="0"/>
+              <a:t>Fourth level</a:t>
+            </a:r>
+          </a:p>
+          <a:p>
+            <a:pPr lvl="4" eaLnBrk="1" latinLnBrk="0" hangingPunct="1"/>
+            <a:r>
+              <a:rPr lang="en-US" smtClean="0"/>
+              <a:t>Fifth level</a:t>
+            </a:r>
+            <a:endParaRPr kumimoji="0" lang="en-US"/>
+          </a:p>
+        </p:txBody>
+      </p:sp>
+      <p:sp>
+        <p:nvSpPr>
+          <p:cNvPr id="4" name="Date Placeholder 3"/>
+          <p:cNvSpPr>
+            <a:spLocks noGrp="1"/>
+          </p:cNvSpPr>
+          <p:nvPr>
+            <p:ph type="dt" sz="half" idx="10"/>
+          </p:nvPr>
+        </p:nvSpPr>
+        <p:spPr/>
         <p:txBody>
           <a:bodyPr/>
           <a:lstStyle/>
           <a:p>
-            <a:r>
-              <a:t>Click to edit Master text styles</a:t>
-            </a:r>
-          </a:p>
-          <a:p>
-            <a:pPr lvl="1"/>
-            <a:r>
-              <a:t>Second level</a:t>
-            </a:r>
-          </a:p>
-          <a:p>
-            <a:pPr lvl="2"/>
-            <a:r>
-              <a:t>Third level</a:t>
-            </a:r>
-          </a:p>
-          <a:p>
-            <a:pPr lvl="3"/>
-            <a:r>
-              <a:t>Fourth level</a:t>
-            </a:r>
-          </a:p>
-          <a:p>
-            <a:pPr lvl="4"/>
-            <a:r>
-              <a:t>Fifth level</a:t>
-            </a:r>
-          </a:p>
-        </p:txBody>
-      </p:sp>
-      <p:sp>
-        <p:nvSpPr>
-          <p:cNvPr id="110" name="Shape 110"/>
-          <p:cNvSpPr>
-            <a:spLocks noGrp="1"/>
-          </p:cNvSpPr>
-          <p:nvPr>
-            <p:ph type="sldNum" sz="quarter" idx="2"/>
-          </p:nvPr>
-        </p:nvSpPr>
-        <p:spPr>
-          <a:prstGeom prst="rect">
-            <a:avLst/>
-          </a:prstGeom>
-        </p:spPr>
+            <a:fld id="{D7C3A134-F1C3-464B-BF47-54DC2DE08F52}" type="datetimeFigureOut">
+              <a:rPr lang="en-US" smtClean="0"/>
+              <a:t>4/14/16</a:t>
+            </a:fld>
+            <a:endParaRPr lang="en-US"/>
+          </a:p>
+        </p:txBody>
+      </p:sp>
+      <p:sp>
+        <p:nvSpPr>
+          <p:cNvPr id="5" name="Footer Placeholder 4"/>
+          <p:cNvSpPr>
+            <a:spLocks noGrp="1"/>
+          </p:cNvSpPr>
+          <p:nvPr>
+            <p:ph type="ftr" sz="quarter" idx="11"/>
+          </p:nvPr>
+        </p:nvSpPr>
+        <p:spPr/>
         <p:txBody>
           <a:bodyPr/>
           <a:lstStyle/>
           <a:p>
+            <a:endParaRPr kumimoji="0" lang="en-US"/>
+          </a:p>
+        </p:txBody>
+      </p:sp>
+      <p:sp>
+        <p:nvSpPr>
+          <p:cNvPr id="6" name="Slide Number Placeholder 5"/>
+          <p:cNvSpPr>
+            <a:spLocks noGrp="1"/>
+          </p:cNvSpPr>
+          <p:nvPr>
+            <p:ph type="sldNum" sz="quarter" idx="12"/>
+          </p:nvPr>
+        </p:nvSpPr>
+        <p:spPr/>
+        <p:txBody>
+          <a:bodyPr/>
+          <a:lstStyle/>
+          <a:p>
             <a:fld id="{86CB4B4D-7CA3-9044-876B-883B54F8677D}" type="slidenum">
+              <a:rPr lang="uk-UA" smtClean="0"/>
               <a:t>‹#›</a:t>
             </a:fld>
-            <a:endParaRPr/>
+            <a:endParaRPr lang="uk-UA"/>
           </a:p>
         </p:txBody>
       </p:sp>
@@ -1013,12 +1090,11 @@
   <p:clrMapOvr>
     <a:masterClrMapping/>
   </p:clrMapOvr>
-  <p:transition xmlns:p14="http://schemas.microsoft.com/office/powerpoint/2010/main" spd="med"/>
 </p:sldLayout>
 </file>
 
-<file path=ppt/slideLayouts/slideLayout12.xml><?xml version="1.0" encoding="utf-8"?>
-<p:sldLayout xmlns:a="http://schemas.openxmlformats.org/drawingml/2006/main" xmlns:r="http://schemas.openxmlformats.org/officeDocument/2006/relationships" xmlns:p="http://schemas.openxmlformats.org/presentationml/2006/main" showMasterSp="0" type="tx">
+<file path=ppt/slideLayouts/slideLayout11.xml><?xml version="1.0" encoding="utf-8"?>
+<p:sldLayout xmlns:a="http://schemas.openxmlformats.org/drawingml/2006/main" xmlns:r="http://schemas.openxmlformats.org/officeDocument/2006/relationships" xmlns:p="http://schemas.openxmlformats.org/presentationml/2006/main" type="vertTitleAndTx" preserve="1">
   <p:cSld name="Vertical Title and Text">
     <p:spTree>
       <p:nvGrpSpPr>
@@ -1036,143 +1112,151 @@
       </p:grpSpPr>
       <p:sp>
         <p:nvSpPr>
-          <p:cNvPr id="117" name="Shape 117"/>
-          <p:cNvSpPr>
-            <a:spLocks noGrp="1"/>
-          </p:cNvSpPr>
-          <p:nvPr>
-            <p:ph type="title"/>
+          <p:cNvPr id="2" name="Vertical Title 1"/>
+          <p:cNvSpPr>
+            <a:spLocks noGrp="1"/>
+          </p:cNvSpPr>
+          <p:nvPr>
+            <p:ph type="title" orient="vert"/>
           </p:nvPr>
         </p:nvSpPr>
         <p:spPr>
           <a:xfrm>
-            <a:off x="7162800" y="537881"/>
-            <a:ext cx="1524000" cy="5325037"/>
+            <a:off x="6629400" y="274638"/>
+            <a:ext cx="2057400" cy="5851525"/>
           </a:xfrm>
-          <a:prstGeom prst="rect">
-            <a:avLst/>
-          </a:prstGeom>
         </p:spPr>
         <p:txBody>
-          <a:bodyPr/>
-          <a:lstStyle/>
-          <a:p>
-            <a:r>
+          <a:bodyPr vert="eaVert"/>
+          <a:lstStyle/>
+          <a:p>
+            <a:r>
+              <a:rPr kumimoji="0" lang="en-US" smtClean="0"/>
               <a:t>Click to edit Master title style</a:t>
             </a:r>
-          </a:p>
-        </p:txBody>
-      </p:sp>
-      <p:sp>
-        <p:nvSpPr>
-          <p:cNvPr id="118" name="Shape 118"/>
-          <p:cNvSpPr>
-            <a:spLocks noGrp="1"/>
-          </p:cNvSpPr>
-          <p:nvPr>
-            <p:ph type="body" idx="1"/>
+            <a:endParaRPr kumimoji="0" lang="en-US"/>
+          </a:p>
+        </p:txBody>
+      </p:sp>
+      <p:sp>
+        <p:nvSpPr>
+          <p:cNvPr id="3" name="Vertical Text Placeholder 2"/>
+          <p:cNvSpPr>
+            <a:spLocks noGrp="1"/>
+          </p:cNvSpPr>
+          <p:nvPr>
+            <p:ph type="body" orient="vert" idx="1"/>
           </p:nvPr>
         </p:nvSpPr>
         <p:spPr>
           <a:xfrm>
-            <a:off x="685800" y="537881"/>
-            <a:ext cx="5889812" cy="5325037"/>
+            <a:off x="457200" y="274638"/>
+            <a:ext cx="6019800" cy="5851525"/>
           </a:xfrm>
-          <a:prstGeom prst="rect">
-            <a:avLst/>
-          </a:prstGeom>
-          <a:extLst>
-            <a:ext uri="{C572A759-6A51-4108-AA02-DFA0A04FC94B}">
-              <ma14:wrappingTextBoxFlag xmlns:ma14="http://schemas.microsoft.com/office/mac/drawingml/2011/main" val="1"/>
-            </a:ext>
-          </a:extLst>
         </p:spPr>
         <p:txBody>
+          <a:bodyPr vert="eaVert"/>
+          <a:lstStyle/>
+          <a:p>
+            <a:pPr lvl="0" eaLnBrk="1" latinLnBrk="0" hangingPunct="1"/>
+            <a:r>
+              <a:rPr lang="en-US" smtClean="0"/>
+              <a:t>Click to edit Master text styles</a:t>
+            </a:r>
+          </a:p>
+          <a:p>
+            <a:pPr lvl="1" eaLnBrk="1" latinLnBrk="0" hangingPunct="1"/>
+            <a:r>
+              <a:rPr lang="en-US" smtClean="0"/>
+              <a:t>Second level</a:t>
+            </a:r>
+          </a:p>
+          <a:p>
+            <a:pPr lvl="2" eaLnBrk="1" latinLnBrk="0" hangingPunct="1"/>
+            <a:r>
+              <a:rPr lang="en-US" smtClean="0"/>
+              <a:t>Third level</a:t>
+            </a:r>
+          </a:p>
+          <a:p>
+            <a:pPr lvl="3" eaLnBrk="1" latinLnBrk="0" hangingPunct="1"/>
+            <a:r>
+              <a:rPr lang="en-US" smtClean="0"/>
+              <a:t>Fourth level</a:t>
+            </a:r>
+          </a:p>
+          <a:p>
+            <a:pPr lvl="4" eaLnBrk="1" latinLnBrk="0" hangingPunct="1"/>
+            <a:r>
+              <a:rPr lang="en-US" smtClean="0"/>
+              <a:t>Fifth level</a:t>
+            </a:r>
+            <a:endParaRPr kumimoji="0" lang="en-US"/>
+          </a:p>
+        </p:txBody>
+      </p:sp>
+      <p:sp>
+        <p:nvSpPr>
+          <p:cNvPr id="4" name="Date Placeholder 3"/>
+          <p:cNvSpPr>
+            <a:spLocks noGrp="1"/>
+          </p:cNvSpPr>
+          <p:nvPr>
+            <p:ph type="dt" sz="half" idx="10"/>
+          </p:nvPr>
+        </p:nvSpPr>
+        <p:spPr/>
+        <p:txBody>
           <a:bodyPr/>
           <a:lstStyle/>
           <a:p>
-            <a:r>
-              <a:t>Click to edit Master text styles</a:t>
-            </a:r>
-          </a:p>
-          <a:p>
-            <a:pPr lvl="1"/>
-            <a:r>
-              <a:t>Second level</a:t>
-            </a:r>
-          </a:p>
-          <a:p>
-            <a:pPr lvl="2"/>
-            <a:r>
-              <a:t>Third level</a:t>
-            </a:r>
-          </a:p>
-          <a:p>
-            <a:pPr lvl="3"/>
-            <a:r>
-              <a:t>Fourth level</a:t>
-            </a:r>
-          </a:p>
-          <a:p>
-            <a:pPr lvl="4"/>
-            <a:r>
-              <a:t>Fifth level</a:t>
-            </a:r>
-          </a:p>
-        </p:txBody>
-      </p:sp>
-      <p:pic>
-        <p:nvPicPr>
-          <p:cNvPr id="119" name="image7.png" descr="HR-Glyph-R3.png"/>
-          <p:cNvPicPr>
-            <a:picLocks noChangeAspect="1"/>
-          </p:cNvPicPr>
-          <p:nvPr/>
-        </p:nvPicPr>
-        <p:blipFill>
-          <a:blip r:embed="rId2">
-            <a:extLst/>
-          </a:blip>
-          <a:stretch>
-            <a:fillRect/>
-          </a:stretch>
-        </p:blipFill>
-        <p:spPr>
-          <a:xfrm rot="5400000">
-            <a:off x="6052927" y="3115194"/>
-            <a:ext cx="1645921" cy="170412"/>
-          </a:xfrm>
-          <a:prstGeom prst="rect">
-            <a:avLst/>
-          </a:prstGeom>
-          <a:ln w="12700">
-            <a:miter lim="400000"/>
-          </a:ln>
-        </p:spPr>
-      </p:pic>
-      <p:sp>
-        <p:nvSpPr>
-          <p:cNvPr id="120" name="Shape 120"/>
-          <p:cNvSpPr>
-            <a:spLocks noGrp="1"/>
-          </p:cNvSpPr>
-          <p:nvPr>
-            <p:ph type="sldNum" sz="quarter" idx="2"/>
-          </p:nvPr>
-        </p:nvSpPr>
-        <p:spPr>
-          <a:prstGeom prst="rect">
-            <a:avLst/>
-          </a:prstGeom>
-        </p:spPr>
+            <a:fld id="{D7C3A134-F1C3-464B-BF47-54DC2DE08F52}" type="datetimeFigureOut">
+              <a:rPr lang="en-US" smtClean="0"/>
+              <a:t>4/14/16</a:t>
+            </a:fld>
+            <a:endParaRPr lang="en-US"/>
+          </a:p>
+        </p:txBody>
+      </p:sp>
+      <p:sp>
+        <p:nvSpPr>
+          <p:cNvPr id="5" name="Footer Placeholder 4"/>
+          <p:cNvSpPr>
+            <a:spLocks noGrp="1"/>
+          </p:cNvSpPr>
+          <p:nvPr>
+            <p:ph type="ftr" sz="quarter" idx="11"/>
+          </p:nvPr>
+        </p:nvSpPr>
+        <p:spPr/>
         <p:txBody>
           <a:bodyPr/>
           <a:lstStyle/>
           <a:p>
+            <a:endParaRPr kumimoji="0" lang="en-US"/>
+          </a:p>
+        </p:txBody>
+      </p:sp>
+      <p:sp>
+        <p:nvSpPr>
+          <p:cNvPr id="6" name="Slide Number Placeholder 5"/>
+          <p:cNvSpPr>
+            <a:spLocks noGrp="1"/>
+          </p:cNvSpPr>
+          <p:nvPr>
+            <p:ph type="sldNum" sz="quarter" idx="12"/>
+          </p:nvPr>
+        </p:nvSpPr>
+        <p:spPr/>
+        <p:txBody>
+          <a:bodyPr/>
+          <a:lstStyle/>
+          <a:p>
             <a:fld id="{86CB4B4D-7CA3-9044-876B-883B54F8677D}" type="slidenum">
+              <a:rPr lang="uk-UA" smtClean="0"/>
               <a:t>‹#›</a:t>
             </a:fld>
-            <a:endParaRPr/>
+            <a:endParaRPr lang="uk-UA"/>
           </a:p>
         </p:txBody>
       </p:sp>
@@ -1181,12 +1265,11 @@
   <p:clrMapOvr>
     <a:masterClrMapping/>
   </p:clrMapOvr>
-  <p:transition xmlns:p14="http://schemas.microsoft.com/office/powerpoint/2010/main" spd="med"/>
 </p:sldLayout>
 </file>
 
 <file path=ppt/slideLayouts/slideLayout2.xml><?xml version="1.0" encoding="utf-8"?>
-<p:sldLayout xmlns:a="http://schemas.openxmlformats.org/drawingml/2006/main" xmlns:r="http://schemas.openxmlformats.org/officeDocument/2006/relationships" xmlns:p="http://schemas.openxmlformats.org/presentationml/2006/main" type="tx">
+<p:sldLayout xmlns:a="http://schemas.openxmlformats.org/drawingml/2006/main" xmlns:r="http://schemas.openxmlformats.org/officeDocument/2006/relationships" xmlns:p="http://schemas.openxmlformats.org/presentationml/2006/main" type="obj" preserve="1">
   <p:cSld name="Title and Content">
     <p:spTree>
       <p:nvGrpSpPr>
@@ -1204,7 +1287,7 @@
       </p:grpSpPr>
       <p:sp>
         <p:nvSpPr>
-          <p:cNvPr id="22" name="Shape 22"/>
+          <p:cNvPr id="2" name="Title 1"/>
           <p:cNvSpPr>
             <a:spLocks noGrp="1"/>
           </p:cNvSpPr>
@@ -1212,102 +1295,137 @@
             <p:ph type="title"/>
           </p:nvPr>
         </p:nvSpPr>
-        <p:spPr>
-          <a:prstGeom prst="rect">
-            <a:avLst/>
-          </a:prstGeom>
-        </p:spPr>
+        <p:spPr/>
         <p:txBody>
           <a:bodyPr/>
-          <a:lstStyle/>
-          <a:p>
-            <a:r>
+          <a:lstStyle>
+            <a:lvl1pPr algn="l">
+              <a:defRPr/>
+            </a:lvl1pPr>
+          </a:lstStyle>
+          <a:p>
+            <a:r>
+              <a:rPr kumimoji="0" lang="en-US" smtClean="0"/>
               <a:t>Click to edit Master title style</a:t>
             </a:r>
-          </a:p>
-        </p:txBody>
-      </p:sp>
-      <p:sp>
-        <p:nvSpPr>
-          <p:cNvPr id="23" name="Shape 23"/>
-          <p:cNvSpPr>
-            <a:spLocks noGrp="1"/>
-          </p:cNvSpPr>
-          <p:nvPr>
-            <p:ph type="body" idx="1"/>
-          </p:nvPr>
-        </p:nvSpPr>
-        <p:spPr>
-          <a:xfrm>
-            <a:off x="685800" y="2209800"/>
-            <a:ext cx="7770814" cy="3657600"/>
-          </a:xfrm>
-          <a:prstGeom prst="rect">
-            <a:avLst/>
-          </a:prstGeom>
-          <a:extLst>
-            <a:ext uri="{C572A759-6A51-4108-AA02-DFA0A04FC94B}">
-              <ma14:wrappingTextBoxFlag xmlns:ma14="http://schemas.microsoft.com/office/mac/drawingml/2011/main" val="1"/>
-            </a:ext>
-          </a:extLst>
-        </p:spPr>
+            <a:endParaRPr kumimoji="0" lang="en-US"/>
+          </a:p>
+        </p:txBody>
+      </p:sp>
+      <p:sp>
+        <p:nvSpPr>
+          <p:cNvPr id="3" name="Content Placeholder 2"/>
+          <p:cNvSpPr>
+            <a:spLocks noGrp="1"/>
+          </p:cNvSpPr>
+          <p:nvPr>
+            <p:ph idx="1"/>
+          </p:nvPr>
+        </p:nvSpPr>
+        <p:spPr/>
         <p:txBody>
           <a:bodyPr/>
           <a:lstStyle/>
           <a:p>
-            <a:r>
+            <a:pPr lvl="0" eaLnBrk="1" latinLnBrk="0" hangingPunct="1"/>
+            <a:r>
+              <a:rPr lang="en-US" smtClean="0"/>
               <a:t>Click to edit Master text styles</a:t>
             </a:r>
           </a:p>
           <a:p>
-            <a:pPr lvl="1"/>
-            <a:r>
+            <a:pPr lvl="1" eaLnBrk="1" latinLnBrk="0" hangingPunct="1"/>
+            <a:r>
+              <a:rPr lang="en-US" smtClean="0"/>
               <a:t>Second level</a:t>
             </a:r>
           </a:p>
           <a:p>
-            <a:pPr lvl="2"/>
-            <a:r>
+            <a:pPr lvl="2" eaLnBrk="1" latinLnBrk="0" hangingPunct="1"/>
+            <a:r>
+              <a:rPr lang="en-US" smtClean="0"/>
               <a:t>Third level</a:t>
             </a:r>
           </a:p>
           <a:p>
-            <a:pPr lvl="3"/>
-            <a:r>
+            <a:pPr lvl="3" eaLnBrk="1" latinLnBrk="0" hangingPunct="1"/>
+            <a:r>
+              <a:rPr lang="en-US" smtClean="0"/>
               <a:t>Fourth level</a:t>
             </a:r>
           </a:p>
           <a:p>
-            <a:pPr lvl="4"/>
-            <a:r>
+            <a:pPr lvl="4" eaLnBrk="1" latinLnBrk="0" hangingPunct="1"/>
+            <a:r>
+              <a:rPr lang="en-US" smtClean="0"/>
               <a:t>Fifth level</a:t>
             </a:r>
-          </a:p>
-        </p:txBody>
-      </p:sp>
-      <p:sp>
-        <p:nvSpPr>
-          <p:cNvPr id="24" name="Shape 24"/>
-          <p:cNvSpPr>
-            <a:spLocks noGrp="1"/>
-          </p:cNvSpPr>
-          <p:nvPr>
-            <p:ph type="sldNum" sz="quarter" idx="2"/>
-          </p:nvPr>
-        </p:nvSpPr>
-        <p:spPr>
-          <a:prstGeom prst="rect">
-            <a:avLst/>
-          </a:prstGeom>
-        </p:spPr>
+            <a:endParaRPr kumimoji="0" lang="en-US"/>
+          </a:p>
+        </p:txBody>
+      </p:sp>
+      <p:sp>
+        <p:nvSpPr>
+          <p:cNvPr id="4" name="Date Placeholder 3"/>
+          <p:cNvSpPr>
+            <a:spLocks noGrp="1"/>
+          </p:cNvSpPr>
+          <p:nvPr>
+            <p:ph type="dt" sz="half" idx="10"/>
+          </p:nvPr>
+        </p:nvSpPr>
+        <p:spPr/>
         <p:txBody>
           <a:bodyPr/>
           <a:lstStyle/>
           <a:p>
+            <a:fld id="{D7C3A134-F1C3-464B-BF47-54DC2DE08F52}" type="datetimeFigureOut">
+              <a:rPr lang="en-US" smtClean="0"/>
+              <a:t>4/14/16</a:t>
+            </a:fld>
+            <a:endParaRPr lang="en-US"/>
+          </a:p>
+        </p:txBody>
+      </p:sp>
+      <p:sp>
+        <p:nvSpPr>
+          <p:cNvPr id="5" name="Footer Placeholder 4"/>
+          <p:cNvSpPr>
+            <a:spLocks noGrp="1"/>
+          </p:cNvSpPr>
+          <p:nvPr>
+            <p:ph type="ftr" sz="quarter" idx="11"/>
+          </p:nvPr>
+        </p:nvSpPr>
+        <p:spPr/>
+        <p:txBody>
+          <a:bodyPr/>
+          <a:lstStyle/>
+          <a:p>
+            <a:endParaRPr kumimoji="0" lang="en-US"/>
+          </a:p>
+        </p:txBody>
+      </p:sp>
+      <p:sp>
+        <p:nvSpPr>
+          <p:cNvPr id="6" name="Slide Number Placeholder 5"/>
+          <p:cNvSpPr>
+            <a:spLocks noGrp="1"/>
+          </p:cNvSpPr>
+          <p:nvPr>
+            <p:ph type="sldNum" sz="quarter" idx="12"/>
+          </p:nvPr>
+        </p:nvSpPr>
+        <p:spPr/>
+        <p:txBody>
+          <a:bodyPr/>
+          <a:lstStyle/>
+          <a:p>
             <a:fld id="{86CB4B4D-7CA3-9044-876B-883B54F8677D}" type="slidenum">
+              <a:rPr lang="uk-UA" smtClean="0"/>
               <a:t>‹#›</a:t>
             </a:fld>
-            <a:endParaRPr/>
+            <a:endParaRPr lang="uk-UA"/>
           </a:p>
         </p:txBody>
       </p:sp>
@@ -1316,13 +1434,17 @@
   <p:clrMapOvr>
     <a:masterClrMapping/>
   </p:clrMapOvr>
-  <p:transition xmlns:p14="http://schemas.microsoft.com/office/powerpoint/2010/main" spd="med"/>
 </p:sldLayout>
 </file>
 
 <file path=ppt/slideLayouts/slideLayout3.xml><?xml version="1.0" encoding="utf-8"?>
-<p:sldLayout xmlns:a="http://schemas.openxmlformats.org/drawingml/2006/main" xmlns:r="http://schemas.openxmlformats.org/officeDocument/2006/relationships" xmlns:p="http://schemas.openxmlformats.org/presentationml/2006/main" showMasterSp="0" type="tx">
+<p:sldLayout xmlns:a="http://schemas.openxmlformats.org/drawingml/2006/main" xmlns:r="http://schemas.openxmlformats.org/officeDocument/2006/relationships" xmlns:p="http://schemas.openxmlformats.org/presentationml/2006/main" showMasterSp="0" type="secHead" preserve="1">
   <p:cSld name="Section Header">
+    <p:bg>
+      <p:bgRef idx="1002">
+        <a:schemeClr val="bg2"/>
+      </p:bgRef>
+    </p:bg>
     <p:spTree>
       <p:nvGrpSpPr>
         <p:cNvPr id="1" name=""/>
@@ -1339,7 +1461,203 @@
       </p:grpSpPr>
       <p:sp>
         <p:nvSpPr>
-          <p:cNvPr id="31" name="Shape 31"/>
+          <p:cNvPr id="7" name="Freeform 6"/>
+          <p:cNvSpPr>
+            <a:spLocks/>
+          </p:cNvSpPr>
+          <p:nvPr/>
+        </p:nvSpPr>
+        <p:spPr bwMode="auto">
+          <a:xfrm>
+            <a:off x="0" y="4752126"/>
+            <a:ext cx="9144000" cy="2112962"/>
+          </a:xfrm>
+          <a:custGeom>
+            <a:avLst>
+              <a:gd name="A1" fmla="val 0"/>
+              <a:gd name="A2" fmla="val 0"/>
+              <a:gd name="A3" fmla="val 0"/>
+              <a:gd name="A4" fmla="val 0"/>
+              <a:gd name="A5" fmla="val 0"/>
+              <a:gd name="A6" fmla="val 0"/>
+              <a:gd name="A7" fmla="val 0"/>
+              <a:gd name="A8" fmla="val 0"/>
+            </a:avLst>
+            <a:gdLst/>
+            <a:ahLst/>
+            <a:cxnLst>
+              <a:cxn ang="0">
+                <a:pos x="0" y="1066"/>
+              </a:cxn>
+              <a:cxn ang="0">
+                <a:pos x="0" y="1331"/>
+              </a:cxn>
+              <a:cxn ang="0">
+                <a:pos x="5760" y="1331"/>
+              </a:cxn>
+              <a:cxn ang="0">
+                <a:pos x="5760" y="0"/>
+              </a:cxn>
+              <a:cxn ang="0">
+                <a:pos x="0" y="1066"/>
+              </a:cxn>
+            </a:cxnLst>
+            <a:rect l="0" t="0" r="0" b="0"/>
+            <a:pathLst>
+              <a:path w="5760" h="1331">
+                <a:moveTo>
+                  <a:pt x="0" y="1066"/>
+                </a:moveTo>
+                <a:lnTo>
+                  <a:pt x="0" y="1331"/>
+                </a:lnTo>
+                <a:lnTo>
+                  <a:pt x="5760" y="1331"/>
+                </a:lnTo>
+                <a:lnTo>
+                  <a:pt x="5760" y="0"/>
+                </a:lnTo>
+                <a:cubicBezTo>
+                  <a:pt x="3220" y="1206"/>
+                  <a:pt x="2250" y="1146"/>
+                  <a:pt x="0" y="1066"/>
+                </a:cubicBezTo>
+                <a:close/>
+              </a:path>
+            </a:pathLst>
+          </a:custGeom>
+          <a:solidFill>
+            <a:schemeClr val="bg1">
+              <a:tint val="80000"/>
+              <a:satMod val="200000"/>
+              <a:alpha val="45000"/>
+            </a:schemeClr>
+          </a:solidFill>
+          <a:ln w="9525" cap="flat" cmpd="sng" algn="ctr">
+            <a:noFill/>
+            <a:prstDash val="solid"/>
+            <a:round/>
+            <a:headEnd type="none" w="med" len="med"/>
+            <a:tailEnd type="none" w="med" len="med"/>
+          </a:ln>
+          <a:effectLst>
+            <a:outerShdw blurRad="50800" dist="44450" dir="16200000" algn="ctr" rotWithShape="0">
+              <a:prstClr val="black">
+                <a:alpha val="35000"/>
+              </a:prstClr>
+            </a:outerShdw>
+          </a:effectLst>
+        </p:spPr>
+        <p:txBody>
+          <a:bodyPr vert="horz" wrap="square" lIns="91440" tIns="45720" rIns="91440" bIns="45720" anchor="t" compatLnSpc="1"/>
+          <a:lstStyle/>
+          <a:p>
+            <a:endParaRPr kumimoji="0" lang="en-US"/>
+          </a:p>
+        </p:txBody>
+      </p:sp>
+      <p:sp>
+        <p:nvSpPr>
+          <p:cNvPr id="9" name="Freeform 8"/>
+          <p:cNvSpPr>
+            <a:spLocks/>
+          </p:cNvSpPr>
+          <p:nvPr/>
+        </p:nvSpPr>
+        <p:spPr bwMode="auto">
+          <a:xfrm>
+            <a:off x="6105525" y="0"/>
+            <a:ext cx="3038475" cy="6858000"/>
+          </a:xfrm>
+          <a:custGeom>
+            <a:avLst/>
+            <a:gdLst>
+              <a:gd name="connsiteX0" fmla="*/ 1914 w 1914"/>
+              <a:gd name="connsiteY0" fmla="*/ 9 h 4329"/>
+              <a:gd name="connsiteX1" fmla="*/ 1914 w 1914"/>
+              <a:gd name="connsiteY1" fmla="*/ 4329 h 4329"/>
+              <a:gd name="connsiteX2" fmla="*/ 204 w 1914"/>
+              <a:gd name="connsiteY2" fmla="*/ 4327 h 4329"/>
+              <a:gd name="connsiteX3" fmla="*/ 0 w 1914"/>
+              <a:gd name="connsiteY3" fmla="*/ 0 h 4329"/>
+              <a:gd name="connsiteX4" fmla="*/ 1914 w 1914"/>
+              <a:gd name="connsiteY4" fmla="*/ 9 h 4329"/>
+            </a:gdLst>
+            <a:ahLst/>
+            <a:cxnLst>
+              <a:cxn ang="0">
+                <a:pos x="connsiteX0" y="connsiteY0"/>
+              </a:cxn>
+              <a:cxn ang="0">
+                <a:pos x="connsiteX1" y="connsiteY1"/>
+              </a:cxn>
+              <a:cxn ang="0">
+                <a:pos x="connsiteX2" y="connsiteY2"/>
+              </a:cxn>
+              <a:cxn ang="0">
+                <a:pos x="connsiteX3" y="connsiteY3"/>
+              </a:cxn>
+              <a:cxn ang="0">
+                <a:pos x="connsiteX4" y="connsiteY4"/>
+              </a:cxn>
+            </a:cxnLst>
+            <a:rect l="l" t="t" r="r" b="b"/>
+            <a:pathLst>
+              <a:path w="1914" h="4329">
+                <a:moveTo>
+                  <a:pt x="1914" y="9"/>
+                </a:moveTo>
+                <a:lnTo>
+                  <a:pt x="1914" y="4329"/>
+                </a:lnTo>
+                <a:lnTo>
+                  <a:pt x="204" y="4327"/>
+                </a:lnTo>
+                <a:cubicBezTo>
+                  <a:pt x="1288" y="3574"/>
+                  <a:pt x="1608" y="1590"/>
+                  <a:pt x="0" y="0"/>
+                </a:cubicBezTo>
+                <a:lnTo>
+                  <a:pt x="1914" y="9"/>
+                </a:lnTo>
+                <a:close/>
+              </a:path>
+            </a:pathLst>
+          </a:custGeom>
+          <a:solidFill>
+            <a:schemeClr val="bg1">
+              <a:tint val="90000"/>
+              <a:satMod val="350000"/>
+              <a:alpha val="40000"/>
+            </a:schemeClr>
+          </a:solidFill>
+          <a:ln w="9525" cap="flat" cmpd="sng" algn="ctr">
+            <a:noFill/>
+            <a:prstDash val="solid"/>
+            <a:round/>
+            <a:headEnd type="none" w="med" len="med"/>
+            <a:tailEnd type="none" w="med" len="med"/>
+          </a:ln>
+          <a:effectLst>
+            <a:outerShdw blurRad="50800" dist="50800" dir="10800000" algn="ctr" rotWithShape="0">
+              <a:prstClr val="black">
+                <a:alpha val="45000"/>
+              </a:prstClr>
+            </a:outerShdw>
+          </a:effectLst>
+        </p:spPr>
+        <p:txBody>
+          <a:bodyPr vert="horz" wrap="square" lIns="91440" tIns="45720" rIns="91440" bIns="45720" anchor="t" compatLnSpc="1"/>
+          <a:lstStyle/>
+          <a:p>
+            <a:endParaRPr kumimoji="0" lang="en-US"/>
+          </a:p>
+        </p:txBody>
+      </p:sp>
+      <p:sp>
+        <p:nvSpPr>
+          <p:cNvPr id="2" name="Title 1"/>
           <p:cNvSpPr>
             <a:spLocks noGrp="1"/>
           </p:cNvSpPr>
@@ -1349,138 +1667,236 @@
         </p:nvSpPr>
         <p:spPr>
           <a:xfrm>
-            <a:off x="685800" y="1626440"/>
-            <a:ext cx="7770814" cy="1472185"/>
+            <a:off x="685800" y="3583837"/>
+            <a:ext cx="6629400" cy="1826363"/>
           </a:xfrm>
-          <a:prstGeom prst="rect">
-            <a:avLst/>
-          </a:prstGeom>
         </p:spPr>
         <p:txBody>
-          <a:bodyPr anchor="b"/>
+          <a:bodyPr tIns="0" bIns="0" anchor="t"/>
           <a:lstStyle>
-            <a:lvl1pPr>
-              <a:defRPr sz="5400"/>
+            <a:lvl1pPr algn="l">
+              <a:buNone/>
+              <a:defRPr sz="4200" b="1" cap="none" baseline="0">
+                <a:ln w="5000" cmpd="sng">
+                  <a:solidFill>
+                    <a:schemeClr val="accent1">
+                      <a:tint val="80000"/>
+                      <a:shade val="99000"/>
+                      <a:satMod val="500000"/>
+                    </a:schemeClr>
+                  </a:solidFill>
+                  <a:prstDash val="solid"/>
+                </a:ln>
+                <a:gradFill>
+                  <a:gsLst>
+                    <a:gs pos="0">
+                      <a:schemeClr val="accent1">
+                        <a:tint val="63000"/>
+                        <a:satMod val="255000"/>
+                      </a:schemeClr>
+                    </a:gs>
+                    <a:gs pos="9000">
+                      <a:schemeClr val="accent1">
+                        <a:tint val="63000"/>
+                        <a:satMod val="255000"/>
+                      </a:schemeClr>
+                    </a:gs>
+                    <a:gs pos="53000">
+                      <a:schemeClr val="accent1">
+                        <a:shade val="60000"/>
+                        <a:satMod val="100000"/>
+                      </a:schemeClr>
+                    </a:gs>
+                    <a:gs pos="90000">
+                      <a:schemeClr val="accent1">
+                        <a:tint val="63000"/>
+                        <a:satMod val="255000"/>
+                      </a:schemeClr>
+                    </a:gs>
+                    <a:gs pos="100000">
+                      <a:schemeClr val="accent1">
+                        <a:tint val="63000"/>
+                        <a:satMod val="255000"/>
+                      </a:schemeClr>
+                    </a:gs>
+                  </a:gsLst>
+                  <a:lin ang="5400000"/>
+                </a:gradFill>
+                <a:effectLst>
+                  <a:outerShdw blurRad="50800" dist="38100" dir="5400000" algn="t" rotWithShape="0">
+                    <a:prstClr val="black">
+                      <a:alpha val="50000"/>
+                    </a:prstClr>
+                  </a:outerShdw>
+                </a:effectLst>
+              </a:defRPr>
             </a:lvl1pPr>
           </a:lstStyle>
           <a:p>
             <a:r>
+              <a:rPr kumimoji="0" lang="en-US" smtClean="0"/>
               <a:t>Click to edit Master title style</a:t>
             </a:r>
-          </a:p>
-        </p:txBody>
-      </p:sp>
-      <p:sp>
-        <p:nvSpPr>
-          <p:cNvPr id="32" name="Shape 32"/>
-          <p:cNvSpPr>
-            <a:spLocks noGrp="1"/>
-          </p:cNvSpPr>
-          <p:nvPr>
-            <p:ph type="body" sz="half" idx="1"/>
+            <a:endParaRPr kumimoji="0" lang="en-US"/>
+          </a:p>
+        </p:txBody>
+      </p:sp>
+      <p:sp>
+        <p:nvSpPr>
+          <p:cNvPr id="3" name="Text Placeholder 2"/>
+          <p:cNvSpPr>
+            <a:spLocks noGrp="1"/>
+          </p:cNvSpPr>
+          <p:nvPr>
+            <p:ph type="body" idx="1"/>
           </p:nvPr>
         </p:nvSpPr>
         <p:spPr>
           <a:xfrm>
-            <a:off x="685800" y="3813047"/>
-            <a:ext cx="7770814" cy="1755649"/>
+            <a:off x="685800" y="2485800"/>
+            <a:ext cx="6629400" cy="1066688"/>
           </a:xfrm>
-          <a:prstGeom prst="rect">
-            <a:avLst/>
-          </a:prstGeom>
-          <a:extLst>
-            <a:ext uri="{C572A759-6A51-4108-AA02-DFA0A04FC94B}">
-              <ma14:wrappingTextBoxFlag xmlns:ma14="http://schemas.microsoft.com/office/mac/drawingml/2011/main" val="1"/>
-            </a:ext>
-          </a:extLst>
         </p:spPr>
         <p:txBody>
+          <a:bodyPr lIns="45720" tIns="0" rIns="45720" bIns="0" anchor="b"/>
+          <a:lstStyle>
+            <a:lvl1pPr marL="0" indent="0" algn="l">
+              <a:buNone/>
+              <a:defRPr sz="2000">
+                <a:solidFill>
+                  <a:schemeClr val="tx1"/>
+                </a:solidFill>
+                <a:effectLst/>
+              </a:defRPr>
+            </a:lvl1pPr>
+            <a:lvl2pPr>
+              <a:buNone/>
+              <a:defRPr sz="1800">
+                <a:solidFill>
+                  <a:schemeClr val="tx1">
+                    <a:tint val="75000"/>
+                  </a:schemeClr>
+                </a:solidFill>
+              </a:defRPr>
+            </a:lvl2pPr>
+            <a:lvl3pPr>
+              <a:buNone/>
+              <a:defRPr sz="1600">
+                <a:solidFill>
+                  <a:schemeClr val="tx1">
+                    <a:tint val="75000"/>
+                  </a:schemeClr>
+                </a:solidFill>
+              </a:defRPr>
+            </a:lvl3pPr>
+            <a:lvl4pPr>
+              <a:buNone/>
+              <a:defRPr sz="1400">
+                <a:solidFill>
+                  <a:schemeClr val="tx1">
+                    <a:tint val="75000"/>
+                  </a:schemeClr>
+                </a:solidFill>
+              </a:defRPr>
+            </a:lvl4pPr>
+            <a:lvl5pPr>
+              <a:buNone/>
+              <a:defRPr sz="1400">
+                <a:solidFill>
+                  <a:schemeClr val="tx1">
+                    <a:tint val="75000"/>
+                  </a:schemeClr>
+                </a:solidFill>
+              </a:defRPr>
+            </a:lvl5pPr>
+          </a:lstStyle>
+          <a:p>
+            <a:pPr lvl="0" eaLnBrk="1" latinLnBrk="0" hangingPunct="1"/>
+            <a:r>
+              <a:rPr kumimoji="0" lang="en-US" smtClean="0"/>
+              <a:t>Click to edit Master text styles</a:t>
+            </a:r>
+          </a:p>
+        </p:txBody>
+      </p:sp>
+      <p:sp>
+        <p:nvSpPr>
+          <p:cNvPr id="4" name="Date Placeholder 3"/>
+          <p:cNvSpPr>
+            <a:spLocks noGrp="1"/>
+          </p:cNvSpPr>
+          <p:nvPr>
+            <p:ph type="dt" sz="half" idx="10"/>
+          </p:nvPr>
+        </p:nvSpPr>
+        <p:spPr/>
+        <p:txBody>
           <a:bodyPr/>
-          <a:lstStyle>
-            <a:lvl1pPr marL="0" indent="0" algn="ctr">
-              <a:spcBef>
-                <a:spcPts val="300"/>
-              </a:spcBef>
-              <a:buClrTx/>
-              <a:buSzTx/>
-              <a:buFontTx/>
-              <a:buNone/>
-              <a:defRPr sz="1600"/>
-            </a:lvl1pPr>
-          </a:lstStyle>
-          <a:p>
-            <a:r>
-              <a:t>Click to edit Master text styles</a:t>
-            </a:r>
-          </a:p>
-        </p:txBody>
-      </p:sp>
-      <p:pic>
-        <p:nvPicPr>
-          <p:cNvPr id="33" name="image8.png" descr="Glyph-SectionHeader.png"/>
-          <p:cNvPicPr>
-            <a:picLocks noChangeAspect="1"/>
-          </p:cNvPicPr>
-          <p:nvPr/>
-        </p:nvPicPr>
-        <p:blipFill>
-          <a:blip r:embed="rId2">
-            <a:extLst/>
-          </a:blip>
-          <a:stretch>
-            <a:fillRect/>
-          </a:stretch>
-        </p:blipFill>
-        <p:spPr>
-          <a:xfrm>
-            <a:off x="4038600" y="3174065"/>
-            <a:ext cx="1066800" cy="590551"/>
-          </a:xfrm>
-          <a:prstGeom prst="rect">
-            <a:avLst/>
-          </a:prstGeom>
-          <a:ln w="12700">
-            <a:miter lim="400000"/>
-          </a:ln>
-        </p:spPr>
-      </p:pic>
-      <p:sp>
-        <p:nvSpPr>
-          <p:cNvPr id="34" name="Shape 34"/>
-          <p:cNvSpPr>
-            <a:spLocks noGrp="1"/>
-          </p:cNvSpPr>
-          <p:nvPr>
-            <p:ph type="sldNum" sz="quarter" idx="2"/>
-          </p:nvPr>
-        </p:nvSpPr>
-        <p:spPr>
-          <a:prstGeom prst="rect">
-            <a:avLst/>
-          </a:prstGeom>
-        </p:spPr>
+          <a:lstStyle/>
+          <a:p>
+            <a:pPr eaLnBrk="1" latinLnBrk="0" hangingPunct="1"/>
+            <a:fld id="{E637BB6B-EE1B-48FB-8575-0D55C373DE88}" type="datetimeFigureOut">
+              <a:rPr lang="en-US" smtClean="0"/>
+              <a:pPr eaLnBrk="1" latinLnBrk="0" hangingPunct="1"/>
+              <a:t>4/14/16</a:t>
+            </a:fld>
+            <a:endParaRPr lang="en-US"/>
+          </a:p>
+        </p:txBody>
+      </p:sp>
+      <p:sp>
+        <p:nvSpPr>
+          <p:cNvPr id="5" name="Footer Placeholder 4"/>
+          <p:cNvSpPr>
+            <a:spLocks noGrp="1"/>
+          </p:cNvSpPr>
+          <p:nvPr>
+            <p:ph type="ftr" sz="quarter" idx="11"/>
+          </p:nvPr>
+        </p:nvSpPr>
+        <p:spPr/>
         <p:txBody>
           <a:bodyPr/>
           <a:lstStyle/>
           <a:p>
-            <a:fld id="{86CB4B4D-7CA3-9044-876B-883B54F8677D}" type="slidenum">
+            <a:endParaRPr kumimoji="0" lang="en-US"/>
+          </a:p>
+        </p:txBody>
+      </p:sp>
+      <p:sp>
+        <p:nvSpPr>
+          <p:cNvPr id="6" name="Slide Number Placeholder 5"/>
+          <p:cNvSpPr>
+            <a:spLocks noGrp="1"/>
+          </p:cNvSpPr>
+          <p:nvPr>
+            <p:ph type="sldNum" sz="quarter" idx="12"/>
+          </p:nvPr>
+        </p:nvSpPr>
+        <p:spPr/>
+        <p:txBody>
+          <a:bodyPr/>
+          <a:lstStyle/>
+          <a:p>
+            <a:fld id="{2AA957AF-53C0-420B-9C2D-77DB1416566C}" type="slidenum">
+              <a:rPr kumimoji="0" lang="en-US" smtClean="0"/>
+              <a:pPr eaLnBrk="1" latinLnBrk="0" hangingPunct="1"/>
               <a:t>‹#›</a:t>
             </a:fld>
-            <a:endParaRPr/>
+            <a:endParaRPr kumimoji="0" lang="en-US"/>
           </a:p>
         </p:txBody>
       </p:sp>
     </p:spTree>
   </p:cSld>
   <p:clrMapOvr>
-    <a:masterClrMapping/>
+    <a:overrideClrMapping bg1="dk1" tx1="lt1" bg2="dk2" tx2="lt2" accent1="accent1" accent2="accent2" accent3="accent3" accent4="accent4" accent5="accent5" accent6="accent6" hlink="hlink" folHlink="folHlink"/>
   </p:clrMapOvr>
-  <p:transition xmlns:p14="http://schemas.microsoft.com/office/powerpoint/2010/main" spd="med"/>
 </p:sldLayout>
 </file>
 
 <file path=ppt/slideLayouts/slideLayout4.xml><?xml version="1.0" encoding="utf-8"?>
-<p:sldLayout xmlns:a="http://schemas.openxmlformats.org/drawingml/2006/main" xmlns:r="http://schemas.openxmlformats.org/officeDocument/2006/relationships" xmlns:p="http://schemas.openxmlformats.org/presentationml/2006/main" type="tx">
+<p:sldLayout xmlns:a="http://schemas.openxmlformats.org/drawingml/2006/main" xmlns:r="http://schemas.openxmlformats.org/officeDocument/2006/relationships" xmlns:p="http://schemas.openxmlformats.org/presentationml/2006/main" type="twoObj" preserve="1">
   <p:cSld name="Two Content">
     <p:spTree>
       <p:nvGrpSpPr>
@@ -1498,126 +1914,240 @@
       </p:grpSpPr>
       <p:sp>
         <p:nvSpPr>
-          <p:cNvPr id="41" name="Shape 41"/>
+          <p:cNvPr id="2" name="Title 1"/>
           <p:cNvSpPr>
             <a:spLocks noGrp="1"/>
           </p:cNvSpPr>
           <p:nvPr>
             <p:ph type="title"/>
-          </p:nvPr>
-        </p:nvSpPr>
-        <p:spPr>
-          <a:prstGeom prst="rect">
-            <a:avLst/>
-          </a:prstGeom>
-        </p:spPr>
-        <p:txBody>
-          <a:bodyPr/>
-          <a:lstStyle/>
-          <a:p>
-            <a:r>
-              <a:t>Click to edit Master title style</a:t>
-            </a:r>
-          </a:p>
-        </p:txBody>
-      </p:sp>
-      <p:sp>
-        <p:nvSpPr>
-          <p:cNvPr id="42" name="Shape 42"/>
-          <p:cNvSpPr>
-            <a:spLocks noGrp="1"/>
-          </p:cNvSpPr>
-          <p:nvPr>
-            <p:ph type="body" sz="half" idx="1"/>
           </p:nvPr>
         </p:nvSpPr>
         <p:spPr>
           <a:xfrm>
-            <a:off x="685800" y="2209800"/>
-            <a:ext cx="3657600" cy="3657601"/>
+            <a:off x="457200" y="274638"/>
+            <a:ext cx="7467600" cy="1143000"/>
           </a:xfrm>
-          <a:prstGeom prst="rect">
-            <a:avLst/>
-          </a:prstGeom>
-          <a:extLst>
-            <a:ext uri="{C572A759-6A51-4108-AA02-DFA0A04FC94B}">
-              <ma14:wrappingTextBoxFlag xmlns:ma14="http://schemas.microsoft.com/office/mac/drawingml/2011/main" val="1"/>
-            </a:ext>
-          </a:extLst>
+        </p:spPr>
+        <p:txBody>
+          <a:bodyPr/>
+          <a:lstStyle/>
+          <a:p>
+            <a:r>
+              <a:rPr kumimoji="0" lang="en-US" smtClean="0"/>
+              <a:t>Click to edit Master title style</a:t>
+            </a:r>
+            <a:endParaRPr kumimoji="0" lang="en-US"/>
+          </a:p>
+        </p:txBody>
+      </p:sp>
+      <p:sp>
+        <p:nvSpPr>
+          <p:cNvPr id="3" name="Content Placeholder 2"/>
+          <p:cNvSpPr>
+            <a:spLocks noGrp="1"/>
+          </p:cNvSpPr>
+          <p:nvPr>
+            <p:ph sz="half" idx="1"/>
+          </p:nvPr>
+        </p:nvSpPr>
+        <p:spPr>
+          <a:xfrm>
+            <a:off x="457200" y="1600200"/>
+            <a:ext cx="3657600" cy="4525963"/>
+          </a:xfrm>
         </p:spPr>
         <p:txBody>
           <a:bodyPr/>
           <a:lstStyle>
             <a:lvl1pPr>
-              <a:defRPr sz="2200"/>
+              <a:defRPr sz="2600"/>
             </a:lvl1pPr>
-            <a:lvl2pPr marL="960119" indent="-502919">
+            <a:lvl2pPr>
               <a:defRPr sz="2200"/>
             </a:lvl2pPr>
-            <a:lvl3pPr marL="1473200" indent="-558800">
-              <a:defRPr sz="2200"/>
+            <a:lvl3pPr>
+              <a:defRPr sz="2000"/>
             </a:lvl3pPr>
-            <a:lvl4pPr marL="1930400" indent="-558800">
-              <a:defRPr sz="2200"/>
+            <a:lvl4pPr>
+              <a:defRPr sz="1800"/>
             </a:lvl4pPr>
-            <a:lvl5pPr marL="2387600" indent="-558800">
-              <a:defRPr sz="2200"/>
+            <a:lvl5pPr>
+              <a:defRPr sz="1800"/>
             </a:lvl5pPr>
           </a:lstStyle>
           <a:p>
-            <a:r>
+            <a:pPr lvl="0" eaLnBrk="1" latinLnBrk="0" hangingPunct="1"/>
+            <a:r>
+              <a:rPr lang="en-US" smtClean="0"/>
               <a:t>Click to edit Master text styles</a:t>
             </a:r>
           </a:p>
           <a:p>
-            <a:pPr lvl="1"/>
-            <a:r>
+            <a:pPr lvl="1" eaLnBrk="1" latinLnBrk="0" hangingPunct="1"/>
+            <a:r>
+              <a:rPr lang="en-US" smtClean="0"/>
               <a:t>Second level</a:t>
             </a:r>
           </a:p>
           <a:p>
-            <a:pPr lvl="2"/>
-            <a:r>
+            <a:pPr lvl="2" eaLnBrk="1" latinLnBrk="0" hangingPunct="1"/>
+            <a:r>
+              <a:rPr lang="en-US" smtClean="0"/>
               <a:t>Third level</a:t>
             </a:r>
           </a:p>
           <a:p>
-            <a:pPr lvl="3"/>
-            <a:r>
+            <a:pPr lvl="3" eaLnBrk="1" latinLnBrk="0" hangingPunct="1"/>
+            <a:r>
+              <a:rPr lang="en-US" smtClean="0"/>
               <a:t>Fourth level</a:t>
             </a:r>
           </a:p>
           <a:p>
-            <a:pPr lvl="4"/>
-            <a:r>
+            <a:pPr lvl="4" eaLnBrk="1" latinLnBrk="0" hangingPunct="1"/>
+            <a:r>
+              <a:rPr lang="en-US" smtClean="0"/>
               <a:t>Fifth level</a:t>
             </a:r>
-          </a:p>
-        </p:txBody>
-      </p:sp>
-      <p:sp>
-        <p:nvSpPr>
-          <p:cNvPr id="43" name="Shape 43"/>
-          <p:cNvSpPr>
-            <a:spLocks noGrp="1"/>
-          </p:cNvSpPr>
-          <p:nvPr>
-            <p:ph type="sldNum" sz="quarter" idx="2"/>
+            <a:endParaRPr kumimoji="0" lang="en-US"/>
+          </a:p>
+        </p:txBody>
+      </p:sp>
+      <p:sp>
+        <p:nvSpPr>
+          <p:cNvPr id="4" name="Content Placeholder 3"/>
+          <p:cNvSpPr>
+            <a:spLocks noGrp="1"/>
+          </p:cNvSpPr>
+          <p:nvPr>
+            <p:ph sz="half" idx="2"/>
           </p:nvPr>
         </p:nvSpPr>
         <p:spPr>
-          <a:prstGeom prst="rect">
-            <a:avLst/>
-          </a:prstGeom>
+          <a:xfrm>
+            <a:off x="4267200" y="1600200"/>
+            <a:ext cx="3657600" cy="4525963"/>
+          </a:xfrm>
         </p:spPr>
         <p:txBody>
           <a:bodyPr/>
+          <a:lstStyle>
+            <a:lvl1pPr>
+              <a:defRPr sz="2600"/>
+            </a:lvl1pPr>
+            <a:lvl2pPr>
+              <a:defRPr sz="2200"/>
+            </a:lvl2pPr>
+            <a:lvl3pPr>
+              <a:defRPr sz="2000"/>
+            </a:lvl3pPr>
+            <a:lvl4pPr>
+              <a:defRPr sz="1800"/>
+            </a:lvl4pPr>
+            <a:lvl5pPr>
+              <a:defRPr sz="1800"/>
+            </a:lvl5pPr>
+          </a:lstStyle>
+          <a:p>
+            <a:pPr lvl="0" eaLnBrk="1" latinLnBrk="0" hangingPunct="1"/>
+            <a:r>
+              <a:rPr lang="en-US" smtClean="0"/>
+              <a:t>Click to edit Master text styles</a:t>
+            </a:r>
+          </a:p>
+          <a:p>
+            <a:pPr lvl="1" eaLnBrk="1" latinLnBrk="0" hangingPunct="1"/>
+            <a:r>
+              <a:rPr lang="en-US" smtClean="0"/>
+              <a:t>Second level</a:t>
+            </a:r>
+          </a:p>
+          <a:p>
+            <a:pPr lvl="2" eaLnBrk="1" latinLnBrk="0" hangingPunct="1"/>
+            <a:r>
+              <a:rPr lang="en-US" smtClean="0"/>
+              <a:t>Third level</a:t>
+            </a:r>
+          </a:p>
+          <a:p>
+            <a:pPr lvl="3" eaLnBrk="1" latinLnBrk="0" hangingPunct="1"/>
+            <a:r>
+              <a:rPr lang="en-US" smtClean="0"/>
+              <a:t>Fourth level</a:t>
+            </a:r>
+          </a:p>
+          <a:p>
+            <a:pPr lvl="4" eaLnBrk="1" latinLnBrk="0" hangingPunct="1"/>
+            <a:r>
+              <a:rPr lang="en-US" smtClean="0"/>
+              <a:t>Fifth level</a:t>
+            </a:r>
+            <a:endParaRPr kumimoji="0" lang="en-US"/>
+          </a:p>
+        </p:txBody>
+      </p:sp>
+      <p:sp>
+        <p:nvSpPr>
+          <p:cNvPr id="5" name="Date Placeholder 4"/>
+          <p:cNvSpPr>
+            <a:spLocks noGrp="1"/>
+          </p:cNvSpPr>
+          <p:nvPr>
+            <p:ph type="dt" sz="half" idx="10"/>
+          </p:nvPr>
+        </p:nvSpPr>
+        <p:spPr/>
+        <p:txBody>
+          <a:bodyPr/>
+          <a:lstStyle/>
+          <a:p>
+            <a:fld id="{D7C3A134-F1C3-464B-BF47-54DC2DE08F52}" type="datetimeFigureOut">
+              <a:rPr lang="en-US" smtClean="0"/>
+              <a:t>4/14/16</a:t>
+            </a:fld>
+            <a:endParaRPr lang="en-US"/>
+          </a:p>
+        </p:txBody>
+      </p:sp>
+      <p:sp>
+        <p:nvSpPr>
+          <p:cNvPr id="6" name="Footer Placeholder 5"/>
+          <p:cNvSpPr>
+            <a:spLocks noGrp="1"/>
+          </p:cNvSpPr>
+          <p:nvPr>
+            <p:ph type="ftr" sz="quarter" idx="11"/>
+          </p:nvPr>
+        </p:nvSpPr>
+        <p:spPr/>
+        <p:txBody>
+          <a:bodyPr/>
+          <a:lstStyle/>
+          <a:p>
+            <a:endParaRPr kumimoji="0" lang="en-US"/>
+          </a:p>
+        </p:txBody>
+      </p:sp>
+      <p:sp>
+        <p:nvSpPr>
+          <p:cNvPr id="7" name="Slide Number Placeholder 6"/>
+          <p:cNvSpPr>
+            <a:spLocks noGrp="1"/>
+          </p:cNvSpPr>
+          <p:nvPr>
+            <p:ph type="sldNum" sz="quarter" idx="12"/>
+          </p:nvPr>
+        </p:nvSpPr>
+        <p:spPr/>
+        <p:txBody>
+          <a:bodyPr/>
           <a:lstStyle/>
           <a:p>
             <a:fld id="{86CB4B4D-7CA3-9044-876B-883B54F8677D}" type="slidenum">
+              <a:rPr lang="uk-UA" smtClean="0"/>
               <a:t>‹#›</a:t>
             </a:fld>
-            <a:endParaRPr/>
+            <a:endParaRPr lang="uk-UA"/>
           </a:p>
         </p:txBody>
       </p:sp>
@@ -1626,12 +2156,11 @@
   <p:clrMapOvr>
     <a:masterClrMapping/>
   </p:clrMapOvr>
-  <p:transition xmlns:p14="http://schemas.microsoft.com/office/powerpoint/2010/main" spd="med"/>
 </p:sldLayout>
 </file>
 
 <file path=ppt/slideLayouts/slideLayout5.xml><?xml version="1.0" encoding="utf-8"?>
-<p:sldLayout xmlns:a="http://schemas.openxmlformats.org/drawingml/2006/main" xmlns:r="http://schemas.openxmlformats.org/officeDocument/2006/relationships" xmlns:p="http://schemas.openxmlformats.org/presentationml/2006/main" type="tx">
+<p:sldLayout xmlns:a="http://schemas.openxmlformats.org/drawingml/2006/main" xmlns:r="http://schemas.openxmlformats.org/officeDocument/2006/relationships" xmlns:p="http://schemas.openxmlformats.org/presentationml/2006/main" showMasterSp="0" type="twoTxTwoObj" preserve="1">
   <p:cSld name="Comparison">
     <p:spTree>
       <p:nvGrpSpPr>
@@ -1649,134 +2178,350 @@
       </p:grpSpPr>
       <p:sp>
         <p:nvSpPr>
-          <p:cNvPr id="50" name="Shape 50"/>
+          <p:cNvPr id="2" name="Title 1"/>
           <p:cNvSpPr>
             <a:spLocks noGrp="1"/>
           </p:cNvSpPr>
           <p:nvPr>
             <p:ph type="title"/>
-          </p:nvPr>
-        </p:nvSpPr>
-        <p:spPr>
-          <a:prstGeom prst="rect">
-            <a:avLst/>
-          </a:prstGeom>
-        </p:spPr>
-        <p:txBody>
-          <a:bodyPr/>
-          <a:lstStyle/>
-          <a:p>
-            <a:r>
-              <a:t>Click to edit Master title style</a:t>
-            </a:r>
-          </a:p>
-        </p:txBody>
-      </p:sp>
-      <p:sp>
-        <p:nvSpPr>
-          <p:cNvPr id="51" name="Shape 51"/>
-          <p:cNvSpPr>
-            <a:spLocks noGrp="1"/>
-          </p:cNvSpPr>
-          <p:nvPr>
-            <p:ph type="body" sz="quarter" idx="1"/>
           </p:nvPr>
         </p:nvSpPr>
         <p:spPr>
           <a:xfrm>
-            <a:off x="685800" y="2027238"/>
-            <a:ext cx="3657600" cy="639763"/>
+            <a:off x="457200" y="273050"/>
+            <a:ext cx="8229600" cy="1143000"/>
           </a:xfrm>
-          <a:prstGeom prst="rect">
-            <a:avLst/>
-          </a:prstGeom>
-          <a:extLst>
-            <a:ext uri="{C572A759-6A51-4108-AA02-DFA0A04FC94B}">
-              <ma14:wrappingTextBoxFlag xmlns:ma14="http://schemas.microsoft.com/office/mac/drawingml/2011/main" val="1"/>
-            </a:ext>
-          </a:extLst>
         </p:spPr>
         <p:txBody>
           <a:bodyPr anchor="ctr"/>
           <a:lstStyle>
-            <a:lvl1pPr marL="0" indent="0" algn="ctr">
-              <a:spcBef>
-                <a:spcPts val="300"/>
-              </a:spcBef>
-              <a:buClrTx/>
-              <a:buSzTx/>
-              <a:buFontTx/>
-              <a:buNone/>
-              <a:defRPr b="1"/>
+            <a:lvl1pPr>
+              <a:defRPr/>
             </a:lvl1pPr>
           </a:lstStyle>
           <a:p>
             <a:r>
-              <a:t>Click to edit Master text styles</a:t>
-            </a:r>
-          </a:p>
-        </p:txBody>
-      </p:sp>
-      <p:sp>
-        <p:nvSpPr>
-          <p:cNvPr id="52" name="Shape 52"/>
-          <p:cNvSpPr>
-            <a:spLocks noGrp="1"/>
-          </p:cNvSpPr>
-          <p:nvPr>
-            <p:ph type="body" sz="quarter" idx="13"/>
+              <a:rPr kumimoji="0" lang="en-US" smtClean="0"/>
+              <a:t>Click to edit Master title style</a:t>
+            </a:r>
+            <a:endParaRPr kumimoji="0" lang="en-US"/>
+          </a:p>
+        </p:txBody>
+      </p:sp>
+      <p:sp>
+        <p:nvSpPr>
+          <p:cNvPr id="3" name="Text Placeholder 2"/>
+          <p:cNvSpPr>
+            <a:spLocks noGrp="1"/>
+          </p:cNvSpPr>
+          <p:nvPr>
+            <p:ph type="body" idx="1"/>
           </p:nvPr>
         </p:nvSpPr>
         <p:spPr>
           <a:xfrm>
-            <a:off x="4800600" y="2027238"/>
-            <a:ext cx="3657600" cy="639763"/>
+            <a:off x="457200" y="5486400"/>
+            <a:ext cx="4040188" cy="838200"/>
           </a:xfrm>
-          <a:prstGeom prst="rect">
-            <a:avLst/>
-          </a:prstGeom>
         </p:spPr>
         <p:txBody>
-          <a:bodyPr anchor="ctr"/>
-          <a:lstStyle/>
-          <a:p>
-            <a:pPr marL="0" indent="0" algn="ctr">
-              <a:spcBef>
-                <a:spcPts val="300"/>
-              </a:spcBef>
-              <a:buClrTx/>
-              <a:buSzTx/>
-              <a:buFontTx/>
+          <a:bodyPr anchor="t"/>
+          <a:lstStyle>
+            <a:lvl1pPr marL="0" indent="0">
               <a:buNone/>
-              <a:defRPr b="1"/>
-            </a:pPr>
-            <a:endParaRPr/>
-          </a:p>
-        </p:txBody>
-      </p:sp>
-      <p:sp>
-        <p:nvSpPr>
-          <p:cNvPr id="53" name="Shape 53"/>
-          <p:cNvSpPr>
-            <a:spLocks noGrp="1"/>
-          </p:cNvSpPr>
-          <p:nvPr>
-            <p:ph type="sldNum" sz="quarter" idx="2"/>
+              <a:defRPr sz="2400" b="1">
+                <a:solidFill>
+                  <a:schemeClr val="accent1"/>
+                </a:solidFill>
+              </a:defRPr>
+            </a:lvl1pPr>
+            <a:lvl2pPr>
+              <a:buNone/>
+              <a:defRPr sz="2000" b="1"/>
+            </a:lvl2pPr>
+            <a:lvl3pPr>
+              <a:buNone/>
+              <a:defRPr sz="1800" b="1"/>
+            </a:lvl3pPr>
+            <a:lvl4pPr>
+              <a:buNone/>
+              <a:defRPr sz="1600" b="1"/>
+            </a:lvl4pPr>
+            <a:lvl5pPr>
+              <a:buNone/>
+              <a:defRPr sz="1600" b="1"/>
+            </a:lvl5pPr>
+          </a:lstStyle>
+          <a:p>
+            <a:pPr lvl="0" eaLnBrk="1" latinLnBrk="0" hangingPunct="1"/>
+            <a:r>
+              <a:rPr kumimoji="0" lang="en-US" smtClean="0"/>
+              <a:t>Click to edit Master text styles</a:t>
+            </a:r>
+          </a:p>
+        </p:txBody>
+      </p:sp>
+      <p:sp>
+        <p:nvSpPr>
+          <p:cNvPr id="4" name="Text Placeholder 3"/>
+          <p:cNvSpPr>
+            <a:spLocks noGrp="1"/>
+          </p:cNvSpPr>
+          <p:nvPr>
+            <p:ph type="body" sz="half" idx="3"/>
           </p:nvPr>
         </p:nvSpPr>
         <p:spPr>
-          <a:prstGeom prst="rect">
-            <a:avLst/>
-          </a:prstGeom>
+          <a:xfrm>
+            <a:off x="4645025" y="5486400"/>
+            <a:ext cx="4041775" cy="838200"/>
+          </a:xfrm>
         </p:spPr>
         <p:txBody>
+          <a:bodyPr anchor="t"/>
+          <a:lstStyle>
+            <a:lvl1pPr marL="0" indent="0">
+              <a:buNone/>
+              <a:defRPr sz="2400" b="1">
+                <a:solidFill>
+                  <a:schemeClr val="accent1"/>
+                </a:solidFill>
+              </a:defRPr>
+            </a:lvl1pPr>
+            <a:lvl2pPr>
+              <a:buNone/>
+              <a:defRPr sz="2000" b="1"/>
+            </a:lvl2pPr>
+            <a:lvl3pPr>
+              <a:buNone/>
+              <a:defRPr sz="1800" b="1"/>
+            </a:lvl3pPr>
+            <a:lvl4pPr>
+              <a:buNone/>
+              <a:defRPr sz="1600" b="1"/>
+            </a:lvl4pPr>
+            <a:lvl5pPr>
+              <a:buNone/>
+              <a:defRPr sz="1600" b="1"/>
+            </a:lvl5pPr>
+          </a:lstStyle>
+          <a:p>
+            <a:pPr lvl="0" eaLnBrk="1" latinLnBrk="0" hangingPunct="1"/>
+            <a:r>
+              <a:rPr kumimoji="0" lang="en-US" smtClean="0"/>
+              <a:t>Click to edit Master text styles</a:t>
+            </a:r>
+          </a:p>
+        </p:txBody>
+      </p:sp>
+      <p:sp>
+        <p:nvSpPr>
+          <p:cNvPr id="5" name="Content Placeholder 4"/>
+          <p:cNvSpPr>
+            <a:spLocks noGrp="1"/>
+          </p:cNvSpPr>
+          <p:nvPr>
+            <p:ph sz="quarter" idx="2"/>
+          </p:nvPr>
+        </p:nvSpPr>
+        <p:spPr>
+          <a:xfrm>
+            <a:off x="457200" y="1516912"/>
+            <a:ext cx="4040188" cy="3941763"/>
+          </a:xfrm>
+        </p:spPr>
+        <p:txBody>
           <a:bodyPr/>
+          <a:lstStyle>
+            <a:lvl1pPr>
+              <a:defRPr sz="2400"/>
+            </a:lvl1pPr>
+            <a:lvl2pPr>
+              <a:defRPr sz="2000"/>
+            </a:lvl2pPr>
+            <a:lvl3pPr>
+              <a:defRPr sz="1800"/>
+            </a:lvl3pPr>
+            <a:lvl4pPr>
+              <a:defRPr sz="1600"/>
+            </a:lvl4pPr>
+            <a:lvl5pPr>
+              <a:defRPr sz="1600"/>
+            </a:lvl5pPr>
+          </a:lstStyle>
+          <a:p>
+            <a:pPr lvl="0" eaLnBrk="1" latinLnBrk="0" hangingPunct="1"/>
+            <a:r>
+              <a:rPr lang="en-US" smtClean="0"/>
+              <a:t>Click to edit Master text styles</a:t>
+            </a:r>
+          </a:p>
+          <a:p>
+            <a:pPr lvl="1" eaLnBrk="1" latinLnBrk="0" hangingPunct="1"/>
+            <a:r>
+              <a:rPr lang="en-US" smtClean="0"/>
+              <a:t>Second level</a:t>
+            </a:r>
+          </a:p>
+          <a:p>
+            <a:pPr lvl="2" eaLnBrk="1" latinLnBrk="0" hangingPunct="1"/>
+            <a:r>
+              <a:rPr lang="en-US" smtClean="0"/>
+              <a:t>Third level</a:t>
+            </a:r>
+          </a:p>
+          <a:p>
+            <a:pPr lvl="3" eaLnBrk="1" latinLnBrk="0" hangingPunct="1"/>
+            <a:r>
+              <a:rPr lang="en-US" smtClean="0"/>
+              <a:t>Fourth level</a:t>
+            </a:r>
+          </a:p>
+          <a:p>
+            <a:pPr lvl="4" eaLnBrk="1" latinLnBrk="0" hangingPunct="1"/>
+            <a:r>
+              <a:rPr lang="en-US" smtClean="0"/>
+              <a:t>Fifth level</a:t>
+            </a:r>
+            <a:endParaRPr kumimoji="0" lang="en-US"/>
+          </a:p>
+        </p:txBody>
+      </p:sp>
+      <p:sp>
+        <p:nvSpPr>
+          <p:cNvPr id="6" name="Content Placeholder 5"/>
+          <p:cNvSpPr>
+            <a:spLocks noGrp="1"/>
+          </p:cNvSpPr>
+          <p:nvPr>
+            <p:ph sz="quarter" idx="4"/>
+          </p:nvPr>
+        </p:nvSpPr>
+        <p:spPr>
+          <a:xfrm>
+            <a:off x="4645025" y="1516912"/>
+            <a:ext cx="4041775" cy="3941763"/>
+          </a:xfrm>
+        </p:spPr>
+        <p:txBody>
+          <a:bodyPr/>
+          <a:lstStyle>
+            <a:lvl1pPr>
+              <a:defRPr sz="2400"/>
+            </a:lvl1pPr>
+            <a:lvl2pPr>
+              <a:defRPr sz="2000"/>
+            </a:lvl2pPr>
+            <a:lvl3pPr>
+              <a:defRPr sz="1800"/>
+            </a:lvl3pPr>
+            <a:lvl4pPr>
+              <a:defRPr sz="1600"/>
+            </a:lvl4pPr>
+            <a:lvl5pPr>
+              <a:defRPr sz="1600"/>
+            </a:lvl5pPr>
+          </a:lstStyle>
+          <a:p>
+            <a:pPr lvl="0" eaLnBrk="1" latinLnBrk="0" hangingPunct="1"/>
+            <a:r>
+              <a:rPr lang="en-US" smtClean="0"/>
+              <a:t>Click to edit Master text styles</a:t>
+            </a:r>
+          </a:p>
+          <a:p>
+            <a:pPr lvl="1" eaLnBrk="1" latinLnBrk="0" hangingPunct="1"/>
+            <a:r>
+              <a:rPr lang="en-US" smtClean="0"/>
+              <a:t>Second level</a:t>
+            </a:r>
+          </a:p>
+          <a:p>
+            <a:pPr lvl="2" eaLnBrk="1" latinLnBrk="0" hangingPunct="1"/>
+            <a:r>
+              <a:rPr lang="en-US" smtClean="0"/>
+              <a:t>Third level</a:t>
+            </a:r>
+          </a:p>
+          <a:p>
+            <a:pPr lvl="3" eaLnBrk="1" latinLnBrk="0" hangingPunct="1"/>
+            <a:r>
+              <a:rPr lang="en-US" smtClean="0"/>
+              <a:t>Fourth level</a:t>
+            </a:r>
+          </a:p>
+          <a:p>
+            <a:pPr lvl="4" eaLnBrk="1" latinLnBrk="0" hangingPunct="1"/>
+            <a:r>
+              <a:rPr lang="en-US" smtClean="0"/>
+              <a:t>Fifth level</a:t>
+            </a:r>
+            <a:endParaRPr kumimoji="0" lang="en-US"/>
+          </a:p>
+        </p:txBody>
+      </p:sp>
+      <p:sp>
+        <p:nvSpPr>
+          <p:cNvPr id="7" name="Date Placeholder 6"/>
+          <p:cNvSpPr>
+            <a:spLocks noGrp="1"/>
+          </p:cNvSpPr>
+          <p:nvPr>
+            <p:ph type="dt" sz="half" idx="10"/>
+          </p:nvPr>
+        </p:nvSpPr>
+        <p:spPr/>
+        <p:txBody>
+          <a:bodyPr/>
+          <a:lstStyle/>
+          <a:p>
+            <a:fld id="{D7C3A134-F1C3-464B-BF47-54DC2DE08F52}" type="datetimeFigureOut">
+              <a:rPr lang="en-US" smtClean="0"/>
+              <a:t>4/14/16</a:t>
+            </a:fld>
+            <a:endParaRPr lang="en-US"/>
+          </a:p>
+        </p:txBody>
+      </p:sp>
+      <p:sp>
+        <p:nvSpPr>
+          <p:cNvPr id="8" name="Footer Placeholder 7"/>
+          <p:cNvSpPr>
+            <a:spLocks noGrp="1"/>
+          </p:cNvSpPr>
+          <p:nvPr>
+            <p:ph type="ftr" sz="quarter" idx="11"/>
+          </p:nvPr>
+        </p:nvSpPr>
+        <p:spPr/>
+        <p:txBody>
+          <a:bodyPr/>
+          <a:lstStyle/>
+          <a:p>
+            <a:endParaRPr kumimoji="0" lang="en-US"/>
+          </a:p>
+        </p:txBody>
+      </p:sp>
+      <p:sp>
+        <p:nvSpPr>
+          <p:cNvPr id="9" name="Slide Number Placeholder 8"/>
+          <p:cNvSpPr>
+            <a:spLocks noGrp="1"/>
+          </p:cNvSpPr>
+          <p:nvPr>
+            <p:ph type="sldNum" sz="quarter" idx="12"/>
+          </p:nvPr>
+        </p:nvSpPr>
+        <p:spPr/>
+        <p:txBody>
+          <a:bodyPr/>
           <a:lstStyle/>
           <a:p>
             <a:fld id="{86CB4B4D-7CA3-9044-876B-883B54F8677D}" type="slidenum">
+              <a:rPr lang="uk-UA" smtClean="0"/>
               <a:t>‹#›</a:t>
             </a:fld>
-            <a:endParaRPr/>
+            <a:endParaRPr lang="uk-UA"/>
           </a:p>
         </p:txBody>
       </p:sp>
@@ -1785,12 +2530,11 @@
   <p:clrMapOvr>
     <a:masterClrMapping/>
   </p:clrMapOvr>
-  <p:transition xmlns:p14="http://schemas.microsoft.com/office/powerpoint/2010/main" spd="med"/>
 </p:sldLayout>
 </file>
 
 <file path=ppt/slideLayouts/slideLayout6.xml><?xml version="1.0" encoding="utf-8"?>
-<p:sldLayout xmlns:a="http://schemas.openxmlformats.org/drawingml/2006/main" xmlns:r="http://schemas.openxmlformats.org/officeDocument/2006/relationships" xmlns:p="http://schemas.openxmlformats.org/presentationml/2006/main" type="tx">
+<p:sldLayout xmlns:a="http://schemas.openxmlformats.org/drawingml/2006/main" xmlns:r="http://schemas.openxmlformats.org/officeDocument/2006/relationships" xmlns:p="http://schemas.openxmlformats.org/presentationml/2006/main" type="titleOnly" preserve="1">
   <p:cSld name="Title Only">
     <p:spTree>
       <p:nvGrpSpPr>
@@ -1808,7 +2552,7 @@
       </p:grpSpPr>
       <p:sp>
         <p:nvSpPr>
-          <p:cNvPr id="60" name="Shape 60"/>
+          <p:cNvPr id="2" name="Title 1"/>
           <p:cNvSpPr>
             <a:spLocks noGrp="1"/>
           </p:cNvSpPr>
@@ -1817,43 +2561,89 @@
           </p:nvPr>
         </p:nvSpPr>
         <p:spPr>
-          <a:prstGeom prst="rect">
-            <a:avLst/>
-          </a:prstGeom>
+          <a:xfrm>
+            <a:off x="457200" y="274320"/>
+            <a:ext cx="7470648" cy="1143000"/>
+          </a:xfrm>
         </p:spPr>
         <p:txBody>
+          <a:bodyPr anchor="ctr"/>
+          <a:lstStyle>
+            <a:lvl1pPr algn="l">
+              <a:defRPr sz="4600"/>
+            </a:lvl1pPr>
+          </a:lstStyle>
+          <a:p>
+            <a:r>
+              <a:rPr kumimoji="0" lang="en-US" smtClean="0"/>
+              <a:t>Click to edit Master title style</a:t>
+            </a:r>
+            <a:endParaRPr kumimoji="0" lang="en-US"/>
+          </a:p>
+        </p:txBody>
+      </p:sp>
+      <p:sp>
+        <p:nvSpPr>
+          <p:cNvPr id="7" name="Date Placeholder 6"/>
+          <p:cNvSpPr>
+            <a:spLocks noGrp="1"/>
+          </p:cNvSpPr>
+          <p:nvPr>
+            <p:ph type="dt" sz="half" idx="10"/>
+          </p:nvPr>
+        </p:nvSpPr>
+        <p:spPr/>
+        <p:txBody>
           <a:bodyPr/>
           <a:lstStyle/>
           <a:p>
-            <a:r>
-              <a:t>Click to edit Master title style</a:t>
-            </a:r>
-          </a:p>
-        </p:txBody>
-      </p:sp>
-      <p:sp>
-        <p:nvSpPr>
-          <p:cNvPr id="61" name="Shape 61"/>
-          <p:cNvSpPr>
-            <a:spLocks noGrp="1"/>
-          </p:cNvSpPr>
-          <p:nvPr>
-            <p:ph type="sldNum" sz="quarter" idx="2"/>
-          </p:nvPr>
-        </p:nvSpPr>
-        <p:spPr>
-          <a:prstGeom prst="rect">
-            <a:avLst/>
-          </a:prstGeom>
-        </p:spPr>
+            <a:fld id="{D7C3A134-F1C3-464B-BF47-54DC2DE08F52}" type="datetimeFigureOut">
+              <a:rPr lang="en-US" smtClean="0"/>
+              <a:t>4/14/16</a:t>
+            </a:fld>
+            <a:endParaRPr lang="en-US"/>
+          </a:p>
+        </p:txBody>
+      </p:sp>
+      <p:sp>
+        <p:nvSpPr>
+          <p:cNvPr id="8" name="Slide Number Placeholder 7"/>
+          <p:cNvSpPr>
+            <a:spLocks noGrp="1"/>
+          </p:cNvSpPr>
+          <p:nvPr>
+            <p:ph type="sldNum" sz="quarter" idx="11"/>
+          </p:nvPr>
+        </p:nvSpPr>
+        <p:spPr/>
         <p:txBody>
           <a:bodyPr/>
           <a:lstStyle/>
           <a:p>
             <a:fld id="{86CB4B4D-7CA3-9044-876B-883B54F8677D}" type="slidenum">
+              <a:rPr lang="uk-UA" smtClean="0"/>
               <a:t>‹#›</a:t>
             </a:fld>
-            <a:endParaRPr/>
+            <a:endParaRPr lang="uk-UA"/>
+          </a:p>
+        </p:txBody>
+      </p:sp>
+      <p:sp>
+        <p:nvSpPr>
+          <p:cNvPr id="9" name="Footer Placeholder 8"/>
+          <p:cNvSpPr>
+            <a:spLocks noGrp="1"/>
+          </p:cNvSpPr>
+          <p:nvPr>
+            <p:ph type="ftr" sz="quarter" idx="12"/>
+          </p:nvPr>
+        </p:nvSpPr>
+        <p:spPr/>
+        <p:txBody>
+          <a:bodyPr/>
+          <a:lstStyle/>
+          <a:p>
+            <a:endParaRPr kumimoji="0" lang="en-US"/>
           </a:p>
         </p:txBody>
       </p:sp>
@@ -1862,12 +2652,11 @@
   <p:clrMapOvr>
     <a:masterClrMapping/>
   </p:clrMapOvr>
-  <p:transition xmlns:p14="http://schemas.microsoft.com/office/powerpoint/2010/main" spd="med"/>
 </p:sldLayout>
 </file>
 
 <file path=ppt/slideLayouts/slideLayout7.xml><?xml version="1.0" encoding="utf-8"?>
-<p:sldLayout xmlns:a="http://schemas.openxmlformats.org/drawingml/2006/main" xmlns:r="http://schemas.openxmlformats.org/officeDocument/2006/relationships" xmlns:p="http://schemas.openxmlformats.org/presentationml/2006/main" showMasterSp="0" type="tx">
+<p:sldLayout xmlns:a="http://schemas.openxmlformats.org/drawingml/2006/main" xmlns:r="http://schemas.openxmlformats.org/officeDocument/2006/relationships" xmlns:p="http://schemas.openxmlformats.org/presentationml/2006/main" type="blank" preserve="1">
   <p:cSld name="Blank">
     <p:spTree>
       <p:nvGrpSpPr>
@@ -1885,27 +2674,66 @@
       </p:grpSpPr>
       <p:sp>
         <p:nvSpPr>
-          <p:cNvPr id="68" name="Shape 68"/>
-          <p:cNvSpPr>
-            <a:spLocks noGrp="1"/>
-          </p:cNvSpPr>
-          <p:nvPr>
-            <p:ph type="sldNum" sz="quarter" idx="2"/>
-          </p:nvPr>
-        </p:nvSpPr>
-        <p:spPr>
-          <a:prstGeom prst="rect">
-            <a:avLst/>
-          </a:prstGeom>
-        </p:spPr>
+          <p:cNvPr id="2" name="Date Placeholder 1"/>
+          <p:cNvSpPr>
+            <a:spLocks noGrp="1"/>
+          </p:cNvSpPr>
+          <p:nvPr>
+            <p:ph type="dt" sz="half" idx="10"/>
+          </p:nvPr>
+        </p:nvSpPr>
+        <p:spPr/>
         <p:txBody>
           <a:bodyPr/>
           <a:lstStyle/>
           <a:p>
+            <a:fld id="{D7C3A134-F1C3-464B-BF47-54DC2DE08F52}" type="datetimeFigureOut">
+              <a:rPr lang="en-US" smtClean="0"/>
+              <a:t>4/14/16</a:t>
+            </a:fld>
+            <a:endParaRPr lang="en-US"/>
+          </a:p>
+        </p:txBody>
+      </p:sp>
+      <p:sp>
+        <p:nvSpPr>
+          <p:cNvPr id="3" name="Footer Placeholder 2"/>
+          <p:cNvSpPr>
+            <a:spLocks noGrp="1"/>
+          </p:cNvSpPr>
+          <p:nvPr>
+            <p:ph type="ftr" sz="quarter" idx="11"/>
+          </p:nvPr>
+        </p:nvSpPr>
+        <p:spPr/>
+        <p:txBody>
+          <a:bodyPr/>
+          <a:lstStyle/>
+          <a:p>
+            <a:endParaRPr kumimoji="0" lang="en-US"/>
+          </a:p>
+        </p:txBody>
+      </p:sp>
+      <p:sp>
+        <p:nvSpPr>
+          <p:cNvPr id="4" name="Slide Number Placeholder 3"/>
+          <p:cNvSpPr>
+            <a:spLocks noGrp="1"/>
+          </p:cNvSpPr>
+          <p:nvPr>
+            <p:ph type="sldNum" sz="quarter" idx="12"/>
+          </p:nvPr>
+        </p:nvSpPr>
+        <p:spPr/>
+        <p:txBody>
+          <a:bodyPr/>
+          <a:lstStyle/>
+          <a:p>
             <a:fld id="{86CB4B4D-7CA3-9044-876B-883B54F8677D}" type="slidenum">
+              <a:rPr lang="uk-UA" smtClean="0"/>
               <a:t>‹#›</a:t>
             </a:fld>
-            <a:endParaRPr/>
+            <a:endParaRPr lang="uk-UA"/>
           </a:p>
         </p:txBody>
       </p:sp>
@@ -1914,12 +2742,11 @@
   <p:clrMapOvr>
     <a:masterClrMapping/>
   </p:clrMapOvr>
-  <p:transition xmlns:p14="http://schemas.microsoft.com/office/powerpoint/2010/main" spd="med"/>
 </p:sldLayout>
 </file>
 
 <file path=ppt/slideLayouts/slideLayout8.xml><?xml version="1.0" encoding="utf-8"?>
-<p:sldLayout xmlns:a="http://schemas.openxmlformats.org/drawingml/2006/main" xmlns:r="http://schemas.openxmlformats.org/officeDocument/2006/relationships" xmlns:p="http://schemas.openxmlformats.org/presentationml/2006/main" showMasterSp="0" type="tx">
+<p:sldLayout xmlns:a="http://schemas.openxmlformats.org/drawingml/2006/main" xmlns:r="http://schemas.openxmlformats.org/officeDocument/2006/relationships" xmlns:p="http://schemas.openxmlformats.org/presentationml/2006/main" type="objTx" preserve="1">
   <p:cSld name="Content with Caption">
     <p:spTree>
       <p:nvGrpSpPr>
@@ -1937,7 +2764,7 @@
       </p:grpSpPr>
       <p:sp>
         <p:nvSpPr>
-          <p:cNvPr id="75" name="Shape 75"/>
+          <p:cNvPr id="2" name="Title 1"/>
           <p:cNvSpPr>
             <a:spLocks noGrp="1"/>
           </p:cNvSpPr>
@@ -1947,177 +2774,220 @@
         </p:nvSpPr>
         <p:spPr>
           <a:xfrm>
-            <a:off x="658906" y="914400"/>
-            <a:ext cx="3657601" cy="1162050"/>
+            <a:off x="457200" y="1185528"/>
+            <a:ext cx="3200400" cy="730250"/>
           </a:xfrm>
-          <a:prstGeom prst="rect">
-            <a:avLst/>
-          </a:prstGeom>
         </p:spPr>
         <p:txBody>
-          <a:bodyPr anchor="b"/>
+          <a:bodyPr tIns="0" bIns="0" anchor="t"/>
+          <a:lstStyle>
+            <a:lvl1pPr algn="l">
+              <a:buNone/>
+              <a:defRPr sz="1800" b="1">
+                <a:solidFill>
+                  <a:schemeClr val="accent1"/>
+                </a:solidFill>
+              </a:defRPr>
+            </a:lvl1pPr>
+          </a:lstStyle>
+          <a:p>
+            <a:r>
+              <a:rPr kumimoji="0" lang="en-US" smtClean="0"/>
+              <a:t>Click to edit Master title style</a:t>
+            </a:r>
+            <a:endParaRPr kumimoji="0" lang="en-US"/>
+          </a:p>
+        </p:txBody>
+      </p:sp>
+      <p:sp>
+        <p:nvSpPr>
+          <p:cNvPr id="3" name="Text Placeholder 2"/>
+          <p:cNvSpPr>
+            <a:spLocks noGrp="1"/>
+          </p:cNvSpPr>
+          <p:nvPr>
+            <p:ph type="body" idx="2"/>
+          </p:nvPr>
+        </p:nvSpPr>
+        <p:spPr>
+          <a:xfrm>
+            <a:off x="457200" y="214424"/>
+            <a:ext cx="2743200" cy="914400"/>
+          </a:xfrm>
+        </p:spPr>
+        <p:txBody>
+          <a:bodyPr lIns="45720" tIns="0" rIns="45720" bIns="0" anchor="b"/>
+          <a:lstStyle>
+            <a:lvl1pPr marL="0" indent="0" algn="l">
+              <a:buNone/>
+              <a:defRPr sz="1400"/>
+            </a:lvl1pPr>
+            <a:lvl2pPr>
+              <a:buNone/>
+              <a:defRPr sz="1200"/>
+            </a:lvl2pPr>
+            <a:lvl3pPr>
+              <a:buNone/>
+              <a:defRPr sz="1000"/>
+            </a:lvl3pPr>
+            <a:lvl4pPr>
+              <a:buNone/>
+              <a:defRPr sz="900"/>
+            </a:lvl4pPr>
+            <a:lvl5pPr>
+              <a:buNone/>
+              <a:defRPr sz="900"/>
+            </a:lvl5pPr>
+          </a:lstStyle>
+          <a:p>
+            <a:pPr lvl="0" eaLnBrk="1" latinLnBrk="0" hangingPunct="1"/>
+            <a:r>
+              <a:rPr kumimoji="0" lang="en-US" smtClean="0"/>
+              <a:t>Click to edit Master text styles</a:t>
+            </a:r>
+          </a:p>
+        </p:txBody>
+      </p:sp>
+      <p:sp>
+        <p:nvSpPr>
+          <p:cNvPr id="4" name="Content Placeholder 3"/>
+          <p:cNvSpPr>
+            <a:spLocks noGrp="1"/>
+          </p:cNvSpPr>
+          <p:nvPr>
+            <p:ph sz="half" idx="1"/>
+          </p:nvPr>
+        </p:nvSpPr>
+        <p:spPr>
+          <a:xfrm>
+            <a:off x="457200" y="1981200"/>
+            <a:ext cx="7086600" cy="3810000"/>
+          </a:xfrm>
+        </p:spPr>
+        <p:txBody>
+          <a:bodyPr/>
           <a:lstStyle>
             <a:lvl1pPr>
-              <a:defRPr sz="3800"/>
+              <a:defRPr sz="2800"/>
             </a:lvl1pPr>
+            <a:lvl2pPr>
+              <a:defRPr sz="2400"/>
+            </a:lvl2pPr>
+            <a:lvl3pPr>
+              <a:defRPr sz="2200"/>
+            </a:lvl3pPr>
+            <a:lvl4pPr>
+              <a:defRPr sz="2000"/>
+            </a:lvl4pPr>
+            <a:lvl5pPr>
+              <a:defRPr sz="2000"/>
+            </a:lvl5pPr>
           </a:lstStyle>
           <a:p>
-            <a:r>
-              <a:t>Click to edit Master title style</a:t>
-            </a:r>
-          </a:p>
-        </p:txBody>
-      </p:sp>
-      <p:sp>
-        <p:nvSpPr>
-          <p:cNvPr id="76" name="Shape 76"/>
-          <p:cNvSpPr>
-            <a:spLocks noGrp="1"/>
-          </p:cNvSpPr>
-          <p:nvPr>
-            <p:ph type="body" sz="half" idx="1"/>
+            <a:pPr lvl="0" eaLnBrk="1" latinLnBrk="0" hangingPunct="1"/>
+            <a:r>
+              <a:rPr lang="en-US" smtClean="0"/>
+              <a:t>Click to edit Master text styles</a:t>
+            </a:r>
+          </a:p>
+          <a:p>
+            <a:pPr lvl="1" eaLnBrk="1" latinLnBrk="0" hangingPunct="1"/>
+            <a:r>
+              <a:rPr lang="en-US" smtClean="0"/>
+              <a:t>Second level</a:t>
+            </a:r>
+          </a:p>
+          <a:p>
+            <a:pPr lvl="2" eaLnBrk="1" latinLnBrk="0" hangingPunct="1"/>
+            <a:r>
+              <a:rPr lang="en-US" smtClean="0"/>
+              <a:t>Third level</a:t>
+            </a:r>
+          </a:p>
+          <a:p>
+            <a:pPr lvl="3" eaLnBrk="1" latinLnBrk="0" hangingPunct="1"/>
+            <a:r>
+              <a:rPr lang="en-US" smtClean="0"/>
+              <a:t>Fourth level</a:t>
+            </a:r>
+          </a:p>
+          <a:p>
+            <a:pPr lvl="4" eaLnBrk="1" latinLnBrk="0" hangingPunct="1"/>
+            <a:r>
+              <a:rPr lang="en-US" smtClean="0"/>
+              <a:t>Fifth level</a:t>
+            </a:r>
+            <a:endParaRPr kumimoji="0" lang="en-US"/>
+          </a:p>
+        </p:txBody>
+      </p:sp>
+      <p:sp>
+        <p:nvSpPr>
+          <p:cNvPr id="5" name="Date Placeholder 4"/>
+          <p:cNvSpPr>
+            <a:spLocks noGrp="1"/>
+          </p:cNvSpPr>
+          <p:nvPr>
+            <p:ph type="dt" sz="half" idx="10"/>
+          </p:nvPr>
+        </p:nvSpPr>
+        <p:spPr/>
+        <p:txBody>
+          <a:bodyPr/>
+          <a:lstStyle/>
+          <a:p>
+            <a:fld id="{D7C3A134-F1C3-464B-BF47-54DC2DE08F52}" type="datetimeFigureOut">
+              <a:rPr lang="en-US" smtClean="0"/>
+              <a:t>4/14/16</a:t>
+            </a:fld>
+            <a:endParaRPr lang="en-US"/>
+          </a:p>
+        </p:txBody>
+      </p:sp>
+      <p:sp>
+        <p:nvSpPr>
+          <p:cNvPr id="6" name="Footer Placeholder 5"/>
+          <p:cNvSpPr>
+            <a:spLocks noGrp="1"/>
+          </p:cNvSpPr>
+          <p:nvPr>
+            <p:ph type="ftr" sz="quarter" idx="11"/>
+          </p:nvPr>
+        </p:nvSpPr>
+        <p:spPr/>
+        <p:txBody>
+          <a:bodyPr/>
+          <a:lstStyle/>
+          <a:p>
+            <a:endParaRPr kumimoji="0" lang="en-US"/>
+          </a:p>
+        </p:txBody>
+      </p:sp>
+      <p:sp>
+        <p:nvSpPr>
+          <p:cNvPr id="7" name="Slide Number Placeholder 6"/>
+          <p:cNvSpPr>
+            <a:spLocks noGrp="1"/>
+          </p:cNvSpPr>
+          <p:nvPr>
+            <p:ph type="sldNum" sz="quarter" idx="12"/>
           </p:nvPr>
         </p:nvSpPr>
         <p:spPr>
           <a:xfrm>
-            <a:off x="4796118" y="457198"/>
-            <a:ext cx="3657601" cy="5410203"/>
+            <a:off x="8156448" y="6422064"/>
+            <a:ext cx="762000" cy="365125"/>
           </a:xfrm>
-          <a:prstGeom prst="rect">
-            <a:avLst/>
-          </a:prstGeom>
-          <a:extLst>
-            <a:ext uri="{C572A759-6A51-4108-AA02-DFA0A04FC94B}">
-              <ma14:wrappingTextBoxFlag xmlns:ma14="http://schemas.microsoft.com/office/mac/drawingml/2011/main" val="1"/>
-            </a:ext>
-          </a:extLst>
         </p:spPr>
         <p:txBody>
           <a:bodyPr/>
           <a:lstStyle/>
           <a:p>
-            <a:r>
-              <a:t>Click to edit Master text styles</a:t>
-            </a:r>
-          </a:p>
-          <a:p>
-            <a:pPr lvl="1"/>
-            <a:r>
-              <a:t>Second level</a:t>
-            </a:r>
-          </a:p>
-          <a:p>
-            <a:pPr lvl="2"/>
-            <a:r>
-              <a:t>Third level</a:t>
-            </a:r>
-          </a:p>
-          <a:p>
-            <a:pPr lvl="3"/>
-            <a:r>
-              <a:t>Fourth level</a:t>
-            </a:r>
-          </a:p>
-          <a:p>
-            <a:pPr lvl="4"/>
-            <a:r>
-              <a:t>Fifth level</a:t>
-            </a:r>
-          </a:p>
-        </p:txBody>
-      </p:sp>
-      <p:sp>
-        <p:nvSpPr>
-          <p:cNvPr id="77" name="Shape 77"/>
-          <p:cNvSpPr>
-            <a:spLocks noGrp="1"/>
-          </p:cNvSpPr>
-          <p:nvPr>
-            <p:ph type="body" sz="quarter" idx="13"/>
-          </p:nvPr>
-        </p:nvSpPr>
-        <p:spPr>
-          <a:xfrm>
-            <a:off x="658906" y="2590799"/>
-            <a:ext cx="3657601" cy="2895602"/>
-          </a:xfrm>
-          <a:prstGeom prst="rect">
-            <a:avLst/>
-          </a:prstGeom>
-        </p:spPr>
-        <p:txBody>
-          <a:bodyPr/>
-          <a:lstStyle/>
-          <a:p>
-            <a:pPr marL="0" indent="0" algn="ctr">
-              <a:lnSpc>
-                <a:spcPct val="110000"/>
-              </a:lnSpc>
-              <a:spcBef>
-                <a:spcPts val="600"/>
-              </a:spcBef>
-              <a:buClrTx/>
-              <a:buSzTx/>
-              <a:buFontTx/>
-              <a:buNone/>
-              <a:defRPr sz="1800"/>
-            </a:pPr>
-            <a:endParaRPr/>
-          </a:p>
-        </p:txBody>
-      </p:sp>
-      <p:pic>
-        <p:nvPicPr>
-          <p:cNvPr id="78" name="image7.png" descr="HR-Glyph-R3.png"/>
-          <p:cNvPicPr>
-            <a:picLocks noChangeAspect="1"/>
-          </p:cNvPicPr>
-          <p:nvPr/>
-        </p:nvPicPr>
-        <p:blipFill>
-          <a:blip r:embed="rId2">
-            <a:extLst/>
-          </a:blip>
-          <a:stretch>
-            <a:fillRect/>
-          </a:stretch>
-        </p:blipFill>
-        <p:spPr>
-          <a:xfrm>
-            <a:off x="1664746" y="2286000"/>
-            <a:ext cx="1645921" cy="170412"/>
-          </a:xfrm>
-          <a:prstGeom prst="rect">
-            <a:avLst/>
-          </a:prstGeom>
-          <a:ln w="12700">
-            <a:miter lim="400000"/>
-          </a:ln>
-        </p:spPr>
-      </p:pic>
-      <p:sp>
-        <p:nvSpPr>
-          <p:cNvPr id="79" name="Shape 79"/>
-          <p:cNvSpPr>
-            <a:spLocks noGrp="1"/>
-          </p:cNvSpPr>
-          <p:nvPr>
-            <p:ph type="sldNum" sz="quarter" idx="2"/>
-          </p:nvPr>
-        </p:nvSpPr>
-        <p:spPr>
-          <a:prstGeom prst="rect">
-            <a:avLst/>
-          </a:prstGeom>
-        </p:spPr>
-        <p:txBody>
-          <a:bodyPr/>
-          <a:lstStyle/>
-          <a:p>
             <a:fld id="{86CB4B4D-7CA3-9044-876B-883B54F8677D}" type="slidenum">
+              <a:rPr lang="uk-UA" smtClean="0"/>
               <a:t>‹#›</a:t>
             </a:fld>
-            <a:endParaRPr/>
+            <a:endParaRPr lang="uk-UA"/>
           </a:p>
         </p:txBody>
       </p:sp>
@@ -2126,12 +2996,11 @@
   <p:clrMapOvr>
     <a:masterClrMapping/>
   </p:clrMapOvr>
-  <p:transition xmlns:p14="http://schemas.microsoft.com/office/powerpoint/2010/main" spd="med"/>
 </p:sldLayout>
 </file>
 
 <file path=ppt/slideLayouts/slideLayout9.xml><?xml version="1.0" encoding="utf-8"?>
-<p:sldLayout xmlns:a="http://schemas.openxmlformats.org/drawingml/2006/main" xmlns:r="http://schemas.openxmlformats.org/officeDocument/2006/relationships" xmlns:p="http://schemas.openxmlformats.org/presentationml/2006/main" showMasterSp="0" type="tx">
+<p:sldLayout xmlns:a="http://schemas.openxmlformats.org/drawingml/2006/main" xmlns:r="http://schemas.openxmlformats.org/officeDocument/2006/relationships" xmlns:p="http://schemas.openxmlformats.org/presentationml/2006/main" showMasterSp="0" type="picTx" preserve="1">
   <p:cSld name="Picture with Caption">
     <p:spTree>
       <p:nvGrpSpPr>
@@ -2149,7 +3018,7 @@
       </p:grpSpPr>
       <p:sp>
         <p:nvSpPr>
-          <p:cNvPr id="86" name="Shape 86"/>
+          <p:cNvPr id="2" name="Title 1"/>
           <p:cNvSpPr>
             <a:spLocks noGrp="1"/>
           </p:cNvSpPr>
@@ -2159,166 +3028,220 @@
         </p:nvSpPr>
         <p:spPr>
           <a:xfrm>
-            <a:off x="4799012" y="914400"/>
-            <a:ext cx="3657601" cy="1161289"/>
+            <a:off x="5556732" y="1705709"/>
+            <a:ext cx="3053868" cy="1253808"/>
           </a:xfrm>
-          <a:prstGeom prst="rect">
+        </p:spPr>
+        <p:txBody>
+          <a:bodyPr anchor="b"/>
+          <a:lstStyle>
+            <a:lvl1pPr algn="l">
+              <a:buNone/>
+              <a:defRPr sz="2200" b="1">
+                <a:solidFill>
+                  <a:schemeClr val="accent1"/>
+                </a:solidFill>
+              </a:defRPr>
+            </a:lvl1pPr>
+          </a:lstStyle>
+          <a:p>
+            <a:r>
+              <a:rPr kumimoji="0" lang="en-US" smtClean="0"/>
+              <a:t>Click to edit Master title style</a:t>
+            </a:r>
+            <a:endParaRPr kumimoji="0" lang="en-US"/>
+          </a:p>
+        </p:txBody>
+      </p:sp>
+      <p:sp>
+        <p:nvSpPr>
+          <p:cNvPr id="3" name="Picture Placeholder 2"/>
+          <p:cNvSpPr>
+            <a:spLocks noGrp="1"/>
+          </p:cNvSpPr>
+          <p:nvPr>
+            <p:ph type="pic" idx="1"/>
+          </p:nvPr>
+        </p:nvSpPr>
+        <p:spPr>
+          <a:xfrm>
+            <a:off x="1065628" y="1019907"/>
+            <a:ext cx="4114800" cy="4114800"/>
+          </a:xfrm>
+          <a:prstGeom prst="ellipse">
             <a:avLst/>
           </a:prstGeom>
-        </p:spPr>
-        <p:txBody>
-          <a:bodyPr anchor="b"/>
-          <a:lstStyle>
-            <a:lvl1pPr>
-              <a:defRPr sz="3800"/>
-            </a:lvl1pPr>
-          </a:lstStyle>
-          <a:p>
-            <a:r>
-              <a:t>Click to edit Master title style</a:t>
-            </a:r>
-          </a:p>
-        </p:txBody>
-      </p:sp>
-      <p:sp>
-        <p:nvSpPr>
-          <p:cNvPr id="87" name="Shape 87"/>
-          <p:cNvSpPr>
-            <a:spLocks noGrp="1"/>
-          </p:cNvSpPr>
-          <p:nvPr>
-            <p:ph type="pic" sz="half" idx="13"/>
-          </p:nvPr>
-        </p:nvSpPr>
-        <p:spPr>
-          <a:xfrm>
-            <a:off x="658906" y="457200"/>
-            <a:ext cx="3657601" cy="5413248"/>
-          </a:xfrm>
-          <a:prstGeom prst="rect">
-            <a:avLst/>
-          </a:prstGeom>
-          <a:ln w="101600">
+          <a:solidFill>
+            <a:schemeClr val="bg2">
+              <a:shade val="50000"/>
+            </a:schemeClr>
+          </a:solidFill>
+          <a:ln w="50800" cap="flat">
             <a:solidFill>
-              <a:srgbClr val="000000"/>
+              <a:schemeClr val="bg2"/>
             </a:solidFill>
             <a:miter lim="800000"/>
           </a:ln>
           <a:effectLst>
-            <a:outerShdw blurRad="50800" dist="38100" dir="2700000" rotWithShape="0">
+            <a:outerShdw blurRad="152000" dist="345000" dir="5400000" sx="-80000" sy="-18000" rotWithShape="0">
               <a:srgbClr val="000000">
-                <a:alpha val="40000"/>
+                <a:alpha val="25000"/>
               </a:srgbClr>
             </a:outerShdw>
           </a:effectLst>
+          <a:scene3d>
+            <a:camera prst="orthographicFront"/>
+            <a:lightRig rig="contrasting" dir="t">
+              <a:rot lat="0" lon="0" rev="2400000"/>
+            </a:lightRig>
+          </a:scene3d>
+          <a:sp3d contourW="7620">
+            <a:bevelT w="63500" h="63500"/>
+            <a:contourClr>
+              <a:schemeClr val="bg2">
+                <a:shade val="50000"/>
+              </a:schemeClr>
+            </a:contourClr>
+          </a:sp3d>
         </p:spPr>
         <p:txBody>
-          <a:bodyPr lIns="91439" rIns="91439">
-            <a:noAutofit/>
-          </a:bodyPr>
-          <a:lstStyle/>
-          <a:p>
-            <a:endParaRPr/>
-          </a:p>
-        </p:txBody>
-      </p:sp>
-      <p:sp>
-        <p:nvSpPr>
-          <p:cNvPr id="88" name="Shape 88"/>
-          <p:cNvSpPr>
-            <a:spLocks noGrp="1"/>
-          </p:cNvSpPr>
-          <p:nvPr>
-            <p:ph type="body" sz="quarter" idx="1"/>
+          <a:bodyPr/>
+          <a:lstStyle>
+            <a:lvl1pPr marL="0" indent="0">
+              <a:buNone/>
+              <a:defRPr sz="3200"/>
+            </a:lvl1pPr>
+          </a:lstStyle>
+          <a:p>
+            <a:r>
+              <a:rPr kumimoji="0" lang="en-US" smtClean="0"/>
+              <a:t>Drag picture to placeholder or click icon to add</a:t>
+            </a:r>
+            <a:endParaRPr kumimoji="0" lang="en-US" dirty="0"/>
+          </a:p>
+        </p:txBody>
+      </p:sp>
+      <p:sp>
+        <p:nvSpPr>
+          <p:cNvPr id="4" name="Text Placeholder 3"/>
+          <p:cNvSpPr>
+            <a:spLocks noGrp="1"/>
+          </p:cNvSpPr>
+          <p:nvPr>
+            <p:ph type="body" sz="half" idx="2"/>
           </p:nvPr>
         </p:nvSpPr>
         <p:spPr>
           <a:xfrm>
-            <a:off x="4799012" y="2587751"/>
-            <a:ext cx="3657601" cy="2898649"/>
+            <a:off x="5556734" y="2998765"/>
+            <a:ext cx="3053866" cy="2663482"/>
           </a:xfrm>
-          <a:prstGeom prst="rect">
-            <a:avLst/>
-          </a:prstGeom>
-          <a:extLst>
-            <a:ext uri="{C572A759-6A51-4108-AA02-DFA0A04FC94B}">
-              <ma14:wrappingTextBoxFlag xmlns:ma14="http://schemas.microsoft.com/office/mac/drawingml/2011/main" val="1"/>
-            </a:ext>
-          </a:extLst>
         </p:spPr>
         <p:txBody>
-          <a:bodyPr/>
+          <a:bodyPr lIns="45720" rIns="45720"/>
           <a:lstStyle>
-            <a:lvl1pPr marL="0" indent="0" algn="ctr">
-              <a:lnSpc>
-                <a:spcPct val="110000"/>
-              </a:lnSpc>
-              <a:buClrTx/>
-              <a:buSzTx/>
+            <a:lvl1pPr marL="0" indent="0">
               <a:buFontTx/>
               <a:buNone/>
-              <a:defRPr sz="1800"/>
+              <a:defRPr sz="1200"/>
             </a:lvl1pPr>
+            <a:lvl2pPr>
+              <a:buFontTx/>
+              <a:buNone/>
+              <a:defRPr sz="1200"/>
+            </a:lvl2pPr>
+            <a:lvl3pPr>
+              <a:buFontTx/>
+              <a:buNone/>
+              <a:defRPr sz="1000"/>
+            </a:lvl3pPr>
+            <a:lvl4pPr>
+              <a:buFontTx/>
+              <a:buNone/>
+              <a:defRPr sz="900"/>
+            </a:lvl4pPr>
+            <a:lvl5pPr>
+              <a:buFontTx/>
+              <a:buNone/>
+              <a:defRPr sz="900"/>
+            </a:lvl5pPr>
           </a:lstStyle>
           <a:p>
-            <a:r>
+            <a:pPr lvl="0" eaLnBrk="1" latinLnBrk="0" hangingPunct="1"/>
+            <a:r>
+              <a:rPr kumimoji="0" lang="en-US" smtClean="0"/>
               <a:t>Click to edit Master text styles</a:t>
             </a:r>
           </a:p>
         </p:txBody>
       </p:sp>
-      <p:pic>
-        <p:nvPicPr>
-          <p:cNvPr id="89" name="image7.png" descr="HR-Glyph-R3.png"/>
-          <p:cNvPicPr>
-            <a:picLocks noChangeAspect="1"/>
-          </p:cNvPicPr>
-          <p:nvPr/>
-        </p:nvPicPr>
-        <p:blipFill>
-          <a:blip r:embed="rId2">
-            <a:extLst/>
-          </a:blip>
-          <a:stretch>
-            <a:fillRect/>
-          </a:stretch>
-        </p:blipFill>
+      <p:sp>
+        <p:nvSpPr>
+          <p:cNvPr id="5" name="Date Placeholder 4"/>
+          <p:cNvSpPr>
+            <a:spLocks noGrp="1"/>
+          </p:cNvSpPr>
+          <p:nvPr>
+            <p:ph type="dt" sz="half" idx="10"/>
+          </p:nvPr>
+        </p:nvSpPr>
         <p:spPr>
           <a:xfrm>
-            <a:off x="5804853" y="2286000"/>
-            <a:ext cx="1645921" cy="170412"/>
+            <a:off x="457200" y="6422064"/>
+            <a:ext cx="2133600" cy="365125"/>
           </a:xfrm>
-          <a:prstGeom prst="rect">
-            <a:avLst/>
-          </a:prstGeom>
-          <a:ln w="12700">
-            <a:miter lim="400000"/>
-          </a:ln>
         </p:spPr>
-      </p:pic>
-      <p:sp>
-        <p:nvSpPr>
-          <p:cNvPr id="90" name="Shape 90"/>
-          <p:cNvSpPr>
-            <a:spLocks noGrp="1"/>
-          </p:cNvSpPr>
-          <p:nvPr>
-            <p:ph type="sldNum" sz="quarter" idx="2"/>
-          </p:nvPr>
-        </p:nvSpPr>
-        <p:spPr>
-          <a:prstGeom prst="rect">
-            <a:avLst/>
-          </a:prstGeom>
-        </p:spPr>
         <p:txBody>
           <a:bodyPr/>
           <a:lstStyle/>
           <a:p>
+            <a:fld id="{D7C3A134-F1C3-464B-BF47-54DC2DE08F52}" type="datetimeFigureOut">
+              <a:rPr lang="en-US" smtClean="0"/>
+              <a:t>4/14/16</a:t>
+            </a:fld>
+            <a:endParaRPr lang="en-US" dirty="0"/>
+          </a:p>
+        </p:txBody>
+      </p:sp>
+      <p:sp>
+        <p:nvSpPr>
+          <p:cNvPr id="6" name="Footer Placeholder 5"/>
+          <p:cNvSpPr>
+            <a:spLocks noGrp="1"/>
+          </p:cNvSpPr>
+          <p:nvPr>
+            <p:ph type="ftr" sz="quarter" idx="11"/>
+          </p:nvPr>
+        </p:nvSpPr>
+        <p:spPr/>
+        <p:txBody>
+          <a:bodyPr/>
+          <a:lstStyle/>
+          <a:p>
+            <a:endParaRPr kumimoji="0" lang="en-US" dirty="0"/>
+          </a:p>
+        </p:txBody>
+      </p:sp>
+      <p:sp>
+        <p:nvSpPr>
+          <p:cNvPr id="7" name="Slide Number Placeholder 6"/>
+          <p:cNvSpPr>
+            <a:spLocks noGrp="1"/>
+          </p:cNvSpPr>
+          <p:nvPr>
+            <p:ph type="sldNum" sz="quarter" idx="12"/>
+          </p:nvPr>
+        </p:nvSpPr>
+        <p:spPr/>
+        <p:txBody>
+          <a:bodyPr/>
+          <a:lstStyle/>
+          <a:p>
             <a:fld id="{86CB4B4D-7CA3-9044-876B-883B54F8677D}" type="slidenum">
+              <a:rPr lang="uk-UA" smtClean="0"/>
               <a:t>‹#›</a:t>
             </a:fld>
-            <a:endParaRPr/>
+            <a:endParaRPr lang="uk-UA"/>
           </a:p>
         </p:txBody>
       </p:sp>
@@ -2327,7 +3250,6 @@
   <p:clrMapOvr>
     <a:masterClrMapping/>
   </p:clrMapOvr>
-  <p:transition xmlns:p14="http://schemas.microsoft.com/office/powerpoint/2010/main" spd="med"/>
 </p:sldLayout>
 </file>
 
@@ -2335,16 +3257,9 @@
 <p:sldMaster xmlns:a="http://schemas.openxmlformats.org/drawingml/2006/main" xmlns:r="http://schemas.openxmlformats.org/officeDocument/2006/relationships" xmlns:p="http://schemas.openxmlformats.org/presentationml/2006/main">
   <p:cSld>
     <p:bg>
-      <p:bgPr>
-        <a:blipFill rotWithShape="1">
-          <a:blip r:embed="rId14"/>
-          <a:srcRect/>
-          <a:stretch>
-            <a:fillRect/>
-          </a:stretch>
-        </a:blipFill>
-        <a:effectLst/>
-      </p:bgPr>
+      <p:bgRef idx="1001">
+        <a:schemeClr val="bg2"/>
+      </p:bgRef>
     </p:bg>
     <p:spTree>
       <p:nvGrpSpPr>
@@ -2362,7 +3277,203 @@
       </p:grpSpPr>
       <p:sp>
         <p:nvSpPr>
-          <p:cNvPr id="2" name="Shape 2"/>
+          <p:cNvPr id="12" name="Freeform 11"/>
+          <p:cNvSpPr>
+            <a:spLocks/>
+          </p:cNvSpPr>
+          <p:nvPr/>
+        </p:nvSpPr>
+        <p:spPr bwMode="auto">
+          <a:xfrm>
+            <a:off x="0" y="4752126"/>
+            <a:ext cx="9144000" cy="2112962"/>
+          </a:xfrm>
+          <a:custGeom>
+            <a:avLst>
+              <a:gd name="A1" fmla="val 0"/>
+              <a:gd name="A2" fmla="val 0"/>
+              <a:gd name="A3" fmla="val 0"/>
+              <a:gd name="A4" fmla="val 0"/>
+              <a:gd name="A5" fmla="val 0"/>
+              <a:gd name="A6" fmla="val 0"/>
+              <a:gd name="A7" fmla="val 0"/>
+              <a:gd name="A8" fmla="val 0"/>
+            </a:avLst>
+            <a:gdLst/>
+            <a:ahLst/>
+            <a:cxnLst>
+              <a:cxn ang="0">
+                <a:pos x="0" y="1066"/>
+              </a:cxn>
+              <a:cxn ang="0">
+                <a:pos x="0" y="1331"/>
+              </a:cxn>
+              <a:cxn ang="0">
+                <a:pos x="5760" y="1331"/>
+              </a:cxn>
+              <a:cxn ang="0">
+                <a:pos x="5760" y="0"/>
+              </a:cxn>
+              <a:cxn ang="0">
+                <a:pos x="0" y="1066"/>
+              </a:cxn>
+            </a:cxnLst>
+            <a:rect l="0" t="0" r="0" b="0"/>
+            <a:pathLst>
+              <a:path w="5760" h="1331">
+                <a:moveTo>
+                  <a:pt x="0" y="1066"/>
+                </a:moveTo>
+                <a:lnTo>
+                  <a:pt x="0" y="1331"/>
+                </a:lnTo>
+                <a:lnTo>
+                  <a:pt x="5760" y="1331"/>
+                </a:lnTo>
+                <a:lnTo>
+                  <a:pt x="5760" y="0"/>
+                </a:lnTo>
+                <a:cubicBezTo>
+                  <a:pt x="3220" y="1206"/>
+                  <a:pt x="2250" y="1146"/>
+                  <a:pt x="0" y="1066"/>
+                </a:cubicBezTo>
+                <a:close/>
+              </a:path>
+            </a:pathLst>
+          </a:custGeom>
+          <a:solidFill>
+            <a:schemeClr val="bg1">
+              <a:tint val="80000"/>
+              <a:satMod val="200000"/>
+              <a:alpha val="45000"/>
+            </a:schemeClr>
+          </a:solidFill>
+          <a:ln w="9525" cap="flat" cmpd="sng" algn="ctr">
+            <a:noFill/>
+            <a:prstDash val="solid"/>
+            <a:round/>
+            <a:headEnd type="none" w="med" len="med"/>
+            <a:tailEnd type="none" w="med" len="med"/>
+          </a:ln>
+          <a:effectLst>
+            <a:outerShdw blurRad="50800" dist="44450" dir="16200000" algn="ctr" rotWithShape="0">
+              <a:prstClr val="black">
+                <a:alpha val="35000"/>
+              </a:prstClr>
+            </a:outerShdw>
+          </a:effectLst>
+        </p:spPr>
+        <p:txBody>
+          <a:bodyPr vert="horz" wrap="square" lIns="91440" tIns="45720" rIns="91440" bIns="45720" anchor="t" compatLnSpc="1"/>
+          <a:lstStyle/>
+          <a:p>
+            <a:endParaRPr kumimoji="0" lang="en-US"/>
+          </a:p>
+        </p:txBody>
+      </p:sp>
+      <p:sp>
+        <p:nvSpPr>
+          <p:cNvPr id="16" name="Freeform 15"/>
+          <p:cNvSpPr>
+            <a:spLocks/>
+          </p:cNvSpPr>
+          <p:nvPr/>
+        </p:nvSpPr>
+        <p:spPr bwMode="auto">
+          <a:xfrm>
+            <a:off x="7315200" y="0"/>
+            <a:ext cx="1828800" cy="6858000"/>
+          </a:xfrm>
+          <a:custGeom>
+            <a:avLst/>
+            <a:gdLst>
+              <a:gd name="connsiteX0" fmla="*/ 1914 w 1914"/>
+              <a:gd name="connsiteY0" fmla="*/ 9 h 4329"/>
+              <a:gd name="connsiteX1" fmla="*/ 1914 w 1914"/>
+              <a:gd name="connsiteY1" fmla="*/ 4329 h 4329"/>
+              <a:gd name="connsiteX2" fmla="*/ 204 w 1914"/>
+              <a:gd name="connsiteY2" fmla="*/ 4327 h 4329"/>
+              <a:gd name="connsiteX3" fmla="*/ 0 w 1914"/>
+              <a:gd name="connsiteY3" fmla="*/ 0 h 4329"/>
+              <a:gd name="connsiteX4" fmla="*/ 1914 w 1914"/>
+              <a:gd name="connsiteY4" fmla="*/ 9 h 4329"/>
+            </a:gdLst>
+            <a:ahLst/>
+            <a:cxnLst>
+              <a:cxn ang="0">
+                <a:pos x="connsiteX0" y="connsiteY0"/>
+              </a:cxn>
+              <a:cxn ang="0">
+                <a:pos x="connsiteX1" y="connsiteY1"/>
+              </a:cxn>
+              <a:cxn ang="0">
+                <a:pos x="connsiteX2" y="connsiteY2"/>
+              </a:cxn>
+              <a:cxn ang="0">
+                <a:pos x="connsiteX3" y="connsiteY3"/>
+              </a:cxn>
+              <a:cxn ang="0">
+                <a:pos x="connsiteX4" y="connsiteY4"/>
+              </a:cxn>
+            </a:cxnLst>
+            <a:rect l="l" t="t" r="r" b="b"/>
+            <a:pathLst>
+              <a:path w="1914" h="4329">
+                <a:moveTo>
+                  <a:pt x="1914" y="9"/>
+                </a:moveTo>
+                <a:lnTo>
+                  <a:pt x="1914" y="4329"/>
+                </a:lnTo>
+                <a:lnTo>
+                  <a:pt x="204" y="4327"/>
+                </a:lnTo>
+                <a:cubicBezTo>
+                  <a:pt x="1288" y="3574"/>
+                  <a:pt x="2082" y="1734"/>
+                  <a:pt x="0" y="0"/>
+                </a:cubicBezTo>
+                <a:lnTo>
+                  <a:pt x="1914" y="9"/>
+                </a:lnTo>
+                <a:close/>
+              </a:path>
+            </a:pathLst>
+          </a:custGeom>
+          <a:solidFill>
+            <a:schemeClr val="bg1">
+              <a:tint val="90000"/>
+              <a:satMod val="350000"/>
+              <a:alpha val="40000"/>
+            </a:schemeClr>
+          </a:solidFill>
+          <a:ln w="9525" cap="flat" cmpd="sng" algn="ctr">
+            <a:noFill/>
+            <a:prstDash val="solid"/>
+            <a:round/>
+            <a:headEnd type="none" w="med" len="med"/>
+            <a:tailEnd type="none" w="med" len="med"/>
+          </a:ln>
+          <a:effectLst>
+            <a:outerShdw blurRad="50800" dist="50800" dir="10800000" algn="ctr" rotWithShape="0">
+              <a:prstClr val="black">
+                <a:alpha val="45000"/>
+              </a:prstClr>
+            </a:outerShdw>
+          </a:effectLst>
+        </p:spPr>
+        <p:txBody>
+          <a:bodyPr vert="horz" wrap="square" lIns="91440" tIns="45720" rIns="91440" bIns="45720" anchor="t" compatLnSpc="1"/>
+          <a:lstStyle/>
+          <a:p>
+            <a:endParaRPr kumimoji="0" lang="en-US"/>
+          </a:p>
+        </p:txBody>
+      </p:sp>
+      <p:sp>
+        <p:nvSpPr>
+          <p:cNvPr id="9" name="Title Placeholder 8"/>
           <p:cNvSpPr>
             <a:spLocks noGrp="1"/>
           </p:cNvSpPr>
@@ -2372,1023 +3483,500 @@
         </p:nvSpPr>
         <p:spPr>
           <a:xfrm>
-            <a:off x="685800" y="67236"/>
-            <a:ext cx="7770814" cy="1371601"/>
+            <a:off x="457200" y="274638"/>
+            <a:ext cx="7467600" cy="1143000"/>
           </a:xfrm>
           <a:prstGeom prst="rect">
             <a:avLst/>
           </a:prstGeom>
-          <a:ln w="12700">
-            <a:miter lim="400000"/>
-          </a:ln>
-          <a:extLst>
-            <a:ext uri="{C572A759-6A51-4108-AA02-DFA0A04FC94B}">
-              <ma14:wrappingTextBoxFlag xmlns:ma14="http://schemas.microsoft.com/office/mac/drawingml/2011/main" val="1"/>
-            </a:ext>
-          </a:extLst>
         </p:spPr>
         <p:txBody>
-          <a:bodyPr lIns="45719" rIns="45719" anchor="ctr">
+          <a:bodyPr vert="horz" lIns="45720" rIns="45720" anchor="ctr">
             <a:normAutofit/>
           </a:bodyPr>
           <a:lstStyle/>
           <a:p>
             <a:r>
+              <a:rPr kumimoji="0" lang="en-US" smtClean="0"/>
               <a:t>Click to edit Master title style</a:t>
             </a:r>
-          </a:p>
-        </p:txBody>
-      </p:sp>
-      <p:pic>
-        <p:nvPicPr>
-          <p:cNvPr id="3" name="image7.png" descr="HR-Glyph-R3.png"/>
-          <p:cNvPicPr>
-            <a:picLocks noChangeAspect="1"/>
-          </p:cNvPicPr>
-          <p:nvPr/>
-        </p:nvPicPr>
-        <p:blipFill>
-          <a:blip r:embed="rId15">
-            <a:extLst/>
-          </a:blip>
-          <a:stretch>
-            <a:fillRect/>
-          </a:stretch>
-        </p:blipFill>
+            <a:endParaRPr kumimoji="0" lang="en-US"/>
+          </a:p>
+        </p:txBody>
+      </p:sp>
+      <p:sp>
+        <p:nvSpPr>
+          <p:cNvPr id="30" name="Text Placeholder 29"/>
+          <p:cNvSpPr>
+            <a:spLocks noGrp="1"/>
+          </p:cNvSpPr>
+          <p:nvPr>
+            <p:ph type="body" idx="1"/>
+          </p:nvPr>
+        </p:nvSpPr>
         <p:spPr>
           <a:xfrm>
-            <a:off x="3749040" y="1658991"/>
-            <a:ext cx="1645921" cy="170412"/>
+            <a:off x="457200" y="1600200"/>
+            <a:ext cx="7467600" cy="4525963"/>
           </a:xfrm>
           <a:prstGeom prst="rect">
             <a:avLst/>
           </a:prstGeom>
-          <a:ln w="12700">
-            <a:miter lim="400000"/>
-          </a:ln>
         </p:spPr>
-      </p:pic>
-      <p:sp>
-        <p:nvSpPr>
-          <p:cNvPr id="4" name="Shape 4"/>
-          <p:cNvSpPr>
-            <a:spLocks noGrp="1"/>
-          </p:cNvSpPr>
-          <p:nvPr>
-            <p:ph type="body" idx="1"/>
+        <p:txBody>
+          <a:bodyPr vert="horz">
+            <a:normAutofit/>
+          </a:bodyPr>
+          <a:lstStyle/>
+          <a:p>
+            <a:pPr lvl="0" eaLnBrk="1" latinLnBrk="0" hangingPunct="1"/>
+            <a:r>
+              <a:rPr kumimoji="0" lang="en-US" smtClean="0"/>
+              <a:t>Click to edit Master text styles</a:t>
+            </a:r>
+          </a:p>
+          <a:p>
+            <a:pPr lvl="1" eaLnBrk="1" latinLnBrk="0" hangingPunct="1"/>
+            <a:r>
+              <a:rPr kumimoji="0" lang="en-US" smtClean="0"/>
+              <a:t>Second level</a:t>
+            </a:r>
+          </a:p>
+          <a:p>
+            <a:pPr lvl="2" eaLnBrk="1" latinLnBrk="0" hangingPunct="1"/>
+            <a:r>
+              <a:rPr kumimoji="0" lang="en-US" smtClean="0"/>
+              <a:t>Third level</a:t>
+            </a:r>
+          </a:p>
+          <a:p>
+            <a:pPr lvl="3" eaLnBrk="1" latinLnBrk="0" hangingPunct="1"/>
+            <a:r>
+              <a:rPr kumimoji="0" lang="en-US" smtClean="0"/>
+              <a:t>Fourth level</a:t>
+            </a:r>
+          </a:p>
+          <a:p>
+            <a:pPr lvl="4" eaLnBrk="1" latinLnBrk="0" hangingPunct="1"/>
+            <a:r>
+              <a:rPr kumimoji="0" lang="en-US" smtClean="0"/>
+              <a:t>Fifth level</a:t>
+            </a:r>
+            <a:endParaRPr kumimoji="0" lang="en-US"/>
+          </a:p>
+        </p:txBody>
+      </p:sp>
+      <p:sp>
+        <p:nvSpPr>
+          <p:cNvPr id="10" name="Date Placeholder 9"/>
+          <p:cNvSpPr>
+            <a:spLocks noGrp="1"/>
+          </p:cNvSpPr>
+          <p:nvPr>
+            <p:ph type="dt" sz="half" idx="2"/>
           </p:nvPr>
         </p:nvSpPr>
         <p:spPr>
           <a:xfrm>
-            <a:off x="457200" y="1600200"/>
-            <a:ext cx="8229600" cy="5257800"/>
+            <a:off x="457200" y="6422064"/>
+            <a:ext cx="2133600" cy="365125"/>
           </a:xfrm>
           <a:prstGeom prst="rect">
             <a:avLst/>
           </a:prstGeom>
-          <a:ln w="12700">
-            <a:miter lim="400000"/>
-          </a:ln>
         </p:spPr>
         <p:txBody>
-          <a:bodyPr lIns="45719" rIns="45719">
-            <a:normAutofit/>
-          </a:bodyPr>
-          <a:lstStyle/>
-          <a:p>
-            <a:endParaRPr/>
-          </a:p>
-        </p:txBody>
-      </p:sp>
-      <p:sp>
-        <p:nvSpPr>
-          <p:cNvPr id="5" name="Shape 5"/>
-          <p:cNvSpPr>
-            <a:spLocks noGrp="1"/>
-          </p:cNvSpPr>
-          <p:nvPr>
-            <p:ph type="sldNum" sz="quarter" idx="2"/>
+          <a:bodyPr vert="horz" bIns="0" anchor="b"/>
+          <a:lstStyle>
+            <a:lvl1pPr algn="l" eaLnBrk="1" latinLnBrk="0" hangingPunct="1">
+              <a:defRPr kumimoji="0" sz="1000">
+                <a:solidFill>
+                  <a:schemeClr val="tx2">
+                    <a:shade val="50000"/>
+                  </a:schemeClr>
+                </a:solidFill>
+              </a:defRPr>
+            </a:lvl1pPr>
+          </a:lstStyle>
+          <a:p>
+            <a:fld id="{D7C3A134-F1C3-464B-BF47-54DC2DE08F52}" type="datetimeFigureOut">
+              <a:rPr lang="en-US" smtClean="0"/>
+              <a:t>4/14/16</a:t>
+            </a:fld>
+            <a:endParaRPr lang="en-US" dirty="0"/>
+          </a:p>
+        </p:txBody>
+      </p:sp>
+      <p:sp>
+        <p:nvSpPr>
+          <p:cNvPr id="22" name="Footer Placeholder 21"/>
+          <p:cNvSpPr>
+            <a:spLocks noGrp="1"/>
+          </p:cNvSpPr>
+          <p:nvPr>
+            <p:ph type="ftr" sz="quarter" idx="3"/>
           </p:nvPr>
         </p:nvSpPr>
         <p:spPr>
           <a:xfrm>
-            <a:off x="4443730" y="6337057"/>
-            <a:ext cx="256541" cy="269241"/>
+            <a:off x="3124200" y="6422064"/>
+            <a:ext cx="2895600" cy="365125"/>
           </a:xfrm>
           <a:prstGeom prst="rect">
             <a:avLst/>
           </a:prstGeom>
-          <a:ln w="12700">
-            <a:miter lim="400000"/>
-          </a:ln>
         </p:spPr>
         <p:txBody>
-          <a:bodyPr wrap="none" lIns="45719" rIns="45719" anchor="ctr">
-            <a:spAutoFit/>
-          </a:bodyPr>
+          <a:bodyPr vert="horz" lIns="0" rIns="0" bIns="0" anchor="b"/>
           <a:lstStyle>
-            <a:lvl1pPr algn="ctr">
-              <a:defRPr sz="1200">
+            <a:lvl1pPr algn="ctr" eaLnBrk="1" latinLnBrk="0" hangingPunct="1">
+              <a:defRPr kumimoji="0" sz="1000">
                 <a:solidFill>
-                  <a:srgbClr val="888888"/>
+                  <a:schemeClr val="tx2">
+                    <a:shade val="50000"/>
+                  </a:schemeClr>
                 </a:solidFill>
               </a:defRPr>
             </a:lvl1pPr>
           </a:lstStyle>
           <a:p>
+            <a:endParaRPr kumimoji="0" lang="en-US" dirty="0"/>
+          </a:p>
+        </p:txBody>
+      </p:sp>
+      <p:sp>
+        <p:nvSpPr>
+          <p:cNvPr id="18" name="Slide Number Placeholder 17"/>
+          <p:cNvSpPr>
+            <a:spLocks noGrp="1"/>
+          </p:cNvSpPr>
+          <p:nvPr>
+            <p:ph type="sldNum" sz="quarter" idx="4"/>
+          </p:nvPr>
+        </p:nvSpPr>
+        <p:spPr>
+          <a:xfrm>
+            <a:off x="8153400" y="6422064"/>
+            <a:ext cx="762000" cy="365125"/>
+          </a:xfrm>
+          <a:prstGeom prst="rect">
+            <a:avLst/>
+          </a:prstGeom>
+        </p:spPr>
+        <p:txBody>
+          <a:bodyPr vert="horz" lIns="0" tIns="0" rIns="0" bIns="0" anchor="b"/>
+          <a:lstStyle>
+            <a:lvl1pPr algn="r" eaLnBrk="1" latinLnBrk="0" hangingPunct="1">
+              <a:defRPr kumimoji="0" sz="1000">
+                <a:solidFill>
+                  <a:schemeClr val="tx2">
+                    <a:shade val="50000"/>
+                  </a:schemeClr>
+                </a:solidFill>
+              </a:defRPr>
+            </a:lvl1pPr>
+          </a:lstStyle>
+          <a:p>
             <a:fld id="{86CB4B4D-7CA3-9044-876B-883B54F8677D}" type="slidenum">
+              <a:rPr lang="uk-UA" smtClean="0"/>
               <a:t>‹#›</a:t>
             </a:fld>
-            <a:endParaRPr/>
+            <a:endParaRPr lang="uk-UA"/>
           </a:p>
         </p:txBody>
       </p:sp>
     </p:spTree>
   </p:cSld>
-  <p:clrMap bg1="lt1" tx1="dk1" bg2="lt2" tx2="dk2" accent1="accent1" accent2="accent2" accent3="accent3" accent4="accent4" accent5="accent5" accent6="accent6" hlink="hlink" folHlink="folHlink"/>
+  <p:clrMap bg1="dk1" tx1="lt1" bg2="dk2" tx2="lt2" accent1="accent1" accent2="accent2" accent3="accent3" accent4="accent4" accent5="accent5" accent6="accent6" hlink="hlink" folHlink="folHlink"/>
   <p:sldLayoutIdLst>
-    <p:sldLayoutId id="2147483649" r:id="rId1"/>
-    <p:sldLayoutId id="2147483650" r:id="rId2"/>
-    <p:sldLayoutId id="2147483651" r:id="rId3"/>
-    <p:sldLayoutId id="2147483652" r:id="rId4"/>
-    <p:sldLayoutId id="2147483653" r:id="rId5"/>
-    <p:sldLayoutId id="2147483654" r:id="rId6"/>
-    <p:sldLayoutId id="2147483655" r:id="rId7"/>
-    <p:sldLayoutId id="2147483656" r:id="rId8"/>
-    <p:sldLayoutId id="2147483657" r:id="rId9"/>
-    <p:sldLayoutId id="2147483658" r:id="rId10"/>
-    <p:sldLayoutId id="2147483659" r:id="rId11"/>
-    <p:sldLayoutId id="2147483660" r:id="rId12"/>
+    <p:sldLayoutId id="2147483829" r:id="rId1"/>
+    <p:sldLayoutId id="2147483830" r:id="rId2"/>
+    <p:sldLayoutId id="2147483831" r:id="rId3"/>
+    <p:sldLayoutId id="2147483832" r:id="rId4"/>
+    <p:sldLayoutId id="2147483833" r:id="rId5"/>
+    <p:sldLayoutId id="2147483834" r:id="rId6"/>
+    <p:sldLayoutId id="2147483835" r:id="rId7"/>
+    <p:sldLayoutId id="2147483836" r:id="rId8"/>
+    <p:sldLayoutId id="2147483837" r:id="rId9"/>
+    <p:sldLayoutId id="2147483838" r:id="rId10"/>
+    <p:sldLayoutId id="2147483839" r:id="rId11"/>
   </p:sldLayoutIdLst>
-  <p:transition xmlns:p14="http://schemas.microsoft.com/office/powerpoint/2010/main" spd="med"/>
   <p:txStyles>
     <p:titleStyle>
-      <a:lvl1pPr marL="0" marR="0" indent="0" algn="ctr" defTabSz="914400" rtl="0" latinLnBrk="0">
-        <a:lnSpc>
-          <a:spcPct val="100000"/>
-        </a:lnSpc>
+      <a:lvl1pPr algn="l" rtl="0" eaLnBrk="1" latinLnBrk="0" hangingPunct="1">
         <a:spcBef>
-          <a:spcPts val="0"/>
+          <a:spcPct val="0"/>
         </a:spcBef>
-        <a:spcAft>
-          <a:spcPts val="0"/>
-        </a:spcAft>
-        <a:buClrTx/>
-        <a:buSzTx/>
-        <a:buFontTx/>
         <a:buNone/>
-        <a:tabLst/>
-        <a:defRPr sz="5000" b="0" i="0" u="none" strike="noStrike" cap="none" spc="0" baseline="0">
-          <a:ln>
-            <a:noFill/>
-          </a:ln>
+        <a:defRPr kumimoji="0" sz="4600" kern="1200">
           <a:solidFill>
-            <a:srgbClr val="2D2F2B"/>
+            <a:schemeClr val="tx1"/>
           </a:solidFill>
-          <a:effectLst>
-            <a:outerShdw blurRad="38100" dist="12700" rotWithShape="0">
-              <a:srgbClr val="000000">
-                <a:alpha val="40000"/>
-              </a:srgbClr>
-            </a:outerShdw>
-          </a:effectLst>
-          <a:uFillTx/>
           <a:latin typeface="+mj-lt"/>
           <a:ea typeface="+mj-ea"/>
           <a:cs typeface="+mj-cs"/>
-          <a:sym typeface="Calisto MT"/>
         </a:defRPr>
       </a:lvl1pPr>
-      <a:lvl2pPr marL="0" marR="0" indent="0" algn="ctr" defTabSz="914400" rtl="0" latinLnBrk="0">
-        <a:lnSpc>
-          <a:spcPct val="100000"/>
-        </a:lnSpc>
+    </p:titleStyle>
+    <p:bodyStyle>
+      <a:lvl1pPr marL="420624" indent="-384048" algn="l" rtl="0" eaLnBrk="1" latinLnBrk="0" hangingPunct="1">
         <a:spcBef>
-          <a:spcPts val="0"/>
+          <a:spcPct val="20000"/>
         </a:spcBef>
-        <a:spcAft>
-          <a:spcPts val="0"/>
-        </a:spcAft>
-        <a:buClrTx/>
-        <a:buSzTx/>
-        <a:buFontTx/>
-        <a:buNone/>
-        <a:tabLst/>
-        <a:defRPr sz="5000" b="0" i="0" u="none" strike="noStrike" cap="none" spc="0" baseline="0">
-          <a:ln>
-            <a:noFill/>
-          </a:ln>
+        <a:buClr>
+          <a:schemeClr val="accent1"/>
+        </a:buClr>
+        <a:buSzPct val="80000"/>
+        <a:buFont typeface="Wingdings 2"/>
+        <a:buChar char=""/>
+        <a:defRPr kumimoji="0" sz="3000" kern="1200">
           <a:solidFill>
-            <a:srgbClr val="2D2F2B"/>
+            <a:schemeClr val="tx1"/>
           </a:solidFill>
-          <a:effectLst>
-            <a:outerShdw blurRad="38100" dist="12700" rotWithShape="0">
-              <a:srgbClr val="000000">
-                <a:alpha val="40000"/>
-              </a:srgbClr>
-            </a:outerShdw>
-          </a:effectLst>
-          <a:uFillTx/>
-          <a:latin typeface="+mj-lt"/>
-          <a:ea typeface="+mj-ea"/>
-          <a:cs typeface="+mj-cs"/>
-          <a:sym typeface="Calisto MT"/>
+          <a:latin typeface="+mn-lt"/>
+          <a:ea typeface="+mn-ea"/>
+          <a:cs typeface="+mn-cs"/>
+        </a:defRPr>
+      </a:lvl1pPr>
+      <a:lvl2pPr marL="722376" indent="-274320" algn="l" rtl="0" eaLnBrk="1" latinLnBrk="0" hangingPunct="1">
+        <a:spcBef>
+          <a:spcPct val="20000"/>
+        </a:spcBef>
+        <a:buClr>
+          <a:schemeClr val="accent1"/>
+        </a:buClr>
+        <a:buSzPct val="90000"/>
+        <a:buFont typeface="Wingdings 2"/>
+        <a:buChar char=""/>
+        <a:defRPr kumimoji="0" sz="2600" kern="1200">
+          <a:solidFill>
+            <a:schemeClr val="tx1"/>
+          </a:solidFill>
+          <a:latin typeface="+mn-lt"/>
+          <a:ea typeface="+mn-ea"/>
+          <a:cs typeface="+mn-cs"/>
         </a:defRPr>
       </a:lvl2pPr>
-      <a:lvl3pPr marL="0" marR="0" indent="0" algn="ctr" defTabSz="914400" rtl="0" latinLnBrk="0">
-        <a:lnSpc>
-          <a:spcPct val="100000"/>
-        </a:lnSpc>
+      <a:lvl3pPr marL="1005840" indent="-256032" algn="l" rtl="0" eaLnBrk="1" latinLnBrk="0" hangingPunct="1">
         <a:spcBef>
-          <a:spcPts val="0"/>
+          <a:spcPct val="20000"/>
         </a:spcBef>
-        <a:spcAft>
-          <a:spcPts val="0"/>
-        </a:spcAft>
-        <a:buClrTx/>
-        <a:buSzTx/>
-        <a:buFontTx/>
-        <a:buNone/>
-        <a:tabLst/>
-        <a:defRPr sz="5000" b="0" i="0" u="none" strike="noStrike" cap="none" spc="0" baseline="0">
-          <a:ln>
-            <a:noFill/>
-          </a:ln>
+        <a:buClr>
+          <a:schemeClr val="accent2"/>
+        </a:buClr>
+        <a:buSzPct val="85000"/>
+        <a:buFont typeface="Arial"/>
+        <a:buChar char="○"/>
+        <a:defRPr kumimoji="0" sz="2400" kern="1200">
           <a:solidFill>
-            <a:srgbClr val="2D2F2B"/>
+            <a:schemeClr val="tx1"/>
           </a:solidFill>
-          <a:effectLst>
-            <a:outerShdw blurRad="38100" dist="12700" rotWithShape="0">
-              <a:srgbClr val="000000">
-                <a:alpha val="40000"/>
-              </a:srgbClr>
-            </a:outerShdw>
-          </a:effectLst>
-          <a:uFillTx/>
-          <a:latin typeface="+mj-lt"/>
-          <a:ea typeface="+mj-ea"/>
-          <a:cs typeface="+mj-cs"/>
-          <a:sym typeface="Calisto MT"/>
+          <a:latin typeface="+mn-lt"/>
+          <a:ea typeface="+mn-ea"/>
+          <a:cs typeface="+mn-cs"/>
         </a:defRPr>
       </a:lvl3pPr>
-      <a:lvl4pPr marL="0" marR="0" indent="0" algn="ctr" defTabSz="914400" rtl="0" latinLnBrk="0">
-        <a:lnSpc>
-          <a:spcPct val="100000"/>
-        </a:lnSpc>
+      <a:lvl4pPr marL="1280160" indent="-237744" algn="l" rtl="0" eaLnBrk="1" latinLnBrk="0" hangingPunct="1">
         <a:spcBef>
-          <a:spcPts val="0"/>
+          <a:spcPct val="20000"/>
         </a:spcBef>
-        <a:spcAft>
-          <a:spcPts val="0"/>
-        </a:spcAft>
-        <a:buClrTx/>
-        <a:buSzTx/>
-        <a:buFontTx/>
-        <a:buNone/>
-        <a:tabLst/>
-        <a:defRPr sz="5000" b="0" i="0" u="none" strike="noStrike" cap="none" spc="0" baseline="0">
-          <a:ln>
-            <a:noFill/>
-          </a:ln>
-          <a:solidFill>
-            <a:srgbClr val="2D2F2B"/>
-          </a:solidFill>
-          <a:effectLst>
-            <a:outerShdw blurRad="38100" dist="12700" rotWithShape="0">
-              <a:srgbClr val="000000">
-                <a:alpha val="40000"/>
-              </a:srgbClr>
-            </a:outerShdw>
-          </a:effectLst>
-          <a:uFillTx/>
-          <a:latin typeface="+mj-lt"/>
-          <a:ea typeface="+mj-ea"/>
-          <a:cs typeface="+mj-cs"/>
-          <a:sym typeface="Calisto MT"/>
-        </a:defRPr>
-      </a:lvl4pPr>
-      <a:lvl5pPr marL="0" marR="0" indent="0" algn="ctr" defTabSz="914400" rtl="0" latinLnBrk="0">
-        <a:lnSpc>
-          <a:spcPct val="100000"/>
-        </a:lnSpc>
-        <a:spcBef>
-          <a:spcPts val="0"/>
-        </a:spcBef>
-        <a:spcAft>
-          <a:spcPts val="0"/>
-        </a:spcAft>
-        <a:buClrTx/>
-        <a:buSzTx/>
-        <a:buFontTx/>
-        <a:buNone/>
-        <a:tabLst/>
-        <a:defRPr sz="5000" b="0" i="0" u="none" strike="noStrike" cap="none" spc="0" baseline="0">
-          <a:ln>
-            <a:noFill/>
-          </a:ln>
-          <a:solidFill>
-            <a:srgbClr val="2D2F2B"/>
-          </a:solidFill>
-          <a:effectLst>
-            <a:outerShdw blurRad="38100" dist="12700" rotWithShape="0">
-              <a:srgbClr val="000000">
-                <a:alpha val="40000"/>
-              </a:srgbClr>
-            </a:outerShdw>
-          </a:effectLst>
-          <a:uFillTx/>
-          <a:latin typeface="+mj-lt"/>
-          <a:ea typeface="+mj-ea"/>
-          <a:cs typeface="+mj-cs"/>
-          <a:sym typeface="Calisto MT"/>
-        </a:defRPr>
-      </a:lvl5pPr>
-      <a:lvl6pPr marL="0" marR="0" indent="0" algn="ctr" defTabSz="914400" rtl="0" latinLnBrk="0">
-        <a:lnSpc>
-          <a:spcPct val="100000"/>
-        </a:lnSpc>
-        <a:spcBef>
-          <a:spcPts val="0"/>
-        </a:spcBef>
-        <a:spcAft>
-          <a:spcPts val="0"/>
-        </a:spcAft>
-        <a:buClrTx/>
-        <a:buSzTx/>
-        <a:buFontTx/>
-        <a:buNone/>
-        <a:tabLst/>
-        <a:defRPr sz="5000" b="0" i="0" u="none" strike="noStrike" cap="none" spc="0" baseline="0">
-          <a:ln>
-            <a:noFill/>
-          </a:ln>
-          <a:solidFill>
-            <a:srgbClr val="2D2F2B"/>
-          </a:solidFill>
-          <a:effectLst>
-            <a:outerShdw blurRad="38100" dist="12700" rotWithShape="0">
-              <a:srgbClr val="000000">
-                <a:alpha val="40000"/>
-              </a:srgbClr>
-            </a:outerShdw>
-          </a:effectLst>
-          <a:uFillTx/>
-          <a:latin typeface="+mj-lt"/>
-          <a:ea typeface="+mj-ea"/>
-          <a:cs typeface="+mj-cs"/>
-          <a:sym typeface="Calisto MT"/>
-        </a:defRPr>
-      </a:lvl6pPr>
-      <a:lvl7pPr marL="0" marR="0" indent="0" algn="ctr" defTabSz="914400" rtl="0" latinLnBrk="0">
-        <a:lnSpc>
-          <a:spcPct val="100000"/>
-        </a:lnSpc>
-        <a:spcBef>
-          <a:spcPts val="0"/>
-        </a:spcBef>
-        <a:spcAft>
-          <a:spcPts val="0"/>
-        </a:spcAft>
-        <a:buClrTx/>
-        <a:buSzTx/>
-        <a:buFontTx/>
-        <a:buNone/>
-        <a:tabLst/>
-        <a:defRPr sz="5000" b="0" i="0" u="none" strike="noStrike" cap="none" spc="0" baseline="0">
-          <a:ln>
-            <a:noFill/>
-          </a:ln>
-          <a:solidFill>
-            <a:srgbClr val="2D2F2B"/>
-          </a:solidFill>
-          <a:effectLst>
-            <a:outerShdw blurRad="38100" dist="12700" rotWithShape="0">
-              <a:srgbClr val="000000">
-                <a:alpha val="40000"/>
-              </a:srgbClr>
-            </a:outerShdw>
-          </a:effectLst>
-          <a:uFillTx/>
-          <a:latin typeface="+mj-lt"/>
-          <a:ea typeface="+mj-ea"/>
-          <a:cs typeface="+mj-cs"/>
-          <a:sym typeface="Calisto MT"/>
-        </a:defRPr>
-      </a:lvl7pPr>
-      <a:lvl8pPr marL="0" marR="0" indent="0" algn="ctr" defTabSz="914400" rtl="0" latinLnBrk="0">
-        <a:lnSpc>
-          <a:spcPct val="100000"/>
-        </a:lnSpc>
-        <a:spcBef>
-          <a:spcPts val="0"/>
-        </a:spcBef>
-        <a:spcAft>
-          <a:spcPts val="0"/>
-        </a:spcAft>
-        <a:buClrTx/>
-        <a:buSzTx/>
-        <a:buFontTx/>
-        <a:buNone/>
-        <a:tabLst/>
-        <a:defRPr sz="5000" b="0" i="0" u="none" strike="noStrike" cap="none" spc="0" baseline="0">
-          <a:ln>
-            <a:noFill/>
-          </a:ln>
-          <a:solidFill>
-            <a:srgbClr val="2D2F2B"/>
-          </a:solidFill>
-          <a:effectLst>
-            <a:outerShdw blurRad="38100" dist="12700" rotWithShape="0">
-              <a:srgbClr val="000000">
-                <a:alpha val="40000"/>
-              </a:srgbClr>
-            </a:outerShdw>
-          </a:effectLst>
-          <a:uFillTx/>
-          <a:latin typeface="+mj-lt"/>
-          <a:ea typeface="+mj-ea"/>
-          <a:cs typeface="+mj-cs"/>
-          <a:sym typeface="Calisto MT"/>
-        </a:defRPr>
-      </a:lvl8pPr>
-      <a:lvl9pPr marL="0" marR="0" indent="0" algn="ctr" defTabSz="914400" rtl="0" latinLnBrk="0">
-        <a:lnSpc>
-          <a:spcPct val="100000"/>
-        </a:lnSpc>
-        <a:spcBef>
-          <a:spcPts val="0"/>
-        </a:spcBef>
-        <a:spcAft>
-          <a:spcPts val="0"/>
-        </a:spcAft>
-        <a:buClrTx/>
-        <a:buSzTx/>
-        <a:buFontTx/>
-        <a:buNone/>
-        <a:tabLst/>
-        <a:defRPr sz="5000" b="0" i="0" u="none" strike="noStrike" cap="none" spc="0" baseline="0">
-          <a:ln>
-            <a:noFill/>
-          </a:ln>
-          <a:solidFill>
-            <a:srgbClr val="2D2F2B"/>
-          </a:solidFill>
-          <a:effectLst>
-            <a:outerShdw blurRad="38100" dist="12700" rotWithShape="0">
-              <a:srgbClr val="000000">
-                <a:alpha val="40000"/>
-              </a:srgbClr>
-            </a:outerShdw>
-          </a:effectLst>
-          <a:uFillTx/>
-          <a:latin typeface="+mj-lt"/>
-          <a:ea typeface="+mj-ea"/>
-          <a:cs typeface="+mj-cs"/>
-          <a:sym typeface="Calisto MT"/>
-        </a:defRPr>
-      </a:lvl9pPr>
-    </p:titleStyle>
-    <p:bodyStyle>
-      <a:lvl1pPr marL="457200" marR="0" indent="-457200" algn="l" defTabSz="914400" rtl="0" latinLnBrk="0">
-        <a:lnSpc>
-          <a:spcPct val="100000"/>
-        </a:lnSpc>
-        <a:spcBef>
-          <a:spcPts val="2000"/>
-        </a:spcBef>
-        <a:spcAft>
-          <a:spcPts val="0"/>
-        </a:spcAft>
         <a:buClr>
           <a:schemeClr val="accent3"/>
         </a:buClr>
-        <a:buSzPct val="100000"/>
-        <a:buFont typeface="Wingdings"/>
-        <a:buChar char=""/>
-        <a:tabLst/>
-        <a:defRPr sz="2400" b="0" i="0" u="none" strike="noStrike" cap="none" spc="0" baseline="0">
-          <a:ln>
-            <a:noFill/>
-          </a:ln>
+        <a:buSzPct val="90000"/>
+        <a:buFont typeface="Wingdings 2"/>
+        <a:buChar char=""/>
+        <a:defRPr kumimoji="0" sz="2000" kern="1200">
           <a:solidFill>
-            <a:srgbClr val="2D2F2B"/>
+            <a:schemeClr val="tx1"/>
           </a:solidFill>
-          <a:uFillTx/>
-          <a:latin typeface="+mj-lt"/>
-          <a:ea typeface="+mj-ea"/>
-          <a:cs typeface="+mj-cs"/>
-          <a:sym typeface="Calisto MT"/>
+          <a:latin typeface="+mn-lt"/>
+          <a:ea typeface="+mn-ea"/>
+          <a:cs typeface="+mn-cs"/>
         </a:defRPr>
-      </a:lvl1pPr>
-      <a:lvl2pPr marL="955963" marR="0" indent="-498763" algn="l" defTabSz="914400" rtl="0" latinLnBrk="0">
-        <a:lnSpc>
-          <a:spcPct val="100000"/>
-        </a:lnSpc>
+      </a:lvl4pPr>
+      <a:lvl5pPr marL="1490472" indent="-182880" algn="l" rtl="0" eaLnBrk="1" latinLnBrk="0" hangingPunct="1">
         <a:spcBef>
-          <a:spcPts val="2000"/>
+          <a:spcPct val="20000"/>
         </a:spcBef>
-        <a:spcAft>
-          <a:spcPts val="0"/>
-        </a:spcAft>
         <a:buClr>
-          <a:schemeClr val="accent3"/>
+          <a:schemeClr val="accent4"/>
         </a:buClr>
         <a:buSzPct val="100000"/>
-        <a:buFont typeface="Wingdings"/>
-        <a:buChar char=""/>
-        <a:tabLst/>
-        <a:defRPr sz="2400" b="0" i="0" u="none" strike="noStrike" cap="none" spc="0" baseline="0">
-          <a:ln>
-            <a:noFill/>
-          </a:ln>
+        <a:buFont typeface="Arial"/>
+        <a:buChar char="-"/>
+        <a:defRPr kumimoji="0" sz="2000" kern="1200">
           <a:solidFill>
-            <a:srgbClr val="2D2F2B"/>
+            <a:schemeClr val="tx1"/>
           </a:solidFill>
-          <a:uFillTx/>
-          <a:latin typeface="+mj-lt"/>
-          <a:ea typeface="+mj-ea"/>
-          <a:cs typeface="+mj-cs"/>
-          <a:sym typeface="Calisto MT"/>
+          <a:latin typeface="+mn-lt"/>
+          <a:ea typeface="+mn-ea"/>
+          <a:cs typeface="+mn-cs"/>
         </a:defRPr>
-      </a:lvl2pPr>
-      <a:lvl3pPr marL="1463039" marR="0" indent="-548639" algn="l" defTabSz="914400" rtl="0" latinLnBrk="0">
-        <a:lnSpc>
-          <a:spcPct val="100000"/>
-        </a:lnSpc>
+      </a:lvl5pPr>
+      <a:lvl6pPr marL="1700784" indent="-182880" algn="l" rtl="0" eaLnBrk="1" latinLnBrk="0" hangingPunct="1">
         <a:spcBef>
-          <a:spcPts val="2000"/>
+          <a:spcPct val="20000"/>
         </a:spcBef>
-        <a:spcAft>
-          <a:spcPts val="0"/>
-        </a:spcAft>
         <a:buClr>
-          <a:schemeClr val="accent3"/>
+          <a:schemeClr val="accent5"/>
+        </a:buClr>
+        <a:buFont typeface="Arial"/>
+        <a:buChar char="-"/>
+        <a:defRPr kumimoji="0" sz="2000" kern="1200" baseline="0">
+          <a:solidFill>
+            <a:schemeClr val="tx1"/>
+          </a:solidFill>
+          <a:latin typeface="+mn-lt"/>
+          <a:ea typeface="+mn-ea"/>
+          <a:cs typeface="+mn-cs"/>
+        </a:defRPr>
+      </a:lvl6pPr>
+      <a:lvl7pPr marL="1920240" indent="-182880" algn="l" rtl="0" eaLnBrk="1" latinLnBrk="0" hangingPunct="1">
+        <a:spcBef>
+          <a:spcPct val="20000"/>
+        </a:spcBef>
+        <a:buClr>
+          <a:schemeClr val="accent6"/>
         </a:buClr>
         <a:buSzPct val="100000"/>
-        <a:buFont typeface="Wingdings"/>
-        <a:buChar char=""/>
-        <a:tabLst/>
-        <a:defRPr sz="2400" b="0" i="0" u="none" strike="noStrike" cap="none" spc="0" baseline="0">
-          <a:ln>
-            <a:noFill/>
-          </a:ln>
+        <a:buFont typeface="Arial"/>
+        <a:buChar char="•"/>
+        <a:defRPr kumimoji="0" sz="1800" kern="1200" baseline="0">
           <a:solidFill>
-            <a:srgbClr val="2D2F2B"/>
+            <a:schemeClr val="tx1"/>
           </a:solidFill>
-          <a:uFillTx/>
-          <a:latin typeface="+mj-lt"/>
-          <a:ea typeface="+mj-ea"/>
-          <a:cs typeface="+mj-cs"/>
-          <a:sym typeface="Calisto MT"/>
-        </a:defRPr>
-      </a:lvl3pPr>
-      <a:lvl4pPr marL="1981200" marR="0" indent="-609600" algn="l" defTabSz="914400" rtl="0" latinLnBrk="0">
-        <a:lnSpc>
-          <a:spcPct val="100000"/>
-        </a:lnSpc>
-        <a:spcBef>
-          <a:spcPts val="2000"/>
-        </a:spcBef>
-        <a:spcAft>
-          <a:spcPts val="0"/>
-        </a:spcAft>
-        <a:buClr>
-          <a:schemeClr val="accent3"/>
-        </a:buClr>
-        <a:buSzPct val="100000"/>
-        <a:buFont typeface="Wingdings"/>
-        <a:buChar char=""/>
-        <a:tabLst/>
-        <a:defRPr sz="2400" b="0" i="0" u="none" strike="noStrike" cap="none" spc="0" baseline="0">
-          <a:ln>
-            <a:noFill/>
-          </a:ln>
-          <a:solidFill>
-            <a:srgbClr val="2D2F2B"/>
-          </a:solidFill>
-          <a:uFillTx/>
-          <a:latin typeface="+mj-lt"/>
-          <a:ea typeface="+mj-ea"/>
-          <a:cs typeface="+mj-cs"/>
-          <a:sym typeface="Calisto MT"/>
-        </a:defRPr>
-      </a:lvl4pPr>
-      <a:lvl5pPr marL="2438400" marR="0" indent="-609600" algn="l" defTabSz="914400" rtl="0" latinLnBrk="0">
-        <a:lnSpc>
-          <a:spcPct val="100000"/>
-        </a:lnSpc>
-        <a:spcBef>
-          <a:spcPts val="2000"/>
-        </a:spcBef>
-        <a:spcAft>
-          <a:spcPts val="0"/>
-        </a:spcAft>
-        <a:buClr>
-          <a:schemeClr val="accent3"/>
-        </a:buClr>
-        <a:buSzPct val="100000"/>
-        <a:buFont typeface="Wingdings"/>
-        <a:buChar char=""/>
-        <a:tabLst/>
-        <a:defRPr sz="2400" b="0" i="0" u="none" strike="noStrike" cap="none" spc="0" baseline="0">
-          <a:ln>
-            <a:noFill/>
-          </a:ln>
-          <a:solidFill>
-            <a:srgbClr val="2D2F2B"/>
-          </a:solidFill>
-          <a:uFillTx/>
-          <a:latin typeface="+mj-lt"/>
-          <a:ea typeface="+mj-ea"/>
-          <a:cs typeface="+mj-cs"/>
-          <a:sym typeface="Calisto MT"/>
-        </a:defRPr>
-      </a:lvl5pPr>
-      <a:lvl6pPr marL="2897187" marR="0" indent="-615950" algn="l" defTabSz="914400" rtl="0" latinLnBrk="0">
-        <a:lnSpc>
-          <a:spcPct val="100000"/>
-        </a:lnSpc>
-        <a:spcBef>
-          <a:spcPts val="2000"/>
-        </a:spcBef>
-        <a:spcAft>
-          <a:spcPts val="0"/>
-        </a:spcAft>
-        <a:buClr>
-          <a:schemeClr val="accent3"/>
-        </a:buClr>
-        <a:buSzPct val="100000"/>
-        <a:buFont typeface="Wingdings"/>
-        <a:buChar char=""/>
-        <a:tabLst/>
-        <a:defRPr sz="2400" b="0" i="0" u="none" strike="noStrike" cap="none" spc="0" baseline="0">
-          <a:ln>
-            <a:noFill/>
-          </a:ln>
-          <a:solidFill>
-            <a:srgbClr val="2D2F2B"/>
-          </a:solidFill>
-          <a:uFillTx/>
-          <a:latin typeface="+mj-lt"/>
-          <a:ea typeface="+mj-ea"/>
-          <a:cs typeface="+mj-cs"/>
-          <a:sym typeface="Calisto MT"/>
-        </a:defRPr>
-      </a:lvl6pPr>
-      <a:lvl7pPr marL="3359150" marR="0" indent="-615950" algn="l" defTabSz="914400" rtl="0" latinLnBrk="0">
-        <a:lnSpc>
-          <a:spcPct val="100000"/>
-        </a:lnSpc>
-        <a:spcBef>
-          <a:spcPts val="2000"/>
-        </a:spcBef>
-        <a:spcAft>
-          <a:spcPts val="0"/>
-        </a:spcAft>
-        <a:buClr>
-          <a:schemeClr val="accent3"/>
-        </a:buClr>
-        <a:buSzPct val="100000"/>
-        <a:buFont typeface="Wingdings"/>
-        <a:buChar char=""/>
-        <a:tabLst/>
-        <a:defRPr sz="2400" b="0" i="0" u="none" strike="noStrike" cap="none" spc="0" baseline="0">
-          <a:ln>
-            <a:noFill/>
-          </a:ln>
-          <a:solidFill>
-            <a:srgbClr val="2D2F2B"/>
-          </a:solidFill>
-          <a:uFillTx/>
-          <a:latin typeface="+mj-lt"/>
-          <a:ea typeface="+mj-ea"/>
-          <a:cs typeface="+mj-cs"/>
-          <a:sym typeface="Calisto MT"/>
+          <a:latin typeface="+mn-lt"/>
+          <a:ea typeface="+mn-ea"/>
+          <a:cs typeface="+mn-cs"/>
         </a:defRPr>
       </a:lvl7pPr>
-      <a:lvl8pPr marL="3811587" marR="0" indent="-615950" algn="l" defTabSz="914400" rtl="0" latinLnBrk="0">
-        <a:lnSpc>
-          <a:spcPct val="100000"/>
-        </a:lnSpc>
+      <a:lvl8pPr marL="2139696" indent="-182880" algn="l" rtl="0" eaLnBrk="1" latinLnBrk="0" hangingPunct="1">
         <a:spcBef>
-          <a:spcPts val="2000"/>
+          <a:spcPct val="20000"/>
         </a:spcBef>
-        <a:spcAft>
-          <a:spcPts val="0"/>
-        </a:spcAft>
         <a:buClr>
-          <a:schemeClr val="accent3"/>
+          <a:schemeClr val="accent6"/>
         </a:buClr>
-        <a:buSzPct val="100000"/>
-        <a:buFont typeface="Wingdings"/>
-        <a:buChar char=""/>
-        <a:tabLst/>
-        <a:defRPr sz="2400" b="0" i="0" u="none" strike="noStrike" cap="none" spc="0" baseline="0">
-          <a:ln>
-            <a:noFill/>
-          </a:ln>
+        <a:buFont typeface="Arial"/>
+        <a:buChar char="▪"/>
+        <a:defRPr kumimoji="0" sz="1600" kern="1200">
           <a:solidFill>
-            <a:srgbClr val="2D2F2B"/>
+            <a:schemeClr val="tx1"/>
           </a:solidFill>
-          <a:uFillTx/>
-          <a:latin typeface="+mj-lt"/>
-          <a:ea typeface="+mj-ea"/>
-          <a:cs typeface="+mj-cs"/>
-          <a:sym typeface="Calisto MT"/>
+          <a:latin typeface="+mn-lt"/>
+          <a:ea typeface="+mn-ea"/>
+          <a:cs typeface="+mn-cs"/>
         </a:defRPr>
       </a:lvl8pPr>
-      <a:lvl9pPr marL="4273550" marR="0" indent="-615950" algn="l" defTabSz="914400" rtl="0" latinLnBrk="0">
-        <a:lnSpc>
-          <a:spcPct val="100000"/>
-        </a:lnSpc>
+      <a:lvl9pPr marL="2331720" indent="-182880" algn="l" rtl="0" eaLnBrk="1" latinLnBrk="0" hangingPunct="1">
         <a:spcBef>
-          <a:spcPts val="2000"/>
+          <a:spcPct val="20000"/>
         </a:spcBef>
-        <a:spcAft>
-          <a:spcPts val="0"/>
-        </a:spcAft>
         <a:buClr>
-          <a:schemeClr val="accent3"/>
+          <a:schemeClr val="accent6"/>
         </a:buClr>
-        <a:buSzPct val="100000"/>
-        <a:buFont typeface="Wingdings"/>
-        <a:buChar char=""/>
-        <a:tabLst/>
-        <a:defRPr sz="2400" b="0" i="0" u="none" strike="noStrike" cap="none" spc="0" baseline="0">
-          <a:ln>
-            <a:noFill/>
-          </a:ln>
+        <a:buFont typeface="Arial"/>
+        <a:buChar char="•"/>
+        <a:defRPr kumimoji="0" sz="1600" kern="1200">
           <a:solidFill>
-            <a:srgbClr val="2D2F2B"/>
+            <a:schemeClr val="tx1"/>
           </a:solidFill>
-          <a:uFillTx/>
-          <a:latin typeface="+mj-lt"/>
-          <a:ea typeface="+mj-ea"/>
-          <a:cs typeface="+mj-cs"/>
-          <a:sym typeface="Calisto MT"/>
+          <a:latin typeface="+mn-lt"/>
+          <a:ea typeface="+mn-ea"/>
+          <a:cs typeface="+mn-cs"/>
         </a:defRPr>
       </a:lvl9pPr>
     </p:bodyStyle>
     <p:otherStyle>
-      <a:lvl1pPr marL="0" marR="0" indent="0" algn="ctr" defTabSz="914400" rtl="0" latinLnBrk="0">
-        <a:lnSpc>
-          <a:spcPct val="100000"/>
-        </a:lnSpc>
-        <a:spcBef>
-          <a:spcPts val="0"/>
-        </a:spcBef>
-        <a:spcAft>
-          <a:spcPts val="0"/>
-        </a:spcAft>
-        <a:buClrTx/>
-        <a:buSzTx/>
-        <a:buFontTx/>
-        <a:buNone/>
-        <a:tabLst/>
-        <a:defRPr sz="1200" b="0" i="0" u="none" strike="noStrike" cap="none" spc="0" baseline="0">
-          <a:ln>
-            <a:noFill/>
-          </a:ln>
+      <a:lvl1pPr marL="0" algn="l" rtl="0" eaLnBrk="1" latinLnBrk="0" hangingPunct="1">
+        <a:defRPr kumimoji="0" kern="1200">
           <a:solidFill>
             <a:schemeClr val="tx1"/>
           </a:solidFill>
-          <a:uFillTx/>
           <a:latin typeface="+mn-lt"/>
           <a:ea typeface="+mn-ea"/>
           <a:cs typeface="+mn-cs"/>
-          <a:sym typeface="Calisto MT"/>
         </a:defRPr>
       </a:lvl1pPr>
-      <a:lvl2pPr marL="0" marR="0" indent="457200" algn="ctr" defTabSz="914400" rtl="0" latinLnBrk="0">
-        <a:lnSpc>
-          <a:spcPct val="100000"/>
-        </a:lnSpc>
-        <a:spcBef>
-          <a:spcPts val="0"/>
-        </a:spcBef>
-        <a:spcAft>
-          <a:spcPts val="0"/>
-        </a:spcAft>
-        <a:buClrTx/>
-        <a:buSzTx/>
-        <a:buFontTx/>
-        <a:buNone/>
-        <a:tabLst/>
-        <a:defRPr sz="1200" b="0" i="0" u="none" strike="noStrike" cap="none" spc="0" baseline="0">
-          <a:ln>
-            <a:noFill/>
-          </a:ln>
+      <a:lvl2pPr marL="457200" algn="l" rtl="0" eaLnBrk="1" latinLnBrk="0" hangingPunct="1">
+        <a:defRPr kumimoji="0" kern="1200">
           <a:solidFill>
             <a:schemeClr val="tx1"/>
           </a:solidFill>
-          <a:uFillTx/>
           <a:latin typeface="+mn-lt"/>
           <a:ea typeface="+mn-ea"/>
           <a:cs typeface="+mn-cs"/>
-          <a:sym typeface="Calisto MT"/>
         </a:defRPr>
       </a:lvl2pPr>
-      <a:lvl3pPr marL="0" marR="0" indent="914400" algn="ctr" defTabSz="914400" rtl="0" latinLnBrk="0">
-        <a:lnSpc>
-          <a:spcPct val="100000"/>
-        </a:lnSpc>
-        <a:spcBef>
-          <a:spcPts val="0"/>
-        </a:spcBef>
-        <a:spcAft>
-          <a:spcPts val="0"/>
-        </a:spcAft>
-        <a:buClrTx/>
-        <a:buSzTx/>
-        <a:buFontTx/>
-        <a:buNone/>
-        <a:tabLst/>
-        <a:defRPr sz="1200" b="0" i="0" u="none" strike="noStrike" cap="none" spc="0" baseline="0">
-          <a:ln>
-            <a:noFill/>
-          </a:ln>
+      <a:lvl3pPr marL="914400" algn="l" rtl="0" eaLnBrk="1" latinLnBrk="0" hangingPunct="1">
+        <a:defRPr kumimoji="0" kern="1200">
           <a:solidFill>
             <a:schemeClr val="tx1"/>
           </a:solidFill>
-          <a:uFillTx/>
           <a:latin typeface="+mn-lt"/>
           <a:ea typeface="+mn-ea"/>
           <a:cs typeface="+mn-cs"/>
-          <a:sym typeface="Calisto MT"/>
         </a:defRPr>
       </a:lvl3pPr>
-      <a:lvl4pPr marL="0" marR="0" indent="1371600" algn="ctr" defTabSz="914400" rtl="0" latinLnBrk="0">
-        <a:lnSpc>
-          <a:spcPct val="100000"/>
-        </a:lnSpc>
-        <a:spcBef>
-          <a:spcPts val="0"/>
-        </a:spcBef>
-        <a:spcAft>
-          <a:spcPts val="0"/>
-        </a:spcAft>
-        <a:buClrTx/>
-        <a:buSzTx/>
-        <a:buFontTx/>
-        <a:buNone/>
-        <a:tabLst/>
-        <a:defRPr sz="1200" b="0" i="0" u="none" strike="noStrike" cap="none" spc="0" baseline="0">
-          <a:ln>
-            <a:noFill/>
-          </a:ln>
+      <a:lvl4pPr marL="1371600" algn="l" rtl="0" eaLnBrk="1" latinLnBrk="0" hangingPunct="1">
+        <a:defRPr kumimoji="0" kern="1200">
           <a:solidFill>
             <a:schemeClr val="tx1"/>
           </a:solidFill>
-          <a:uFillTx/>
           <a:latin typeface="+mn-lt"/>
           <a:ea typeface="+mn-ea"/>
           <a:cs typeface="+mn-cs"/>
-          <a:sym typeface="Calisto MT"/>
         </a:defRPr>
       </a:lvl4pPr>
-      <a:lvl5pPr marL="0" marR="0" indent="1828800" algn="ctr" defTabSz="914400" rtl="0" latinLnBrk="0">
-        <a:lnSpc>
-          <a:spcPct val="100000"/>
-        </a:lnSpc>
-        <a:spcBef>
-          <a:spcPts val="0"/>
-        </a:spcBef>
-        <a:spcAft>
-          <a:spcPts val="0"/>
-        </a:spcAft>
-        <a:buClrTx/>
-        <a:buSzTx/>
-        <a:buFontTx/>
-        <a:buNone/>
-        <a:tabLst/>
-        <a:defRPr sz="1200" b="0" i="0" u="none" strike="noStrike" cap="none" spc="0" baseline="0">
-          <a:ln>
-            <a:noFill/>
-          </a:ln>
+      <a:lvl5pPr marL="1828800" algn="l" rtl="0" eaLnBrk="1" latinLnBrk="0" hangingPunct="1">
+        <a:defRPr kumimoji="0" kern="1200">
           <a:solidFill>
             <a:schemeClr val="tx1"/>
           </a:solidFill>
-          <a:uFillTx/>
           <a:latin typeface="+mn-lt"/>
           <a:ea typeface="+mn-ea"/>
           <a:cs typeface="+mn-cs"/>
-          <a:sym typeface="Calisto MT"/>
         </a:defRPr>
       </a:lvl5pPr>
-      <a:lvl6pPr marL="0" marR="0" indent="2286000" algn="ctr" defTabSz="914400" rtl="0" latinLnBrk="0">
-        <a:lnSpc>
-          <a:spcPct val="100000"/>
-        </a:lnSpc>
-        <a:spcBef>
-          <a:spcPts val="0"/>
-        </a:spcBef>
-        <a:spcAft>
-          <a:spcPts val="0"/>
-        </a:spcAft>
-        <a:buClrTx/>
-        <a:buSzTx/>
-        <a:buFontTx/>
-        <a:buNone/>
-        <a:tabLst/>
-        <a:defRPr sz="1200" b="0" i="0" u="none" strike="noStrike" cap="none" spc="0" baseline="0">
-          <a:ln>
-            <a:noFill/>
-          </a:ln>
+      <a:lvl6pPr marL="2286000" algn="l" rtl="0" eaLnBrk="1" latinLnBrk="0" hangingPunct="1">
+        <a:defRPr kumimoji="0" kern="1200">
           <a:solidFill>
             <a:schemeClr val="tx1"/>
           </a:solidFill>
-          <a:uFillTx/>
           <a:latin typeface="+mn-lt"/>
           <a:ea typeface="+mn-ea"/>
           <a:cs typeface="+mn-cs"/>
-          <a:sym typeface="Calisto MT"/>
         </a:defRPr>
       </a:lvl6pPr>
-      <a:lvl7pPr marL="0" marR="0" indent="2743200" algn="ctr" defTabSz="914400" rtl="0" latinLnBrk="0">
-        <a:lnSpc>
-          <a:spcPct val="100000"/>
-        </a:lnSpc>
-        <a:spcBef>
-          <a:spcPts val="0"/>
-        </a:spcBef>
-        <a:spcAft>
-          <a:spcPts val="0"/>
-        </a:spcAft>
-        <a:buClrTx/>
-        <a:buSzTx/>
-        <a:buFontTx/>
-        <a:buNone/>
-        <a:tabLst/>
-        <a:defRPr sz="1200" b="0" i="0" u="none" strike="noStrike" cap="none" spc="0" baseline="0">
-          <a:ln>
-            <a:noFill/>
-          </a:ln>
+      <a:lvl7pPr marL="2743200" algn="l" rtl="0" eaLnBrk="1" latinLnBrk="0" hangingPunct="1">
+        <a:defRPr kumimoji="0" kern="1200">
           <a:solidFill>
             <a:schemeClr val="tx1"/>
           </a:solidFill>
-          <a:uFillTx/>
           <a:latin typeface="+mn-lt"/>
           <a:ea typeface="+mn-ea"/>
           <a:cs typeface="+mn-cs"/>
-          <a:sym typeface="Calisto MT"/>
         </a:defRPr>
       </a:lvl7pPr>
-      <a:lvl8pPr marL="0" marR="0" indent="3200400" algn="ctr" defTabSz="914400" rtl="0" latinLnBrk="0">
-        <a:lnSpc>
-          <a:spcPct val="100000"/>
-        </a:lnSpc>
-        <a:spcBef>
-          <a:spcPts val="0"/>
-        </a:spcBef>
-        <a:spcAft>
-          <a:spcPts val="0"/>
-        </a:spcAft>
-        <a:buClrTx/>
-        <a:buSzTx/>
-        <a:buFontTx/>
-        <a:buNone/>
-        <a:tabLst/>
-        <a:defRPr sz="1200" b="0" i="0" u="none" strike="noStrike" cap="none" spc="0" baseline="0">
-          <a:ln>
-            <a:noFill/>
-          </a:ln>
+      <a:lvl8pPr marL="3200400" algn="l" rtl="0" eaLnBrk="1" latinLnBrk="0" hangingPunct="1">
+        <a:defRPr kumimoji="0" kern="1200">
           <a:solidFill>
             <a:schemeClr val="tx1"/>
           </a:solidFill>
-          <a:uFillTx/>
           <a:latin typeface="+mn-lt"/>
           <a:ea typeface="+mn-ea"/>
           <a:cs typeface="+mn-cs"/>
-          <a:sym typeface="Calisto MT"/>
         </a:defRPr>
       </a:lvl8pPr>
-      <a:lvl9pPr marL="0" marR="0" indent="3657600" algn="ctr" defTabSz="914400" rtl="0" latinLnBrk="0">
-        <a:lnSpc>
-          <a:spcPct val="100000"/>
-        </a:lnSpc>
-        <a:spcBef>
-          <a:spcPts val="0"/>
-        </a:spcBef>
-        <a:spcAft>
-          <a:spcPts val="0"/>
-        </a:spcAft>
-        <a:buClrTx/>
-        <a:buSzTx/>
-        <a:buFontTx/>
-        <a:buNone/>
-        <a:tabLst/>
-        <a:defRPr sz="1200" b="0" i="0" u="none" strike="noStrike" cap="none" spc="0" baseline="0">
-          <a:ln>
-            <a:noFill/>
-          </a:ln>
+      <a:lvl9pPr marL="3657600" algn="l" rtl="0" eaLnBrk="1" latinLnBrk="0" hangingPunct="1">
+        <a:defRPr kumimoji="0" kern="1200">
           <a:solidFill>
             <a:schemeClr val="tx1"/>
           </a:solidFill>
-          <a:uFillTx/>
           <a:latin typeface="+mn-lt"/>
           <a:ea typeface="+mn-ea"/>
           <a:cs typeface="+mn-cs"/>
-          <a:sym typeface="Calisto MT"/>
         </a:defRPr>
       </a:lvl9pPr>
     </p:otherStyle>
@@ -3433,6 +4021,7 @@
           <a:lstStyle/>
           <a:p>
             <a:r>
+              <a:rPr dirty="0"/>
               <a:t>Weather Web Service</a:t>
             </a:r>
           </a:p>
@@ -3445,29 +4034,41 @@
             <a:spLocks noGrp="1"/>
           </p:cNvSpPr>
           <p:nvPr>
-            <p:ph type="subTitle" sz="half" idx="1"/>
+            <p:ph type="subTitle" idx="1"/>
           </p:nvPr>
         </p:nvSpPr>
         <p:spPr>
-          <a:xfrm>
-            <a:off x="685801" y="3810000"/>
-            <a:ext cx="7770811" cy="1752600"/>
-          </a:xfrm>
           <a:prstGeom prst="rect">
             <a:avLst/>
           </a:prstGeom>
         </p:spPr>
         <p:txBody>
-          <a:bodyPr/>
-          <a:lstStyle/>
-          <a:p>
-            <a:r>
+          <a:bodyPr>
+            <a:normAutofit/>
+          </a:bodyPr>
+          <a:lstStyle/>
+          <a:p>
+            <a:r>
+              <a:rPr dirty="0"/>
               <a:t>JDK Allstars:</a:t>
             </a:r>
           </a:p>
           <a:p>
             <a:r>
-              <a:t>Naivi, Jason &amp; Brian</a:t>
+              <a:rPr dirty="0"/>
+              <a:t>Naivi, </a:t>
+            </a:r>
+            <a:r>
+              <a:rPr lang="en-US" dirty="0" smtClean="0"/>
+              <a:t>JSON</a:t>
+            </a:r>
+            <a:r>
+              <a:rPr dirty="0" smtClean="0"/>
+              <a:t> </a:t>
+            </a:r>
+            <a:r>
+              <a:rPr dirty="0"/>
+              <a:t>&amp; Brian</a:t>
             </a:r>
           </a:p>
         </p:txBody>
@@ -3477,7 +4078,21 @@
   <p:clrMapOvr>
     <a:masterClrMapping/>
   </p:clrMapOvr>
-  <p:transition xmlns:p14="http://schemas.microsoft.com/office/powerpoint/2010/main" spd="med"/>
+  <mc:AlternateContent xmlns:mc="http://schemas.openxmlformats.org/markup-compatibility/2006">
+    <mc:Choice xmlns:p14="http://schemas.microsoft.com/office/powerpoint/2010/main" Requires="p14">
+      <p:transition spd="slow" p14:dur="2000"/>
+    </mc:Choice>
+    <mc:Fallback>
+      <p:transition xmlns:p14="http://schemas.microsoft.com/office/powerpoint/2010/main" spd="slow"/>
+    </mc:Fallback>
+  </mc:AlternateContent>
+  <p:timing>
+    <p:tnLst>
+      <p:par>
+        <p:cTn xmlns:p14="http://schemas.microsoft.com/office/powerpoint/2010/main" id="1" dur="indefinite" restart="never" nodeType="tmRoot"/>
+      </p:par>
+    </p:tnLst>
+  </p:timing>
 </p:sld>
 </file>
 
@@ -3500,7 +4115,7 @@
       </p:grpSpPr>
       <p:sp>
         <p:nvSpPr>
-          <p:cNvPr id="132" name="Shape 132"/>
+          <p:cNvPr id="2" name="Title 1"/>
           <p:cNvSpPr>
             <a:spLocks noGrp="1"/>
           </p:cNvSpPr>
@@ -3508,62 +4123,110 @@
             <p:ph type="title"/>
           </p:nvPr>
         </p:nvSpPr>
-        <p:spPr>
-          <a:prstGeom prst="rect">
-            <a:avLst/>
-          </a:prstGeom>
-        </p:spPr>
+        <p:spPr/>
         <p:txBody>
           <a:bodyPr/>
           <a:lstStyle/>
           <a:p>
             <a:r>
-              <a:t>Review</a:t>
-            </a:r>
-          </a:p>
-        </p:txBody>
-      </p:sp>
-      <p:sp>
-        <p:nvSpPr>
-          <p:cNvPr id="133" name="Shape 133"/>
-          <p:cNvSpPr>
-            <a:spLocks noGrp="1"/>
-          </p:cNvSpPr>
-          <p:nvPr>
-            <p:ph type="body" idx="1"/>
-          </p:nvPr>
-        </p:nvSpPr>
-        <p:spPr>
-          <a:prstGeom prst="rect">
-            <a:avLst/>
-          </a:prstGeom>
-        </p:spPr>
-        <p:txBody>
-          <a:bodyPr/>
-          <a:lstStyle/>
-          <a:p>
-            <a:r>
-              <a:t>Deploying to OpenShift</a:t>
-            </a:r>
-          </a:p>
-          <a:p>
-            <a:r>
-              <a:t>Testing</a:t>
-            </a:r>
-          </a:p>
-          <a:p>
-            <a:r>
-              <a:t>Properties file </a:t>
-            </a:r>
+              <a:rPr lang="en-US" dirty="0" err="1" smtClean="0"/>
+              <a:t>HttpServlet</a:t>
+            </a:r>
+            <a:endParaRPr lang="en-US" dirty="0"/>
+          </a:p>
+        </p:txBody>
+      </p:sp>
+      <p:sp>
+        <p:nvSpPr>
+          <p:cNvPr id="3" name="Text Placeholder 2"/>
+          <p:cNvSpPr>
+            <a:spLocks noGrp="1"/>
+          </p:cNvSpPr>
+          <p:nvPr>
+            <p:ph idx="1"/>
+          </p:nvPr>
+        </p:nvSpPr>
+        <p:spPr/>
+        <p:txBody>
+          <a:bodyPr>
+            <a:normAutofit/>
+          </a:bodyPr>
+          <a:lstStyle/>
+          <a:p>
+            <a:r>
+              <a:rPr lang="en-US" dirty="0" smtClean="0"/>
+              <a:t>Receives string key value pairs from GET request</a:t>
+            </a:r>
+          </a:p>
+          <a:p>
+            <a:pPr lvl="1"/>
+            <a:r>
+              <a:rPr lang="en-US" dirty="0" smtClean="0"/>
+              <a:t>Reroute to DarkSky to get weather data</a:t>
+            </a:r>
+          </a:p>
+          <a:p>
+            <a:r>
+              <a:rPr lang="en-US" dirty="0" err="1" smtClean="0"/>
+              <a:t>HttpServlet</a:t>
+            </a:r>
+            <a:r>
+              <a:rPr lang="en-US" dirty="0" smtClean="0"/>
+              <a:t>, hosted at the URI path “/weather”</a:t>
+            </a:r>
+          </a:p>
+          <a:p>
+            <a:r>
+              <a:rPr lang="en-US" dirty="0" smtClean="0"/>
+              <a:t>Service Down Error handing</a:t>
+            </a:r>
+          </a:p>
+          <a:p>
+            <a:pPr lvl="1"/>
+            <a:r>
+              <a:rPr lang="en-US" dirty="0" smtClean="0"/>
+              <a:t>Null values passed into servlet</a:t>
+            </a:r>
+          </a:p>
+          <a:p>
+            <a:r>
+              <a:rPr lang="en-US" dirty="0" smtClean="0"/>
+              <a:t>Unit test</a:t>
+            </a:r>
+          </a:p>
+          <a:p>
+            <a:pPr marL="0" indent="0">
+              <a:buNone/>
+            </a:pPr>
+            <a:endParaRPr lang="en-US" dirty="0"/>
           </a:p>
         </p:txBody>
       </p:sp>
     </p:spTree>
+    <p:extLst>
+      <p:ext uri="{BB962C8B-B14F-4D97-AF65-F5344CB8AC3E}">
+        <p14:creationId xmlns:p14="http://schemas.microsoft.com/office/powerpoint/2010/main" val="234277841"/>
+      </p:ext>
+    </p:extLst>
   </p:cSld>
   <p:clrMapOvr>
     <a:masterClrMapping/>
   </p:clrMapOvr>
-  <p:transition xmlns:p14="http://schemas.microsoft.com/office/powerpoint/2010/main" spd="slow"/>
+  <mc:AlternateContent xmlns:mc="http://schemas.openxmlformats.org/markup-compatibility/2006">
+    <mc:Choice xmlns:p14="http://schemas.microsoft.com/office/powerpoint/2010/main" Requires="p14">
+      <p:transition spd="slow" p14:dur="2000"/>
+    </mc:Choice>
+    <mc:Fallback>
+      <p:transition xmlns:p14="http://schemas.microsoft.com/office/powerpoint/2010/main" spd="slow"/>
+    </mc:Fallback>
+  </mc:AlternateContent>
+  <p:timing>
+    <p:tnLst>
+      <p:par>
+        <p:cTn xmlns:p14="http://schemas.microsoft.com/office/powerpoint/2010/main" id="1" dur="indefinite" restart="never" nodeType="tmRoot"/>
+      </p:par>
+    </p:tnLst>
+  </p:timing>
 </p:sld>
 </file>
 
@@ -3599,7 +4262,11 @@
           <a:bodyPr/>
           <a:lstStyle/>
           <a:p>
-            <a:endParaRPr lang="en-US"/>
+            <a:r>
+              <a:rPr lang="en-US" dirty="0" smtClean="0"/>
+              <a:t>Problems</a:t>
+            </a:r>
+            <a:endParaRPr lang="en-US" dirty="0"/>
           </a:p>
         </p:txBody>
       </p:sp>
@@ -3610,7 +4277,7 @@
             <a:spLocks noGrp="1"/>
           </p:cNvSpPr>
           <p:nvPr>
-            <p:ph type="body" idx="1"/>
+            <p:ph idx="1"/>
           </p:nvPr>
         </p:nvSpPr>
         <p:spPr/>
@@ -3618,21 +4285,190 @@
           <a:bodyPr/>
           <a:lstStyle/>
           <a:p>
-            <a:endParaRPr lang="en-US"/>
+            <a:r>
+              <a:rPr lang="en-US" dirty="0" smtClean="0"/>
+              <a:t>Merging</a:t>
+            </a:r>
+          </a:p>
+          <a:p>
+            <a:pPr lvl="1"/>
+            <a:r>
+              <a:rPr lang="en-US" dirty="0" smtClean="0"/>
+              <a:t>.gitignore file</a:t>
+            </a:r>
+          </a:p>
+          <a:p>
+            <a:r>
+              <a:rPr lang="en-US" dirty="0" smtClean="0"/>
+              <a:t>Dependencies</a:t>
+            </a:r>
+          </a:p>
+          <a:p>
+            <a:r>
+              <a:rPr lang="en-US" dirty="0" smtClean="0"/>
+              <a:t>Annotations for getting GET query to Java</a:t>
+            </a:r>
+          </a:p>
+          <a:p>
+            <a:r>
+              <a:rPr lang="en-US" dirty="0" smtClean="0"/>
+              <a:t>Local Server and artifact building</a:t>
+            </a:r>
+          </a:p>
+          <a:p>
+            <a:pPr lvl="1"/>
+            <a:r>
+              <a:rPr lang="en-US" dirty="0" smtClean="0"/>
+              <a:t>War file not exploded</a:t>
+            </a:r>
+            <a:endParaRPr lang="en-US" dirty="0"/>
           </a:p>
         </p:txBody>
       </p:sp>
     </p:spTree>
     <p:extLst>
       <p:ext uri="{BB962C8B-B14F-4D97-AF65-F5344CB8AC3E}">
-        <p14:creationId xmlns:p14="http://schemas.microsoft.com/office/powerpoint/2010/main" val="234277841"/>
+        <p14:creationId xmlns:p14="http://schemas.microsoft.com/office/powerpoint/2010/main" val="4294381984"/>
       </p:ext>
     </p:extLst>
   </p:cSld>
   <p:clrMapOvr>
     <a:masterClrMapping/>
   </p:clrMapOvr>
-  <p:transition xmlns:p14="http://schemas.microsoft.com/office/powerpoint/2010/main" spd="med"/>
+  <mc:AlternateContent xmlns:mc="http://schemas.openxmlformats.org/markup-compatibility/2006">
+    <mc:Choice xmlns:p14="http://schemas.microsoft.com/office/powerpoint/2010/main" Requires="p14">
+      <p:transition spd="slow" p14:dur="2000"/>
+    </mc:Choice>
+    <mc:Fallback>
+      <p:transition xmlns:p14="http://schemas.microsoft.com/office/powerpoint/2010/main" spd="slow"/>
+    </mc:Fallback>
+  </mc:AlternateContent>
+  <p:timing>
+    <p:tnLst>
+      <p:par>
+        <p:cTn xmlns:p14="http://schemas.microsoft.com/office/powerpoint/2010/main" id="1" dur="indefinite" restart="never" nodeType="tmRoot"/>
+      </p:par>
+    </p:tnLst>
+  </p:timing>
+</p:sld>
+</file>
+
+<file path=ppt/slides/slide12.xml><?xml version="1.0" encoding="utf-8"?>
+<p:sld xmlns:a="http://schemas.openxmlformats.org/drawingml/2006/main" xmlns:r="http://schemas.openxmlformats.org/officeDocument/2006/relationships" xmlns:p="http://schemas.openxmlformats.org/presentationml/2006/main">
+  <p:cSld>
+    <p:spTree>
+      <p:nvGrpSpPr>
+        <p:cNvPr id="1" name=""/>
+        <p:cNvGrpSpPr/>
+        <p:nvPr/>
+      </p:nvGrpSpPr>
+      <p:grpSpPr>
+        <a:xfrm>
+          <a:off x="0" y="0"/>
+          <a:ext cx="0" cy="0"/>
+          <a:chOff x="0" y="0"/>
+          <a:chExt cx="0" cy="0"/>
+        </a:xfrm>
+      </p:grpSpPr>
+      <p:sp>
+        <p:nvSpPr>
+          <p:cNvPr id="132" name="Shape 132"/>
+          <p:cNvSpPr>
+            <a:spLocks noGrp="1"/>
+          </p:cNvSpPr>
+          <p:nvPr>
+            <p:ph type="title"/>
+          </p:nvPr>
+        </p:nvSpPr>
+        <p:spPr>
+          <a:prstGeom prst="rect">
+            <a:avLst/>
+          </a:prstGeom>
+        </p:spPr>
+        <p:txBody>
+          <a:bodyPr/>
+          <a:lstStyle/>
+          <a:p>
+            <a:r>
+              <a:rPr lang="en-US" dirty="0" smtClean="0"/>
+              <a:t>Code </a:t>
+            </a:r>
+            <a:r>
+              <a:rPr lang="en-US" dirty="0" smtClean="0"/>
+              <a:t>Break</a:t>
+            </a:r>
+            <a:endParaRPr dirty="0"/>
+          </a:p>
+        </p:txBody>
+      </p:sp>
+      <p:sp>
+        <p:nvSpPr>
+          <p:cNvPr id="133" name="Shape 133"/>
+          <p:cNvSpPr>
+            <a:spLocks noGrp="1"/>
+          </p:cNvSpPr>
+          <p:nvPr>
+            <p:ph idx="1"/>
+          </p:nvPr>
+        </p:nvSpPr>
+        <p:spPr>
+          <a:prstGeom prst="rect">
+            <a:avLst/>
+          </a:prstGeom>
+        </p:spPr>
+        <p:txBody>
+          <a:bodyPr/>
+          <a:lstStyle/>
+          <a:p>
+            <a:r>
+              <a:rPr dirty="0"/>
+              <a:t>Deploying to </a:t>
+            </a:r>
+            <a:r>
+              <a:rPr dirty="0" smtClean="0"/>
+              <a:t>OpenShift</a:t>
+            </a:r>
+            <a:r>
+              <a:rPr lang="en-US" dirty="0" smtClean="0"/>
+              <a:t> (war)</a:t>
+            </a:r>
+            <a:endParaRPr dirty="0"/>
+          </a:p>
+          <a:p>
+            <a:r>
+              <a:rPr dirty="0"/>
+              <a:t>Testing</a:t>
+            </a:r>
+          </a:p>
+          <a:p>
+            <a:r>
+              <a:rPr dirty="0"/>
+              <a:t>Properties file </a:t>
+            </a:r>
+            <a:endParaRPr lang="en-US" dirty="0" smtClean="0"/>
+          </a:p>
+          <a:p>
+            <a:r>
+              <a:rPr lang="en-US" dirty="0" smtClean="0"/>
+              <a:t>Classes</a:t>
+            </a:r>
+            <a:endParaRPr dirty="0"/>
+          </a:p>
+        </p:txBody>
+      </p:sp>
+    </p:spTree>
+  </p:cSld>
+  <p:clrMapOvr>
+    <a:masterClrMapping/>
+  </p:clrMapOvr>
+  <p:transition xmlns:p14="http://schemas.microsoft.com/office/powerpoint/2010/main" spd="slow"/>
+  <p:timing>
+    <p:tnLst>
+      <p:par>
+        <p:cTn xmlns:p14="http://schemas.microsoft.com/office/powerpoint/2010/main" id="1" dur="indefinite" restart="never" nodeType="tmRoot"/>
+      </p:par>
+    </p:tnLst>
+  </p:timing>
 </p:sld>
 </file>
 
@@ -3664,10 +4500,6 @@
           </p:nvPr>
         </p:nvSpPr>
         <p:spPr>
-          <a:xfrm>
-            <a:off x="685799" y="67236"/>
-            <a:ext cx="7770815" cy="1371601"/>
-          </a:xfrm>
           <a:prstGeom prst="rect">
             <a:avLst/>
           </a:prstGeom>
@@ -3689,14 +4521,10 @@
             <a:spLocks noGrp="1"/>
           </p:cNvSpPr>
           <p:nvPr>
-            <p:ph type="body" idx="1"/>
+            <p:ph idx="1"/>
           </p:nvPr>
         </p:nvSpPr>
         <p:spPr>
-          <a:xfrm>
-            <a:off x="685799" y="2209800"/>
-            <a:ext cx="7770815" cy="3657600"/>
-          </a:xfrm>
           <a:prstGeom prst="rect">
             <a:avLst/>
           </a:prstGeom>
@@ -3717,6 +4545,13 @@
     <a:masterClrMapping/>
   </p:clrMapOvr>
   <p:transition xmlns:p14="http://schemas.microsoft.com/office/powerpoint/2010/main" spd="slow"/>
+  <p:timing>
+    <p:tnLst>
+      <p:par>
+        <p:cTn xmlns:p14="http://schemas.microsoft.com/office/powerpoint/2010/main" id="1" dur="indefinite" restart="never" nodeType="tmRoot"/>
+      </p:par>
+    </p:tnLst>
+  </p:timing>
 </p:sld>
 </file>
 
@@ -3748,10 +4583,6 @@
           </p:nvPr>
         </p:nvSpPr>
         <p:spPr>
-          <a:xfrm>
-            <a:off x="685799" y="67236"/>
-            <a:ext cx="7770815" cy="1371601"/>
-          </a:xfrm>
           <a:prstGeom prst="rect">
             <a:avLst/>
           </a:prstGeom>
@@ -3773,20 +4604,18 @@
             <a:spLocks noGrp="1"/>
           </p:cNvSpPr>
           <p:nvPr>
-            <p:ph type="body" idx="1"/>
+            <p:ph idx="1"/>
           </p:nvPr>
         </p:nvSpPr>
         <p:spPr>
-          <a:xfrm>
-            <a:off x="685799" y="2209800"/>
-            <a:ext cx="7770815" cy="3657600"/>
-          </a:xfrm>
           <a:prstGeom prst="rect">
             <a:avLst/>
           </a:prstGeom>
         </p:spPr>
         <p:txBody>
-          <a:bodyPr/>
+          <a:bodyPr>
+            <a:normAutofit/>
+          </a:bodyPr>
           <a:lstStyle/>
           <a:p>
             <a:r>
@@ -3816,6 +4645,13 @@
     <a:masterClrMapping/>
   </p:clrMapOvr>
   <p:transition xmlns:p14="http://schemas.microsoft.com/office/powerpoint/2010/main" spd="slow"/>
+  <p:timing>
+    <p:tnLst>
+      <p:par>
+        <p:cTn xmlns:p14="http://schemas.microsoft.com/office/powerpoint/2010/main" id="1" dur="indefinite" restart="never" nodeType="tmRoot"/>
+      </p:par>
+    </p:tnLst>
+  </p:timing>
 </p:sld>
 </file>
 
@@ -3847,10 +4683,6 @@
           </p:nvPr>
         </p:nvSpPr>
         <p:spPr>
-          <a:xfrm>
-            <a:off x="685799" y="67236"/>
-            <a:ext cx="7770815" cy="1371601"/>
-          </a:xfrm>
           <a:prstGeom prst="rect">
             <a:avLst/>
           </a:prstGeom>
@@ -3872,14 +4704,10 @@
             <a:spLocks noGrp="1"/>
           </p:cNvSpPr>
           <p:nvPr>
-            <p:ph type="body" idx="1"/>
+            <p:ph idx="1"/>
           </p:nvPr>
         </p:nvSpPr>
         <p:spPr>
-          <a:xfrm>
-            <a:off x="685799" y="2209800"/>
-            <a:ext cx="7770815" cy="3657600"/>
-          </a:xfrm>
           <a:prstGeom prst="rect">
             <a:avLst/>
           </a:prstGeom>
@@ -3920,6 +4748,13 @@
     <a:masterClrMapping/>
   </p:clrMapOvr>
   <p:transition xmlns:p14="http://schemas.microsoft.com/office/powerpoint/2010/main" spd="slow"/>
+  <p:timing>
+    <p:tnLst>
+      <p:par>
+        <p:cTn xmlns:p14="http://schemas.microsoft.com/office/powerpoint/2010/main" id="1" dur="indefinite" restart="never" nodeType="tmRoot"/>
+      </p:par>
+    </p:tnLst>
+  </p:timing>
 </p:sld>
 </file>
 
@@ -3951,10 +4786,6 @@
           </p:nvPr>
         </p:nvSpPr>
         <p:spPr>
-          <a:xfrm>
-            <a:off x="685799" y="67236"/>
-            <a:ext cx="7770815" cy="1371601"/>
-          </a:xfrm>
           <a:prstGeom prst="rect">
             <a:avLst/>
           </a:prstGeom>
@@ -3964,11 +4795,11 @@
           <a:lstStyle/>
           <a:p>
             <a:r>
-              <a:rPr/>
+              <a:rPr dirty="0"/>
               <a:t>Learning </a:t>
             </a:r>
             <a:r>
-              <a:rPr smtClean="0"/>
+              <a:rPr dirty="0" smtClean="0"/>
               <a:t>Points</a:t>
             </a:r>
             <a:endParaRPr dirty="0"/>
@@ -3982,14 +4813,10 @@
             <a:spLocks noGrp="1"/>
           </p:cNvSpPr>
           <p:nvPr>
-            <p:ph type="body" idx="1"/>
+            <p:ph idx="1"/>
           </p:nvPr>
         </p:nvSpPr>
         <p:spPr>
-          <a:xfrm>
-            <a:off x="685799" y="2209800"/>
-            <a:ext cx="7770815" cy="3657600"/>
-          </a:xfrm>
           <a:prstGeom prst="rect">
             <a:avLst/>
           </a:prstGeom>
@@ -3999,23 +4826,38 @@
           <a:lstStyle/>
           <a:p>
             <a:r>
+              <a:rPr dirty="0"/>
               <a:t>JSON website</a:t>
             </a:r>
           </a:p>
           <a:p>
             <a:r>
+              <a:rPr dirty="0"/>
               <a:t>GSON – Google Json tools</a:t>
             </a:r>
           </a:p>
           <a:p>
             <a:r>
+              <a:rPr dirty="0"/>
               <a:t>GET parameter annotations</a:t>
             </a:r>
           </a:p>
           <a:p>
             <a:r>
+              <a:rPr dirty="0" smtClean="0"/>
               <a:t>Postman</a:t>
             </a:r>
+            <a:endParaRPr lang="en-US" dirty="0" smtClean="0"/>
+          </a:p>
+          <a:p>
+            <a:r>
+              <a:rPr lang="en-US" dirty="0" err="1" smtClean="0"/>
+              <a:t>HttpServlet</a:t>
+            </a:r>
+            <a:endParaRPr lang="en-US" dirty="0" smtClean="0"/>
+          </a:p>
+          <a:p>
+            <a:endParaRPr dirty="0"/>
           </a:p>
         </p:txBody>
       </p:sp>
@@ -4025,6 +4867,13 @@
     <a:masterClrMapping/>
   </p:clrMapOvr>
   <p:transition xmlns:p14="http://schemas.microsoft.com/office/powerpoint/2010/main" spd="slow"/>
+  <p:timing>
+    <p:tnLst>
+      <p:par>
+        <p:cTn xmlns:p14="http://schemas.microsoft.com/office/powerpoint/2010/main" id="1" dur="indefinite" restart="never" nodeType="tmRoot"/>
+      </p:par>
+    </p:tnLst>
+  </p:timing>
 </p:sld>
 </file>
 
@@ -4056,10 +4905,6 @@
           </p:nvPr>
         </p:nvSpPr>
         <p:spPr>
-          <a:xfrm>
-            <a:off x="685799" y="67236"/>
-            <a:ext cx="7770815" cy="1371601"/>
-          </a:xfrm>
           <a:prstGeom prst="rect">
             <a:avLst/>
           </a:prstGeom>
@@ -4081,14 +4926,10 @@
             <a:spLocks noGrp="1"/>
           </p:cNvSpPr>
           <p:nvPr>
-            <p:ph type="body" idx="1"/>
+            <p:ph idx="1"/>
           </p:nvPr>
         </p:nvSpPr>
         <p:spPr>
-          <a:xfrm>
-            <a:off x="685799" y="2209800"/>
-            <a:ext cx="7770815" cy="3657600"/>
-          </a:xfrm>
           <a:prstGeom prst="rect">
             <a:avLst/>
           </a:prstGeom>
@@ -4124,6 +4965,13 @@
     <a:masterClrMapping/>
   </p:clrMapOvr>
   <p:transition xmlns:p14="http://schemas.microsoft.com/office/powerpoint/2010/main" spd="slow"/>
+  <p:timing>
+    <p:tnLst>
+      <p:par>
+        <p:cTn xmlns:p14="http://schemas.microsoft.com/office/powerpoint/2010/main" id="1" dur="indefinite" restart="never" nodeType="tmRoot"/>
+      </p:par>
+    </p:tnLst>
+  </p:timing>
 </p:sld>
 </file>
 
@@ -4155,10 +5003,6 @@
           </p:nvPr>
         </p:nvSpPr>
         <p:spPr>
-          <a:xfrm>
-            <a:off x="685799" y="67236"/>
-            <a:ext cx="7770815" cy="1371601"/>
-          </a:xfrm>
           <a:prstGeom prst="rect">
             <a:avLst/>
           </a:prstGeom>
@@ -4180,14 +5024,10 @@
             <a:spLocks noGrp="1"/>
           </p:cNvSpPr>
           <p:nvPr>
-            <p:ph type="body" idx="1"/>
+            <p:ph idx="1"/>
           </p:nvPr>
         </p:nvSpPr>
         <p:spPr>
-          <a:xfrm>
-            <a:off x="685799" y="2209800"/>
-            <a:ext cx="7770815" cy="3657600"/>
-          </a:xfrm>
           <a:prstGeom prst="rect">
             <a:avLst/>
           </a:prstGeom>
@@ -4197,16 +5037,19 @@
           <a:lstStyle/>
           <a:p>
             <a:r>
+              <a:rPr dirty="0"/>
               <a:t>Google tool for manipulating JSON</a:t>
             </a:r>
           </a:p>
           <a:p>
             <a:r>
+              <a:rPr dirty="0"/>
               <a:t>Build JSON objects from POJOs</a:t>
             </a:r>
           </a:p>
           <a:p>
             <a:r>
+              <a:rPr dirty="0"/>
               <a:t>Fill POJO properties from JSON</a:t>
             </a:r>
           </a:p>
@@ -4221,12 +5064,18 @@
               <a:defRPr sz="2200"/>
             </a:pPr>
             <a:r>
+              <a:rPr dirty="0"/>
               <a:t>Smart enough to only populate relevant fields</a:t>
             </a:r>
           </a:p>
           <a:p>
             <a:r>
-              <a:t>Nested JSON objects</a:t>
+              <a:rPr dirty="0" smtClean="0"/>
+              <a:t>Nested </a:t>
+            </a:r>
+            <a:r>
+              <a:rPr dirty="0"/>
+              <a:t>JSON objects</a:t>
             </a:r>
           </a:p>
         </p:txBody>
@@ -4237,6 +5086,13 @@
     <a:masterClrMapping/>
   </p:clrMapOvr>
   <p:transition xmlns:p14="http://schemas.microsoft.com/office/powerpoint/2010/main" spd="slow"/>
+  <p:timing>
+    <p:tnLst>
+      <p:par>
+        <p:cTn xmlns:p14="http://schemas.microsoft.com/office/powerpoint/2010/main" id="1" dur="indefinite" restart="never" nodeType="tmRoot"/>
+      </p:par>
+    </p:tnLst>
+  </p:timing>
 </p:sld>
 </file>
 
@@ -4268,10 +5124,6 @@
           </p:nvPr>
         </p:nvSpPr>
         <p:spPr>
-          <a:xfrm>
-            <a:off x="685799" y="67236"/>
-            <a:ext cx="7770815" cy="1371601"/>
-          </a:xfrm>
           <a:prstGeom prst="rect">
             <a:avLst/>
           </a:prstGeom>
@@ -4293,14 +5145,10 @@
             <a:spLocks noGrp="1"/>
           </p:cNvSpPr>
           <p:nvPr>
-            <p:ph type="body" idx="1"/>
+            <p:ph idx="1"/>
           </p:nvPr>
         </p:nvSpPr>
         <p:spPr>
-          <a:xfrm>
-            <a:off x="685799" y="2209800"/>
-            <a:ext cx="7770815" cy="3657600"/>
-          </a:xfrm>
           <a:prstGeom prst="rect">
             <a:avLst/>
           </a:prstGeom>
@@ -4310,16 +5158,19 @@
           <a:lstStyle/>
           <a:p>
             <a:r>
+              <a:rPr dirty="0"/>
               <a:t>GET parameters @QueryParam(”var") String var</a:t>
             </a:r>
           </a:p>
           <a:p>
             <a:r>
+              <a:rPr dirty="0"/>
               <a:t>@QueryParam(“var”) - key from GET url</a:t>
             </a:r>
           </a:p>
           <a:p>
             <a:r>
+              <a:rPr dirty="0"/>
               <a:t>String var – typical Java parameter for local use</a:t>
             </a:r>
           </a:p>
@@ -4331,6 +5182,13 @@
     <a:masterClrMapping/>
   </p:clrMapOvr>
   <p:transition xmlns:p14="http://schemas.microsoft.com/office/powerpoint/2010/main" spd="slow"/>
+  <p:timing>
+    <p:tnLst>
+      <p:par>
+        <p:cTn xmlns:p14="http://schemas.microsoft.com/office/powerpoint/2010/main" id="1" dur="indefinite" restart="never" nodeType="tmRoot"/>
+      </p:par>
+    </p:tnLst>
+  </p:timing>
 </p:sld>
 </file>
 
@@ -4362,10 +5220,6 @@
           </p:nvPr>
         </p:nvSpPr>
         <p:spPr>
-          <a:xfrm>
-            <a:off x="685799" y="67236"/>
-            <a:ext cx="7770815" cy="1371601"/>
-          </a:xfrm>
           <a:prstGeom prst="rect">
             <a:avLst/>
           </a:prstGeom>
@@ -4387,14 +5241,10 @@
             <a:spLocks noGrp="1"/>
           </p:cNvSpPr>
           <p:nvPr>
-            <p:ph type="body" idx="1"/>
+            <p:ph idx="1"/>
           </p:nvPr>
         </p:nvSpPr>
         <p:spPr>
-          <a:xfrm>
-            <a:off x="685799" y="2209800"/>
-            <a:ext cx="7770815" cy="3657600"/>
-          </a:xfrm>
           <a:prstGeom prst="rect">
             <a:avLst/>
           </a:prstGeom>
@@ -4430,63 +5280,128 @@
     <a:masterClrMapping/>
   </p:clrMapOvr>
   <p:transition xmlns:p14="http://schemas.microsoft.com/office/powerpoint/2010/main" spd="slow"/>
+  <p:timing>
+    <p:tnLst>
+      <p:par>
+        <p:cTn xmlns:p14="http://schemas.microsoft.com/office/powerpoint/2010/main" id="1" dur="indefinite" restart="never" nodeType="tmRoot"/>
+      </p:par>
+    </p:tnLst>
+  </p:timing>
 </p:sld>
 </file>
 
 <file path=ppt/theme/theme1.xml><?xml version="1.0" encoding="utf-8"?>
-<a:theme xmlns:a="http://schemas.openxmlformats.org/drawingml/2006/main" name="Folio">
+<a:theme xmlns:a="http://schemas.openxmlformats.org/drawingml/2006/main" name="Technic">
   <a:themeElements>
-    <a:clrScheme name="Folio">
+    <a:clrScheme name="Technic">
       <a:dk1>
-        <a:srgbClr val="000000"/>
+        <a:sysClr val="windowText" lastClr="000000"/>
       </a:dk1>
       <a:lt1>
-        <a:srgbClr val="FFFFFF"/>
+        <a:sysClr val="window" lastClr="FFFFFF"/>
       </a:lt1>
       <a:dk2>
-        <a:srgbClr val="A7A7A7"/>
+        <a:srgbClr val="3B3B3B"/>
       </a:dk2>
       <a:lt2>
-        <a:srgbClr val="535353"/>
+        <a:srgbClr val="D4D2D0"/>
       </a:lt2>
       <a:accent1>
-        <a:srgbClr val="294171"/>
+        <a:srgbClr val="6EA0B0"/>
       </a:accent1>
       <a:accent2>
-        <a:srgbClr val="748CBC"/>
+        <a:srgbClr val="CCAF0A"/>
       </a:accent2>
       <a:accent3>
-        <a:srgbClr val="8E887C"/>
+        <a:srgbClr val="8D89A4"/>
       </a:accent3>
       <a:accent4>
-        <a:srgbClr val="834736"/>
+        <a:srgbClr val="748560"/>
       </a:accent4>
       <a:accent5>
-        <a:srgbClr val="5A1705"/>
+        <a:srgbClr val="9E9273"/>
       </a:accent5>
       <a:accent6>
-        <a:srgbClr val="A0A16A"/>
+        <a:srgbClr val="7E848D"/>
       </a:accent6>
       <a:hlink>
-        <a:srgbClr val="0000FF"/>
+        <a:srgbClr val="00C8C3"/>
       </a:hlink>
       <a:folHlink>
-        <a:srgbClr val="FF00FF"/>
+        <a:srgbClr val="A116E0"/>
       </a:folHlink>
     </a:clrScheme>
-    <a:fontScheme name="Folio">
+    <a:fontScheme name="Technic">
       <a:majorFont>
-        <a:latin typeface="Calisto MT"/>
-        <a:ea typeface="Calisto MT"/>
-        <a:cs typeface="Calisto MT"/>
+        <a:latin typeface="Franklin Gothic Book"/>
+        <a:ea typeface=""/>
+        <a:cs typeface=""/>
+        <a:font script="Jpan" typeface="ＭＳ Ｐゴシック"/>
+        <a:font script="Hang" typeface="HY견고딕"/>
+        <a:font script="Hans" typeface="宋体"/>
+        <a:font script="Hant" typeface="微軟正黑體"/>
+        <a:font script="Arab" typeface="Tahoma"/>
+        <a:font script="Hebr" typeface="Arial"/>
+        <a:font script="Thai" typeface="Cordia New"/>
+        <a:font script="Ethi" typeface="Nyala"/>
+        <a:font script="Beng" typeface="Vrinda"/>
+        <a:font script="Gujr" typeface="Shruti"/>
+        <a:font script="Khmr" typeface="DaunPenh"/>
+        <a:font script="Knda" typeface="Tunga"/>
+        <a:font script="Guru" typeface="Raavi"/>
+        <a:font script="Cans" typeface="Euphemia"/>
+        <a:font script="Cher" typeface="Plantagenet Cherokee"/>
+        <a:font script="Yiii" typeface="Microsoft Yi Baiti"/>
+        <a:font script="Tibt" typeface="Microsoft Himalaya"/>
+        <a:font script="Thaa" typeface="MV Boli"/>
+        <a:font script="Deva" typeface="Mangal"/>
+        <a:font script="Telu" typeface="Gautami"/>
+        <a:font script="Taml" typeface="Latha"/>
+        <a:font script="Syrc" typeface="Estrangelo Edessa"/>
+        <a:font script="Orya" typeface="Kalinga"/>
+        <a:font script="Mlym" typeface="Kartika"/>
+        <a:font script="Laoo" typeface="DokChampa"/>
+        <a:font script="Sinh" typeface="Iskoola Pota"/>
+        <a:font script="Mong" typeface="Mongolian Baiti"/>
+        <a:font script="Viet" typeface="Arial"/>
+        <a:font script="Uigh" typeface="Microsoft Uighur"/>
       </a:majorFont>
       <a:minorFont>
-        <a:latin typeface="Helvetica"/>
-        <a:ea typeface="Helvetica"/>
-        <a:cs typeface="Helvetica"/>
+        <a:latin typeface="Arial"/>
+        <a:ea typeface=""/>
+        <a:cs typeface=""/>
+        <a:font script="Jpan" typeface="ＭＳ ゴシック"/>
+        <a:font script="Hang" typeface="HY중고딕"/>
+        <a:font script="Hans" typeface="黑体"/>
+        <a:font script="Hant" typeface="微軟正黑體"/>
+        <a:font script="Arab" typeface="Tahoma"/>
+        <a:font script="Hebr" typeface="Levenim MT"/>
+        <a:font script="Thai" typeface="LilyUPC"/>
+        <a:font script="Ethi" typeface="Nyala"/>
+        <a:font script="Beng" typeface="Vrinda"/>
+        <a:font script="Gujr" typeface="Shruti"/>
+        <a:font script="Khmr" typeface="DaunPenh"/>
+        <a:font script="Knda" typeface="Tunga"/>
+        <a:font script="Guru" typeface="Raavi"/>
+        <a:font script="Cans" typeface="Euphemia"/>
+        <a:font script="Cher" typeface="Plantagenet Cherokee"/>
+        <a:font script="Yiii" typeface="Microsoft Yi Baiti"/>
+        <a:font script="Tibt" typeface="Microsoft Himalaya"/>
+        <a:font script="Thaa" typeface="MV Boli"/>
+        <a:font script="Deva" typeface="Mangal"/>
+        <a:font script="Telu" typeface="Gautami"/>
+        <a:font script="Taml" typeface="Latha"/>
+        <a:font script="Syrc" typeface="Estrangelo Edessa"/>
+        <a:font script="Orya" typeface="Kalinga"/>
+        <a:font script="Mlym" typeface="Kartika"/>
+        <a:font script="Laoo" typeface="DokChampa"/>
+        <a:font script="Sinh" typeface="Iskoola Pota"/>
+        <a:font script="Mong" typeface="Mongolian Baiti"/>
+        <a:font script="Viet" typeface="Arial"/>
+        <a:font script="Uigh" typeface="Microsoft Uighur"/>
       </a:minorFont>
     </a:fontScheme>
-    <a:fmtScheme name="Folio">
+    <a:fmtScheme name="Technic">
       <a:fillStyleLst>
         <a:solidFill>
           <a:schemeClr val="phClr"/>
@@ -4495,62 +5410,99 @@
           <a:gsLst>
             <a:gs pos="0">
               <a:schemeClr val="phClr">
-                <a:tint val="50000"/>
-                <a:satMod val="300000"/>
+                <a:tint val="1000"/>
               </a:schemeClr>
             </a:gs>
-            <a:gs pos="35000">
+            <a:gs pos="68000">
               <a:schemeClr val="phClr">
-                <a:tint val="37000"/>
-                <a:satMod val="300000"/>
+                <a:tint val="77000"/>
+              </a:schemeClr>
+            </a:gs>
+            <a:gs pos="81000">
+              <a:schemeClr val="phClr">
+                <a:tint val="79000"/>
+              </a:schemeClr>
+            </a:gs>
+            <a:gs pos="86000">
+              <a:schemeClr val="phClr">
+                <a:tint val="73000"/>
               </a:schemeClr>
             </a:gs>
             <a:gs pos="100000">
               <a:schemeClr val="phClr">
-                <a:tint val="15000"/>
-                <a:satMod val="350000"/>
+                <a:tint val="35000"/>
               </a:schemeClr>
             </a:gs>
           </a:gsLst>
-          <a:lin ang="16200000" scaled="1"/>
+          <a:lin ang="5400000" scaled="1"/>
         </a:gradFill>
         <a:gradFill rotWithShape="1">
           <a:gsLst>
             <a:gs pos="0">
               <a:schemeClr val="phClr">
-                <a:tint val="100000"/>
-                <a:shade val="100000"/>
-                <a:satMod val="129999"/>
+                <a:tint val="73000"/>
+                <a:satMod val="150000"/>
+              </a:schemeClr>
+            </a:gs>
+            <a:gs pos="25000">
+              <a:schemeClr val="phClr">
+                <a:tint val="96000"/>
+                <a:shade val="80000"/>
+                <a:satMod val="105000"/>
+              </a:schemeClr>
+            </a:gs>
+            <a:gs pos="38000">
+              <a:schemeClr val="phClr">
+                <a:tint val="96000"/>
+                <a:shade val="59000"/>
+                <a:satMod val="120000"/>
+              </a:schemeClr>
+            </a:gs>
+            <a:gs pos="55000">
+              <a:schemeClr val="phClr">
+                <a:shade val="57000"/>
+                <a:satMod val="120000"/>
+              </a:schemeClr>
+            </a:gs>
+            <a:gs pos="80000">
+              <a:schemeClr val="phClr">
+                <a:shade val="56000"/>
+                <a:satMod val="145000"/>
+              </a:schemeClr>
+            </a:gs>
+            <a:gs pos="88000">
+              <a:schemeClr val="phClr">
+                <a:shade val="63000"/>
+                <a:satMod val="160000"/>
               </a:schemeClr>
             </a:gs>
             <a:gs pos="100000">
               <a:schemeClr val="phClr">
-                <a:tint val="50000"/>
-                <a:shade val="100000"/>
-                <a:satMod val="350000"/>
+                <a:tint val="99555"/>
+                <a:satMod val="155000"/>
               </a:schemeClr>
             </a:gs>
           </a:gsLst>
-          <a:lin ang="16200000" scaled="0"/>
+          <a:lin ang="5400000" scaled="1"/>
         </a:gradFill>
       </a:fillStyleLst>
       <a:lnStyleLst>
         <a:ln w="9525" cap="flat" cmpd="sng" algn="ctr">
           <a:solidFill>
             <a:schemeClr val="phClr">
-              <a:shade val="95000"/>
-              <a:satMod val="104999"/>
+              <a:shade val="60000"/>
+              <a:satMod val="300000"/>
             </a:schemeClr>
           </a:solidFill>
           <a:prstDash val="solid"/>
         </a:ln>
-        <a:ln w="25400" cap="flat" cmpd="sng" algn="ctr">
+        <a:ln w="19050" cap="flat" cmpd="sng" algn="ctr">
           <a:solidFill>
             <a:schemeClr val="phClr"/>
           </a:solidFill>
           <a:prstDash val="solid"/>
         </a:ln>
-        <a:ln w="38100" cap="flat" cmpd="sng" algn="ctr">
+        <a:ln w="19050" cap="flat" cmpd="sng" algn="ctr">
           <a:solidFill>
             <a:schemeClr val="phClr"/>
           </a:solidFill>
@@ -4560,30 +5512,56 @@
       <a:effectStyleLst>
         <a:effectStyle>
           <a:effectLst>
-            <a:outerShdw blurRad="38100" dist="25400" dir="5400000" rotWithShape="0">
-              <a:srgbClr val="000000">
+            <a:glow rad="63500">
+              <a:schemeClr val="phClr">
+                <a:tint val="30000"/>
+                <a:shade val="95000"/>
+                <a:satMod val="300000"/>
                 <a:alpha val="50000"/>
-              </a:srgbClr>
-            </a:outerShdw>
+              </a:schemeClr>
+            </a:glow>
           </a:effectLst>
         </a:effectStyle>
         <a:effectStyle>
           <a:effectLst>
-            <a:outerShdw blurRad="38100" dist="25400" dir="5400000" rotWithShape="0">
-              <a:srgbClr val="000000">
+            <a:glow rad="70000">
+              <a:schemeClr val="phClr">
+                <a:tint val="30000"/>
+                <a:shade val="95000"/>
+                <a:satMod val="300000"/>
                 <a:alpha val="50000"/>
-              </a:srgbClr>
-            </a:outerShdw>
+              </a:schemeClr>
+            </a:glow>
           </a:effectLst>
         </a:effectStyle>
         <a:effectStyle>
           <a:effectLst>
-            <a:outerShdw blurRad="38100" dist="20000" dir="5400000" rotWithShape="0">
-              <a:srgbClr val="000000">
-                <a:alpha val="38000"/>
-              </a:srgbClr>
-            </a:outerShdw>
+            <a:glow rad="76200">
+              <a:schemeClr val="phClr">
+                <a:tint val="30000"/>
+                <a:shade val="95000"/>
+                <a:satMod val="300000"/>
+                <a:alpha val="50000"/>
+              </a:schemeClr>
+            </a:glow>
           </a:effectLst>
+          <a:scene3d>
+            <a:camera prst="orthographicFront" fov="0">
+              <a:rot lat="0" lon="0" rev="0"/>
+            </a:camera>
+            <a:lightRig rig="harsh" dir="t">
+              <a:rot lat="6000000" lon="6000000" rev="0"/>
+            </a:lightRig>
+          </a:scene3d>
+          <a:sp3d contourW="10000" prstMaterial="metal">
+            <a:bevelT w="20000" h="9000" prst="softRound"/>
+            <a:contourClr>
+              <a:schemeClr val="phClr">
+                <a:shade val="30000"/>
+                <a:satMod val="200000"/>
+              </a:schemeClr>
+            </a:contourClr>
+          </a:sp3d>
         </a:effectStyle>
       </a:effectStyleLst>
       <a:bgFillStyleLst>
@@ -4594,45 +5572,42 @@
           <a:gsLst>
             <a:gs pos="0">
               <a:schemeClr val="phClr">
-                <a:tint val="40000"/>
-                <a:satMod val="350000"/>
+                <a:shade val="40000"/>
+                <a:satMod val="150000"/>
               </a:schemeClr>
             </a:gs>
-            <a:gs pos="40000">
+            <a:gs pos="30000">
               <a:schemeClr val="phClr">
-                <a:tint val="45000"/>
-                <a:shade val="99000"/>
-                <a:satMod val="350000"/>
+                <a:shade val="60000"/>
+                <a:satMod val="150000"/>
               </a:schemeClr>
             </a:gs>
             <a:gs pos="100000">
               <a:schemeClr val="phClr">
-                <a:shade val="20000"/>
-                <a:satMod val="255000"/>
+                <a:tint val="83000"/>
+                <a:satMod val="200000"/>
               </a:schemeClr>
             </a:gs>
           </a:gsLst>
-          <a:path path="circle">
-            <a:fillToRect l="50000" t="-80000" r="50000" b="180000"/>
-          </a:path>
+          <a:lin ang="13000000" scaled="0"/>
         </a:gradFill>
         <a:gradFill rotWithShape="1">
           <a:gsLst>
             <a:gs pos="0">
               <a:schemeClr val="phClr">
-                <a:tint val="80000"/>
-                <a:satMod val="300000"/>
+                <a:tint val="78000"/>
+                <a:satMod val="220000"/>
               </a:schemeClr>
             </a:gs>
             <a:gs pos="100000">
               <a:schemeClr val="phClr">
-                <a:shade val="30000"/>
-                <a:satMod val="200000"/>
+                <a:shade val="35000"/>
+                <a:satMod val="155000"/>
               </a:schemeClr>
             </a:gs>
           </a:gsLst>
           <a:path path="circle">
-            <a:fillToRect l="50000" t="50000" r="50000" b="50000"/>
+            <a:fillToRect l="60000" t="50000" r="40000" b="50000"/>
           </a:path>
         </a:gradFill>
       </a:bgFillStyleLst>
@@ -4640,897 +5615,47 @@
   </a:themeElements>
   <a:objectDefaults>
     <a:spDef>
-      <a:spPr>
-        <a:solidFill>
-          <a:srgbClr val="FFFFFF"/>
-        </a:solidFill>
-        <a:ln w="31750" cap="flat">
-          <a:solidFill>
-            <a:schemeClr val="accent1"/>
-          </a:solidFill>
-          <a:prstDash val="solid"/>
-          <a:round/>
-        </a:ln>
-        <a:effectLst>
-          <a:outerShdw blurRad="38100" dist="25400" dir="5400000" rotWithShape="0">
-            <a:srgbClr val="000000">
-              <a:alpha val="50000"/>
-            </a:srgbClr>
-          </a:outerShdw>
-        </a:effectLst>
-        <a:sp3d/>
-      </a:spPr>
-      <a:bodyPr rot="0" spcFirstLastPara="1" vertOverflow="overflow" horzOverflow="overflow" vert="horz" wrap="square" lIns="45719" tIns="45719" rIns="45719" bIns="45719" numCol="1" spcCol="38100" rtlCol="0" anchor="ctr">
-        <a:spAutoFit/>
-      </a:bodyPr>
+      <a:spPr/>
+      <a:bodyPr rtlCol="0" anchor="ctr"/>
       <a:lstStyle>
-        <a:defPPr marL="0" marR="0" indent="0" algn="l" defTabSz="914400" rtl="0" fontAlgn="auto" latinLnBrk="0" hangingPunct="0">
-          <a:lnSpc>
-            <a:spcPct val="100000"/>
-          </a:lnSpc>
-          <a:spcBef>
-            <a:spcPts val="0"/>
-          </a:spcBef>
-          <a:spcAft>
-            <a:spcPts val="0"/>
-          </a:spcAft>
-          <a:buClrTx/>
-          <a:buSzTx/>
-          <a:buFontTx/>
-          <a:buNone/>
-          <a:tabLst/>
-          <a:defRPr kumimoji="0" sz="1800" b="0" i="0" u="none" strike="noStrike" cap="none" spc="0" normalizeH="0" baseline="0">
-            <a:ln>
-              <a:noFill/>
-            </a:ln>
-            <a:solidFill>
-              <a:srgbClr val="000000"/>
-            </a:solidFill>
-            <a:effectLst/>
-            <a:uFillTx/>
-            <a:latin typeface="+mj-lt"/>
-            <a:ea typeface="+mj-ea"/>
-            <a:cs typeface="+mj-cs"/>
-            <a:sym typeface="Calisto MT"/>
-          </a:defRPr>
+        <a:defPPr algn="ctr">
+          <a:defRPr/>
         </a:defPPr>
-        <a:lvl1pPr marL="0" marR="0" indent="0" algn="l" defTabSz="914400" rtl="0" fontAlgn="auto" latinLnBrk="1" hangingPunct="0">
-          <a:lnSpc>
-            <a:spcPct val="100000"/>
-          </a:lnSpc>
-          <a:spcBef>
-            <a:spcPts val="0"/>
-          </a:spcBef>
-          <a:spcAft>
-            <a:spcPts val="0"/>
-          </a:spcAft>
-          <a:buClrTx/>
-          <a:buSzTx/>
-          <a:buFontTx/>
-          <a:buNone/>
-          <a:tabLst/>
-          <a:defRPr kumimoji="0" sz="1800" b="0" i="0" u="none" strike="noStrike" cap="none" spc="0" normalizeH="0" baseline="0">
-            <a:ln>
-              <a:noFill/>
-            </a:ln>
-            <a:solidFill>
-              <a:srgbClr val="000000"/>
-            </a:solidFill>
-            <a:effectLst/>
-            <a:uFillTx/>
-          </a:defRPr>
-        </a:lvl1pPr>
-        <a:lvl2pPr marL="0" marR="0" indent="0" algn="l" defTabSz="914400" rtl="0" fontAlgn="auto" latinLnBrk="1" hangingPunct="0">
-          <a:lnSpc>
-            <a:spcPct val="100000"/>
-          </a:lnSpc>
-          <a:spcBef>
-            <a:spcPts val="0"/>
-          </a:spcBef>
-          <a:spcAft>
-            <a:spcPts val="0"/>
-          </a:spcAft>
-          <a:buClrTx/>
-          <a:buSzTx/>
-          <a:buFontTx/>
-          <a:buNone/>
-          <a:tabLst/>
-          <a:defRPr kumimoji="0" sz="1800" b="0" i="0" u="none" strike="noStrike" cap="none" spc="0" normalizeH="0" baseline="0">
-            <a:ln>
-              <a:noFill/>
-            </a:ln>
-            <a:solidFill>
-              <a:srgbClr val="000000"/>
-            </a:solidFill>
-            <a:effectLst/>
-            <a:uFillTx/>
-          </a:defRPr>
-        </a:lvl2pPr>
-        <a:lvl3pPr marL="0" marR="0" indent="0" algn="l" defTabSz="914400" rtl="0" fontAlgn="auto" latinLnBrk="1" hangingPunct="0">
-          <a:lnSpc>
-            <a:spcPct val="100000"/>
-          </a:lnSpc>
-          <a:spcBef>
-            <a:spcPts val="0"/>
-          </a:spcBef>
-          <a:spcAft>
-            <a:spcPts val="0"/>
-          </a:spcAft>
-          <a:buClrTx/>
-          <a:buSzTx/>
-          <a:buFontTx/>
-          <a:buNone/>
-          <a:tabLst/>
-          <a:defRPr kumimoji="0" sz="1800" b="0" i="0" u="none" strike="noStrike" cap="none" spc="0" normalizeH="0" baseline="0">
-            <a:ln>
-              <a:noFill/>
-            </a:ln>
-            <a:solidFill>
-              <a:srgbClr val="000000"/>
-            </a:solidFill>
-            <a:effectLst/>
-            <a:uFillTx/>
-          </a:defRPr>
-        </a:lvl3pPr>
-        <a:lvl4pPr marL="0" marR="0" indent="0" algn="l" defTabSz="914400" rtl="0" fontAlgn="auto" latinLnBrk="1" hangingPunct="0">
-          <a:lnSpc>
-            <a:spcPct val="100000"/>
-          </a:lnSpc>
-          <a:spcBef>
-            <a:spcPts val="0"/>
-          </a:spcBef>
-          <a:spcAft>
-            <a:spcPts val="0"/>
-          </a:spcAft>
-          <a:buClrTx/>
-          <a:buSzTx/>
-          <a:buFontTx/>
-          <a:buNone/>
-          <a:tabLst/>
-          <a:defRPr kumimoji="0" sz="1800" b="0" i="0" u="none" strike="noStrike" cap="none" spc="0" normalizeH="0" baseline="0">
-            <a:ln>
-              <a:noFill/>
-            </a:ln>
-            <a:solidFill>
-              <a:srgbClr val="000000"/>
-            </a:solidFill>
-            <a:effectLst/>
-            <a:uFillTx/>
-          </a:defRPr>
-        </a:lvl4pPr>
-        <a:lvl5pPr marL="0" marR="0" indent="0" algn="l" defTabSz="914400" rtl="0" fontAlgn="auto" latinLnBrk="1" hangingPunct="0">
-          <a:lnSpc>
-            <a:spcPct val="100000"/>
-          </a:lnSpc>
-          <a:spcBef>
-            <a:spcPts val="0"/>
-          </a:spcBef>
-          <a:spcAft>
-            <a:spcPts val="0"/>
-          </a:spcAft>
-          <a:buClrTx/>
-          <a:buSzTx/>
-          <a:buFontTx/>
-          <a:buNone/>
-          <a:tabLst/>
-          <a:defRPr kumimoji="0" sz="1800" b="0" i="0" u="none" strike="noStrike" cap="none" spc="0" normalizeH="0" baseline="0">
-            <a:ln>
-              <a:noFill/>
-            </a:ln>
-            <a:solidFill>
-              <a:srgbClr val="000000"/>
-            </a:solidFill>
-            <a:effectLst/>
-            <a:uFillTx/>
-          </a:defRPr>
-        </a:lvl5pPr>
-        <a:lvl6pPr marL="0" marR="0" indent="0" algn="l" defTabSz="914400" rtl="0" fontAlgn="auto" latinLnBrk="1" hangingPunct="0">
-          <a:lnSpc>
-            <a:spcPct val="100000"/>
-          </a:lnSpc>
-          <a:spcBef>
-            <a:spcPts val="0"/>
-          </a:spcBef>
-          <a:spcAft>
-            <a:spcPts val="0"/>
-          </a:spcAft>
-          <a:buClrTx/>
-          <a:buSzTx/>
-          <a:buFontTx/>
-          <a:buNone/>
-          <a:tabLst/>
-          <a:defRPr kumimoji="0" sz="1800" b="0" i="0" u="none" strike="noStrike" cap="none" spc="0" normalizeH="0" baseline="0">
-            <a:ln>
-              <a:noFill/>
-            </a:ln>
-            <a:solidFill>
-              <a:srgbClr val="000000"/>
-            </a:solidFill>
-            <a:effectLst/>
-            <a:uFillTx/>
-          </a:defRPr>
-        </a:lvl6pPr>
-        <a:lvl7pPr marL="0" marR="0" indent="0" algn="l" defTabSz="914400" rtl="0" fontAlgn="auto" latinLnBrk="1" hangingPunct="0">
-          <a:lnSpc>
-            <a:spcPct val="100000"/>
-          </a:lnSpc>
-          <a:spcBef>
-            <a:spcPts val="0"/>
-          </a:spcBef>
-          <a:spcAft>
-            <a:spcPts val="0"/>
-          </a:spcAft>
-          <a:buClrTx/>
-          <a:buSzTx/>
-          <a:buFontTx/>
-          <a:buNone/>
-          <a:tabLst/>
-          <a:defRPr kumimoji="0" sz="1800" b="0" i="0" u="none" strike="noStrike" cap="none" spc="0" normalizeH="0" baseline="0">
-            <a:ln>
-              <a:noFill/>
-            </a:ln>
-            <a:solidFill>
-              <a:srgbClr val="000000"/>
-            </a:solidFill>
-            <a:effectLst/>
-            <a:uFillTx/>
-          </a:defRPr>
-        </a:lvl7pPr>
-        <a:lvl8pPr marL="0" marR="0" indent="0" algn="l" defTabSz="914400" rtl="0" fontAlgn="auto" latinLnBrk="1" hangingPunct="0">
-          <a:lnSpc>
-            <a:spcPct val="100000"/>
-          </a:lnSpc>
-          <a:spcBef>
-            <a:spcPts val="0"/>
-          </a:spcBef>
-          <a:spcAft>
-            <a:spcPts val="0"/>
-          </a:spcAft>
-          <a:buClrTx/>
-          <a:buSzTx/>
-          <a:buFontTx/>
-          <a:buNone/>
-          <a:tabLst/>
-          <a:defRPr kumimoji="0" sz="1800" b="0" i="0" u="none" strike="noStrike" cap="none" spc="0" normalizeH="0" baseline="0">
-            <a:ln>
-              <a:noFill/>
-            </a:ln>
-            <a:solidFill>
-              <a:srgbClr val="000000"/>
-            </a:solidFill>
-            <a:effectLst/>
-            <a:uFillTx/>
-          </a:defRPr>
-        </a:lvl8pPr>
-        <a:lvl9pPr marL="0" marR="0" indent="0" algn="l" defTabSz="914400" rtl="0" fontAlgn="auto" latinLnBrk="1" hangingPunct="0">
-          <a:lnSpc>
-            <a:spcPct val="100000"/>
-          </a:lnSpc>
-          <a:spcBef>
-            <a:spcPts val="0"/>
-          </a:spcBef>
-          <a:spcAft>
-            <a:spcPts val="0"/>
-          </a:spcAft>
-          <a:buClrTx/>
-          <a:buSzTx/>
-          <a:buFontTx/>
-          <a:buNone/>
-          <a:tabLst/>
-          <a:defRPr kumimoji="0" sz="1800" b="0" i="0" u="none" strike="noStrike" cap="none" spc="0" normalizeH="0" baseline="0">
-            <a:ln>
-              <a:noFill/>
-            </a:ln>
-            <a:solidFill>
-              <a:srgbClr val="000000"/>
-            </a:solidFill>
-            <a:effectLst/>
-            <a:uFillTx/>
-          </a:defRPr>
-        </a:lvl9pPr>
       </a:lstStyle>
       <a:style>
-        <a:lnRef idx="0">
-          <a:scrgbClr r="0" g="0" b="0"/>
+        <a:lnRef idx="1">
+          <a:schemeClr val="accent1"/>
         </a:lnRef>
-        <a:fillRef idx="0">
-          <a:scrgbClr r="0" g="0" b="0"/>
+        <a:fillRef idx="3">
+          <a:schemeClr val="accent1"/>
         </a:fillRef>
-        <a:effectRef idx="0">
-          <a:scrgbClr r="0" g="0" b="0"/>
+        <a:effectRef idx="2">
+          <a:schemeClr val="accent1"/>
         </a:effectRef>
-        <a:fontRef idx="none"/>
+        <a:fontRef idx="minor">
+          <a:schemeClr val="lt1"/>
+        </a:fontRef>
       </a:style>
     </a:spDef>
     <a:lnDef>
-      <a:spPr>
-        <a:noFill/>
-        <a:ln w="31750" cap="flat">
-          <a:solidFill>
-            <a:schemeClr val="accent1"/>
-          </a:solidFill>
-          <a:prstDash val="solid"/>
-          <a:round/>
-        </a:ln>
-        <a:effectLst>
-          <a:outerShdw blurRad="38100" dist="20000" dir="5400000" rotWithShape="0">
-            <a:srgbClr val="000000">
-              <a:alpha val="38000"/>
-            </a:srgbClr>
-          </a:outerShdw>
-        </a:effectLst>
-        <a:sp3d/>
-      </a:spPr>
-      <a:bodyPr rot="0" spcFirstLastPara="1" vertOverflow="overflow" horzOverflow="overflow" vert="horz" wrap="square" lIns="91439" tIns="45719" rIns="91439" bIns="45719" numCol="1" spcCol="38100" rtlCol="0" anchor="t">
-        <a:noAutofit/>
-      </a:bodyPr>
-      <a:lstStyle>
-        <a:defPPr marL="0" marR="0" indent="0" algn="l" defTabSz="914400" rtl="0" fontAlgn="auto" latinLnBrk="1" hangingPunct="0">
-          <a:lnSpc>
-            <a:spcPct val="100000"/>
-          </a:lnSpc>
-          <a:spcBef>
-            <a:spcPts val="0"/>
-          </a:spcBef>
-          <a:spcAft>
-            <a:spcPts val="0"/>
-          </a:spcAft>
-          <a:buClrTx/>
-          <a:buSzTx/>
-          <a:buFontTx/>
-          <a:buNone/>
-          <a:tabLst/>
-          <a:defRPr kumimoji="0" sz="1800" b="0" i="0" u="none" strike="noStrike" cap="none" spc="0" normalizeH="0" baseline="0">
-            <a:ln>
-              <a:noFill/>
-            </a:ln>
-            <a:solidFill>
-              <a:srgbClr val="000000"/>
-            </a:solidFill>
-            <a:effectLst/>
-            <a:uFillTx/>
-          </a:defRPr>
-        </a:defPPr>
-        <a:lvl1pPr marL="0" marR="0" indent="0" algn="l" defTabSz="914400" rtl="0" fontAlgn="auto" latinLnBrk="1" hangingPunct="0">
-          <a:lnSpc>
-            <a:spcPct val="100000"/>
-          </a:lnSpc>
-          <a:spcBef>
-            <a:spcPts val="0"/>
-          </a:spcBef>
-          <a:spcAft>
-            <a:spcPts val="0"/>
-          </a:spcAft>
-          <a:buClrTx/>
-          <a:buSzTx/>
-          <a:buFontTx/>
-          <a:buNone/>
-          <a:tabLst/>
-          <a:defRPr kumimoji="0" sz="1800" b="0" i="0" u="none" strike="noStrike" cap="none" spc="0" normalizeH="0" baseline="0">
-            <a:ln>
-              <a:noFill/>
-            </a:ln>
-            <a:solidFill>
-              <a:srgbClr val="000000"/>
-            </a:solidFill>
-            <a:effectLst/>
-            <a:uFillTx/>
-          </a:defRPr>
-        </a:lvl1pPr>
-        <a:lvl2pPr marL="0" marR="0" indent="0" algn="l" defTabSz="914400" rtl="0" fontAlgn="auto" latinLnBrk="1" hangingPunct="0">
-          <a:lnSpc>
-            <a:spcPct val="100000"/>
-          </a:lnSpc>
-          <a:spcBef>
-            <a:spcPts val="0"/>
-          </a:spcBef>
-          <a:spcAft>
-            <a:spcPts val="0"/>
-          </a:spcAft>
-          <a:buClrTx/>
-          <a:buSzTx/>
-          <a:buFontTx/>
-          <a:buNone/>
-          <a:tabLst/>
-          <a:defRPr kumimoji="0" sz="1800" b="0" i="0" u="none" strike="noStrike" cap="none" spc="0" normalizeH="0" baseline="0">
-            <a:ln>
-              <a:noFill/>
-            </a:ln>
-            <a:solidFill>
-              <a:srgbClr val="000000"/>
-            </a:solidFill>
-            <a:effectLst/>
-            <a:uFillTx/>
-          </a:defRPr>
-        </a:lvl2pPr>
-        <a:lvl3pPr marL="0" marR="0" indent="0" algn="l" defTabSz="914400" rtl="0" fontAlgn="auto" latinLnBrk="1" hangingPunct="0">
-          <a:lnSpc>
-            <a:spcPct val="100000"/>
-          </a:lnSpc>
-          <a:spcBef>
-            <a:spcPts val="0"/>
-          </a:spcBef>
-          <a:spcAft>
-            <a:spcPts val="0"/>
-          </a:spcAft>
-          <a:buClrTx/>
-          <a:buSzTx/>
-          <a:buFontTx/>
-          <a:buNone/>
-          <a:tabLst/>
-          <a:defRPr kumimoji="0" sz="1800" b="0" i="0" u="none" strike="noStrike" cap="none" spc="0" normalizeH="0" baseline="0">
-            <a:ln>
-              <a:noFill/>
-            </a:ln>
-            <a:solidFill>
-              <a:srgbClr val="000000"/>
-            </a:solidFill>
-            <a:effectLst/>
-            <a:uFillTx/>
-          </a:defRPr>
-        </a:lvl3pPr>
-        <a:lvl4pPr marL="0" marR="0" indent="0" algn="l" defTabSz="914400" rtl="0" fontAlgn="auto" latinLnBrk="1" hangingPunct="0">
-          <a:lnSpc>
-            <a:spcPct val="100000"/>
-          </a:lnSpc>
-          <a:spcBef>
-            <a:spcPts val="0"/>
-          </a:spcBef>
-          <a:spcAft>
-            <a:spcPts val="0"/>
-          </a:spcAft>
-          <a:buClrTx/>
-          <a:buSzTx/>
-          <a:buFontTx/>
-          <a:buNone/>
-          <a:tabLst/>
-          <a:defRPr kumimoji="0" sz="1800" b="0" i="0" u="none" strike="noStrike" cap="none" spc="0" normalizeH="0" baseline="0">
-            <a:ln>
-              <a:noFill/>
-            </a:ln>
-            <a:solidFill>
-              <a:srgbClr val="000000"/>
-            </a:solidFill>
-            <a:effectLst/>
-            <a:uFillTx/>
-          </a:defRPr>
-        </a:lvl4pPr>
-        <a:lvl5pPr marL="0" marR="0" indent="0" algn="l" defTabSz="914400" rtl="0" fontAlgn="auto" latinLnBrk="1" hangingPunct="0">
-          <a:lnSpc>
-            <a:spcPct val="100000"/>
-          </a:lnSpc>
-          <a:spcBef>
-            <a:spcPts val="0"/>
-          </a:spcBef>
-          <a:spcAft>
-            <a:spcPts val="0"/>
-          </a:spcAft>
-          <a:buClrTx/>
-          <a:buSzTx/>
-          <a:buFontTx/>
-          <a:buNone/>
-          <a:tabLst/>
-          <a:defRPr kumimoji="0" sz="1800" b="0" i="0" u="none" strike="noStrike" cap="none" spc="0" normalizeH="0" baseline="0">
-            <a:ln>
-              <a:noFill/>
-            </a:ln>
-            <a:solidFill>
-              <a:srgbClr val="000000"/>
-            </a:solidFill>
-            <a:effectLst/>
-            <a:uFillTx/>
-          </a:defRPr>
-        </a:lvl5pPr>
-        <a:lvl6pPr marL="0" marR="0" indent="0" algn="l" defTabSz="914400" rtl="0" fontAlgn="auto" latinLnBrk="1" hangingPunct="0">
-          <a:lnSpc>
-            <a:spcPct val="100000"/>
-          </a:lnSpc>
-          <a:spcBef>
-            <a:spcPts val="0"/>
-          </a:spcBef>
-          <a:spcAft>
-            <a:spcPts val="0"/>
-          </a:spcAft>
-          <a:buClrTx/>
-          <a:buSzTx/>
-          <a:buFontTx/>
-          <a:buNone/>
-          <a:tabLst/>
-          <a:defRPr kumimoji="0" sz="1800" b="0" i="0" u="none" strike="noStrike" cap="none" spc="0" normalizeH="0" baseline="0">
-            <a:ln>
-              <a:noFill/>
-            </a:ln>
-            <a:solidFill>
-              <a:srgbClr val="000000"/>
-            </a:solidFill>
-            <a:effectLst/>
-            <a:uFillTx/>
-          </a:defRPr>
-        </a:lvl6pPr>
-        <a:lvl7pPr marL="0" marR="0" indent="0" algn="l" defTabSz="914400" rtl="0" fontAlgn="auto" latinLnBrk="1" hangingPunct="0">
-          <a:lnSpc>
-            <a:spcPct val="100000"/>
-          </a:lnSpc>
-          <a:spcBef>
-            <a:spcPts val="0"/>
-          </a:spcBef>
-          <a:spcAft>
-            <a:spcPts val="0"/>
-          </a:spcAft>
-          <a:buClrTx/>
-          <a:buSzTx/>
-          <a:buFontTx/>
-          <a:buNone/>
-          <a:tabLst/>
-          <a:defRPr kumimoji="0" sz="1800" b="0" i="0" u="none" strike="noStrike" cap="none" spc="0" normalizeH="0" baseline="0">
-            <a:ln>
-              <a:noFill/>
-            </a:ln>
-            <a:solidFill>
-              <a:srgbClr val="000000"/>
-            </a:solidFill>
-            <a:effectLst/>
-            <a:uFillTx/>
-          </a:defRPr>
-        </a:lvl7pPr>
-        <a:lvl8pPr marL="0" marR="0" indent="0" algn="l" defTabSz="914400" rtl="0" fontAlgn="auto" latinLnBrk="1" hangingPunct="0">
-          <a:lnSpc>
-            <a:spcPct val="100000"/>
-          </a:lnSpc>
-          <a:spcBef>
-            <a:spcPts val="0"/>
-          </a:spcBef>
-          <a:spcAft>
-            <a:spcPts val="0"/>
-          </a:spcAft>
-          <a:buClrTx/>
-          <a:buSzTx/>
-          <a:buFontTx/>
-          <a:buNone/>
-          <a:tabLst/>
-          <a:defRPr kumimoji="0" sz="1800" b="0" i="0" u="none" strike="noStrike" cap="none" spc="0" normalizeH="0" baseline="0">
-            <a:ln>
-              <a:noFill/>
-            </a:ln>
-            <a:solidFill>
-              <a:srgbClr val="000000"/>
-            </a:solidFill>
-            <a:effectLst/>
-            <a:uFillTx/>
-          </a:defRPr>
-        </a:lvl8pPr>
-        <a:lvl9pPr marL="0" marR="0" indent="0" algn="l" defTabSz="914400" rtl="0" fontAlgn="auto" latinLnBrk="1" hangingPunct="0">
-          <a:lnSpc>
-            <a:spcPct val="100000"/>
-          </a:lnSpc>
-          <a:spcBef>
-            <a:spcPts val="0"/>
-          </a:spcBef>
-          <a:spcAft>
-            <a:spcPts val="0"/>
-          </a:spcAft>
-          <a:buClrTx/>
-          <a:buSzTx/>
-          <a:buFontTx/>
-          <a:buNone/>
-          <a:tabLst/>
-          <a:defRPr kumimoji="0" sz="1800" b="0" i="0" u="none" strike="noStrike" cap="none" spc="0" normalizeH="0" baseline="0">
-            <a:ln>
-              <a:noFill/>
-            </a:ln>
-            <a:solidFill>
-              <a:srgbClr val="000000"/>
-            </a:solidFill>
-            <a:effectLst/>
-            <a:uFillTx/>
-          </a:defRPr>
-        </a:lvl9pPr>
-      </a:lstStyle>
+      <a:spPr/>
+      <a:bodyPr/>
+      <a:lstStyle/>
       <a:style>
-        <a:lnRef idx="0">
-          <a:scrgbClr r="0" g="0" b="0"/>
+        <a:lnRef idx="2">
+          <a:schemeClr val="accent1"/>
         </a:lnRef>
         <a:fillRef idx="0">
-          <a:scrgbClr r="0" g="0" b="0"/>
+          <a:schemeClr val="accent1"/>
         </a:fillRef>
-        <a:effectRef idx="0">
-          <a:scrgbClr r="0" g="0" b="0"/>
+        <a:effectRef idx="1">
+          <a:schemeClr val="accent1"/>
         </a:effectRef>
-        <a:fontRef idx="none"/>
+        <a:fontRef idx="minor">
+          <a:schemeClr val="tx1"/>
+        </a:fontRef>
       </a:style>
     </a:lnDef>
-    <a:txDef>
-      <a:spPr>
-        <a:noFill/>
-        <a:ln w="12700" cap="flat">
-          <a:noFill/>
-          <a:miter lim="400000"/>
-        </a:ln>
-        <a:effectLst/>
-        <a:sp3d/>
-      </a:spPr>
-      <a:bodyPr rot="0" spcFirstLastPara="1" vertOverflow="overflow" horzOverflow="overflow" vert="horz" wrap="square" lIns="45719" tIns="45719" rIns="45719" bIns="45719" numCol="1" spcCol="38100" rtlCol="0" anchor="t">
-        <a:spAutoFit/>
-      </a:bodyPr>
-      <a:lstStyle>
-        <a:defPPr marL="0" marR="0" indent="0" algn="l" defTabSz="914400" rtl="0" fontAlgn="auto" latinLnBrk="0" hangingPunct="0">
-          <a:lnSpc>
-            <a:spcPct val="100000"/>
-          </a:lnSpc>
-          <a:spcBef>
-            <a:spcPts val="0"/>
-          </a:spcBef>
-          <a:spcAft>
-            <a:spcPts val="0"/>
-          </a:spcAft>
-          <a:buClrTx/>
-          <a:buSzTx/>
-          <a:buFontTx/>
-          <a:buNone/>
-          <a:tabLst/>
-          <a:defRPr kumimoji="0" sz="1800" b="0" i="0" u="none" strike="noStrike" cap="none" spc="0" normalizeH="0" baseline="0">
-            <a:ln>
-              <a:noFill/>
-            </a:ln>
-            <a:solidFill>
-              <a:srgbClr val="000000"/>
-            </a:solidFill>
-            <a:effectLst/>
-            <a:uFillTx/>
-            <a:latin typeface="+mj-lt"/>
-            <a:ea typeface="+mj-ea"/>
-            <a:cs typeface="+mj-cs"/>
-            <a:sym typeface="Calisto MT"/>
-          </a:defRPr>
-        </a:defPPr>
-        <a:lvl1pPr marL="0" marR="0" indent="0" algn="l" defTabSz="914400" rtl="0" fontAlgn="auto" latinLnBrk="1" hangingPunct="0">
-          <a:lnSpc>
-            <a:spcPct val="100000"/>
-          </a:lnSpc>
-          <a:spcBef>
-            <a:spcPts val="0"/>
-          </a:spcBef>
-          <a:spcAft>
-            <a:spcPts val="0"/>
-          </a:spcAft>
-          <a:buClrTx/>
-          <a:buSzTx/>
-          <a:buFontTx/>
-          <a:buNone/>
-          <a:tabLst/>
-          <a:defRPr kumimoji="0" sz="1800" b="0" i="0" u="none" strike="noStrike" cap="none" spc="0" normalizeH="0" baseline="0">
-            <a:ln>
-              <a:noFill/>
-            </a:ln>
-            <a:solidFill>
-              <a:srgbClr val="000000"/>
-            </a:solidFill>
-            <a:effectLst/>
-            <a:uFillTx/>
-          </a:defRPr>
-        </a:lvl1pPr>
-        <a:lvl2pPr marL="0" marR="0" indent="0" algn="l" defTabSz="914400" rtl="0" fontAlgn="auto" latinLnBrk="1" hangingPunct="0">
-          <a:lnSpc>
-            <a:spcPct val="100000"/>
-          </a:lnSpc>
-          <a:spcBef>
-            <a:spcPts val="0"/>
-          </a:spcBef>
-          <a:spcAft>
-            <a:spcPts val="0"/>
-          </a:spcAft>
-          <a:buClrTx/>
-          <a:buSzTx/>
-          <a:buFontTx/>
-          <a:buNone/>
-          <a:tabLst/>
-          <a:defRPr kumimoji="0" sz="1800" b="0" i="0" u="none" strike="noStrike" cap="none" spc="0" normalizeH="0" baseline="0">
-            <a:ln>
-              <a:noFill/>
-            </a:ln>
-            <a:solidFill>
-              <a:srgbClr val="000000"/>
-            </a:solidFill>
-            <a:effectLst/>
-            <a:uFillTx/>
-          </a:defRPr>
-        </a:lvl2pPr>
-        <a:lvl3pPr marL="0" marR="0" indent="0" algn="l" defTabSz="914400" rtl="0" fontAlgn="auto" latinLnBrk="1" hangingPunct="0">
-          <a:lnSpc>
-            <a:spcPct val="100000"/>
-          </a:lnSpc>
-          <a:spcBef>
-            <a:spcPts val="0"/>
-          </a:spcBef>
-          <a:spcAft>
-            <a:spcPts val="0"/>
-          </a:spcAft>
-          <a:buClrTx/>
-          <a:buSzTx/>
-          <a:buFontTx/>
-          <a:buNone/>
-          <a:tabLst/>
-          <a:defRPr kumimoji="0" sz="1800" b="0" i="0" u="none" strike="noStrike" cap="none" spc="0" normalizeH="0" baseline="0">
-            <a:ln>
-              <a:noFill/>
-            </a:ln>
-            <a:solidFill>
-              <a:srgbClr val="000000"/>
-            </a:solidFill>
-            <a:effectLst/>
-            <a:uFillTx/>
-          </a:defRPr>
-        </a:lvl3pPr>
-        <a:lvl4pPr marL="0" marR="0" indent="0" algn="l" defTabSz="914400" rtl="0" fontAlgn="auto" latinLnBrk="1" hangingPunct="0">
-          <a:lnSpc>
-            <a:spcPct val="100000"/>
-          </a:lnSpc>
-          <a:spcBef>
-            <a:spcPts val="0"/>
-          </a:spcBef>
-          <a:spcAft>
-            <a:spcPts val="0"/>
-          </a:spcAft>
-          <a:buClrTx/>
-          <a:buSzTx/>
-          <a:buFontTx/>
-          <a:buNone/>
-          <a:tabLst/>
-          <a:defRPr kumimoji="0" sz="1800" b="0" i="0" u="none" strike="noStrike" cap="none" spc="0" normalizeH="0" baseline="0">
-            <a:ln>
-              <a:noFill/>
-            </a:ln>
-            <a:solidFill>
-              <a:srgbClr val="000000"/>
-            </a:solidFill>
-            <a:effectLst/>
-            <a:uFillTx/>
-          </a:defRPr>
-        </a:lvl4pPr>
-        <a:lvl5pPr marL="0" marR="0" indent="0" algn="l" defTabSz="914400" rtl="0" fontAlgn="auto" latinLnBrk="1" hangingPunct="0">
-          <a:lnSpc>
-            <a:spcPct val="100000"/>
-          </a:lnSpc>
-          <a:spcBef>
-            <a:spcPts val="0"/>
-          </a:spcBef>
-          <a:spcAft>
-            <a:spcPts val="0"/>
-          </a:spcAft>
-          <a:buClrTx/>
-          <a:buSzTx/>
-          <a:buFontTx/>
-          <a:buNone/>
-          <a:tabLst/>
-          <a:defRPr kumimoji="0" sz="1800" b="0" i="0" u="none" strike="noStrike" cap="none" spc="0" normalizeH="0" baseline="0">
-            <a:ln>
-              <a:noFill/>
-            </a:ln>
-            <a:solidFill>
-              <a:srgbClr val="000000"/>
-            </a:solidFill>
-            <a:effectLst/>
-            <a:uFillTx/>
-          </a:defRPr>
-        </a:lvl5pPr>
-        <a:lvl6pPr marL="0" marR="0" indent="0" algn="l" defTabSz="914400" rtl="0" fontAlgn="auto" latinLnBrk="1" hangingPunct="0">
-          <a:lnSpc>
-            <a:spcPct val="100000"/>
-          </a:lnSpc>
-          <a:spcBef>
-            <a:spcPts val="0"/>
-          </a:spcBef>
-          <a:spcAft>
-            <a:spcPts val="0"/>
-          </a:spcAft>
-          <a:buClrTx/>
-          <a:buSzTx/>
-          <a:buFontTx/>
-          <a:buNone/>
-          <a:tabLst/>
-          <a:defRPr kumimoji="0" sz="1800" b="0" i="0" u="none" strike="noStrike" cap="none" spc="0" normalizeH="0" baseline="0">
-            <a:ln>
-              <a:noFill/>
-            </a:ln>
-            <a:solidFill>
-              <a:srgbClr val="000000"/>
-            </a:solidFill>
-            <a:effectLst/>
-            <a:uFillTx/>
-          </a:defRPr>
-        </a:lvl6pPr>
-        <a:lvl7pPr marL="0" marR="0" indent="0" algn="l" defTabSz="914400" rtl="0" fontAlgn="auto" latinLnBrk="1" hangingPunct="0">
-          <a:lnSpc>
-            <a:spcPct val="100000"/>
-          </a:lnSpc>
-          <a:spcBef>
-            <a:spcPts val="0"/>
-          </a:spcBef>
-          <a:spcAft>
-            <a:spcPts val="0"/>
-          </a:spcAft>
-          <a:buClrTx/>
-          <a:buSzTx/>
-          <a:buFontTx/>
-          <a:buNone/>
-          <a:tabLst/>
-          <a:defRPr kumimoji="0" sz="1800" b="0" i="0" u="none" strike="noStrike" cap="none" spc="0" normalizeH="0" baseline="0">
-            <a:ln>
-              <a:noFill/>
-            </a:ln>
-            <a:solidFill>
-              <a:srgbClr val="000000"/>
-            </a:solidFill>
-            <a:effectLst/>
-            <a:uFillTx/>
-          </a:defRPr>
-        </a:lvl7pPr>
-        <a:lvl8pPr marL="0" marR="0" indent="0" algn="l" defTabSz="914400" rtl="0" fontAlgn="auto" latinLnBrk="1" hangingPunct="0">
-          <a:lnSpc>
-            <a:spcPct val="100000"/>
-          </a:lnSpc>
-          <a:spcBef>
-            <a:spcPts val="0"/>
-          </a:spcBef>
-          <a:spcAft>
-            <a:spcPts val="0"/>
-          </a:spcAft>
-          <a:buClrTx/>
-          <a:buSzTx/>
-          <a:buFontTx/>
-          <a:buNone/>
-          <a:tabLst/>
-          <a:defRPr kumimoji="0" sz="1800" b="0" i="0" u="none" strike="noStrike" cap="none" spc="0" normalizeH="0" baseline="0">
-            <a:ln>
-              <a:noFill/>
-            </a:ln>
-            <a:solidFill>
-              <a:srgbClr val="000000"/>
-            </a:solidFill>
-            <a:effectLst/>
-            <a:uFillTx/>
-          </a:defRPr>
-        </a:lvl8pPr>
-        <a:lvl9pPr marL="0" marR="0" indent="0" algn="l" defTabSz="914400" rtl="0" fontAlgn="auto" latinLnBrk="1" hangingPunct="0">
-          <a:lnSpc>
-            <a:spcPct val="100000"/>
-          </a:lnSpc>
-          <a:spcBef>
-            <a:spcPts val="0"/>
-          </a:spcBef>
-          <a:spcAft>
-            <a:spcPts val="0"/>
-          </a:spcAft>
-          <a:buClrTx/>
-          <a:buSzTx/>
-          <a:buFontTx/>
-          <a:buNone/>
-          <a:tabLst/>
-          <a:defRPr kumimoji="0" sz="1800" b="0" i="0" u="none" strike="noStrike" cap="none" spc="0" normalizeH="0" baseline="0">
-            <a:ln>
-              <a:noFill/>
-            </a:ln>
-            <a:solidFill>
-              <a:srgbClr val="000000"/>
-            </a:solidFill>
-            <a:effectLst/>
-            <a:uFillTx/>
-          </a:defRPr>
-        </a:lvl9pPr>
-      </a:lstStyle>
-      <a:style>
-        <a:lnRef idx="0">
-          <a:scrgbClr r="0" g="0" b="0"/>
-        </a:lnRef>
-        <a:fillRef idx="0">
-          <a:scrgbClr r="0" g="0" b="0"/>
-        </a:fillRef>
-        <a:effectRef idx="0">
-          <a:scrgbClr r="0" g="0" b="0"/>
-        </a:effectRef>
-        <a:fontRef idx="none"/>
-      </a:style>
-    </a:txDef>
   </a:objectDefaults>
   <a:extraClrSchemeLst/>
 </a:theme>
